--- a/Soft Computing Project ppt.pptx
+++ b/Soft Computing Project ppt.pptx
@@ -1,47 +1,47 @@
 
 <file path=ppt/presentation.xml><?xml version="1.0" encoding="utf-8"?>
-<p:presentation xmlns:a="http://schemas.openxmlformats.org/drawingml/2006/main" xmlns:r="http://schemas.openxmlformats.org/officeDocument/2006/relationships" xmlns:mc="http://schemas.openxmlformats.org/markup-compatibility/2006" xmlns:mv="urn:schemas-microsoft-com:mac:vml" xmlns:p="http://schemas.openxmlformats.org/presentationml/2006/main" xmlns:c="http://schemas.openxmlformats.org/drawingml/2006/chart" xmlns:dgm="http://schemas.openxmlformats.org/drawingml/2006/diagram" xmlns:o="urn:schemas-microsoft-com:office:office" xmlns:v="urn:schemas-microsoft-com:vml" xmlns:pvml="urn:schemas-microsoft-com:office:powerpoint" xmlns:com="http://schemas.openxmlformats.org/drawingml/2006/compatibility" xmlns:p14="http://schemas.microsoft.com/office/powerpoint/2010/main" xmlns:p15="http://schemas.microsoft.com/office/powerpoint/2012/main" xmlns:ahyp="http://schemas.microsoft.com/office/drawing/2018/hyperlinkcolor" autoCompressPictures="0" embedTrueTypeFonts="1" strictFirstAndLastChars="0" saveSubsetFonts="1">
+<p:presentation xmlns:a="http://schemas.openxmlformats.org/drawingml/2006/main" xmlns:r="http://schemas.openxmlformats.org/officeDocument/2006/relationships" xmlns:p="http://schemas.openxmlformats.org/presentationml/2006/main" strictFirstAndLastChars="0" embedTrueTypeFonts="1" saveSubsetFonts="1" autoCompressPictures="0">
   <p:sldMasterIdLst>
-    <p:sldMasterId id="2147483659" r:id="rId4"/>
+    <p:sldMasterId id="2147483659" r:id="rId1"/>
   </p:sldMasterIdLst>
   <p:notesMasterIdLst>
-    <p:notesMasterId r:id="rId5"/>
+    <p:notesMasterId r:id="rId15"/>
   </p:notesMasterIdLst>
   <p:sldIdLst>
-    <p:sldId id="256" r:id="rId6"/>
-    <p:sldId id="257" r:id="rId7"/>
-    <p:sldId id="258" r:id="rId8"/>
-    <p:sldId id="259" r:id="rId9"/>
-    <p:sldId id="260" r:id="rId10"/>
-    <p:sldId id="261" r:id="rId11"/>
-    <p:sldId id="262" r:id="rId12"/>
-    <p:sldId id="263" r:id="rId13"/>
-    <p:sldId id="264" r:id="rId14"/>
-    <p:sldId id="265" r:id="rId15"/>
-    <p:sldId id="266" r:id="rId16"/>
-    <p:sldId id="267" r:id="rId17"/>
-    <p:sldId id="268" r:id="rId18"/>
+    <p:sldId id="256" r:id="rId2"/>
+    <p:sldId id="257" r:id="rId3"/>
+    <p:sldId id="258" r:id="rId4"/>
+    <p:sldId id="259" r:id="rId5"/>
+    <p:sldId id="261" r:id="rId6"/>
+    <p:sldId id="260" r:id="rId7"/>
+    <p:sldId id="262" r:id="rId8"/>
+    <p:sldId id="263" r:id="rId9"/>
+    <p:sldId id="264" r:id="rId10"/>
+    <p:sldId id="265" r:id="rId11"/>
+    <p:sldId id="266" r:id="rId12"/>
+    <p:sldId id="267" r:id="rId13"/>
+    <p:sldId id="268" r:id="rId14"/>
   </p:sldIdLst>
-  <p:sldSz cy="5143500" cx="9144000"/>
+  <p:sldSz cx="9144000" cy="5143500" type="screen16x9"/>
   <p:notesSz cx="6858000" cy="9144000"/>
   <p:embeddedFontLst>
     <p:embeddedFont>
-      <p:font typeface="Montserrat"/>
-      <p:regular r:id="rId19"/>
-      <p:bold r:id="rId20"/>
-      <p:italic r:id="rId21"/>
-      <p:boldItalic r:id="rId22"/>
+      <p:font typeface="Lato" panose="020F0502020204030203" pitchFamily="34" charset="0"/>
+      <p:regular r:id="rId16"/>
+      <p:bold r:id="rId17"/>
+      <p:italic r:id="rId18"/>
+      <p:boldItalic r:id="rId19"/>
     </p:embeddedFont>
     <p:embeddedFont>
-      <p:font typeface="Lato"/>
-      <p:regular r:id="rId23"/>
-      <p:bold r:id="rId24"/>
-      <p:italic r:id="rId25"/>
-      <p:boldItalic r:id="rId26"/>
+      <p:font typeface="Montserrat" panose="00000500000000000000" pitchFamily="2" charset="0"/>
+      <p:regular r:id="rId20"/>
+      <p:bold r:id="rId21"/>
+      <p:italic r:id="rId22"/>
+      <p:boldItalic r:id="rId23"/>
     </p:embeddedFont>
   </p:embeddedFontLst>
   <p:defaultTextStyle>
-    <a:defPPr lvl="0" marR="0" rtl="0" algn="l">
+    <a:defPPr marR="0" lvl="0" algn="l" rtl="0">
       <a:lnSpc>
         <a:spcPct val="100000"/>
       </a:lnSpc>
@@ -52,7 +52,7 @@
         <a:spcPts val="0"/>
       </a:spcAft>
     </a:defPPr>
-    <a:lvl1pPr lvl="0" marR="0" rtl="0" algn="l">
+    <a:lvl1pPr marR="0" lvl="0" algn="l" rtl="0">
       <a:lnSpc>
         <a:spcPct val="100000"/>
       </a:lnSpc>
@@ -66,7 +66,7 @@
         <a:srgbClr val="000000"/>
       </a:buClr>
       <a:buFont typeface="Arial"/>
-      <a:defRPr b="0" i="0" sz="1400" u="none" cap="none" strike="noStrike">
+      <a:defRPr sz="1400" b="0" i="0" u="none" strike="noStrike" cap="none">
         <a:solidFill>
           <a:srgbClr val="000000"/>
         </a:solidFill>
@@ -76,7 +76,7 @@
         <a:sym typeface="Arial"/>
       </a:defRPr>
     </a:lvl1pPr>
-    <a:lvl2pPr lvl="1" marR="0" rtl="0" algn="l">
+    <a:lvl2pPr marR="0" lvl="1" algn="l" rtl="0">
       <a:lnSpc>
         <a:spcPct val="100000"/>
       </a:lnSpc>
@@ -90,7 +90,7 @@
         <a:srgbClr val="000000"/>
       </a:buClr>
       <a:buFont typeface="Arial"/>
-      <a:defRPr b="0" i="0" sz="1400" u="none" cap="none" strike="noStrike">
+      <a:defRPr sz="1400" b="0" i="0" u="none" strike="noStrike" cap="none">
         <a:solidFill>
           <a:srgbClr val="000000"/>
         </a:solidFill>
@@ -100,7 +100,7 @@
         <a:sym typeface="Arial"/>
       </a:defRPr>
     </a:lvl2pPr>
-    <a:lvl3pPr lvl="2" marR="0" rtl="0" algn="l">
+    <a:lvl3pPr marR="0" lvl="2" algn="l" rtl="0">
       <a:lnSpc>
         <a:spcPct val="100000"/>
       </a:lnSpc>
@@ -114,7 +114,7 @@
         <a:srgbClr val="000000"/>
       </a:buClr>
       <a:buFont typeface="Arial"/>
-      <a:defRPr b="0" i="0" sz="1400" u="none" cap="none" strike="noStrike">
+      <a:defRPr sz="1400" b="0" i="0" u="none" strike="noStrike" cap="none">
         <a:solidFill>
           <a:srgbClr val="000000"/>
         </a:solidFill>
@@ -124,7 +124,7 @@
         <a:sym typeface="Arial"/>
       </a:defRPr>
     </a:lvl3pPr>
-    <a:lvl4pPr lvl="3" marR="0" rtl="0" algn="l">
+    <a:lvl4pPr marR="0" lvl="3" algn="l" rtl="0">
       <a:lnSpc>
         <a:spcPct val="100000"/>
       </a:lnSpc>
@@ -138,7 +138,7 @@
         <a:srgbClr val="000000"/>
       </a:buClr>
       <a:buFont typeface="Arial"/>
-      <a:defRPr b="0" i="0" sz="1400" u="none" cap="none" strike="noStrike">
+      <a:defRPr sz="1400" b="0" i="0" u="none" strike="noStrike" cap="none">
         <a:solidFill>
           <a:srgbClr val="000000"/>
         </a:solidFill>
@@ -148,7 +148,7 @@
         <a:sym typeface="Arial"/>
       </a:defRPr>
     </a:lvl4pPr>
-    <a:lvl5pPr lvl="4" marR="0" rtl="0" algn="l">
+    <a:lvl5pPr marR="0" lvl="4" algn="l" rtl="0">
       <a:lnSpc>
         <a:spcPct val="100000"/>
       </a:lnSpc>
@@ -162,7 +162,7 @@
         <a:srgbClr val="000000"/>
       </a:buClr>
       <a:buFont typeface="Arial"/>
-      <a:defRPr b="0" i="0" sz="1400" u="none" cap="none" strike="noStrike">
+      <a:defRPr sz="1400" b="0" i="0" u="none" strike="noStrike" cap="none">
         <a:solidFill>
           <a:srgbClr val="000000"/>
         </a:solidFill>
@@ -172,7 +172,7 @@
         <a:sym typeface="Arial"/>
       </a:defRPr>
     </a:lvl5pPr>
-    <a:lvl6pPr lvl="5" marR="0" rtl="0" algn="l">
+    <a:lvl6pPr marR="0" lvl="5" algn="l" rtl="0">
       <a:lnSpc>
         <a:spcPct val="100000"/>
       </a:lnSpc>
@@ -186,7 +186,7 @@
         <a:srgbClr val="000000"/>
       </a:buClr>
       <a:buFont typeface="Arial"/>
-      <a:defRPr b="0" i="0" sz="1400" u="none" cap="none" strike="noStrike">
+      <a:defRPr sz="1400" b="0" i="0" u="none" strike="noStrike" cap="none">
         <a:solidFill>
           <a:srgbClr val="000000"/>
         </a:solidFill>
@@ -196,7 +196,7 @@
         <a:sym typeface="Arial"/>
       </a:defRPr>
     </a:lvl6pPr>
-    <a:lvl7pPr lvl="6" marR="0" rtl="0" algn="l">
+    <a:lvl7pPr marR="0" lvl="6" algn="l" rtl="0">
       <a:lnSpc>
         <a:spcPct val="100000"/>
       </a:lnSpc>
@@ -210,7 +210,7 @@
         <a:srgbClr val="000000"/>
       </a:buClr>
       <a:buFont typeface="Arial"/>
-      <a:defRPr b="0" i="0" sz="1400" u="none" cap="none" strike="noStrike">
+      <a:defRPr sz="1400" b="0" i="0" u="none" strike="noStrike" cap="none">
         <a:solidFill>
           <a:srgbClr val="000000"/>
         </a:solidFill>
@@ -220,7 +220,7 @@
         <a:sym typeface="Arial"/>
       </a:defRPr>
     </a:lvl7pPr>
-    <a:lvl8pPr lvl="7" marR="0" rtl="0" algn="l">
+    <a:lvl8pPr marR="0" lvl="7" algn="l" rtl="0">
       <a:lnSpc>
         <a:spcPct val="100000"/>
       </a:lnSpc>
@@ -234,7 +234,7 @@
         <a:srgbClr val="000000"/>
       </a:buClr>
       <a:buFont typeface="Arial"/>
-      <a:defRPr b="0" i="0" sz="1400" u="none" cap="none" strike="noStrike">
+      <a:defRPr sz="1400" b="0" i="0" u="none" strike="noStrike" cap="none">
         <a:solidFill>
           <a:srgbClr val="000000"/>
         </a:solidFill>
@@ -244,7 +244,7 @@
         <a:sym typeface="Arial"/>
       </a:defRPr>
     </a:lvl8pPr>
-    <a:lvl9pPr lvl="8" marR="0" rtl="0" algn="l">
+    <a:lvl9pPr marR="0" lvl="8" algn="l" rtl="0">
       <a:lnSpc>
         <a:spcPct val="100000"/>
       </a:lnSpc>
@@ -258,7 +258,7 @@
         <a:srgbClr val="000000"/>
       </a:buClr>
       <a:buFont typeface="Arial"/>
-      <a:defRPr b="0" i="0" sz="1400" u="none" cap="none" strike="noStrike">
+      <a:defRPr sz="1400" b="0" i="0" u="none" strike="noStrike" cap="none">
         <a:solidFill>
           <a:srgbClr val="000000"/>
         </a:solidFill>
@@ -271,7 +271,7 @@
   </p:defaultTextStyle>
   <p:extLst>
     <p:ext uri="{EFAFB233-063F-42B5-8137-9DF3F51BA10A}">
-      <p15:sldGuideLst>
+      <p15:sldGuideLst xmlns:p15="http://schemas.microsoft.com/office/powerpoint/2012/main">
         <p15:guide id="1" orient="horz" pos="1620">
           <p15:clr>
             <a:srgbClr val="747775"/>
@@ -289,11 +289,16 @@
 </file>
 
 <file path=ppt/notesMasters/notesMaster1.xml><?xml version="1.0" encoding="utf-8"?>
-<p:notesMaster xmlns:a="http://schemas.openxmlformats.org/drawingml/2006/main" xmlns:r="http://schemas.openxmlformats.org/officeDocument/2006/relationships" xmlns:mc="http://schemas.openxmlformats.org/markup-compatibility/2006" xmlns:mv="urn:schemas-microsoft-com:mac:vml" xmlns:p="http://schemas.openxmlformats.org/presentationml/2006/main" xmlns:c="http://schemas.openxmlformats.org/drawingml/2006/chart" xmlns:dgm="http://schemas.openxmlformats.org/drawingml/2006/diagram" xmlns:o="urn:schemas-microsoft-com:office:office" xmlns:v="urn:schemas-microsoft-com:vml" xmlns:pvml="urn:schemas-microsoft-com:office:powerpoint" xmlns:com="http://schemas.openxmlformats.org/drawingml/2006/compatibility" xmlns:p14="http://schemas.microsoft.com/office/powerpoint/2010/main" xmlns:p15="http://schemas.microsoft.com/office/powerpoint/2012/main" xmlns:ahyp="http://schemas.microsoft.com/office/drawing/2018/hyperlinkcolor">
+<p:notesMaster xmlns:a="http://schemas.openxmlformats.org/drawingml/2006/main" xmlns:r="http://schemas.openxmlformats.org/officeDocument/2006/relationships" xmlns:p="http://schemas.openxmlformats.org/presentationml/2006/main">
   <p:cSld>
+    <p:bg>
+      <p:bgRef idx="1001">
+        <a:schemeClr val="bg1"/>
+      </p:bgRef>
+    </p:bg>
     <p:spTree>
       <p:nvGrpSpPr>
-        <p:cNvPr id="2" name="Shape 2"/>
+        <p:cNvPr id="1" name="Shape 2"/>
         <p:cNvGrpSpPr/>
         <p:nvPr/>
       </p:nvGrpSpPr>
@@ -308,9 +313,11 @@
       <p:sp>
         <p:nvSpPr>
           <p:cNvPr id="3" name="Google Shape;3;n"/>
-          <p:cNvSpPr/>
+          <p:cNvSpPr>
+            <a:spLocks noGrp="1" noRot="1" noChangeAspect="1"/>
+          </p:cNvSpPr>
           <p:nvPr>
-            <p:ph idx="2" type="sldImg"/>
+            <p:ph type="sldImg" idx="2"/>
           </p:nvPr>
         </p:nvSpPr>
         <p:spPr>
@@ -319,9 +326,13 @@
             <a:ext cx="6096075" cy="3429000"/>
           </a:xfrm>
           <a:custGeom>
-            <a:rect b="b" l="l" r="r" t="t"/>
+            <a:avLst/>
+            <a:gdLst/>
+            <a:ahLst/>
+            <a:cxnLst/>
+            <a:rect l="l" t="t" r="r" b="b"/>
             <a:pathLst>
-              <a:path extrusionOk="0" h="120000" w="120000">
+              <a:path w="120000" h="120000" extrusionOk="0">
                 <a:moveTo>
                   <a:pt x="0" y="0"/>
                 </a:moveTo>
@@ -339,23 +350,25 @@
             </a:pathLst>
           </a:custGeom>
           <a:noFill/>
-          <a:ln cap="flat" cmpd="sng" w="9525">
+          <a:ln w="9525" cap="flat" cmpd="sng">
             <a:solidFill>
               <a:srgbClr val="000000"/>
             </a:solidFill>
             <a:prstDash val="solid"/>
             <a:round/>
-            <a:headEnd len="sm" w="sm" type="none"/>
-            <a:tailEnd len="sm" w="sm" type="none"/>
+            <a:headEnd type="none" w="sm" len="sm"/>
+            <a:tailEnd type="none" w="sm" len="sm"/>
           </a:ln>
         </p:spPr>
       </p:sp>
       <p:sp>
         <p:nvSpPr>
           <p:cNvPr id="4" name="Google Shape;4;n"/>
-          <p:cNvSpPr txBox="1"/>
+          <p:cNvSpPr txBox="1">
+            <a:spLocks noGrp="1"/>
+          </p:cNvSpPr>
           <p:nvPr>
-            <p:ph idx="1" type="body"/>
+            <p:ph type="body" idx="1"/>
           </p:nvPr>
         </p:nvSpPr>
         <p:spPr>
@@ -372,11 +385,11 @@
           </a:ln>
         </p:spPr>
         <p:txBody>
-          <a:bodyPr anchorCtr="0" anchor="t" bIns="91425" lIns="91425" spcFirstLastPara="1" rIns="91425" wrap="square" tIns="91425">
+          <a:bodyPr spcFirstLastPara="1" wrap="square" lIns="91425" tIns="91425" rIns="91425" bIns="91425" anchor="t" anchorCtr="0">
             <a:noAutofit/>
           </a:bodyPr>
           <a:lstStyle>
-            <a:lvl1pPr indent="-298450" lvl="0" marL="457200">
+            <a:lvl1pPr marL="457200" lvl="0" indent="-298450">
               <a:spcBef>
                 <a:spcPts val="0"/>
               </a:spcBef>
@@ -387,7 +400,7 @@
               <a:buChar char="●"/>
               <a:defRPr sz="1100"/>
             </a:lvl1pPr>
-            <a:lvl2pPr indent="-298450" lvl="1" marL="914400">
+            <a:lvl2pPr marL="914400" lvl="1" indent="-298450">
               <a:spcBef>
                 <a:spcPts val="0"/>
               </a:spcBef>
@@ -398,7 +411,7 @@
               <a:buChar char="○"/>
               <a:defRPr sz="1100"/>
             </a:lvl2pPr>
-            <a:lvl3pPr indent="-298450" lvl="2" marL="1371600">
+            <a:lvl3pPr marL="1371600" lvl="2" indent="-298450">
               <a:spcBef>
                 <a:spcPts val="0"/>
               </a:spcBef>
@@ -409,7 +422,7 @@
               <a:buChar char="■"/>
               <a:defRPr sz="1100"/>
             </a:lvl3pPr>
-            <a:lvl4pPr indent="-298450" lvl="3" marL="1828800">
+            <a:lvl4pPr marL="1828800" lvl="3" indent="-298450">
               <a:spcBef>
                 <a:spcPts val="0"/>
               </a:spcBef>
@@ -420,7 +433,7 @@
               <a:buChar char="●"/>
               <a:defRPr sz="1100"/>
             </a:lvl4pPr>
-            <a:lvl5pPr indent="-298450" lvl="4" marL="2286000">
+            <a:lvl5pPr marL="2286000" lvl="4" indent="-298450">
               <a:spcBef>
                 <a:spcPts val="0"/>
               </a:spcBef>
@@ -431,7 +444,7 @@
               <a:buChar char="○"/>
               <a:defRPr sz="1100"/>
             </a:lvl5pPr>
-            <a:lvl6pPr indent="-298450" lvl="5" marL="2743200">
+            <a:lvl6pPr marL="2743200" lvl="5" indent="-298450">
               <a:spcBef>
                 <a:spcPts val="0"/>
               </a:spcBef>
@@ -442,7 +455,7 @@
               <a:buChar char="■"/>
               <a:defRPr sz="1100"/>
             </a:lvl6pPr>
-            <a:lvl7pPr indent="-298450" lvl="6" marL="3200400">
+            <a:lvl7pPr marL="3200400" lvl="6" indent="-298450">
               <a:spcBef>
                 <a:spcPts val="0"/>
               </a:spcBef>
@@ -453,7 +466,7 @@
               <a:buChar char="●"/>
               <a:defRPr sz="1100"/>
             </a:lvl7pPr>
-            <a:lvl8pPr indent="-298450" lvl="7" marL="3657600">
+            <a:lvl8pPr marL="3657600" lvl="7" indent="-298450">
               <a:spcBef>
                 <a:spcPts val="0"/>
               </a:spcBef>
@@ -464,7 +477,7 @@
               <a:buChar char="○"/>
               <a:defRPr sz="1100"/>
             </a:lvl8pPr>
-            <a:lvl9pPr indent="-298450" lvl="8" marL="4114800">
+            <a:lvl9pPr marL="4114800" lvl="8" indent="-298450">
               <a:spcBef>
                 <a:spcPts val="0"/>
               </a:spcBef>
@@ -476,14 +489,16 @@
               <a:defRPr sz="1100"/>
             </a:lvl9pPr>
           </a:lstStyle>
-          <a:p/>
+          <a:p>
+            <a:endParaRPr/>
+          </a:p>
         </p:txBody>
       </p:sp>
     </p:spTree>
   </p:cSld>
-  <p:clrMap accent1="accent1" accent2="accent2" accent3="accent3" accent4="accent4" accent5="accent5" accent6="accent6" bg1="lt1" bg2="dk2" tx1="dk1" tx2="lt2" folHlink="folHlink" hlink="hlink"/>
+  <p:clrMap bg1="lt1" tx1="dk1" bg2="dk2" tx2="lt2" accent1="accent1" accent2="accent2" accent3="accent3" accent4="accent4" accent5="accent5" accent6="accent6" hlink="hlink" folHlink="folHlink"/>
   <p:notesStyle>
-    <a:defPPr lvl="0" marR="0" rtl="0" algn="l">
+    <a:defPPr marR="0" lvl="0" algn="l" rtl="0">
       <a:lnSpc>
         <a:spcPct val="100000"/>
       </a:lnSpc>
@@ -494,7 +509,7 @@
         <a:spcPts val="0"/>
       </a:spcAft>
     </a:defPPr>
-    <a:lvl1pPr lvl="0" marR="0" rtl="0" algn="l">
+    <a:lvl1pPr marR="0" lvl="0" algn="l" rtl="0">
       <a:lnSpc>
         <a:spcPct val="100000"/>
       </a:lnSpc>
@@ -508,7 +523,7 @@
         <a:srgbClr val="000000"/>
       </a:buClr>
       <a:buFont typeface="Arial"/>
-      <a:defRPr b="0" i="0" sz="1400" u="none" cap="none" strike="noStrike">
+      <a:defRPr sz="1400" b="0" i="0" u="none" strike="noStrike" cap="none">
         <a:solidFill>
           <a:srgbClr val="000000"/>
         </a:solidFill>
@@ -518,7 +533,7 @@
         <a:sym typeface="Arial"/>
       </a:defRPr>
     </a:lvl1pPr>
-    <a:lvl2pPr lvl="1" marR="0" rtl="0" algn="l">
+    <a:lvl2pPr marR="0" lvl="1" algn="l" rtl="0">
       <a:lnSpc>
         <a:spcPct val="100000"/>
       </a:lnSpc>
@@ -532,7 +547,7 @@
         <a:srgbClr val="000000"/>
       </a:buClr>
       <a:buFont typeface="Arial"/>
-      <a:defRPr b="0" i="0" sz="1400" u="none" cap="none" strike="noStrike">
+      <a:defRPr sz="1400" b="0" i="0" u="none" strike="noStrike" cap="none">
         <a:solidFill>
           <a:srgbClr val="000000"/>
         </a:solidFill>
@@ -542,7 +557,7 @@
         <a:sym typeface="Arial"/>
       </a:defRPr>
     </a:lvl2pPr>
-    <a:lvl3pPr lvl="2" marR="0" rtl="0" algn="l">
+    <a:lvl3pPr marR="0" lvl="2" algn="l" rtl="0">
       <a:lnSpc>
         <a:spcPct val="100000"/>
       </a:lnSpc>
@@ -556,7 +571,7 @@
         <a:srgbClr val="000000"/>
       </a:buClr>
       <a:buFont typeface="Arial"/>
-      <a:defRPr b="0" i="0" sz="1400" u="none" cap="none" strike="noStrike">
+      <a:defRPr sz="1400" b="0" i="0" u="none" strike="noStrike" cap="none">
         <a:solidFill>
           <a:srgbClr val="000000"/>
         </a:solidFill>
@@ -566,7 +581,7 @@
         <a:sym typeface="Arial"/>
       </a:defRPr>
     </a:lvl3pPr>
-    <a:lvl4pPr lvl="3" marR="0" rtl="0" algn="l">
+    <a:lvl4pPr marR="0" lvl="3" algn="l" rtl="0">
       <a:lnSpc>
         <a:spcPct val="100000"/>
       </a:lnSpc>
@@ -580,7 +595,7 @@
         <a:srgbClr val="000000"/>
       </a:buClr>
       <a:buFont typeface="Arial"/>
-      <a:defRPr b="0" i="0" sz="1400" u="none" cap="none" strike="noStrike">
+      <a:defRPr sz="1400" b="0" i="0" u="none" strike="noStrike" cap="none">
         <a:solidFill>
           <a:srgbClr val="000000"/>
         </a:solidFill>
@@ -590,7 +605,7 @@
         <a:sym typeface="Arial"/>
       </a:defRPr>
     </a:lvl4pPr>
-    <a:lvl5pPr lvl="4" marR="0" rtl="0" algn="l">
+    <a:lvl5pPr marR="0" lvl="4" algn="l" rtl="0">
       <a:lnSpc>
         <a:spcPct val="100000"/>
       </a:lnSpc>
@@ -604,7 +619,7 @@
         <a:srgbClr val="000000"/>
       </a:buClr>
       <a:buFont typeface="Arial"/>
-      <a:defRPr b="0" i="0" sz="1400" u="none" cap="none" strike="noStrike">
+      <a:defRPr sz="1400" b="0" i="0" u="none" strike="noStrike" cap="none">
         <a:solidFill>
           <a:srgbClr val="000000"/>
         </a:solidFill>
@@ -614,7 +629,7 @@
         <a:sym typeface="Arial"/>
       </a:defRPr>
     </a:lvl5pPr>
-    <a:lvl6pPr lvl="5" marR="0" rtl="0" algn="l">
+    <a:lvl6pPr marR="0" lvl="5" algn="l" rtl="0">
       <a:lnSpc>
         <a:spcPct val="100000"/>
       </a:lnSpc>
@@ -628,7 +643,7 @@
         <a:srgbClr val="000000"/>
       </a:buClr>
       <a:buFont typeface="Arial"/>
-      <a:defRPr b="0" i="0" sz="1400" u="none" cap="none" strike="noStrike">
+      <a:defRPr sz="1400" b="0" i="0" u="none" strike="noStrike" cap="none">
         <a:solidFill>
           <a:srgbClr val="000000"/>
         </a:solidFill>
@@ -638,7 +653,7 @@
         <a:sym typeface="Arial"/>
       </a:defRPr>
     </a:lvl6pPr>
-    <a:lvl7pPr lvl="6" marR="0" rtl="0" algn="l">
+    <a:lvl7pPr marR="0" lvl="6" algn="l" rtl="0">
       <a:lnSpc>
         <a:spcPct val="100000"/>
       </a:lnSpc>
@@ -652,7 +667,7 @@
         <a:srgbClr val="000000"/>
       </a:buClr>
       <a:buFont typeface="Arial"/>
-      <a:defRPr b="0" i="0" sz="1400" u="none" cap="none" strike="noStrike">
+      <a:defRPr sz="1400" b="0" i="0" u="none" strike="noStrike" cap="none">
         <a:solidFill>
           <a:srgbClr val="000000"/>
         </a:solidFill>
@@ -662,7 +677,7 @@
         <a:sym typeface="Arial"/>
       </a:defRPr>
     </a:lvl7pPr>
-    <a:lvl8pPr lvl="7" marR="0" rtl="0" algn="l">
+    <a:lvl8pPr marR="0" lvl="7" algn="l" rtl="0">
       <a:lnSpc>
         <a:spcPct val="100000"/>
       </a:lnSpc>
@@ -676,7 +691,7 @@
         <a:srgbClr val="000000"/>
       </a:buClr>
       <a:buFont typeface="Arial"/>
-      <a:defRPr b="0" i="0" sz="1400" u="none" cap="none" strike="noStrike">
+      <a:defRPr sz="1400" b="0" i="0" u="none" strike="noStrike" cap="none">
         <a:solidFill>
           <a:srgbClr val="000000"/>
         </a:solidFill>
@@ -686,7 +701,7 @@
         <a:sym typeface="Arial"/>
       </a:defRPr>
     </a:lvl8pPr>
-    <a:lvl9pPr lvl="8" marR="0" rtl="0" algn="l">
+    <a:lvl9pPr marR="0" lvl="8" algn="l" rtl="0">
       <a:lnSpc>
         <a:spcPct val="100000"/>
       </a:lnSpc>
@@ -700,7 +715,7 @@
         <a:srgbClr val="000000"/>
       </a:buClr>
       <a:buFont typeface="Arial"/>
-      <a:defRPr b="0" i="0" sz="1400" u="none" cap="none" strike="noStrike">
+      <a:defRPr sz="1400" b="0" i="0" u="none" strike="noStrike" cap="none">
         <a:solidFill>
           <a:srgbClr val="000000"/>
         </a:solidFill>
@@ -715,11 +730,11 @@
 </file>
 
 <file path=ppt/notesSlides/notesSlide1.xml><?xml version="1.0" encoding="utf-8"?>
-<p:notes xmlns:a="http://schemas.openxmlformats.org/drawingml/2006/main" xmlns:r="http://schemas.openxmlformats.org/officeDocument/2006/relationships" xmlns:mc="http://schemas.openxmlformats.org/markup-compatibility/2006" xmlns:mv="urn:schemas-microsoft-com:mac:vml" xmlns:p="http://schemas.openxmlformats.org/presentationml/2006/main" xmlns:c="http://schemas.openxmlformats.org/drawingml/2006/chart" xmlns:dgm="http://schemas.openxmlformats.org/drawingml/2006/diagram" xmlns:o="urn:schemas-microsoft-com:office:office" xmlns:v="urn:schemas-microsoft-com:vml" xmlns:pvml="urn:schemas-microsoft-com:office:powerpoint" xmlns:com="http://schemas.openxmlformats.org/drawingml/2006/compatibility" xmlns:p14="http://schemas.microsoft.com/office/powerpoint/2010/main" xmlns:p15="http://schemas.microsoft.com/office/powerpoint/2012/main" xmlns:ahyp="http://schemas.microsoft.com/office/drawing/2018/hyperlinkcolor" showMasterPhAnim="0" showMasterSp="0">
+<p:notes xmlns:a="http://schemas.openxmlformats.org/drawingml/2006/main" xmlns:r="http://schemas.openxmlformats.org/officeDocument/2006/relationships" xmlns:p="http://schemas.openxmlformats.org/presentationml/2006/main" showMasterSp="0" showMasterPhAnim="0">
   <p:cSld>
     <p:spTree>
       <p:nvGrpSpPr>
-        <p:cNvPr id="130" name="Shape 130"/>
+        <p:cNvPr id="1" name="Shape 130"/>
         <p:cNvGrpSpPr/>
         <p:nvPr/>
       </p:nvGrpSpPr>
@@ -734,9 +749,11 @@
       <p:sp>
         <p:nvSpPr>
           <p:cNvPr id="131" name="Google Shape;131;p:notes"/>
-          <p:cNvSpPr/>
+          <p:cNvSpPr>
+            <a:spLocks noGrp="1" noRot="1" noChangeAspect="1"/>
+          </p:cNvSpPr>
           <p:nvPr>
-            <p:ph idx="2" type="sldImg"/>
+            <p:ph type="sldImg" idx="2"/>
           </p:nvPr>
         </p:nvSpPr>
         <p:spPr>
@@ -745,9 +762,13 @@
             <a:ext cx="6096075" cy="3429000"/>
           </a:xfrm>
           <a:custGeom>
-            <a:rect b="b" l="l" r="r" t="t"/>
+            <a:avLst/>
+            <a:gdLst/>
+            <a:ahLst/>
+            <a:cxnLst/>
+            <a:rect l="l" t="t" r="r" b="b"/>
             <a:pathLst>
-              <a:path extrusionOk="0" h="120000" w="120000">
+              <a:path w="120000" h="120000" extrusionOk="0">
                 <a:moveTo>
                   <a:pt x="0" y="0"/>
                 </a:moveTo>
@@ -769,9 +790,11 @@
       <p:sp>
         <p:nvSpPr>
           <p:cNvPr id="132" name="Google Shape;132;p:notes"/>
-          <p:cNvSpPr txBox="1"/>
+          <p:cNvSpPr txBox="1">
+            <a:spLocks noGrp="1"/>
+          </p:cNvSpPr>
           <p:nvPr>
-            <p:ph idx="1" type="body"/>
+            <p:ph type="body" idx="1"/>
           </p:nvPr>
         </p:nvSpPr>
         <p:spPr>
@@ -784,12 +807,12 @@
           </a:prstGeom>
         </p:spPr>
         <p:txBody>
-          <a:bodyPr anchorCtr="0" anchor="t" bIns="91425" lIns="91425" spcFirstLastPara="1" rIns="91425" wrap="square" tIns="91425">
+          <a:bodyPr spcFirstLastPara="1" wrap="square" lIns="91425" tIns="91425" rIns="91425" bIns="91425" anchor="t" anchorCtr="0">
             <a:noAutofit/>
           </a:bodyPr>
           <a:lstStyle/>
           <a:p>
-            <a:pPr indent="0" lvl="0" marL="0" rtl="0" algn="l">
+            <a:pPr marL="0" lvl="0" indent="0" algn="l" rtl="0">
               <a:spcBef>
                 <a:spcPts val="0"/>
               </a:spcBef>
@@ -798,9 +821,6 @@
               </a:spcAft>
               <a:buNone/>
             </a:pPr>
-            <a:r>
-              <a:t/>
-            </a:r>
             <a:endParaRPr/>
           </a:p>
         </p:txBody>
@@ -814,11 +834,11 @@
 </file>
 
 <file path=ppt/notesSlides/notesSlide10.xml><?xml version="1.0" encoding="utf-8"?>
-<p:notes xmlns:a="http://schemas.openxmlformats.org/drawingml/2006/main" xmlns:r="http://schemas.openxmlformats.org/officeDocument/2006/relationships" xmlns:mc="http://schemas.openxmlformats.org/markup-compatibility/2006" xmlns:mv="urn:schemas-microsoft-com:mac:vml" xmlns:p="http://schemas.openxmlformats.org/presentationml/2006/main" xmlns:c="http://schemas.openxmlformats.org/drawingml/2006/chart" xmlns:dgm="http://schemas.openxmlformats.org/drawingml/2006/diagram" xmlns:o="urn:schemas-microsoft-com:office:office" xmlns:v="urn:schemas-microsoft-com:vml" xmlns:pvml="urn:schemas-microsoft-com:office:powerpoint" xmlns:com="http://schemas.openxmlformats.org/drawingml/2006/compatibility" xmlns:p14="http://schemas.microsoft.com/office/powerpoint/2010/main" xmlns:p15="http://schemas.microsoft.com/office/powerpoint/2012/main" xmlns:ahyp="http://schemas.microsoft.com/office/drawing/2018/hyperlinkcolor" showMasterPhAnim="0" showMasterSp="0">
+<p:notes xmlns:a="http://schemas.openxmlformats.org/drawingml/2006/main" xmlns:r="http://schemas.openxmlformats.org/officeDocument/2006/relationships" xmlns:p="http://schemas.openxmlformats.org/presentationml/2006/main" showMasterSp="0" showMasterPhAnim="0">
   <p:cSld>
     <p:spTree>
       <p:nvGrpSpPr>
-        <p:cNvPr id="184" name="Shape 184"/>
+        <p:cNvPr id="1" name="Shape 184"/>
         <p:cNvGrpSpPr/>
         <p:nvPr/>
       </p:nvGrpSpPr>
@@ -833,9 +853,11 @@
       <p:sp>
         <p:nvSpPr>
           <p:cNvPr id="185" name="Google Shape;185;g22e71b04997_0_172:notes"/>
-          <p:cNvSpPr/>
+          <p:cNvSpPr>
+            <a:spLocks noGrp="1" noRot="1" noChangeAspect="1"/>
+          </p:cNvSpPr>
           <p:nvPr>
-            <p:ph idx="2" type="sldImg"/>
+            <p:ph type="sldImg" idx="2"/>
           </p:nvPr>
         </p:nvSpPr>
         <p:spPr>
@@ -844,9 +866,13 @@
             <a:ext cx="6096000" cy="3429000"/>
           </a:xfrm>
           <a:custGeom>
-            <a:rect b="b" l="l" r="r" t="t"/>
+            <a:avLst/>
+            <a:gdLst/>
+            <a:ahLst/>
+            <a:cxnLst/>
+            <a:rect l="l" t="t" r="r" b="b"/>
             <a:pathLst>
-              <a:path extrusionOk="0" h="120000" w="120000">
+              <a:path w="120000" h="120000" extrusionOk="0">
                 <a:moveTo>
                   <a:pt x="0" y="0"/>
                 </a:moveTo>
@@ -868,9 +894,11 @@
       <p:sp>
         <p:nvSpPr>
           <p:cNvPr id="186" name="Google Shape;186;g22e71b04997_0_172:notes"/>
-          <p:cNvSpPr txBox="1"/>
+          <p:cNvSpPr txBox="1">
+            <a:spLocks noGrp="1"/>
+          </p:cNvSpPr>
           <p:nvPr>
-            <p:ph idx="1" type="body"/>
+            <p:ph type="body" idx="1"/>
           </p:nvPr>
         </p:nvSpPr>
         <p:spPr>
@@ -883,12 +911,12 @@
           </a:prstGeom>
         </p:spPr>
         <p:txBody>
-          <a:bodyPr anchorCtr="0" anchor="t" bIns="91425" lIns="91425" spcFirstLastPara="1" rIns="91425" wrap="square" tIns="91425">
+          <a:bodyPr spcFirstLastPara="1" wrap="square" lIns="91425" tIns="91425" rIns="91425" bIns="91425" anchor="t" anchorCtr="0">
             <a:noAutofit/>
           </a:bodyPr>
           <a:lstStyle/>
           <a:p>
-            <a:pPr indent="0" lvl="0" marL="0" rtl="0" algn="l">
+            <a:pPr marL="0" lvl="0" indent="0" algn="l" rtl="0">
               <a:spcBef>
                 <a:spcPts val="0"/>
               </a:spcBef>
@@ -897,9 +925,6 @@
               </a:spcAft>
               <a:buNone/>
             </a:pPr>
-            <a:r>
-              <a:t/>
-            </a:r>
             <a:endParaRPr/>
           </a:p>
         </p:txBody>
@@ -913,11 +938,11 @@
 </file>
 
 <file path=ppt/notesSlides/notesSlide11.xml><?xml version="1.0" encoding="utf-8"?>
-<p:notes xmlns:a="http://schemas.openxmlformats.org/drawingml/2006/main" xmlns:r="http://schemas.openxmlformats.org/officeDocument/2006/relationships" xmlns:mc="http://schemas.openxmlformats.org/markup-compatibility/2006" xmlns:mv="urn:schemas-microsoft-com:mac:vml" xmlns:p="http://schemas.openxmlformats.org/presentationml/2006/main" xmlns:c="http://schemas.openxmlformats.org/drawingml/2006/chart" xmlns:dgm="http://schemas.openxmlformats.org/drawingml/2006/diagram" xmlns:o="urn:schemas-microsoft-com:office:office" xmlns:v="urn:schemas-microsoft-com:vml" xmlns:pvml="urn:schemas-microsoft-com:office:powerpoint" xmlns:com="http://schemas.openxmlformats.org/drawingml/2006/compatibility" xmlns:p14="http://schemas.microsoft.com/office/powerpoint/2010/main" xmlns:p15="http://schemas.microsoft.com/office/powerpoint/2012/main" xmlns:ahyp="http://schemas.microsoft.com/office/drawing/2018/hyperlinkcolor" showMasterPhAnim="0" showMasterSp="0">
+<p:notes xmlns:a="http://schemas.openxmlformats.org/drawingml/2006/main" xmlns:r="http://schemas.openxmlformats.org/officeDocument/2006/relationships" xmlns:p="http://schemas.openxmlformats.org/presentationml/2006/main" showMasterSp="0" showMasterPhAnim="0">
   <p:cSld>
     <p:spTree>
       <p:nvGrpSpPr>
-        <p:cNvPr id="191" name="Shape 191"/>
+        <p:cNvPr id="1" name="Shape 191"/>
         <p:cNvGrpSpPr/>
         <p:nvPr/>
       </p:nvGrpSpPr>
@@ -932,9 +957,11 @@
       <p:sp>
         <p:nvSpPr>
           <p:cNvPr id="192" name="Google Shape;192;g22e71b04997_0_177:notes"/>
-          <p:cNvSpPr/>
+          <p:cNvSpPr>
+            <a:spLocks noGrp="1" noRot="1" noChangeAspect="1"/>
+          </p:cNvSpPr>
           <p:nvPr>
-            <p:ph idx="2" type="sldImg"/>
+            <p:ph type="sldImg" idx="2"/>
           </p:nvPr>
         </p:nvSpPr>
         <p:spPr>
@@ -943,9 +970,13 @@
             <a:ext cx="6096000" cy="3429000"/>
           </a:xfrm>
           <a:custGeom>
-            <a:rect b="b" l="l" r="r" t="t"/>
+            <a:avLst/>
+            <a:gdLst/>
+            <a:ahLst/>
+            <a:cxnLst/>
+            <a:rect l="l" t="t" r="r" b="b"/>
             <a:pathLst>
-              <a:path extrusionOk="0" h="120000" w="120000">
+              <a:path w="120000" h="120000" extrusionOk="0">
                 <a:moveTo>
                   <a:pt x="0" y="0"/>
                 </a:moveTo>
@@ -967,9 +998,11 @@
       <p:sp>
         <p:nvSpPr>
           <p:cNvPr id="193" name="Google Shape;193;g22e71b04997_0_177:notes"/>
-          <p:cNvSpPr txBox="1"/>
+          <p:cNvSpPr txBox="1">
+            <a:spLocks noGrp="1"/>
+          </p:cNvSpPr>
           <p:nvPr>
-            <p:ph idx="1" type="body"/>
+            <p:ph type="body" idx="1"/>
           </p:nvPr>
         </p:nvSpPr>
         <p:spPr>
@@ -982,12 +1015,12 @@
           </a:prstGeom>
         </p:spPr>
         <p:txBody>
-          <a:bodyPr anchorCtr="0" anchor="t" bIns="91425" lIns="91425" spcFirstLastPara="1" rIns="91425" wrap="square" tIns="91425">
+          <a:bodyPr spcFirstLastPara="1" wrap="square" lIns="91425" tIns="91425" rIns="91425" bIns="91425" anchor="t" anchorCtr="0">
             <a:noAutofit/>
           </a:bodyPr>
           <a:lstStyle/>
           <a:p>
-            <a:pPr indent="0" lvl="0" marL="0" rtl="0" algn="l">
+            <a:pPr marL="0" lvl="0" indent="0" algn="l" rtl="0">
               <a:spcBef>
                 <a:spcPts val="0"/>
               </a:spcBef>
@@ -996,9 +1029,6 @@
               </a:spcAft>
               <a:buNone/>
             </a:pPr>
-            <a:r>
-              <a:t/>
-            </a:r>
             <a:endParaRPr/>
           </a:p>
         </p:txBody>
@@ -1012,11 +1042,11 @@
 </file>
 
 <file path=ppt/notesSlides/notesSlide12.xml><?xml version="1.0" encoding="utf-8"?>
-<p:notes xmlns:a="http://schemas.openxmlformats.org/drawingml/2006/main" xmlns:r="http://schemas.openxmlformats.org/officeDocument/2006/relationships" xmlns:mc="http://schemas.openxmlformats.org/markup-compatibility/2006" xmlns:mv="urn:schemas-microsoft-com:mac:vml" xmlns:p="http://schemas.openxmlformats.org/presentationml/2006/main" xmlns:c="http://schemas.openxmlformats.org/drawingml/2006/chart" xmlns:dgm="http://schemas.openxmlformats.org/drawingml/2006/diagram" xmlns:o="urn:schemas-microsoft-com:office:office" xmlns:v="urn:schemas-microsoft-com:vml" xmlns:pvml="urn:schemas-microsoft-com:office:powerpoint" xmlns:com="http://schemas.openxmlformats.org/drawingml/2006/compatibility" xmlns:p14="http://schemas.microsoft.com/office/powerpoint/2010/main" xmlns:p15="http://schemas.microsoft.com/office/powerpoint/2012/main" xmlns:ahyp="http://schemas.microsoft.com/office/drawing/2018/hyperlinkcolor" showMasterPhAnim="0" showMasterSp="0">
+<p:notes xmlns:a="http://schemas.openxmlformats.org/drawingml/2006/main" xmlns:r="http://schemas.openxmlformats.org/officeDocument/2006/relationships" xmlns:p="http://schemas.openxmlformats.org/presentationml/2006/main" showMasterSp="0" showMasterPhAnim="0">
   <p:cSld>
     <p:spTree>
       <p:nvGrpSpPr>
-        <p:cNvPr id="198" name="Shape 198"/>
+        <p:cNvPr id="1" name="Shape 198"/>
         <p:cNvGrpSpPr/>
         <p:nvPr/>
       </p:nvGrpSpPr>
@@ -1031,9 +1061,11 @@
       <p:sp>
         <p:nvSpPr>
           <p:cNvPr id="199" name="Google Shape;199;g22e71b04997_0_182:notes"/>
-          <p:cNvSpPr/>
+          <p:cNvSpPr>
+            <a:spLocks noGrp="1" noRot="1" noChangeAspect="1"/>
+          </p:cNvSpPr>
           <p:nvPr>
-            <p:ph idx="2" type="sldImg"/>
+            <p:ph type="sldImg" idx="2"/>
           </p:nvPr>
         </p:nvSpPr>
         <p:spPr>
@@ -1042,9 +1074,13 @@
             <a:ext cx="6096000" cy="3429000"/>
           </a:xfrm>
           <a:custGeom>
-            <a:rect b="b" l="l" r="r" t="t"/>
+            <a:avLst/>
+            <a:gdLst/>
+            <a:ahLst/>
+            <a:cxnLst/>
+            <a:rect l="l" t="t" r="r" b="b"/>
             <a:pathLst>
-              <a:path extrusionOk="0" h="120000" w="120000">
+              <a:path w="120000" h="120000" extrusionOk="0">
                 <a:moveTo>
                   <a:pt x="0" y="0"/>
                 </a:moveTo>
@@ -1066,9 +1102,11 @@
       <p:sp>
         <p:nvSpPr>
           <p:cNvPr id="200" name="Google Shape;200;g22e71b04997_0_182:notes"/>
-          <p:cNvSpPr txBox="1"/>
+          <p:cNvSpPr txBox="1">
+            <a:spLocks noGrp="1"/>
+          </p:cNvSpPr>
           <p:nvPr>
-            <p:ph idx="1" type="body"/>
+            <p:ph type="body" idx="1"/>
           </p:nvPr>
         </p:nvSpPr>
         <p:spPr>
@@ -1081,12 +1119,12 @@
           </a:prstGeom>
         </p:spPr>
         <p:txBody>
-          <a:bodyPr anchorCtr="0" anchor="t" bIns="91425" lIns="91425" spcFirstLastPara="1" rIns="91425" wrap="square" tIns="91425">
+          <a:bodyPr spcFirstLastPara="1" wrap="square" lIns="91425" tIns="91425" rIns="91425" bIns="91425" anchor="t" anchorCtr="0">
             <a:noAutofit/>
           </a:bodyPr>
           <a:lstStyle/>
           <a:p>
-            <a:pPr indent="0" lvl="0" marL="0" rtl="0" algn="l">
+            <a:pPr marL="0" lvl="0" indent="0" algn="l" rtl="0">
               <a:spcBef>
                 <a:spcPts val="0"/>
               </a:spcBef>
@@ -1095,9 +1133,6 @@
               </a:spcAft>
               <a:buNone/>
             </a:pPr>
-            <a:r>
-              <a:t/>
-            </a:r>
             <a:endParaRPr/>
           </a:p>
         </p:txBody>
@@ -1111,11 +1146,11 @@
 </file>
 
 <file path=ppt/notesSlides/notesSlide13.xml><?xml version="1.0" encoding="utf-8"?>
-<p:notes xmlns:a="http://schemas.openxmlformats.org/drawingml/2006/main" xmlns:r="http://schemas.openxmlformats.org/officeDocument/2006/relationships" xmlns:mc="http://schemas.openxmlformats.org/markup-compatibility/2006" xmlns:mv="urn:schemas-microsoft-com:mac:vml" xmlns:p="http://schemas.openxmlformats.org/presentationml/2006/main" xmlns:c="http://schemas.openxmlformats.org/drawingml/2006/chart" xmlns:dgm="http://schemas.openxmlformats.org/drawingml/2006/diagram" xmlns:o="urn:schemas-microsoft-com:office:office" xmlns:v="urn:schemas-microsoft-com:vml" xmlns:pvml="urn:schemas-microsoft-com:office:powerpoint" xmlns:com="http://schemas.openxmlformats.org/drawingml/2006/compatibility" xmlns:p14="http://schemas.microsoft.com/office/powerpoint/2010/main" xmlns:p15="http://schemas.microsoft.com/office/powerpoint/2012/main" xmlns:ahyp="http://schemas.microsoft.com/office/drawing/2018/hyperlinkcolor" showMasterPhAnim="0" showMasterSp="0">
+<p:notes xmlns:a="http://schemas.openxmlformats.org/drawingml/2006/main" xmlns:r="http://schemas.openxmlformats.org/officeDocument/2006/relationships" xmlns:p="http://schemas.openxmlformats.org/presentationml/2006/main" showMasterSp="0" showMasterPhAnim="0">
   <p:cSld>
     <p:spTree>
       <p:nvGrpSpPr>
-        <p:cNvPr id="204" name="Shape 204"/>
+        <p:cNvPr id="1" name="Shape 204"/>
         <p:cNvGrpSpPr/>
         <p:nvPr/>
       </p:nvGrpSpPr>
@@ -1130,9 +1165,11 @@
       <p:sp>
         <p:nvSpPr>
           <p:cNvPr id="205" name="Google Shape;205;g22e71b04997_0_155:notes"/>
-          <p:cNvSpPr/>
+          <p:cNvSpPr>
+            <a:spLocks noGrp="1" noRot="1" noChangeAspect="1"/>
+          </p:cNvSpPr>
           <p:nvPr>
-            <p:ph idx="2" type="sldImg"/>
+            <p:ph type="sldImg" idx="2"/>
           </p:nvPr>
         </p:nvSpPr>
         <p:spPr>
@@ -1141,9 +1178,13 @@
             <a:ext cx="6096000" cy="3429000"/>
           </a:xfrm>
           <a:custGeom>
-            <a:rect b="b" l="l" r="r" t="t"/>
+            <a:avLst/>
+            <a:gdLst/>
+            <a:ahLst/>
+            <a:cxnLst/>
+            <a:rect l="l" t="t" r="r" b="b"/>
             <a:pathLst>
-              <a:path extrusionOk="0" h="120000" w="120000">
+              <a:path w="120000" h="120000" extrusionOk="0">
                 <a:moveTo>
                   <a:pt x="0" y="0"/>
                 </a:moveTo>
@@ -1165,9 +1206,11 @@
       <p:sp>
         <p:nvSpPr>
           <p:cNvPr id="206" name="Google Shape;206;g22e71b04997_0_155:notes"/>
-          <p:cNvSpPr txBox="1"/>
+          <p:cNvSpPr txBox="1">
+            <a:spLocks noGrp="1"/>
+          </p:cNvSpPr>
           <p:nvPr>
-            <p:ph idx="1" type="body"/>
+            <p:ph type="body" idx="1"/>
           </p:nvPr>
         </p:nvSpPr>
         <p:spPr>
@@ -1180,12 +1223,12 @@
           </a:prstGeom>
         </p:spPr>
         <p:txBody>
-          <a:bodyPr anchorCtr="0" anchor="t" bIns="91425" lIns="91425" spcFirstLastPara="1" rIns="91425" wrap="square" tIns="91425">
+          <a:bodyPr spcFirstLastPara="1" wrap="square" lIns="91425" tIns="91425" rIns="91425" bIns="91425" anchor="t" anchorCtr="0">
             <a:noAutofit/>
           </a:bodyPr>
           <a:lstStyle/>
           <a:p>
-            <a:pPr indent="0" lvl="0" marL="0" rtl="0" algn="l">
+            <a:pPr marL="0" lvl="0" indent="0" algn="l" rtl="0">
               <a:spcBef>
                 <a:spcPts val="0"/>
               </a:spcBef>
@@ -1194,9 +1237,6 @@
               </a:spcAft>
               <a:buNone/>
             </a:pPr>
-            <a:r>
-              <a:t/>
-            </a:r>
             <a:endParaRPr/>
           </a:p>
         </p:txBody>
@@ -1210,11 +1250,11 @@
 </file>
 
 <file path=ppt/notesSlides/notesSlide2.xml><?xml version="1.0" encoding="utf-8"?>
-<p:notes xmlns:a="http://schemas.openxmlformats.org/drawingml/2006/main" xmlns:r="http://schemas.openxmlformats.org/officeDocument/2006/relationships" xmlns:mc="http://schemas.openxmlformats.org/markup-compatibility/2006" xmlns:mv="urn:schemas-microsoft-com:mac:vml" xmlns:p="http://schemas.openxmlformats.org/presentationml/2006/main" xmlns:c="http://schemas.openxmlformats.org/drawingml/2006/chart" xmlns:dgm="http://schemas.openxmlformats.org/drawingml/2006/diagram" xmlns:o="urn:schemas-microsoft-com:office:office" xmlns:v="urn:schemas-microsoft-com:vml" xmlns:pvml="urn:schemas-microsoft-com:office:powerpoint" xmlns:com="http://schemas.openxmlformats.org/drawingml/2006/compatibility" xmlns:p14="http://schemas.microsoft.com/office/powerpoint/2010/main" xmlns:p15="http://schemas.microsoft.com/office/powerpoint/2012/main" xmlns:ahyp="http://schemas.microsoft.com/office/drawing/2018/hyperlinkcolor" showMasterPhAnim="0" showMasterSp="0">
+<p:notes xmlns:a="http://schemas.openxmlformats.org/drawingml/2006/main" xmlns:r="http://schemas.openxmlformats.org/officeDocument/2006/relationships" xmlns:p="http://schemas.openxmlformats.org/presentationml/2006/main" showMasterSp="0" showMasterPhAnim="0">
   <p:cSld>
     <p:spTree>
       <p:nvGrpSpPr>
-        <p:cNvPr id="136" name="Shape 136"/>
+        <p:cNvPr id="1" name="Shape 136"/>
         <p:cNvGrpSpPr/>
         <p:nvPr/>
       </p:nvGrpSpPr>
@@ -1229,9 +1269,11 @@
       <p:sp>
         <p:nvSpPr>
           <p:cNvPr id="137" name="Google Shape;137;g22e71b04997_0_0:notes"/>
-          <p:cNvSpPr/>
+          <p:cNvSpPr>
+            <a:spLocks noGrp="1" noRot="1" noChangeAspect="1"/>
+          </p:cNvSpPr>
           <p:nvPr>
-            <p:ph idx="2" type="sldImg"/>
+            <p:ph type="sldImg" idx="2"/>
           </p:nvPr>
         </p:nvSpPr>
         <p:spPr>
@@ -1240,9 +1282,13 @@
             <a:ext cx="6096000" cy="3429000"/>
           </a:xfrm>
           <a:custGeom>
-            <a:rect b="b" l="l" r="r" t="t"/>
+            <a:avLst/>
+            <a:gdLst/>
+            <a:ahLst/>
+            <a:cxnLst/>
+            <a:rect l="l" t="t" r="r" b="b"/>
             <a:pathLst>
-              <a:path extrusionOk="0" h="120000" w="120000">
+              <a:path w="120000" h="120000" extrusionOk="0">
                 <a:moveTo>
                   <a:pt x="0" y="0"/>
                 </a:moveTo>
@@ -1264,9 +1310,11 @@
       <p:sp>
         <p:nvSpPr>
           <p:cNvPr id="138" name="Google Shape;138;g22e71b04997_0_0:notes"/>
-          <p:cNvSpPr txBox="1"/>
+          <p:cNvSpPr txBox="1">
+            <a:spLocks noGrp="1"/>
+          </p:cNvSpPr>
           <p:nvPr>
-            <p:ph idx="1" type="body"/>
+            <p:ph type="body" idx="1"/>
           </p:nvPr>
         </p:nvSpPr>
         <p:spPr>
@@ -1279,12 +1327,12 @@
           </a:prstGeom>
         </p:spPr>
         <p:txBody>
-          <a:bodyPr anchorCtr="0" anchor="t" bIns="91425" lIns="91425" spcFirstLastPara="1" rIns="91425" wrap="square" tIns="91425">
+          <a:bodyPr spcFirstLastPara="1" wrap="square" lIns="91425" tIns="91425" rIns="91425" bIns="91425" anchor="t" anchorCtr="0">
             <a:noAutofit/>
           </a:bodyPr>
           <a:lstStyle/>
           <a:p>
-            <a:pPr indent="0" lvl="0" marL="0" rtl="0" algn="l">
+            <a:pPr marL="0" lvl="0" indent="0" algn="l" rtl="0">
               <a:spcBef>
                 <a:spcPts val="0"/>
               </a:spcBef>
@@ -1293,9 +1341,6 @@
               </a:spcAft>
               <a:buNone/>
             </a:pPr>
-            <a:r>
-              <a:t/>
-            </a:r>
             <a:endParaRPr/>
           </a:p>
         </p:txBody>
@@ -1309,11 +1354,11 @@
 </file>
 
 <file path=ppt/notesSlides/notesSlide3.xml><?xml version="1.0" encoding="utf-8"?>
-<p:notes xmlns:a="http://schemas.openxmlformats.org/drawingml/2006/main" xmlns:r="http://schemas.openxmlformats.org/officeDocument/2006/relationships" xmlns:mc="http://schemas.openxmlformats.org/markup-compatibility/2006" xmlns:mv="urn:schemas-microsoft-com:mac:vml" xmlns:p="http://schemas.openxmlformats.org/presentationml/2006/main" xmlns:c="http://schemas.openxmlformats.org/drawingml/2006/chart" xmlns:dgm="http://schemas.openxmlformats.org/drawingml/2006/diagram" xmlns:o="urn:schemas-microsoft-com:office:office" xmlns:v="urn:schemas-microsoft-com:vml" xmlns:pvml="urn:schemas-microsoft-com:office:powerpoint" xmlns:com="http://schemas.openxmlformats.org/drawingml/2006/compatibility" xmlns:p14="http://schemas.microsoft.com/office/powerpoint/2010/main" xmlns:p15="http://schemas.microsoft.com/office/powerpoint/2012/main" xmlns:ahyp="http://schemas.microsoft.com/office/drawing/2018/hyperlinkcolor" showMasterPhAnim="0" showMasterSp="0">
+<p:notes xmlns:a="http://schemas.openxmlformats.org/drawingml/2006/main" xmlns:r="http://schemas.openxmlformats.org/officeDocument/2006/relationships" xmlns:p="http://schemas.openxmlformats.org/presentationml/2006/main" showMasterSp="0" showMasterPhAnim="0">
   <p:cSld>
     <p:spTree>
       <p:nvGrpSpPr>
-        <p:cNvPr id="142" name="Shape 142"/>
+        <p:cNvPr id="1" name="Shape 142"/>
         <p:cNvGrpSpPr/>
         <p:nvPr/>
       </p:nvGrpSpPr>
@@ -1328,9 +1373,11 @@
       <p:sp>
         <p:nvSpPr>
           <p:cNvPr id="143" name="Google Shape;143;g22e71b04997_0_130:notes"/>
-          <p:cNvSpPr/>
+          <p:cNvSpPr>
+            <a:spLocks noGrp="1" noRot="1" noChangeAspect="1"/>
+          </p:cNvSpPr>
           <p:nvPr>
-            <p:ph idx="2" type="sldImg"/>
+            <p:ph type="sldImg" idx="2"/>
           </p:nvPr>
         </p:nvSpPr>
         <p:spPr>
@@ -1339,9 +1386,13 @@
             <a:ext cx="6096000" cy="3429000"/>
           </a:xfrm>
           <a:custGeom>
-            <a:rect b="b" l="l" r="r" t="t"/>
+            <a:avLst/>
+            <a:gdLst/>
+            <a:ahLst/>
+            <a:cxnLst/>
+            <a:rect l="l" t="t" r="r" b="b"/>
             <a:pathLst>
-              <a:path extrusionOk="0" h="120000" w="120000">
+              <a:path w="120000" h="120000" extrusionOk="0">
                 <a:moveTo>
                   <a:pt x="0" y="0"/>
                 </a:moveTo>
@@ -1363,9 +1414,11 @@
       <p:sp>
         <p:nvSpPr>
           <p:cNvPr id="144" name="Google Shape;144;g22e71b04997_0_130:notes"/>
-          <p:cNvSpPr txBox="1"/>
+          <p:cNvSpPr txBox="1">
+            <a:spLocks noGrp="1"/>
+          </p:cNvSpPr>
           <p:nvPr>
-            <p:ph idx="1" type="body"/>
+            <p:ph type="body" idx="1"/>
           </p:nvPr>
         </p:nvSpPr>
         <p:spPr>
@@ -1378,12 +1431,12 @@
           </a:prstGeom>
         </p:spPr>
         <p:txBody>
-          <a:bodyPr anchorCtr="0" anchor="t" bIns="91425" lIns="91425" spcFirstLastPara="1" rIns="91425" wrap="square" tIns="91425">
+          <a:bodyPr spcFirstLastPara="1" wrap="square" lIns="91425" tIns="91425" rIns="91425" bIns="91425" anchor="t" anchorCtr="0">
             <a:noAutofit/>
           </a:bodyPr>
           <a:lstStyle/>
           <a:p>
-            <a:pPr indent="0" lvl="0" marL="0" rtl="0" algn="l">
+            <a:pPr marL="0" lvl="0" indent="0" algn="l" rtl="0">
               <a:spcBef>
                 <a:spcPts val="0"/>
               </a:spcBef>
@@ -1392,9 +1445,6 @@
               </a:spcAft>
               <a:buNone/>
             </a:pPr>
-            <a:r>
-              <a:t/>
-            </a:r>
             <a:endParaRPr/>
           </a:p>
         </p:txBody>
@@ -1408,11 +1458,11 @@
 </file>
 
 <file path=ppt/notesSlides/notesSlide4.xml><?xml version="1.0" encoding="utf-8"?>
-<p:notes xmlns:a="http://schemas.openxmlformats.org/drawingml/2006/main" xmlns:r="http://schemas.openxmlformats.org/officeDocument/2006/relationships" xmlns:mc="http://schemas.openxmlformats.org/markup-compatibility/2006" xmlns:mv="urn:schemas-microsoft-com:mac:vml" xmlns:p="http://schemas.openxmlformats.org/presentationml/2006/main" xmlns:c="http://schemas.openxmlformats.org/drawingml/2006/chart" xmlns:dgm="http://schemas.openxmlformats.org/drawingml/2006/diagram" xmlns:o="urn:schemas-microsoft-com:office:office" xmlns:v="urn:schemas-microsoft-com:vml" xmlns:pvml="urn:schemas-microsoft-com:office:powerpoint" xmlns:com="http://schemas.openxmlformats.org/drawingml/2006/compatibility" xmlns:p14="http://schemas.microsoft.com/office/powerpoint/2010/main" xmlns:p15="http://schemas.microsoft.com/office/powerpoint/2012/main" xmlns:ahyp="http://schemas.microsoft.com/office/drawing/2018/hyperlinkcolor" showMasterPhAnim="0" showMasterSp="0">
+<p:notes xmlns:a="http://schemas.openxmlformats.org/drawingml/2006/main" xmlns:r="http://schemas.openxmlformats.org/officeDocument/2006/relationships" xmlns:p="http://schemas.openxmlformats.org/presentationml/2006/main" showMasterSp="0" showMasterPhAnim="0">
   <p:cSld>
     <p:spTree>
       <p:nvGrpSpPr>
-        <p:cNvPr id="148" name="Shape 148"/>
+        <p:cNvPr id="1" name="Shape 148"/>
         <p:cNvGrpSpPr/>
         <p:nvPr/>
       </p:nvGrpSpPr>
@@ -1427,9 +1477,11 @@
       <p:sp>
         <p:nvSpPr>
           <p:cNvPr id="149" name="Google Shape;149;g22e71b04997_0_135:notes"/>
-          <p:cNvSpPr/>
+          <p:cNvSpPr>
+            <a:spLocks noGrp="1" noRot="1" noChangeAspect="1"/>
+          </p:cNvSpPr>
           <p:nvPr>
-            <p:ph idx="2" type="sldImg"/>
+            <p:ph type="sldImg" idx="2"/>
           </p:nvPr>
         </p:nvSpPr>
         <p:spPr>
@@ -1438,9 +1490,13 @@
             <a:ext cx="6096000" cy="3429000"/>
           </a:xfrm>
           <a:custGeom>
-            <a:rect b="b" l="l" r="r" t="t"/>
+            <a:avLst/>
+            <a:gdLst/>
+            <a:ahLst/>
+            <a:cxnLst/>
+            <a:rect l="l" t="t" r="r" b="b"/>
             <a:pathLst>
-              <a:path extrusionOk="0" h="120000" w="120000">
+              <a:path w="120000" h="120000" extrusionOk="0">
                 <a:moveTo>
                   <a:pt x="0" y="0"/>
                 </a:moveTo>
@@ -1462,9 +1518,11 @@
       <p:sp>
         <p:nvSpPr>
           <p:cNvPr id="150" name="Google Shape;150;g22e71b04997_0_135:notes"/>
-          <p:cNvSpPr txBox="1"/>
+          <p:cNvSpPr txBox="1">
+            <a:spLocks noGrp="1"/>
+          </p:cNvSpPr>
           <p:nvPr>
-            <p:ph idx="1" type="body"/>
+            <p:ph type="body" idx="1"/>
           </p:nvPr>
         </p:nvSpPr>
         <p:spPr>
@@ -1477,12 +1535,12 @@
           </a:prstGeom>
         </p:spPr>
         <p:txBody>
-          <a:bodyPr anchorCtr="0" anchor="t" bIns="91425" lIns="91425" spcFirstLastPara="1" rIns="91425" wrap="square" tIns="91425">
+          <a:bodyPr spcFirstLastPara="1" wrap="square" lIns="91425" tIns="91425" rIns="91425" bIns="91425" anchor="t" anchorCtr="0">
             <a:noAutofit/>
           </a:bodyPr>
           <a:lstStyle/>
           <a:p>
-            <a:pPr indent="0" lvl="0" marL="0" rtl="0" algn="l">
+            <a:pPr marL="0" lvl="0" indent="0" algn="l" rtl="0">
               <a:spcBef>
                 <a:spcPts val="0"/>
               </a:spcBef>
@@ -1491,9 +1549,6 @@
               </a:spcAft>
               <a:buNone/>
             </a:pPr>
-            <a:r>
-              <a:t/>
-            </a:r>
             <a:endParaRPr/>
           </a:p>
         </p:txBody>
@@ -1507,11 +1562,115 @@
 </file>
 
 <file path=ppt/notesSlides/notesSlide5.xml><?xml version="1.0" encoding="utf-8"?>
-<p:notes xmlns:a="http://schemas.openxmlformats.org/drawingml/2006/main" xmlns:r="http://schemas.openxmlformats.org/officeDocument/2006/relationships" xmlns:mc="http://schemas.openxmlformats.org/markup-compatibility/2006" xmlns:mv="urn:schemas-microsoft-com:mac:vml" xmlns:p="http://schemas.openxmlformats.org/presentationml/2006/main" xmlns:c="http://schemas.openxmlformats.org/drawingml/2006/chart" xmlns:dgm="http://schemas.openxmlformats.org/drawingml/2006/diagram" xmlns:o="urn:schemas-microsoft-com:office:office" xmlns:v="urn:schemas-microsoft-com:vml" xmlns:pvml="urn:schemas-microsoft-com:office:powerpoint" xmlns:com="http://schemas.openxmlformats.org/drawingml/2006/compatibility" xmlns:p14="http://schemas.microsoft.com/office/powerpoint/2010/main" xmlns:p15="http://schemas.microsoft.com/office/powerpoint/2012/main" xmlns:ahyp="http://schemas.microsoft.com/office/drawing/2018/hyperlinkcolor" showMasterPhAnim="0" showMasterSp="0">
+<p:notes xmlns:a="http://schemas.openxmlformats.org/drawingml/2006/main" xmlns:r="http://schemas.openxmlformats.org/officeDocument/2006/relationships" xmlns:p="http://schemas.openxmlformats.org/presentationml/2006/main" showMasterSp="0" showMasterPhAnim="0">
   <p:cSld>
     <p:spTree>
       <p:nvGrpSpPr>
-        <p:cNvPr id="154" name="Shape 154"/>
+        <p:cNvPr id="1" name="Shape 160"/>
+        <p:cNvGrpSpPr/>
+        <p:nvPr/>
+      </p:nvGrpSpPr>
+      <p:grpSpPr>
+        <a:xfrm>
+          <a:off x="0" y="0"/>
+          <a:ext cx="0" cy="0"/>
+          <a:chOff x="0" y="0"/>
+          <a:chExt cx="0" cy="0"/>
+        </a:xfrm>
+      </p:grpSpPr>
+      <p:sp>
+        <p:nvSpPr>
+          <p:cNvPr id="161" name="Google Shape;161;g22e71b04997_0_140:notes"/>
+          <p:cNvSpPr>
+            <a:spLocks noGrp="1" noRot="1" noChangeAspect="1"/>
+          </p:cNvSpPr>
+          <p:nvPr>
+            <p:ph type="sldImg" idx="2"/>
+          </p:nvPr>
+        </p:nvSpPr>
+        <p:spPr>
+          <a:xfrm>
+            <a:off x="381000" y="685800"/>
+            <a:ext cx="6096000" cy="3429000"/>
+          </a:xfrm>
+          <a:custGeom>
+            <a:avLst/>
+            <a:gdLst/>
+            <a:ahLst/>
+            <a:cxnLst/>
+            <a:rect l="l" t="t" r="r" b="b"/>
+            <a:pathLst>
+              <a:path w="120000" h="120000" extrusionOk="0">
+                <a:moveTo>
+                  <a:pt x="0" y="0"/>
+                </a:moveTo>
+                <a:lnTo>
+                  <a:pt x="120000" y="0"/>
+                </a:lnTo>
+                <a:lnTo>
+                  <a:pt x="120000" y="120000"/>
+                </a:lnTo>
+                <a:lnTo>
+                  <a:pt x="0" y="120000"/>
+                </a:lnTo>
+                <a:close/>
+              </a:path>
+            </a:pathLst>
+          </a:custGeom>
+        </p:spPr>
+      </p:sp>
+      <p:sp>
+        <p:nvSpPr>
+          <p:cNvPr id="162" name="Google Shape;162;g22e71b04997_0_140:notes"/>
+          <p:cNvSpPr txBox="1">
+            <a:spLocks noGrp="1"/>
+          </p:cNvSpPr>
+          <p:nvPr>
+            <p:ph type="body" idx="1"/>
+          </p:nvPr>
+        </p:nvSpPr>
+        <p:spPr>
+          <a:xfrm>
+            <a:off x="685800" y="4343400"/>
+            <a:ext cx="5486400" cy="4114800"/>
+          </a:xfrm>
+          <a:prstGeom prst="rect">
+            <a:avLst/>
+          </a:prstGeom>
+        </p:spPr>
+        <p:txBody>
+          <a:bodyPr spcFirstLastPara="1" wrap="square" lIns="91425" tIns="91425" rIns="91425" bIns="91425" anchor="t" anchorCtr="0">
+            <a:noAutofit/>
+          </a:bodyPr>
+          <a:lstStyle/>
+          <a:p>
+            <a:pPr marL="0" lvl="0" indent="0" algn="l" rtl="0">
+              <a:spcBef>
+                <a:spcPts val="0"/>
+              </a:spcBef>
+              <a:spcAft>
+                <a:spcPts val="0"/>
+              </a:spcAft>
+              <a:buNone/>
+            </a:pPr>
+            <a:endParaRPr/>
+          </a:p>
+        </p:txBody>
+      </p:sp>
+    </p:spTree>
+  </p:cSld>
+  <p:clrMapOvr>
+    <a:masterClrMapping/>
+  </p:clrMapOvr>
+</p:notes>
+</file>
+
+<file path=ppt/notesSlides/notesSlide6.xml><?xml version="1.0" encoding="utf-8"?>
+<p:notes xmlns:a="http://schemas.openxmlformats.org/drawingml/2006/main" xmlns:r="http://schemas.openxmlformats.org/officeDocument/2006/relationships" xmlns:p="http://schemas.openxmlformats.org/presentationml/2006/main" showMasterSp="0" showMasterPhAnim="0">
+  <p:cSld>
+    <p:spTree>
+      <p:nvGrpSpPr>
+        <p:cNvPr id="1" name="Shape 154"/>
         <p:cNvGrpSpPr/>
         <p:nvPr/>
       </p:nvGrpSpPr>
@@ -1526,9 +1685,11 @@
       <p:sp>
         <p:nvSpPr>
           <p:cNvPr id="155" name="Google Shape;155;g22e71b04997_1_0:notes"/>
-          <p:cNvSpPr/>
+          <p:cNvSpPr>
+            <a:spLocks noGrp="1" noRot="1" noChangeAspect="1"/>
+          </p:cNvSpPr>
           <p:nvPr>
-            <p:ph idx="2" type="sldImg"/>
+            <p:ph type="sldImg" idx="2"/>
           </p:nvPr>
         </p:nvSpPr>
         <p:spPr>
@@ -1537,9 +1698,13 @@
             <a:ext cx="6096000" cy="3429000"/>
           </a:xfrm>
           <a:custGeom>
-            <a:rect b="b" l="l" r="r" t="t"/>
+            <a:avLst/>
+            <a:gdLst/>
+            <a:ahLst/>
+            <a:cxnLst/>
+            <a:rect l="l" t="t" r="r" b="b"/>
             <a:pathLst>
-              <a:path extrusionOk="0" h="120000" w="120000">
+              <a:path w="120000" h="120000" extrusionOk="0">
                 <a:moveTo>
                   <a:pt x="0" y="0"/>
                 </a:moveTo>
@@ -1561,9 +1726,11 @@
       <p:sp>
         <p:nvSpPr>
           <p:cNvPr id="156" name="Google Shape;156;g22e71b04997_1_0:notes"/>
-          <p:cNvSpPr txBox="1"/>
+          <p:cNvSpPr txBox="1">
+            <a:spLocks noGrp="1"/>
+          </p:cNvSpPr>
           <p:nvPr>
-            <p:ph idx="1" type="body"/>
+            <p:ph type="body" idx="1"/>
           </p:nvPr>
         </p:nvSpPr>
         <p:spPr>
@@ -1576,12 +1743,12 @@
           </a:prstGeom>
         </p:spPr>
         <p:txBody>
-          <a:bodyPr anchorCtr="0" anchor="t" bIns="91425" lIns="91425" spcFirstLastPara="1" rIns="91425" wrap="square" tIns="91425">
+          <a:bodyPr spcFirstLastPara="1" wrap="square" lIns="91425" tIns="91425" rIns="91425" bIns="91425" anchor="t" anchorCtr="0">
             <a:noAutofit/>
           </a:bodyPr>
           <a:lstStyle/>
           <a:p>
-            <a:pPr indent="0" lvl="0" marL="0" rtl="0" algn="l">
+            <a:pPr marL="0" lvl="0" indent="0" algn="l" rtl="0">
               <a:spcBef>
                 <a:spcPts val="0"/>
               </a:spcBef>
@@ -1590,108 +1757,6 @@
               </a:spcAft>
               <a:buNone/>
             </a:pPr>
-            <a:r>
-              <a:t/>
-            </a:r>
-            <a:endParaRPr/>
-          </a:p>
-        </p:txBody>
-      </p:sp>
-    </p:spTree>
-  </p:cSld>
-  <p:clrMapOvr>
-    <a:masterClrMapping/>
-  </p:clrMapOvr>
-</p:notes>
-</file>
-
-<file path=ppt/notesSlides/notesSlide6.xml><?xml version="1.0" encoding="utf-8"?>
-<p:notes xmlns:a="http://schemas.openxmlformats.org/drawingml/2006/main" xmlns:r="http://schemas.openxmlformats.org/officeDocument/2006/relationships" xmlns:mc="http://schemas.openxmlformats.org/markup-compatibility/2006" xmlns:mv="urn:schemas-microsoft-com:mac:vml" xmlns:p="http://schemas.openxmlformats.org/presentationml/2006/main" xmlns:c="http://schemas.openxmlformats.org/drawingml/2006/chart" xmlns:dgm="http://schemas.openxmlformats.org/drawingml/2006/diagram" xmlns:o="urn:schemas-microsoft-com:office:office" xmlns:v="urn:schemas-microsoft-com:vml" xmlns:pvml="urn:schemas-microsoft-com:office:powerpoint" xmlns:com="http://schemas.openxmlformats.org/drawingml/2006/compatibility" xmlns:p14="http://schemas.microsoft.com/office/powerpoint/2010/main" xmlns:p15="http://schemas.microsoft.com/office/powerpoint/2012/main" xmlns:ahyp="http://schemas.microsoft.com/office/drawing/2018/hyperlinkcolor" showMasterPhAnim="0" showMasterSp="0">
-  <p:cSld>
-    <p:spTree>
-      <p:nvGrpSpPr>
-        <p:cNvPr id="160" name="Shape 160"/>
-        <p:cNvGrpSpPr/>
-        <p:nvPr/>
-      </p:nvGrpSpPr>
-      <p:grpSpPr>
-        <a:xfrm>
-          <a:off x="0" y="0"/>
-          <a:ext cx="0" cy="0"/>
-          <a:chOff x="0" y="0"/>
-          <a:chExt cx="0" cy="0"/>
-        </a:xfrm>
-      </p:grpSpPr>
-      <p:sp>
-        <p:nvSpPr>
-          <p:cNvPr id="161" name="Google Shape;161;g22e71b04997_0_140:notes"/>
-          <p:cNvSpPr/>
-          <p:nvPr>
-            <p:ph idx="2" type="sldImg"/>
-          </p:nvPr>
-        </p:nvSpPr>
-        <p:spPr>
-          <a:xfrm>
-            <a:off x="381300" y="685800"/>
-            <a:ext cx="6096000" cy="3429000"/>
-          </a:xfrm>
-          <a:custGeom>
-            <a:rect b="b" l="l" r="r" t="t"/>
-            <a:pathLst>
-              <a:path extrusionOk="0" h="120000" w="120000">
-                <a:moveTo>
-                  <a:pt x="0" y="0"/>
-                </a:moveTo>
-                <a:lnTo>
-                  <a:pt x="120000" y="0"/>
-                </a:lnTo>
-                <a:lnTo>
-                  <a:pt x="120000" y="120000"/>
-                </a:lnTo>
-                <a:lnTo>
-                  <a:pt x="0" y="120000"/>
-                </a:lnTo>
-                <a:close/>
-              </a:path>
-            </a:pathLst>
-          </a:custGeom>
-        </p:spPr>
-      </p:sp>
-      <p:sp>
-        <p:nvSpPr>
-          <p:cNvPr id="162" name="Google Shape;162;g22e71b04997_0_140:notes"/>
-          <p:cNvSpPr txBox="1"/>
-          <p:nvPr>
-            <p:ph idx="1" type="body"/>
-          </p:nvPr>
-        </p:nvSpPr>
-        <p:spPr>
-          <a:xfrm>
-            <a:off x="685800" y="4343400"/>
-            <a:ext cx="5486400" cy="4114800"/>
-          </a:xfrm>
-          <a:prstGeom prst="rect">
-            <a:avLst/>
-          </a:prstGeom>
-        </p:spPr>
-        <p:txBody>
-          <a:bodyPr anchorCtr="0" anchor="t" bIns="91425" lIns="91425" spcFirstLastPara="1" rIns="91425" wrap="square" tIns="91425">
-            <a:noAutofit/>
-          </a:bodyPr>
-          <a:lstStyle/>
-          <a:p>
-            <a:pPr indent="0" lvl="0" marL="0" rtl="0" algn="l">
-              <a:spcBef>
-                <a:spcPts val="0"/>
-              </a:spcBef>
-              <a:spcAft>
-                <a:spcPts val="0"/>
-              </a:spcAft>
-              <a:buNone/>
-            </a:pPr>
-            <a:r>
-              <a:t/>
-            </a:r>
             <a:endParaRPr/>
           </a:p>
         </p:txBody>
@@ -1705,11 +1770,11 @@
 </file>
 
 <file path=ppt/notesSlides/notesSlide7.xml><?xml version="1.0" encoding="utf-8"?>
-<p:notes xmlns:a="http://schemas.openxmlformats.org/drawingml/2006/main" xmlns:r="http://schemas.openxmlformats.org/officeDocument/2006/relationships" xmlns:mc="http://schemas.openxmlformats.org/markup-compatibility/2006" xmlns:mv="urn:schemas-microsoft-com:mac:vml" xmlns:p="http://schemas.openxmlformats.org/presentationml/2006/main" xmlns:c="http://schemas.openxmlformats.org/drawingml/2006/chart" xmlns:dgm="http://schemas.openxmlformats.org/drawingml/2006/diagram" xmlns:o="urn:schemas-microsoft-com:office:office" xmlns:v="urn:schemas-microsoft-com:vml" xmlns:pvml="urn:schemas-microsoft-com:office:powerpoint" xmlns:com="http://schemas.openxmlformats.org/drawingml/2006/compatibility" xmlns:p14="http://schemas.microsoft.com/office/powerpoint/2010/main" xmlns:p15="http://schemas.microsoft.com/office/powerpoint/2012/main" xmlns:ahyp="http://schemas.microsoft.com/office/drawing/2018/hyperlinkcolor" showMasterPhAnim="0" showMasterSp="0">
+<p:notes xmlns:a="http://schemas.openxmlformats.org/drawingml/2006/main" xmlns:r="http://schemas.openxmlformats.org/officeDocument/2006/relationships" xmlns:p="http://schemas.openxmlformats.org/presentationml/2006/main" showMasterSp="0" showMasterPhAnim="0">
   <p:cSld>
     <p:spTree>
       <p:nvGrpSpPr>
-        <p:cNvPr id="166" name="Shape 166"/>
+        <p:cNvPr id="1" name="Shape 166"/>
         <p:cNvGrpSpPr/>
         <p:nvPr/>
       </p:nvGrpSpPr>
@@ -1724,9 +1789,11 @@
       <p:sp>
         <p:nvSpPr>
           <p:cNvPr id="167" name="Google Shape;167;g22e71b04997_0_145:notes"/>
-          <p:cNvSpPr/>
+          <p:cNvSpPr>
+            <a:spLocks noGrp="1" noRot="1" noChangeAspect="1"/>
+          </p:cNvSpPr>
           <p:nvPr>
-            <p:ph idx="2" type="sldImg"/>
+            <p:ph type="sldImg" idx="2"/>
           </p:nvPr>
         </p:nvSpPr>
         <p:spPr>
@@ -1735,9 +1802,13 @@
             <a:ext cx="6096000" cy="3429000"/>
           </a:xfrm>
           <a:custGeom>
-            <a:rect b="b" l="l" r="r" t="t"/>
+            <a:avLst/>
+            <a:gdLst/>
+            <a:ahLst/>
+            <a:cxnLst/>
+            <a:rect l="l" t="t" r="r" b="b"/>
             <a:pathLst>
-              <a:path extrusionOk="0" h="120000" w="120000">
+              <a:path w="120000" h="120000" extrusionOk="0">
                 <a:moveTo>
                   <a:pt x="0" y="0"/>
                 </a:moveTo>
@@ -1759,9 +1830,11 @@
       <p:sp>
         <p:nvSpPr>
           <p:cNvPr id="168" name="Google Shape;168;g22e71b04997_0_145:notes"/>
-          <p:cNvSpPr txBox="1"/>
+          <p:cNvSpPr txBox="1">
+            <a:spLocks noGrp="1"/>
+          </p:cNvSpPr>
           <p:nvPr>
-            <p:ph idx="1" type="body"/>
+            <p:ph type="body" idx="1"/>
           </p:nvPr>
         </p:nvSpPr>
         <p:spPr>
@@ -1774,12 +1847,12 @@
           </a:prstGeom>
         </p:spPr>
         <p:txBody>
-          <a:bodyPr anchorCtr="0" anchor="t" bIns="91425" lIns="91425" spcFirstLastPara="1" rIns="91425" wrap="square" tIns="91425">
+          <a:bodyPr spcFirstLastPara="1" wrap="square" lIns="91425" tIns="91425" rIns="91425" bIns="91425" anchor="t" anchorCtr="0">
             <a:noAutofit/>
           </a:bodyPr>
           <a:lstStyle/>
           <a:p>
-            <a:pPr indent="0" lvl="0" marL="0" rtl="0" algn="l">
+            <a:pPr marL="0" lvl="0" indent="0" algn="l" rtl="0">
               <a:spcBef>
                 <a:spcPts val="0"/>
               </a:spcBef>
@@ -1788,9 +1861,6 @@
               </a:spcAft>
               <a:buNone/>
             </a:pPr>
-            <a:r>
-              <a:t/>
-            </a:r>
             <a:endParaRPr/>
           </a:p>
         </p:txBody>
@@ -1804,11 +1874,11 @@
 </file>
 
 <file path=ppt/notesSlides/notesSlide8.xml><?xml version="1.0" encoding="utf-8"?>
-<p:notes xmlns:a="http://schemas.openxmlformats.org/drawingml/2006/main" xmlns:r="http://schemas.openxmlformats.org/officeDocument/2006/relationships" xmlns:mc="http://schemas.openxmlformats.org/markup-compatibility/2006" xmlns:mv="urn:schemas-microsoft-com:mac:vml" xmlns:p="http://schemas.openxmlformats.org/presentationml/2006/main" xmlns:c="http://schemas.openxmlformats.org/drawingml/2006/chart" xmlns:dgm="http://schemas.openxmlformats.org/drawingml/2006/diagram" xmlns:o="urn:schemas-microsoft-com:office:office" xmlns:v="urn:schemas-microsoft-com:vml" xmlns:pvml="urn:schemas-microsoft-com:office:powerpoint" xmlns:com="http://schemas.openxmlformats.org/drawingml/2006/compatibility" xmlns:p14="http://schemas.microsoft.com/office/powerpoint/2010/main" xmlns:p15="http://schemas.microsoft.com/office/powerpoint/2012/main" xmlns:ahyp="http://schemas.microsoft.com/office/drawing/2018/hyperlinkcolor" showMasterPhAnim="0" showMasterSp="0">
+<p:notes xmlns:a="http://schemas.openxmlformats.org/drawingml/2006/main" xmlns:r="http://schemas.openxmlformats.org/officeDocument/2006/relationships" xmlns:p="http://schemas.openxmlformats.org/presentationml/2006/main" showMasterSp="0" showMasterPhAnim="0">
   <p:cSld>
     <p:spTree>
       <p:nvGrpSpPr>
-        <p:cNvPr id="172" name="Shape 172"/>
+        <p:cNvPr id="1" name="Shape 172"/>
         <p:cNvGrpSpPr/>
         <p:nvPr/>
       </p:nvGrpSpPr>
@@ -1823,20 +1893,26 @@
       <p:sp>
         <p:nvSpPr>
           <p:cNvPr id="173" name="Google Shape;173;g22e71b04997_0_161:notes"/>
-          <p:cNvSpPr/>
+          <p:cNvSpPr>
+            <a:spLocks noGrp="1" noRot="1" noChangeAspect="1"/>
+          </p:cNvSpPr>
           <p:nvPr>
-            <p:ph idx="2" type="sldImg"/>
+            <p:ph type="sldImg" idx="2"/>
           </p:nvPr>
         </p:nvSpPr>
         <p:spPr>
           <a:xfrm>
-            <a:off x="381300" y="685800"/>
+            <a:off x="381000" y="685800"/>
             <a:ext cx="6096000" cy="3429000"/>
           </a:xfrm>
           <a:custGeom>
-            <a:rect b="b" l="l" r="r" t="t"/>
+            <a:avLst/>
+            <a:gdLst/>
+            <a:ahLst/>
+            <a:cxnLst/>
+            <a:rect l="l" t="t" r="r" b="b"/>
             <a:pathLst>
-              <a:path extrusionOk="0" h="120000" w="120000">
+              <a:path w="120000" h="120000" extrusionOk="0">
                 <a:moveTo>
                   <a:pt x="0" y="0"/>
                 </a:moveTo>
@@ -1858,9 +1934,11 @@
       <p:sp>
         <p:nvSpPr>
           <p:cNvPr id="174" name="Google Shape;174;g22e71b04997_0_161:notes"/>
-          <p:cNvSpPr txBox="1"/>
+          <p:cNvSpPr txBox="1">
+            <a:spLocks noGrp="1"/>
+          </p:cNvSpPr>
           <p:nvPr>
-            <p:ph idx="1" type="body"/>
+            <p:ph type="body" idx="1"/>
           </p:nvPr>
         </p:nvSpPr>
         <p:spPr>
@@ -1873,12 +1951,12 @@
           </a:prstGeom>
         </p:spPr>
         <p:txBody>
-          <a:bodyPr anchorCtr="0" anchor="t" bIns="91425" lIns="91425" spcFirstLastPara="1" rIns="91425" wrap="square" tIns="91425">
+          <a:bodyPr spcFirstLastPara="1" wrap="square" lIns="91425" tIns="91425" rIns="91425" bIns="91425" anchor="t" anchorCtr="0">
             <a:noAutofit/>
           </a:bodyPr>
           <a:lstStyle/>
           <a:p>
-            <a:pPr indent="0" lvl="0" marL="0" rtl="0" algn="l">
+            <a:pPr marL="0" lvl="0" indent="0" algn="l" rtl="0">
               <a:spcBef>
                 <a:spcPts val="0"/>
               </a:spcBef>
@@ -1887,9 +1965,6 @@
               </a:spcAft>
               <a:buNone/>
             </a:pPr>
-            <a:r>
-              <a:t/>
-            </a:r>
             <a:endParaRPr/>
           </a:p>
         </p:txBody>
@@ -1903,11 +1978,11 @@
 </file>
 
 <file path=ppt/notesSlides/notesSlide9.xml><?xml version="1.0" encoding="utf-8"?>
-<p:notes xmlns:a="http://schemas.openxmlformats.org/drawingml/2006/main" xmlns:r="http://schemas.openxmlformats.org/officeDocument/2006/relationships" xmlns:mc="http://schemas.openxmlformats.org/markup-compatibility/2006" xmlns:mv="urn:schemas-microsoft-com:mac:vml" xmlns:p="http://schemas.openxmlformats.org/presentationml/2006/main" xmlns:c="http://schemas.openxmlformats.org/drawingml/2006/chart" xmlns:dgm="http://schemas.openxmlformats.org/drawingml/2006/diagram" xmlns:o="urn:schemas-microsoft-com:office:office" xmlns:v="urn:schemas-microsoft-com:vml" xmlns:pvml="urn:schemas-microsoft-com:office:powerpoint" xmlns:com="http://schemas.openxmlformats.org/drawingml/2006/compatibility" xmlns:p14="http://schemas.microsoft.com/office/powerpoint/2010/main" xmlns:p15="http://schemas.microsoft.com/office/powerpoint/2012/main" xmlns:ahyp="http://schemas.microsoft.com/office/drawing/2018/hyperlinkcolor" showMasterPhAnim="0" showMasterSp="0">
+<p:notes xmlns:a="http://schemas.openxmlformats.org/drawingml/2006/main" xmlns:r="http://schemas.openxmlformats.org/officeDocument/2006/relationships" xmlns:p="http://schemas.openxmlformats.org/presentationml/2006/main" showMasterSp="0" showMasterPhAnim="0">
   <p:cSld>
     <p:spTree>
       <p:nvGrpSpPr>
-        <p:cNvPr id="178" name="Shape 178"/>
+        <p:cNvPr id="1" name="Shape 178"/>
         <p:cNvGrpSpPr/>
         <p:nvPr/>
       </p:nvGrpSpPr>
@@ -1922,20 +1997,26 @@
       <p:sp>
         <p:nvSpPr>
           <p:cNvPr id="179" name="Google Shape;179;g22e71b04997_0_166:notes"/>
-          <p:cNvSpPr/>
+          <p:cNvSpPr>
+            <a:spLocks noGrp="1" noRot="1" noChangeAspect="1"/>
+          </p:cNvSpPr>
           <p:nvPr>
-            <p:ph idx="2" type="sldImg"/>
+            <p:ph type="sldImg" idx="2"/>
           </p:nvPr>
         </p:nvSpPr>
         <p:spPr>
           <a:xfrm>
-            <a:off x="381300" y="685800"/>
+            <a:off x="381000" y="685800"/>
             <a:ext cx="6096000" cy="3429000"/>
           </a:xfrm>
           <a:custGeom>
-            <a:rect b="b" l="l" r="r" t="t"/>
+            <a:avLst/>
+            <a:gdLst/>
+            <a:ahLst/>
+            <a:cxnLst/>
+            <a:rect l="l" t="t" r="r" b="b"/>
             <a:pathLst>
-              <a:path extrusionOk="0" h="120000" w="120000">
+              <a:path w="120000" h="120000" extrusionOk="0">
                 <a:moveTo>
                   <a:pt x="0" y="0"/>
                 </a:moveTo>
@@ -1957,9 +2038,11 @@
       <p:sp>
         <p:nvSpPr>
           <p:cNvPr id="180" name="Google Shape;180;g22e71b04997_0_166:notes"/>
-          <p:cNvSpPr txBox="1"/>
+          <p:cNvSpPr txBox="1">
+            <a:spLocks noGrp="1"/>
+          </p:cNvSpPr>
           <p:nvPr>
-            <p:ph idx="1" type="body"/>
+            <p:ph type="body" idx="1"/>
           </p:nvPr>
         </p:nvSpPr>
         <p:spPr>
@@ -1972,12 +2055,12 @@
           </a:prstGeom>
         </p:spPr>
         <p:txBody>
-          <a:bodyPr anchorCtr="0" anchor="t" bIns="91425" lIns="91425" spcFirstLastPara="1" rIns="91425" wrap="square" tIns="91425">
+          <a:bodyPr spcFirstLastPara="1" wrap="square" lIns="91425" tIns="91425" rIns="91425" bIns="91425" anchor="t" anchorCtr="0">
             <a:noAutofit/>
           </a:bodyPr>
           <a:lstStyle/>
           <a:p>
-            <a:pPr indent="0" lvl="0" marL="0" rtl="0" algn="l">
+            <a:pPr marL="0" lvl="0" indent="0" algn="l" rtl="0">
               <a:spcBef>
                 <a:spcPts val="0"/>
               </a:spcBef>
@@ -1986,9 +2069,6 @@
               </a:spcAft>
               <a:buNone/>
             </a:pPr>
-            <a:r>
-              <a:t/>
-            </a:r>
             <a:endParaRPr/>
           </a:p>
         </p:txBody>
@@ -2002,11 +2082,11 @@
 </file>
 
 <file path=ppt/slideLayouts/slideLayout1.xml><?xml version="1.0" encoding="utf-8"?>
-<p:sldLayout xmlns:a="http://schemas.openxmlformats.org/drawingml/2006/main" xmlns:r="http://schemas.openxmlformats.org/officeDocument/2006/relationships" xmlns:mc="http://schemas.openxmlformats.org/markup-compatibility/2006" xmlns:mv="urn:schemas-microsoft-com:mac:vml" xmlns:p="http://schemas.openxmlformats.org/presentationml/2006/main" xmlns:c="http://schemas.openxmlformats.org/drawingml/2006/chart" xmlns:dgm="http://schemas.openxmlformats.org/drawingml/2006/diagram" xmlns:o="urn:schemas-microsoft-com:office:office" xmlns:v="urn:schemas-microsoft-com:vml" xmlns:pvml="urn:schemas-microsoft-com:office:powerpoint" xmlns:com="http://schemas.openxmlformats.org/drawingml/2006/compatibility" xmlns:p14="http://schemas.microsoft.com/office/powerpoint/2010/main" xmlns:p15="http://schemas.microsoft.com/office/powerpoint/2012/main" xmlns:ahyp="http://schemas.microsoft.com/office/drawing/2018/hyperlinkcolor" matchingName="Title slide" type="title">
+<p:sldLayout xmlns:a="http://schemas.openxmlformats.org/drawingml/2006/main" xmlns:r="http://schemas.openxmlformats.org/officeDocument/2006/relationships" xmlns:p="http://schemas.openxmlformats.org/presentationml/2006/main" matchingName="Title slide" type="title">
   <p:cSld name="TITLE">
     <p:spTree>
       <p:nvGrpSpPr>
-        <p:cNvPr id="9" name="Shape 9"/>
+        <p:cNvPr id="1" name="Shape 9"/>
         <p:cNvGrpSpPr/>
         <p:nvPr/>
       </p:nvGrpSpPr>
@@ -2031,7 +2111,7 @@
           </a:xfrm>
           <a:prstGeom prst="diagStripe">
             <a:avLst>
-              <a:gd fmla="val 0" name="adj"/>
+              <a:gd name="adj" fmla="val 0"/>
             </a:avLst>
           </a:prstGeom>
           <a:solidFill>
@@ -2044,12 +2124,12 @@
           </a:ln>
         </p:spPr>
         <p:txBody>
-          <a:bodyPr anchorCtr="0" anchor="ctr" bIns="91425" lIns="91425" spcFirstLastPara="1" rIns="91425" wrap="square" tIns="91425">
+          <a:bodyPr spcFirstLastPara="1" wrap="square" lIns="91425" tIns="91425" rIns="91425" bIns="91425" anchor="ctr" anchorCtr="0">
             <a:noAutofit/>
           </a:bodyPr>
           <a:lstStyle/>
           <a:p>
-            <a:pPr indent="0" lvl="0" marL="0" rtl="0" algn="l">
+            <a:pPr marL="0" lvl="0" indent="0" algn="l" rtl="0">
               <a:spcBef>
                 <a:spcPts val="0"/>
               </a:spcBef>
@@ -2058,9 +2138,6 @@
               </a:spcAft>
               <a:buNone/>
             </a:pPr>
-            <a:r>
-              <a:t/>
-            </a:r>
             <a:endParaRPr/>
           </a:p>
         </p:txBody>
@@ -2092,7 +2169,7 @@
             </a:xfrm>
             <a:prstGeom prst="diagStripe">
               <a:avLst>
-                <a:gd fmla="val 50000" name="adj"/>
+                <a:gd name="adj" fmla="val 50000"/>
               </a:avLst>
             </a:prstGeom>
             <a:solidFill>
@@ -2105,12 +2182,12 @@
             </a:ln>
           </p:spPr>
           <p:txBody>
-            <a:bodyPr anchorCtr="0" anchor="ctr" bIns="91425" lIns="91425" spcFirstLastPara="1" rIns="91425" wrap="square" tIns="91425">
+            <a:bodyPr spcFirstLastPara="1" wrap="square" lIns="91425" tIns="91425" rIns="91425" bIns="91425" anchor="ctr" anchorCtr="0">
               <a:noAutofit/>
             </a:bodyPr>
             <a:lstStyle/>
             <a:p>
-              <a:pPr indent="0" lvl="0" marL="0" rtl="0" algn="l">
+              <a:pPr marL="0" lvl="0" indent="0" algn="l" rtl="0">
                 <a:spcBef>
                   <a:spcPts val="0"/>
                 </a:spcBef>
@@ -2119,9 +2196,6 @@
                 </a:spcAft>
                 <a:buNone/>
               </a:pPr>
-              <a:r>
-                <a:t/>
-              </a:r>
               <a:endParaRPr/>
             </a:p>
           </p:txBody>
@@ -2139,7 +2213,7 @@
             </a:xfrm>
             <a:prstGeom prst="diagStripe">
               <a:avLst>
-                <a:gd fmla="val 58774" name="adj"/>
+                <a:gd name="adj" fmla="val 58774"/>
               </a:avLst>
             </a:prstGeom>
             <a:solidFill>
@@ -2152,12 +2226,12 @@
             </a:ln>
           </p:spPr>
           <p:txBody>
-            <a:bodyPr anchorCtr="0" anchor="ctr" bIns="91425" lIns="91425" spcFirstLastPara="1" rIns="91425" wrap="square" tIns="91425">
+            <a:bodyPr spcFirstLastPara="1" wrap="square" lIns="91425" tIns="91425" rIns="91425" bIns="91425" anchor="ctr" anchorCtr="0">
               <a:noAutofit/>
             </a:bodyPr>
             <a:lstStyle/>
             <a:p>
-              <a:pPr indent="0" lvl="0" marL="0" rtl="0" algn="l">
+              <a:pPr marL="0" lvl="0" indent="0" algn="l" rtl="0">
                 <a:spcBef>
                   <a:spcPts val="0"/>
                 </a:spcBef>
@@ -2166,9 +2240,6 @@
                 </a:spcAft>
                 <a:buNone/>
               </a:pPr>
-              <a:r>
-                <a:t/>
-              </a:r>
               <a:endParaRPr/>
             </a:p>
           </p:txBody>
@@ -2186,7 +2257,7 @@
             </a:xfrm>
             <a:prstGeom prst="diagStripe">
               <a:avLst>
-                <a:gd fmla="val 50000" name="adj"/>
+                <a:gd name="adj" fmla="val 50000"/>
               </a:avLst>
             </a:prstGeom>
             <a:solidFill>
@@ -2197,12 +2268,12 @@
             </a:ln>
           </p:spPr>
           <p:txBody>
-            <a:bodyPr anchorCtr="0" anchor="ctr" bIns="91425" lIns="91425" spcFirstLastPara="1" rIns="91425" wrap="square" tIns="91425">
+            <a:bodyPr spcFirstLastPara="1" wrap="square" lIns="91425" tIns="91425" rIns="91425" bIns="91425" anchor="ctr" anchorCtr="0">
               <a:noAutofit/>
             </a:bodyPr>
             <a:lstStyle/>
             <a:p>
-              <a:pPr indent="0" lvl="0" marL="0" rtl="0" algn="l">
+              <a:pPr marL="0" lvl="0" indent="0" algn="l" rtl="0">
                 <a:spcBef>
                   <a:spcPts val="0"/>
                 </a:spcBef>
@@ -2211,9 +2282,6 @@
                 </a:spcAft>
                 <a:buNone/>
               </a:pPr>
-              <a:r>
-                <a:t/>
-              </a:r>
               <a:endParaRPr/>
             </a:p>
           </p:txBody>
@@ -2231,7 +2299,7 @@
             </a:xfrm>
             <a:prstGeom prst="diagStripe">
               <a:avLst>
-                <a:gd fmla="val 50000" name="adj"/>
+                <a:gd name="adj" fmla="val 50000"/>
               </a:avLst>
             </a:prstGeom>
             <a:solidFill>
@@ -2242,12 +2310,12 @@
             </a:ln>
           </p:spPr>
           <p:txBody>
-            <a:bodyPr anchorCtr="0" anchor="ctr" bIns="91425" lIns="91425" spcFirstLastPara="1" rIns="91425" wrap="square" tIns="91425">
+            <a:bodyPr spcFirstLastPara="1" wrap="square" lIns="91425" tIns="91425" rIns="91425" bIns="91425" anchor="ctr" anchorCtr="0">
               <a:noAutofit/>
             </a:bodyPr>
             <a:lstStyle/>
             <a:p>
-              <a:pPr indent="0" lvl="0" marL="0" rtl="0" algn="l">
+              <a:pPr marL="0" lvl="0" indent="0" algn="l" rtl="0">
                 <a:spcBef>
                   <a:spcPts val="0"/>
                 </a:spcBef>
@@ -2256,9 +2324,6 @@
                 </a:spcAft>
                 <a:buNone/>
               </a:pPr>
-              <a:r>
-                <a:t/>
-              </a:r>
               <a:endParaRPr/>
             </a:p>
           </p:txBody>
@@ -2267,7 +2332,9 @@
       <p:sp>
         <p:nvSpPr>
           <p:cNvPr id="16" name="Google Shape;16;p2"/>
-          <p:cNvSpPr txBox="1"/>
+          <p:cNvSpPr txBox="1">
+            <a:spLocks noGrp="1"/>
+          </p:cNvSpPr>
           <p:nvPr>
             <p:ph type="ctrTitle"/>
           </p:nvPr>
@@ -2282,7 +2349,7 @@
           </a:prstGeom>
         </p:spPr>
         <p:txBody>
-          <a:bodyPr anchorCtr="0" anchor="t" bIns="91425" lIns="91425" spcFirstLastPara="1" rIns="91425" wrap="square" tIns="91425">
+          <a:bodyPr spcFirstLastPara="1" wrap="square" lIns="91425" tIns="91425" rIns="91425" bIns="91425" anchor="t" anchorCtr="0">
             <a:normAutofit/>
           </a:bodyPr>
           <a:lstStyle>
@@ -2386,15 +2453,19 @@
               <a:defRPr sz="4000"/>
             </a:lvl9pPr>
           </a:lstStyle>
-          <a:p/>
+          <a:p>
+            <a:endParaRPr/>
+          </a:p>
         </p:txBody>
       </p:sp>
       <p:sp>
         <p:nvSpPr>
           <p:cNvPr id="17" name="Google Shape;17;p2"/>
-          <p:cNvSpPr txBox="1"/>
+          <p:cNvSpPr txBox="1">
+            <a:spLocks noGrp="1"/>
+          </p:cNvSpPr>
           <p:nvPr>
-            <p:ph idx="1" type="subTitle"/>
+            <p:ph type="subTitle" idx="1"/>
           </p:nvPr>
         </p:nvSpPr>
         <p:spPr>
@@ -2407,7 +2478,7 @@
           </a:prstGeom>
         </p:spPr>
         <p:txBody>
-          <a:bodyPr anchorCtr="0" anchor="t" bIns="91425" lIns="91425" spcFirstLastPara="1" rIns="91425" wrap="square" tIns="91425">
+          <a:bodyPr spcFirstLastPara="1" wrap="square" lIns="91425" tIns="91425" rIns="91425" bIns="91425" anchor="t" anchorCtr="0">
             <a:normAutofit/>
           </a:bodyPr>
           <a:lstStyle>
@@ -2538,15 +2609,19 @@
               <a:defRPr sz="1300"/>
             </a:lvl9pPr>
           </a:lstStyle>
-          <a:p/>
+          <a:p>
+            <a:endParaRPr/>
+          </a:p>
         </p:txBody>
       </p:sp>
       <p:sp>
         <p:nvSpPr>
           <p:cNvPr id="18" name="Google Shape;18;p2"/>
-          <p:cNvSpPr txBox="1"/>
+          <p:cNvSpPr txBox="1">
+            <a:spLocks noGrp="1"/>
+          </p:cNvSpPr>
           <p:nvPr>
-            <p:ph idx="12" type="sldNum"/>
+            <p:ph type="sldNum" idx="12"/>
           </p:nvPr>
         </p:nvSpPr>
         <p:spPr>
@@ -2559,7 +2634,7 @@
           </a:prstGeom>
         </p:spPr>
         <p:txBody>
-          <a:bodyPr anchorCtr="0" anchor="ctr" bIns="91425" lIns="91425" spcFirstLastPara="1" rIns="91425" wrap="square" tIns="91425">
+          <a:bodyPr spcFirstLastPara="1" wrap="square" lIns="91425" tIns="91425" rIns="91425" bIns="91425" anchor="ctr" anchorCtr="0">
             <a:normAutofit/>
           </a:bodyPr>
           <a:lstStyle>
@@ -2601,7 +2676,7 @@
             </a:lvl9pPr>
           </a:lstStyle>
           <a:p>
-            <a:pPr indent="0" lvl="0" marL="0" rtl="0" algn="r">
+            <a:pPr marL="0" lvl="0" indent="0" algn="r" rtl="0">
               <a:spcBef>
                 <a:spcPts val="0"/>
               </a:spcBef>
@@ -2627,11 +2702,11 @@
 </file>
 
 <file path=ppt/slideLayouts/slideLayout10.xml><?xml version="1.0" encoding="utf-8"?>
-<p:sldLayout xmlns:a="http://schemas.openxmlformats.org/drawingml/2006/main" xmlns:r="http://schemas.openxmlformats.org/officeDocument/2006/relationships" xmlns:mc="http://schemas.openxmlformats.org/markup-compatibility/2006" xmlns:mv="urn:schemas-microsoft-com:mac:vml" xmlns:p="http://schemas.openxmlformats.org/presentationml/2006/main" xmlns:c="http://schemas.openxmlformats.org/drawingml/2006/chart" xmlns:dgm="http://schemas.openxmlformats.org/drawingml/2006/diagram" xmlns:o="urn:schemas-microsoft-com:office:office" xmlns:v="urn:schemas-microsoft-com:vml" xmlns:pvml="urn:schemas-microsoft-com:office:powerpoint" xmlns:com="http://schemas.openxmlformats.org/drawingml/2006/compatibility" xmlns:p14="http://schemas.microsoft.com/office/powerpoint/2010/main" xmlns:p15="http://schemas.microsoft.com/office/powerpoint/2012/main" xmlns:ahyp="http://schemas.microsoft.com/office/drawing/2018/hyperlinkcolor" matchingName="Big number">
+<p:sldLayout xmlns:a="http://schemas.openxmlformats.org/drawingml/2006/main" xmlns:r="http://schemas.openxmlformats.org/officeDocument/2006/relationships" xmlns:p="http://schemas.openxmlformats.org/presentationml/2006/main" matchingName="Big number">
   <p:cSld name="BIG_NUMBER">
     <p:spTree>
       <p:nvGrpSpPr>
-        <p:cNvPr id="105" name="Shape 105"/>
+        <p:cNvPr id="1" name="Shape 105"/>
         <p:cNvGrpSpPr/>
         <p:nvPr/>
       </p:nvGrpSpPr>
@@ -2670,7 +2745,7 @@
             </a:xfrm>
             <a:prstGeom prst="diagStripe">
               <a:avLst>
-                <a:gd fmla="val 49469" name="adj"/>
+                <a:gd name="adj" fmla="val 49469"/>
               </a:avLst>
             </a:prstGeom>
             <a:solidFill>
@@ -2683,12 +2758,12 @@
             </a:ln>
           </p:spPr>
           <p:txBody>
-            <a:bodyPr anchorCtr="0" anchor="ctr" bIns="91425" lIns="91425" spcFirstLastPara="1" rIns="91425" wrap="square" tIns="91425">
+            <a:bodyPr spcFirstLastPara="1" wrap="square" lIns="91425" tIns="91425" rIns="91425" bIns="91425" anchor="ctr" anchorCtr="0">
               <a:noAutofit/>
             </a:bodyPr>
             <a:lstStyle/>
             <a:p>
-              <a:pPr indent="0" lvl="0" marL="0" rtl="0" algn="l">
+              <a:pPr marL="0" lvl="0" indent="0" algn="l" rtl="0">
                 <a:spcBef>
                   <a:spcPts val="0"/>
                 </a:spcBef>
@@ -2697,9 +2772,6 @@
                 </a:spcAft>
                 <a:buNone/>
               </a:pPr>
-              <a:r>
-                <a:t/>
-              </a:r>
               <a:endParaRPr/>
             </a:p>
           </p:txBody>
@@ -2717,7 +2789,7 @@
             </a:xfrm>
             <a:prstGeom prst="diagStripe">
               <a:avLst>
-                <a:gd fmla="val 0" name="adj"/>
+                <a:gd name="adj" fmla="val 0"/>
               </a:avLst>
             </a:prstGeom>
             <a:solidFill>
@@ -2730,12 +2802,12 @@
             </a:ln>
           </p:spPr>
           <p:txBody>
-            <a:bodyPr anchorCtr="0" anchor="ctr" bIns="91425" lIns="91425" spcFirstLastPara="1" rIns="91425" wrap="square" tIns="91425">
+            <a:bodyPr spcFirstLastPara="1" wrap="square" lIns="91425" tIns="91425" rIns="91425" bIns="91425" anchor="ctr" anchorCtr="0">
               <a:noAutofit/>
             </a:bodyPr>
             <a:lstStyle/>
             <a:p>
-              <a:pPr indent="0" lvl="0" marL="0" rtl="0" algn="l">
+              <a:pPr marL="0" lvl="0" indent="0" algn="l" rtl="0">
                 <a:spcBef>
                   <a:spcPts val="0"/>
                 </a:spcBef>
@@ -2744,9 +2816,6 @@
                 </a:spcAft>
                 <a:buNone/>
               </a:pPr>
-              <a:r>
-                <a:t/>
-              </a:r>
               <a:endParaRPr/>
             </a:p>
           </p:txBody>
@@ -2764,7 +2833,7 @@
             </a:xfrm>
             <a:prstGeom prst="diagStripe">
               <a:avLst>
-                <a:gd fmla="val 50000" name="adj"/>
+                <a:gd name="adj" fmla="val 50000"/>
               </a:avLst>
             </a:prstGeom>
             <a:solidFill>
@@ -2777,12 +2846,12 @@
             </a:ln>
           </p:spPr>
           <p:txBody>
-            <a:bodyPr anchorCtr="0" anchor="ctr" bIns="91425" lIns="91425" spcFirstLastPara="1" rIns="91425" wrap="square" tIns="91425">
+            <a:bodyPr spcFirstLastPara="1" wrap="square" lIns="91425" tIns="91425" rIns="91425" bIns="91425" anchor="ctr" anchorCtr="0">
               <a:noAutofit/>
             </a:bodyPr>
             <a:lstStyle/>
             <a:p>
-              <a:pPr indent="0" lvl="0" marL="0" rtl="0" algn="l">
+              <a:pPr marL="0" lvl="0" indent="0" algn="l" rtl="0">
                 <a:spcBef>
                   <a:spcPts val="0"/>
                 </a:spcBef>
@@ -2791,9 +2860,6 @@
                 </a:spcAft>
                 <a:buNone/>
               </a:pPr>
-              <a:r>
-                <a:t/>
-              </a:r>
               <a:endParaRPr/>
             </a:p>
           </p:txBody>
@@ -2811,7 +2877,7 @@
             </a:xfrm>
             <a:prstGeom prst="diagStripe">
               <a:avLst>
-                <a:gd fmla="val 50000" name="adj"/>
+                <a:gd name="adj" fmla="val 50000"/>
               </a:avLst>
             </a:prstGeom>
             <a:solidFill>
@@ -2824,12 +2890,12 @@
             </a:ln>
           </p:spPr>
           <p:txBody>
-            <a:bodyPr anchorCtr="0" anchor="ctr" bIns="91425" lIns="91425" spcFirstLastPara="1" rIns="91425" wrap="square" tIns="91425">
+            <a:bodyPr spcFirstLastPara="1" wrap="square" lIns="91425" tIns="91425" rIns="91425" bIns="91425" anchor="ctr" anchorCtr="0">
               <a:noAutofit/>
             </a:bodyPr>
             <a:lstStyle/>
             <a:p>
-              <a:pPr indent="0" lvl="0" marL="0" rtl="0" algn="l">
+              <a:pPr marL="0" lvl="0" indent="0" algn="l" rtl="0">
                 <a:spcBef>
                   <a:spcPts val="0"/>
                 </a:spcBef>
@@ -2838,9 +2904,6 @@
                 </a:spcAft>
                 <a:buNone/>
               </a:pPr>
-              <a:r>
-                <a:t/>
-              </a:r>
               <a:endParaRPr/>
             </a:p>
           </p:txBody>
@@ -2858,7 +2921,7 @@
             </a:xfrm>
             <a:prstGeom prst="diagStripe">
               <a:avLst>
-                <a:gd fmla="val 50000" name="adj"/>
+                <a:gd name="adj" fmla="val 50000"/>
               </a:avLst>
             </a:prstGeom>
             <a:solidFill>
@@ -2871,12 +2934,12 @@
             </a:ln>
           </p:spPr>
           <p:txBody>
-            <a:bodyPr anchorCtr="0" anchor="ctr" bIns="91425" lIns="91425" spcFirstLastPara="1" rIns="91425" wrap="square" tIns="91425">
+            <a:bodyPr spcFirstLastPara="1" wrap="square" lIns="91425" tIns="91425" rIns="91425" bIns="91425" anchor="ctr" anchorCtr="0">
               <a:noAutofit/>
             </a:bodyPr>
             <a:lstStyle/>
             <a:p>
-              <a:pPr indent="0" lvl="0" marL="0" rtl="0" algn="l">
+              <a:pPr marL="0" lvl="0" indent="0" algn="l" rtl="0">
                 <a:spcBef>
                   <a:spcPts val="0"/>
                 </a:spcBef>
@@ -2885,9 +2948,6 @@
                 </a:spcAft>
                 <a:buNone/>
               </a:pPr>
-              <a:r>
-                <a:t/>
-              </a:r>
               <a:endParaRPr/>
             </a:p>
           </p:txBody>
@@ -2905,7 +2965,7 @@
             </a:xfrm>
             <a:prstGeom prst="diagStripe">
               <a:avLst>
-                <a:gd fmla="val 50000" name="adj"/>
+                <a:gd name="adj" fmla="val 50000"/>
               </a:avLst>
             </a:prstGeom>
             <a:solidFill>
@@ -2918,12 +2978,12 @@
             </a:ln>
           </p:spPr>
           <p:txBody>
-            <a:bodyPr anchorCtr="0" anchor="ctr" bIns="91425" lIns="91425" spcFirstLastPara="1" rIns="91425" wrap="square" tIns="91425">
+            <a:bodyPr spcFirstLastPara="1" wrap="square" lIns="91425" tIns="91425" rIns="91425" bIns="91425" anchor="ctr" anchorCtr="0">
               <a:noAutofit/>
             </a:bodyPr>
             <a:lstStyle/>
             <a:p>
-              <a:pPr indent="0" lvl="0" marL="0" rtl="0" algn="l">
+              <a:pPr marL="0" lvl="0" indent="0" algn="l" rtl="0">
                 <a:spcBef>
                   <a:spcPts val="0"/>
                 </a:spcBef>
@@ -2932,9 +2992,6 @@
                 </a:spcAft>
                 <a:buNone/>
               </a:pPr>
-              <a:r>
-                <a:t/>
-              </a:r>
               <a:endParaRPr/>
             </a:p>
           </p:txBody>
@@ -2952,7 +3009,7 @@
             </a:xfrm>
             <a:prstGeom prst="diagStripe">
               <a:avLst>
-                <a:gd fmla="val 50000" name="adj"/>
+                <a:gd name="adj" fmla="val 50000"/>
               </a:avLst>
             </a:prstGeom>
             <a:solidFill>
@@ -2965,12 +3022,12 @@
             </a:ln>
           </p:spPr>
           <p:txBody>
-            <a:bodyPr anchorCtr="0" anchor="ctr" bIns="91425" lIns="91425" spcFirstLastPara="1" rIns="91425" wrap="square" tIns="91425">
+            <a:bodyPr spcFirstLastPara="1" wrap="square" lIns="91425" tIns="91425" rIns="91425" bIns="91425" anchor="ctr" anchorCtr="0">
               <a:noAutofit/>
             </a:bodyPr>
             <a:lstStyle/>
             <a:p>
-              <a:pPr indent="0" lvl="0" marL="0" rtl="0" algn="l">
+              <a:pPr marL="0" lvl="0" indent="0" algn="l" rtl="0">
                 <a:spcBef>
                   <a:spcPts val="0"/>
                 </a:spcBef>
@@ -2979,9 +3036,6 @@
                 </a:spcAft>
                 <a:buNone/>
               </a:pPr>
-              <a:r>
-                <a:t/>
-              </a:r>
               <a:endParaRPr/>
             </a:p>
           </p:txBody>
@@ -2999,7 +3053,7 @@
             </a:xfrm>
             <a:prstGeom prst="diagStripe">
               <a:avLst>
-                <a:gd fmla="val 50000" name="adj"/>
+                <a:gd name="adj" fmla="val 50000"/>
               </a:avLst>
             </a:prstGeom>
             <a:solidFill>
@@ -3010,12 +3064,12 @@
             </a:ln>
           </p:spPr>
           <p:txBody>
-            <a:bodyPr anchorCtr="0" anchor="ctr" bIns="91425" lIns="91425" spcFirstLastPara="1" rIns="91425" wrap="square" tIns="91425">
+            <a:bodyPr spcFirstLastPara="1" wrap="square" lIns="91425" tIns="91425" rIns="91425" bIns="91425" anchor="ctr" anchorCtr="0">
               <a:noAutofit/>
             </a:bodyPr>
             <a:lstStyle/>
             <a:p>
-              <a:pPr indent="0" lvl="0" marL="0" rtl="0" algn="l">
+              <a:pPr marL="0" lvl="0" indent="0" algn="l" rtl="0">
                 <a:spcBef>
                   <a:spcPts val="0"/>
                 </a:spcBef>
@@ -3024,9 +3078,6 @@
                 </a:spcAft>
                 <a:buNone/>
               </a:pPr>
-              <a:r>
-                <a:t/>
-              </a:r>
               <a:endParaRPr/>
             </a:p>
           </p:txBody>
@@ -3044,7 +3095,7 @@
             </a:xfrm>
             <a:prstGeom prst="diagStripe">
               <a:avLst>
-                <a:gd fmla="val 50000" name="adj"/>
+                <a:gd name="adj" fmla="val 50000"/>
               </a:avLst>
             </a:prstGeom>
             <a:solidFill>
@@ -3057,12 +3108,12 @@
             </a:ln>
           </p:spPr>
           <p:txBody>
-            <a:bodyPr anchorCtr="0" anchor="ctr" bIns="91425" lIns="91425" spcFirstLastPara="1" rIns="91425" wrap="square" tIns="91425">
+            <a:bodyPr spcFirstLastPara="1" wrap="square" lIns="91425" tIns="91425" rIns="91425" bIns="91425" anchor="ctr" anchorCtr="0">
               <a:noAutofit/>
             </a:bodyPr>
             <a:lstStyle/>
             <a:p>
-              <a:pPr indent="0" lvl="0" marL="0" rtl="0" algn="l">
+              <a:pPr marL="0" lvl="0" indent="0" algn="l" rtl="0">
                 <a:spcBef>
                   <a:spcPts val="0"/>
                 </a:spcBef>
@@ -3071,9 +3122,6 @@
                 </a:spcAft>
                 <a:buNone/>
               </a:pPr>
-              <a:r>
-                <a:t/>
-              </a:r>
               <a:endParaRPr/>
             </a:p>
           </p:txBody>
@@ -3091,7 +3139,7 @@
             </a:xfrm>
             <a:prstGeom prst="diagStripe">
               <a:avLst>
-                <a:gd fmla="val 50000" name="adj"/>
+                <a:gd name="adj" fmla="val 50000"/>
               </a:avLst>
             </a:prstGeom>
             <a:solidFill>
@@ -3104,12 +3152,12 @@
             </a:ln>
           </p:spPr>
           <p:txBody>
-            <a:bodyPr anchorCtr="0" anchor="ctr" bIns="91425" lIns="91425" spcFirstLastPara="1" rIns="91425" wrap="square" tIns="91425">
+            <a:bodyPr spcFirstLastPara="1" wrap="square" lIns="91425" tIns="91425" rIns="91425" bIns="91425" anchor="ctr" anchorCtr="0">
               <a:noAutofit/>
             </a:bodyPr>
             <a:lstStyle/>
             <a:p>
-              <a:pPr indent="0" lvl="0" marL="0" rtl="0" algn="l">
+              <a:pPr marL="0" lvl="0" indent="0" algn="l" rtl="0">
                 <a:spcBef>
                   <a:spcPts val="0"/>
                 </a:spcBef>
@@ -3118,9 +3166,6 @@
                 </a:spcAft>
                 <a:buNone/>
               </a:pPr>
-              <a:r>
-                <a:t/>
-              </a:r>
               <a:endParaRPr/>
             </a:p>
           </p:txBody>
@@ -3138,7 +3183,7 @@
             </a:xfrm>
             <a:prstGeom prst="diagStripe">
               <a:avLst>
-                <a:gd fmla="val 50000" name="adj"/>
+                <a:gd name="adj" fmla="val 50000"/>
               </a:avLst>
             </a:prstGeom>
             <a:solidFill>
@@ -3151,12 +3196,12 @@
             </a:ln>
           </p:spPr>
           <p:txBody>
-            <a:bodyPr anchorCtr="0" anchor="ctr" bIns="91425" lIns="91425" spcFirstLastPara="1" rIns="91425" wrap="square" tIns="91425">
+            <a:bodyPr spcFirstLastPara="1" wrap="square" lIns="91425" tIns="91425" rIns="91425" bIns="91425" anchor="ctr" anchorCtr="0">
               <a:noAutofit/>
             </a:bodyPr>
             <a:lstStyle/>
             <a:p>
-              <a:pPr indent="0" lvl="0" marL="0" rtl="0" algn="l">
+              <a:pPr marL="0" lvl="0" indent="0" algn="l" rtl="0">
                 <a:spcBef>
                   <a:spcPts val="0"/>
                 </a:spcBef>
@@ -3165,9 +3210,6 @@
                 </a:spcAft>
                 <a:buNone/>
               </a:pPr>
-              <a:r>
-                <a:t/>
-              </a:r>
               <a:endParaRPr/>
             </a:p>
           </p:txBody>
@@ -3185,7 +3227,7 @@
             </a:xfrm>
             <a:prstGeom prst="diagStripe">
               <a:avLst>
-                <a:gd fmla="val 50000" name="adj"/>
+                <a:gd name="adj" fmla="val 50000"/>
               </a:avLst>
             </a:prstGeom>
             <a:solidFill>
@@ -3198,12 +3240,12 @@
             </a:ln>
           </p:spPr>
           <p:txBody>
-            <a:bodyPr anchorCtr="0" anchor="ctr" bIns="91425" lIns="91425" spcFirstLastPara="1" rIns="91425" wrap="square" tIns="91425">
+            <a:bodyPr spcFirstLastPara="1" wrap="square" lIns="91425" tIns="91425" rIns="91425" bIns="91425" anchor="ctr" anchorCtr="0">
               <a:noAutofit/>
             </a:bodyPr>
             <a:lstStyle/>
             <a:p>
-              <a:pPr indent="0" lvl="0" marL="0" rtl="0" algn="l">
+              <a:pPr marL="0" lvl="0" indent="0" algn="l" rtl="0">
                 <a:spcBef>
                   <a:spcPts val="0"/>
                 </a:spcBef>
@@ -3212,9 +3254,6 @@
                 </a:spcAft>
                 <a:buNone/>
               </a:pPr>
-              <a:r>
-                <a:t/>
-              </a:r>
               <a:endParaRPr/>
             </a:p>
           </p:txBody>
@@ -3232,7 +3271,7 @@
             </a:xfrm>
             <a:prstGeom prst="diagStripe">
               <a:avLst>
-                <a:gd fmla="val 50000" name="adj"/>
+                <a:gd name="adj" fmla="val 50000"/>
               </a:avLst>
             </a:prstGeom>
             <a:solidFill>
@@ -3245,12 +3284,12 @@
             </a:ln>
           </p:spPr>
           <p:txBody>
-            <a:bodyPr anchorCtr="0" anchor="ctr" bIns="91425" lIns="91425" spcFirstLastPara="1" rIns="91425" wrap="square" tIns="91425">
+            <a:bodyPr spcFirstLastPara="1" wrap="square" lIns="91425" tIns="91425" rIns="91425" bIns="91425" anchor="ctr" anchorCtr="0">
               <a:noAutofit/>
             </a:bodyPr>
             <a:lstStyle/>
             <a:p>
-              <a:pPr indent="0" lvl="0" marL="0" rtl="0" algn="l">
+              <a:pPr marL="0" lvl="0" indent="0" algn="l" rtl="0">
                 <a:spcBef>
                   <a:spcPts val="0"/>
                 </a:spcBef>
@@ -3259,9 +3298,6 @@
                 </a:spcAft>
                 <a:buNone/>
               </a:pPr>
-              <a:r>
-                <a:t/>
-              </a:r>
               <a:endParaRPr/>
             </a:p>
           </p:txBody>
@@ -3279,7 +3315,7 @@
             </a:xfrm>
             <a:prstGeom prst="diagStripe">
               <a:avLst>
-                <a:gd fmla="val 50000" name="adj"/>
+                <a:gd name="adj" fmla="val 50000"/>
               </a:avLst>
             </a:prstGeom>
             <a:solidFill>
@@ -3290,12 +3326,12 @@
             </a:ln>
           </p:spPr>
           <p:txBody>
-            <a:bodyPr anchorCtr="0" anchor="ctr" bIns="91425" lIns="91425" spcFirstLastPara="1" rIns="91425" wrap="square" tIns="91425">
+            <a:bodyPr spcFirstLastPara="1" wrap="square" lIns="91425" tIns="91425" rIns="91425" bIns="91425" anchor="ctr" anchorCtr="0">
               <a:noAutofit/>
             </a:bodyPr>
             <a:lstStyle/>
             <a:p>
-              <a:pPr indent="0" lvl="0" marL="0" rtl="0" algn="l">
+              <a:pPr marL="0" lvl="0" indent="0" algn="l" rtl="0">
                 <a:spcBef>
                   <a:spcPts val="0"/>
                 </a:spcBef>
@@ -3304,9 +3340,6 @@
                 </a:spcAft>
                 <a:buNone/>
               </a:pPr>
-              <a:r>
-                <a:t/>
-              </a:r>
               <a:endParaRPr/>
             </a:p>
           </p:txBody>
@@ -3324,7 +3357,7 @@
             </a:xfrm>
             <a:prstGeom prst="diagStripe">
               <a:avLst>
-                <a:gd fmla="val 50000" name="adj"/>
+                <a:gd name="adj" fmla="val 50000"/>
               </a:avLst>
             </a:prstGeom>
             <a:solidFill>
@@ -3337,12 +3370,12 @@
             </a:ln>
           </p:spPr>
           <p:txBody>
-            <a:bodyPr anchorCtr="0" anchor="ctr" bIns="91425" lIns="91425" spcFirstLastPara="1" rIns="91425" wrap="square" tIns="91425">
+            <a:bodyPr spcFirstLastPara="1" wrap="square" lIns="91425" tIns="91425" rIns="91425" bIns="91425" anchor="ctr" anchorCtr="0">
               <a:noAutofit/>
             </a:bodyPr>
             <a:lstStyle/>
             <a:p>
-              <a:pPr indent="0" lvl="0" marL="0" rtl="0" algn="l">
+              <a:pPr marL="0" lvl="0" indent="0" algn="l" rtl="0">
                 <a:spcBef>
                   <a:spcPts val="0"/>
                 </a:spcBef>
@@ -3351,9 +3384,6 @@
                 </a:spcAft>
                 <a:buNone/>
               </a:pPr>
-              <a:r>
-                <a:t/>
-              </a:r>
               <a:endParaRPr/>
             </a:p>
           </p:txBody>
@@ -3371,7 +3401,7 @@
             </a:xfrm>
             <a:prstGeom prst="diagStripe">
               <a:avLst>
-                <a:gd fmla="val 50000" name="adj"/>
+                <a:gd name="adj" fmla="val 50000"/>
               </a:avLst>
             </a:prstGeom>
             <a:solidFill>
@@ -3384,12 +3414,12 @@
             </a:ln>
           </p:spPr>
           <p:txBody>
-            <a:bodyPr anchorCtr="0" anchor="ctr" bIns="91425" lIns="91425" spcFirstLastPara="1" rIns="91425" wrap="square" tIns="91425">
+            <a:bodyPr spcFirstLastPara="1" wrap="square" lIns="91425" tIns="91425" rIns="91425" bIns="91425" anchor="ctr" anchorCtr="0">
               <a:noAutofit/>
             </a:bodyPr>
             <a:lstStyle/>
             <a:p>
-              <a:pPr indent="0" lvl="0" marL="0" rtl="0" algn="l">
+              <a:pPr marL="0" lvl="0" indent="0" algn="l" rtl="0">
                 <a:spcBef>
                   <a:spcPts val="0"/>
                 </a:spcBef>
@@ -3398,9 +3428,6 @@
                 </a:spcAft>
                 <a:buNone/>
               </a:pPr>
-              <a:r>
-                <a:t/>
-              </a:r>
               <a:endParaRPr/>
             </a:p>
           </p:txBody>
@@ -3418,7 +3445,7 @@
             </a:xfrm>
             <a:prstGeom prst="diagStripe">
               <a:avLst>
-                <a:gd fmla="val 50000" name="adj"/>
+                <a:gd name="adj" fmla="val 50000"/>
               </a:avLst>
             </a:prstGeom>
             <a:solidFill>
@@ -3431,12 +3458,12 @@
             </a:ln>
           </p:spPr>
           <p:txBody>
-            <a:bodyPr anchorCtr="0" anchor="ctr" bIns="91425" lIns="91425" spcFirstLastPara="1" rIns="91425" wrap="square" tIns="91425">
+            <a:bodyPr spcFirstLastPara="1" wrap="square" lIns="91425" tIns="91425" rIns="91425" bIns="91425" anchor="ctr" anchorCtr="0">
               <a:noAutofit/>
             </a:bodyPr>
             <a:lstStyle/>
             <a:p>
-              <a:pPr indent="0" lvl="0" marL="0" rtl="0" algn="l">
+              <a:pPr marL="0" lvl="0" indent="0" algn="l" rtl="0">
                 <a:spcBef>
                   <a:spcPts val="0"/>
                 </a:spcBef>
@@ -3445,9 +3472,6 @@
                 </a:spcAft>
                 <a:buNone/>
               </a:pPr>
-              <a:r>
-                <a:t/>
-              </a:r>
               <a:endParaRPr/>
             </a:p>
           </p:txBody>
@@ -3465,7 +3489,7 @@
             </a:xfrm>
             <a:prstGeom prst="diagStripe">
               <a:avLst>
-                <a:gd fmla="val 50000" name="adj"/>
+                <a:gd name="adj" fmla="val 50000"/>
               </a:avLst>
             </a:prstGeom>
             <a:solidFill>
@@ -3478,12 +3502,12 @@
             </a:ln>
           </p:spPr>
           <p:txBody>
-            <a:bodyPr anchorCtr="0" anchor="ctr" bIns="91425" lIns="91425" spcFirstLastPara="1" rIns="91425" wrap="square" tIns="91425">
+            <a:bodyPr spcFirstLastPara="1" wrap="square" lIns="91425" tIns="91425" rIns="91425" bIns="91425" anchor="ctr" anchorCtr="0">
               <a:noAutofit/>
             </a:bodyPr>
             <a:lstStyle/>
             <a:p>
-              <a:pPr indent="0" lvl="0" marL="0" rtl="0" algn="l">
+              <a:pPr marL="0" lvl="0" indent="0" algn="l" rtl="0">
                 <a:spcBef>
                   <a:spcPts val="0"/>
                 </a:spcBef>
@@ -3492,9 +3516,6 @@
                 </a:spcAft>
                 <a:buNone/>
               </a:pPr>
-              <a:r>
-                <a:t/>
-              </a:r>
               <a:endParaRPr/>
             </a:p>
           </p:txBody>
@@ -3503,9 +3524,11 @@
       <p:sp>
         <p:nvSpPr>
           <p:cNvPr id="125" name="Google Shape;125;p11"/>
-          <p:cNvSpPr txBox="1"/>
+          <p:cNvSpPr txBox="1">
+            <a:spLocks noGrp="1"/>
+          </p:cNvSpPr>
           <p:nvPr>
-            <p:ph hasCustomPrompt="1" type="title"/>
+            <p:ph type="title" hasCustomPrompt="1"/>
           </p:nvPr>
         </p:nvSpPr>
         <p:spPr>
@@ -3518,7 +3541,7 @@
           </a:prstGeom>
         </p:spPr>
         <p:txBody>
-          <a:bodyPr anchorCtr="0" anchor="t" bIns="91425" lIns="91425" spcFirstLastPara="1" rIns="91425" wrap="square" tIns="91425">
+          <a:bodyPr spcFirstLastPara="1" wrap="square" lIns="91425" tIns="91425" rIns="91425" bIns="91425" anchor="t" anchorCtr="0">
             <a:normAutofit/>
           </a:bodyPr>
           <a:lstStyle>
@@ -3632,9 +3655,11 @@
       <p:sp>
         <p:nvSpPr>
           <p:cNvPr id="126" name="Google Shape;126;p11"/>
-          <p:cNvSpPr txBox="1"/>
+          <p:cNvSpPr txBox="1">
+            <a:spLocks noGrp="1"/>
+          </p:cNvSpPr>
           <p:nvPr>
-            <p:ph idx="1" type="body"/>
+            <p:ph type="body" idx="1"/>
           </p:nvPr>
         </p:nvSpPr>
         <p:spPr>
@@ -3647,11 +3672,11 @@
           </a:prstGeom>
         </p:spPr>
         <p:txBody>
-          <a:bodyPr anchorCtr="0" anchor="t" bIns="91425" lIns="91425" spcFirstLastPara="1" rIns="91425" wrap="square" tIns="91425">
+          <a:bodyPr spcFirstLastPara="1" wrap="square" lIns="91425" tIns="91425" rIns="91425" bIns="91425" anchor="t" anchorCtr="0">
             <a:normAutofit/>
           </a:bodyPr>
           <a:lstStyle>
-            <a:lvl1pPr indent="-311150" lvl="0" marL="457200">
+            <a:lvl1pPr marL="457200" lvl="0" indent="-311150">
               <a:spcBef>
                 <a:spcPts val="0"/>
               </a:spcBef>
@@ -3662,7 +3687,7 @@
               <a:buChar char="●"/>
               <a:defRPr/>
             </a:lvl1pPr>
-            <a:lvl2pPr indent="-298450" lvl="1" marL="914400">
+            <a:lvl2pPr marL="914400" lvl="1" indent="-298450">
               <a:spcBef>
                 <a:spcPts val="0"/>
               </a:spcBef>
@@ -3673,7 +3698,7 @@
               <a:buChar char="○"/>
               <a:defRPr/>
             </a:lvl2pPr>
-            <a:lvl3pPr indent="-298450" lvl="2" marL="1371600">
+            <a:lvl3pPr marL="1371600" lvl="2" indent="-298450">
               <a:spcBef>
                 <a:spcPts val="0"/>
               </a:spcBef>
@@ -3684,7 +3709,7 @@
               <a:buChar char="■"/>
               <a:defRPr/>
             </a:lvl3pPr>
-            <a:lvl4pPr indent="-298450" lvl="3" marL="1828800">
+            <a:lvl4pPr marL="1828800" lvl="3" indent="-298450">
               <a:spcBef>
                 <a:spcPts val="0"/>
               </a:spcBef>
@@ -3695,7 +3720,7 @@
               <a:buChar char="●"/>
               <a:defRPr/>
             </a:lvl4pPr>
-            <a:lvl5pPr indent="-298450" lvl="4" marL="2286000">
+            <a:lvl5pPr marL="2286000" lvl="4" indent="-298450">
               <a:spcBef>
                 <a:spcPts val="0"/>
               </a:spcBef>
@@ -3706,7 +3731,7 @@
               <a:buChar char="○"/>
               <a:defRPr/>
             </a:lvl5pPr>
-            <a:lvl6pPr indent="-298450" lvl="5" marL="2743200">
+            <a:lvl6pPr marL="2743200" lvl="5" indent="-298450">
               <a:spcBef>
                 <a:spcPts val="0"/>
               </a:spcBef>
@@ -3717,7 +3742,7 @@
               <a:buChar char="■"/>
               <a:defRPr/>
             </a:lvl6pPr>
-            <a:lvl7pPr indent="-298450" lvl="6" marL="3200400">
+            <a:lvl7pPr marL="3200400" lvl="6" indent="-298450">
               <a:spcBef>
                 <a:spcPts val="0"/>
               </a:spcBef>
@@ -3728,7 +3753,7 @@
               <a:buChar char="●"/>
               <a:defRPr/>
             </a:lvl7pPr>
-            <a:lvl8pPr indent="-298450" lvl="7" marL="3657600">
+            <a:lvl8pPr marL="3657600" lvl="7" indent="-298450">
               <a:spcBef>
                 <a:spcPts val="0"/>
               </a:spcBef>
@@ -3739,7 +3764,7 @@
               <a:buChar char="○"/>
               <a:defRPr/>
             </a:lvl8pPr>
-            <a:lvl9pPr indent="-298450" lvl="8" marL="4114800">
+            <a:lvl9pPr marL="4114800" lvl="8" indent="-298450">
               <a:spcBef>
                 <a:spcPts val="0"/>
               </a:spcBef>
@@ -3751,15 +3776,19 @@
               <a:defRPr/>
             </a:lvl9pPr>
           </a:lstStyle>
-          <a:p/>
+          <a:p>
+            <a:endParaRPr/>
+          </a:p>
         </p:txBody>
       </p:sp>
       <p:sp>
         <p:nvSpPr>
           <p:cNvPr id="127" name="Google Shape;127;p11"/>
-          <p:cNvSpPr txBox="1"/>
+          <p:cNvSpPr txBox="1">
+            <a:spLocks noGrp="1"/>
+          </p:cNvSpPr>
           <p:nvPr>
-            <p:ph idx="12" type="sldNum"/>
+            <p:ph type="sldNum" idx="12"/>
           </p:nvPr>
         </p:nvSpPr>
         <p:spPr>
@@ -3772,7 +3801,7 @@
           </a:prstGeom>
         </p:spPr>
         <p:txBody>
-          <a:bodyPr anchorCtr="0" anchor="ctr" bIns="91425" lIns="91425" spcFirstLastPara="1" rIns="91425" wrap="square" tIns="91425">
+          <a:bodyPr spcFirstLastPara="1" wrap="square" lIns="91425" tIns="91425" rIns="91425" bIns="91425" anchor="ctr" anchorCtr="0">
             <a:normAutofit/>
           </a:bodyPr>
           <a:lstStyle>
@@ -3814,7 +3843,7 @@
             </a:lvl9pPr>
           </a:lstStyle>
           <a:p>
-            <a:pPr indent="0" lvl="0" marL="0" rtl="0" algn="r">
+            <a:pPr marL="0" lvl="0" indent="0" algn="r" rtl="0">
               <a:spcBef>
                 <a:spcPts val="0"/>
               </a:spcBef>
@@ -3840,11 +3869,11 @@
 </file>
 
 <file path=ppt/slideLayouts/slideLayout11.xml><?xml version="1.0" encoding="utf-8"?>
-<p:sldLayout xmlns:a="http://schemas.openxmlformats.org/drawingml/2006/main" xmlns:r="http://schemas.openxmlformats.org/officeDocument/2006/relationships" xmlns:mc="http://schemas.openxmlformats.org/markup-compatibility/2006" xmlns:mv="urn:schemas-microsoft-com:mac:vml" xmlns:p="http://schemas.openxmlformats.org/presentationml/2006/main" xmlns:c="http://schemas.openxmlformats.org/drawingml/2006/chart" xmlns:dgm="http://schemas.openxmlformats.org/drawingml/2006/diagram" xmlns:o="urn:schemas-microsoft-com:office:office" xmlns:v="urn:schemas-microsoft-com:vml" xmlns:pvml="urn:schemas-microsoft-com:office:powerpoint" xmlns:com="http://schemas.openxmlformats.org/drawingml/2006/compatibility" xmlns:p14="http://schemas.microsoft.com/office/powerpoint/2010/main" xmlns:p15="http://schemas.microsoft.com/office/powerpoint/2012/main" xmlns:ahyp="http://schemas.microsoft.com/office/drawing/2018/hyperlinkcolor" matchingName="Blank" type="blank">
+<p:sldLayout xmlns:a="http://schemas.openxmlformats.org/drawingml/2006/main" xmlns:r="http://schemas.openxmlformats.org/officeDocument/2006/relationships" xmlns:p="http://schemas.openxmlformats.org/presentationml/2006/main" matchingName="Blank" type="blank">
   <p:cSld name="BLANK">
     <p:spTree>
       <p:nvGrpSpPr>
-        <p:cNvPr id="128" name="Shape 128"/>
+        <p:cNvPr id="1" name="Shape 128"/>
         <p:cNvGrpSpPr/>
         <p:nvPr/>
       </p:nvGrpSpPr>
@@ -3859,9 +3888,11 @@
       <p:sp>
         <p:nvSpPr>
           <p:cNvPr id="129" name="Google Shape;129;p12"/>
-          <p:cNvSpPr txBox="1"/>
+          <p:cNvSpPr txBox="1">
+            <a:spLocks noGrp="1"/>
+          </p:cNvSpPr>
           <p:nvPr>
-            <p:ph idx="12" type="sldNum"/>
+            <p:ph type="sldNum" idx="12"/>
           </p:nvPr>
         </p:nvSpPr>
         <p:spPr>
@@ -3874,7 +3905,7 @@
           </a:prstGeom>
         </p:spPr>
         <p:txBody>
-          <a:bodyPr anchorCtr="0" anchor="ctr" bIns="91425" lIns="91425" spcFirstLastPara="1" rIns="91425" wrap="square" tIns="91425">
+          <a:bodyPr spcFirstLastPara="1" wrap="square" lIns="91425" tIns="91425" rIns="91425" bIns="91425" anchor="ctr" anchorCtr="0">
             <a:normAutofit/>
           </a:bodyPr>
           <a:lstStyle>
@@ -3916,7 +3947,7 @@
             </a:lvl9pPr>
           </a:lstStyle>
           <a:p>
-            <a:pPr indent="0" lvl="0" marL="0" rtl="0" algn="r">
+            <a:pPr marL="0" lvl="0" indent="0" algn="r" rtl="0">
               <a:spcBef>
                 <a:spcPts val="0"/>
               </a:spcBef>
@@ -3942,11 +3973,11 @@
 </file>
 
 <file path=ppt/slideLayouts/slideLayout2.xml><?xml version="1.0" encoding="utf-8"?>
-<p:sldLayout xmlns:a="http://schemas.openxmlformats.org/drawingml/2006/main" xmlns:r="http://schemas.openxmlformats.org/officeDocument/2006/relationships" xmlns:mc="http://schemas.openxmlformats.org/markup-compatibility/2006" xmlns:mv="urn:schemas-microsoft-com:mac:vml" xmlns:p="http://schemas.openxmlformats.org/presentationml/2006/main" xmlns:c="http://schemas.openxmlformats.org/drawingml/2006/chart" xmlns:dgm="http://schemas.openxmlformats.org/drawingml/2006/diagram" xmlns:o="urn:schemas-microsoft-com:office:office" xmlns:v="urn:schemas-microsoft-com:vml" xmlns:pvml="urn:schemas-microsoft-com:office:powerpoint" xmlns:com="http://schemas.openxmlformats.org/drawingml/2006/compatibility" xmlns:p14="http://schemas.microsoft.com/office/powerpoint/2010/main" xmlns:p15="http://schemas.microsoft.com/office/powerpoint/2012/main" xmlns:ahyp="http://schemas.microsoft.com/office/drawing/2018/hyperlinkcolor" matchingName="Section header" type="secHead">
+<p:sldLayout xmlns:a="http://schemas.openxmlformats.org/drawingml/2006/main" xmlns:r="http://schemas.openxmlformats.org/officeDocument/2006/relationships" xmlns:p="http://schemas.openxmlformats.org/presentationml/2006/main" matchingName="Section header" type="secHead">
   <p:cSld name="SECTION_HEADER">
     <p:spTree>
       <p:nvGrpSpPr>
-        <p:cNvPr id="19" name="Shape 19"/>
+        <p:cNvPr id="1" name="Shape 19"/>
         <p:cNvGrpSpPr/>
         <p:nvPr/>
       </p:nvGrpSpPr>
@@ -3985,7 +4016,7 @@
             </a:xfrm>
             <a:prstGeom prst="diagStripe">
               <a:avLst>
-                <a:gd fmla="val 49469" name="adj"/>
+                <a:gd name="adj" fmla="val 49469"/>
               </a:avLst>
             </a:prstGeom>
             <a:solidFill>
@@ -3998,12 +4029,12 @@
             </a:ln>
           </p:spPr>
           <p:txBody>
-            <a:bodyPr anchorCtr="0" anchor="ctr" bIns="91425" lIns="91425" spcFirstLastPara="1" rIns="91425" wrap="square" tIns="91425">
+            <a:bodyPr spcFirstLastPara="1" wrap="square" lIns="91425" tIns="91425" rIns="91425" bIns="91425" anchor="ctr" anchorCtr="0">
               <a:noAutofit/>
             </a:bodyPr>
             <a:lstStyle/>
             <a:p>
-              <a:pPr indent="0" lvl="0" marL="0" rtl="0" algn="l">
+              <a:pPr marL="0" lvl="0" indent="0" algn="l" rtl="0">
                 <a:spcBef>
                   <a:spcPts val="0"/>
                 </a:spcBef>
@@ -4012,9 +4043,6 @@
                 </a:spcAft>
                 <a:buNone/>
               </a:pPr>
-              <a:r>
-                <a:t/>
-              </a:r>
               <a:endParaRPr/>
             </a:p>
           </p:txBody>
@@ -4032,7 +4060,7 @@
             </a:xfrm>
             <a:prstGeom prst="diagStripe">
               <a:avLst>
-                <a:gd fmla="val 0" name="adj"/>
+                <a:gd name="adj" fmla="val 0"/>
               </a:avLst>
             </a:prstGeom>
             <a:solidFill>
@@ -4045,12 +4073,12 @@
             </a:ln>
           </p:spPr>
           <p:txBody>
-            <a:bodyPr anchorCtr="0" anchor="ctr" bIns="91425" lIns="91425" spcFirstLastPara="1" rIns="91425" wrap="square" tIns="91425">
+            <a:bodyPr spcFirstLastPara="1" wrap="square" lIns="91425" tIns="91425" rIns="91425" bIns="91425" anchor="ctr" anchorCtr="0">
               <a:noAutofit/>
             </a:bodyPr>
             <a:lstStyle/>
             <a:p>
-              <a:pPr indent="0" lvl="0" marL="0" rtl="0" algn="l">
+              <a:pPr marL="0" lvl="0" indent="0" algn="l" rtl="0">
                 <a:spcBef>
                   <a:spcPts val="0"/>
                 </a:spcBef>
@@ -4059,9 +4087,6 @@
                 </a:spcAft>
                 <a:buNone/>
               </a:pPr>
-              <a:r>
-                <a:t/>
-              </a:r>
               <a:endParaRPr/>
             </a:p>
           </p:txBody>
@@ -4079,7 +4104,7 @@
             </a:xfrm>
             <a:prstGeom prst="diagStripe">
               <a:avLst>
-                <a:gd fmla="val 50000" name="adj"/>
+                <a:gd name="adj" fmla="val 50000"/>
               </a:avLst>
             </a:prstGeom>
             <a:solidFill>
@@ -4092,12 +4117,12 @@
             </a:ln>
           </p:spPr>
           <p:txBody>
-            <a:bodyPr anchorCtr="0" anchor="ctr" bIns="91425" lIns="91425" spcFirstLastPara="1" rIns="91425" wrap="square" tIns="91425">
+            <a:bodyPr spcFirstLastPara="1" wrap="square" lIns="91425" tIns="91425" rIns="91425" bIns="91425" anchor="ctr" anchorCtr="0">
               <a:noAutofit/>
             </a:bodyPr>
             <a:lstStyle/>
             <a:p>
-              <a:pPr indent="0" lvl="0" marL="0" rtl="0" algn="l">
+              <a:pPr marL="0" lvl="0" indent="0" algn="l" rtl="0">
                 <a:spcBef>
                   <a:spcPts val="0"/>
                 </a:spcBef>
@@ -4106,9 +4131,6 @@
                 </a:spcAft>
                 <a:buNone/>
               </a:pPr>
-              <a:r>
-                <a:t/>
-              </a:r>
               <a:endParaRPr/>
             </a:p>
           </p:txBody>
@@ -4126,7 +4148,7 @@
             </a:xfrm>
             <a:prstGeom prst="diagStripe">
               <a:avLst>
-                <a:gd fmla="val 50000" name="adj"/>
+                <a:gd name="adj" fmla="val 50000"/>
               </a:avLst>
             </a:prstGeom>
             <a:solidFill>
@@ -4139,12 +4161,12 @@
             </a:ln>
           </p:spPr>
           <p:txBody>
-            <a:bodyPr anchorCtr="0" anchor="ctr" bIns="91425" lIns="91425" spcFirstLastPara="1" rIns="91425" wrap="square" tIns="91425">
+            <a:bodyPr spcFirstLastPara="1" wrap="square" lIns="91425" tIns="91425" rIns="91425" bIns="91425" anchor="ctr" anchorCtr="0">
               <a:noAutofit/>
             </a:bodyPr>
             <a:lstStyle/>
             <a:p>
-              <a:pPr indent="0" lvl="0" marL="0" rtl="0" algn="l">
+              <a:pPr marL="0" lvl="0" indent="0" algn="l" rtl="0">
                 <a:spcBef>
                   <a:spcPts val="0"/>
                 </a:spcBef>
@@ -4153,9 +4175,6 @@
                 </a:spcAft>
                 <a:buNone/>
               </a:pPr>
-              <a:r>
-                <a:t/>
-              </a:r>
               <a:endParaRPr/>
             </a:p>
           </p:txBody>
@@ -4173,7 +4192,7 @@
             </a:xfrm>
             <a:prstGeom prst="diagStripe">
               <a:avLst>
-                <a:gd fmla="val 50000" name="adj"/>
+                <a:gd name="adj" fmla="val 50000"/>
               </a:avLst>
             </a:prstGeom>
             <a:solidFill>
@@ -4186,12 +4205,12 @@
             </a:ln>
           </p:spPr>
           <p:txBody>
-            <a:bodyPr anchorCtr="0" anchor="ctr" bIns="91425" lIns="91425" spcFirstLastPara="1" rIns="91425" wrap="square" tIns="91425">
+            <a:bodyPr spcFirstLastPara="1" wrap="square" lIns="91425" tIns="91425" rIns="91425" bIns="91425" anchor="ctr" anchorCtr="0">
               <a:noAutofit/>
             </a:bodyPr>
             <a:lstStyle/>
             <a:p>
-              <a:pPr indent="0" lvl="0" marL="0" rtl="0" algn="l">
+              <a:pPr marL="0" lvl="0" indent="0" algn="l" rtl="0">
                 <a:spcBef>
                   <a:spcPts val="0"/>
                 </a:spcBef>
@@ -4200,9 +4219,6 @@
                 </a:spcAft>
                 <a:buNone/>
               </a:pPr>
-              <a:r>
-                <a:t/>
-              </a:r>
               <a:endParaRPr/>
             </a:p>
           </p:txBody>
@@ -4220,7 +4236,7 @@
             </a:xfrm>
             <a:prstGeom prst="diagStripe">
               <a:avLst>
-                <a:gd fmla="val 50000" name="adj"/>
+                <a:gd name="adj" fmla="val 50000"/>
               </a:avLst>
             </a:prstGeom>
             <a:solidFill>
@@ -4233,12 +4249,12 @@
             </a:ln>
           </p:spPr>
           <p:txBody>
-            <a:bodyPr anchorCtr="0" anchor="ctr" bIns="91425" lIns="91425" spcFirstLastPara="1" rIns="91425" wrap="square" tIns="91425">
+            <a:bodyPr spcFirstLastPara="1" wrap="square" lIns="91425" tIns="91425" rIns="91425" bIns="91425" anchor="ctr" anchorCtr="0">
               <a:noAutofit/>
             </a:bodyPr>
             <a:lstStyle/>
             <a:p>
-              <a:pPr indent="0" lvl="0" marL="0" rtl="0" algn="l">
+              <a:pPr marL="0" lvl="0" indent="0" algn="l" rtl="0">
                 <a:spcBef>
                   <a:spcPts val="0"/>
                 </a:spcBef>
@@ -4247,9 +4263,6 @@
                 </a:spcAft>
                 <a:buNone/>
               </a:pPr>
-              <a:r>
-                <a:t/>
-              </a:r>
               <a:endParaRPr/>
             </a:p>
           </p:txBody>
@@ -4267,7 +4280,7 @@
             </a:xfrm>
             <a:prstGeom prst="diagStripe">
               <a:avLst>
-                <a:gd fmla="val 50000" name="adj"/>
+                <a:gd name="adj" fmla="val 50000"/>
               </a:avLst>
             </a:prstGeom>
             <a:solidFill>
@@ -4280,12 +4293,12 @@
             </a:ln>
           </p:spPr>
           <p:txBody>
-            <a:bodyPr anchorCtr="0" anchor="ctr" bIns="91425" lIns="91425" spcFirstLastPara="1" rIns="91425" wrap="square" tIns="91425">
+            <a:bodyPr spcFirstLastPara="1" wrap="square" lIns="91425" tIns="91425" rIns="91425" bIns="91425" anchor="ctr" anchorCtr="0">
               <a:noAutofit/>
             </a:bodyPr>
             <a:lstStyle/>
             <a:p>
-              <a:pPr indent="0" lvl="0" marL="0" rtl="0" algn="l">
+              <a:pPr marL="0" lvl="0" indent="0" algn="l" rtl="0">
                 <a:spcBef>
                   <a:spcPts val="0"/>
                 </a:spcBef>
@@ -4294,9 +4307,6 @@
                 </a:spcAft>
                 <a:buNone/>
               </a:pPr>
-              <a:r>
-                <a:t/>
-              </a:r>
               <a:endParaRPr/>
             </a:p>
           </p:txBody>
@@ -4314,7 +4324,7 @@
             </a:xfrm>
             <a:prstGeom prst="diagStripe">
               <a:avLst>
-                <a:gd fmla="val 50000" name="adj"/>
+                <a:gd name="adj" fmla="val 50000"/>
               </a:avLst>
             </a:prstGeom>
             <a:solidFill>
@@ -4325,12 +4335,12 @@
             </a:ln>
           </p:spPr>
           <p:txBody>
-            <a:bodyPr anchorCtr="0" anchor="ctr" bIns="91425" lIns="91425" spcFirstLastPara="1" rIns="91425" wrap="square" tIns="91425">
+            <a:bodyPr spcFirstLastPara="1" wrap="square" lIns="91425" tIns="91425" rIns="91425" bIns="91425" anchor="ctr" anchorCtr="0">
               <a:noAutofit/>
             </a:bodyPr>
             <a:lstStyle/>
             <a:p>
-              <a:pPr indent="0" lvl="0" marL="0" rtl="0" algn="l">
+              <a:pPr marL="0" lvl="0" indent="0" algn="l" rtl="0">
                 <a:spcBef>
                   <a:spcPts val="0"/>
                 </a:spcBef>
@@ -4339,9 +4349,6 @@
                 </a:spcAft>
                 <a:buNone/>
               </a:pPr>
-              <a:r>
-                <a:t/>
-              </a:r>
               <a:endParaRPr/>
             </a:p>
           </p:txBody>
@@ -4359,7 +4366,7 @@
             </a:xfrm>
             <a:prstGeom prst="diagStripe">
               <a:avLst>
-                <a:gd fmla="val 50000" name="adj"/>
+                <a:gd name="adj" fmla="val 50000"/>
               </a:avLst>
             </a:prstGeom>
             <a:solidFill>
@@ -4372,12 +4379,12 @@
             </a:ln>
           </p:spPr>
           <p:txBody>
-            <a:bodyPr anchorCtr="0" anchor="ctr" bIns="91425" lIns="91425" spcFirstLastPara="1" rIns="91425" wrap="square" tIns="91425">
+            <a:bodyPr spcFirstLastPara="1" wrap="square" lIns="91425" tIns="91425" rIns="91425" bIns="91425" anchor="ctr" anchorCtr="0">
               <a:noAutofit/>
             </a:bodyPr>
             <a:lstStyle/>
             <a:p>
-              <a:pPr indent="0" lvl="0" marL="0" rtl="0" algn="l">
+              <a:pPr marL="0" lvl="0" indent="0" algn="l" rtl="0">
                 <a:spcBef>
                   <a:spcPts val="0"/>
                 </a:spcBef>
@@ -4386,9 +4393,6 @@
                 </a:spcAft>
                 <a:buNone/>
               </a:pPr>
-              <a:r>
-                <a:t/>
-              </a:r>
               <a:endParaRPr/>
             </a:p>
           </p:txBody>
@@ -4406,7 +4410,7 @@
             </a:xfrm>
             <a:prstGeom prst="diagStripe">
               <a:avLst>
-                <a:gd fmla="val 50000" name="adj"/>
+                <a:gd name="adj" fmla="val 50000"/>
               </a:avLst>
             </a:prstGeom>
             <a:solidFill>
@@ -4419,12 +4423,12 @@
             </a:ln>
           </p:spPr>
           <p:txBody>
-            <a:bodyPr anchorCtr="0" anchor="ctr" bIns="91425" lIns="91425" spcFirstLastPara="1" rIns="91425" wrap="square" tIns="91425">
+            <a:bodyPr spcFirstLastPara="1" wrap="square" lIns="91425" tIns="91425" rIns="91425" bIns="91425" anchor="ctr" anchorCtr="0">
               <a:noAutofit/>
             </a:bodyPr>
             <a:lstStyle/>
             <a:p>
-              <a:pPr indent="0" lvl="0" marL="0" rtl="0" algn="l">
+              <a:pPr marL="0" lvl="0" indent="0" algn="l" rtl="0">
                 <a:spcBef>
                   <a:spcPts val="0"/>
                 </a:spcBef>
@@ -4433,9 +4437,6 @@
                 </a:spcAft>
                 <a:buNone/>
               </a:pPr>
-              <a:r>
-                <a:t/>
-              </a:r>
               <a:endParaRPr/>
             </a:p>
           </p:txBody>
@@ -4453,7 +4454,7 @@
             </a:xfrm>
             <a:prstGeom prst="diagStripe">
               <a:avLst>
-                <a:gd fmla="val 50000" name="adj"/>
+                <a:gd name="adj" fmla="val 50000"/>
               </a:avLst>
             </a:prstGeom>
             <a:solidFill>
@@ -4466,12 +4467,12 @@
             </a:ln>
           </p:spPr>
           <p:txBody>
-            <a:bodyPr anchorCtr="0" anchor="ctr" bIns="91425" lIns="91425" spcFirstLastPara="1" rIns="91425" wrap="square" tIns="91425">
+            <a:bodyPr spcFirstLastPara="1" wrap="square" lIns="91425" tIns="91425" rIns="91425" bIns="91425" anchor="ctr" anchorCtr="0">
               <a:noAutofit/>
             </a:bodyPr>
             <a:lstStyle/>
             <a:p>
-              <a:pPr indent="0" lvl="0" marL="0" rtl="0" algn="l">
+              <a:pPr marL="0" lvl="0" indent="0" algn="l" rtl="0">
                 <a:spcBef>
                   <a:spcPts val="0"/>
                 </a:spcBef>
@@ -4480,9 +4481,6 @@
                 </a:spcAft>
                 <a:buNone/>
               </a:pPr>
-              <a:r>
-                <a:t/>
-              </a:r>
               <a:endParaRPr/>
             </a:p>
           </p:txBody>
@@ -4500,7 +4498,7 @@
             </a:xfrm>
             <a:prstGeom prst="diagStripe">
               <a:avLst>
-                <a:gd fmla="val 50000" name="adj"/>
+                <a:gd name="adj" fmla="val 50000"/>
               </a:avLst>
             </a:prstGeom>
             <a:solidFill>
@@ -4513,12 +4511,12 @@
             </a:ln>
           </p:spPr>
           <p:txBody>
-            <a:bodyPr anchorCtr="0" anchor="ctr" bIns="91425" lIns="91425" spcFirstLastPara="1" rIns="91425" wrap="square" tIns="91425">
+            <a:bodyPr spcFirstLastPara="1" wrap="square" lIns="91425" tIns="91425" rIns="91425" bIns="91425" anchor="ctr" anchorCtr="0">
               <a:noAutofit/>
             </a:bodyPr>
             <a:lstStyle/>
             <a:p>
-              <a:pPr indent="0" lvl="0" marL="0" rtl="0" algn="l">
+              <a:pPr marL="0" lvl="0" indent="0" algn="l" rtl="0">
                 <a:spcBef>
                   <a:spcPts val="0"/>
                 </a:spcBef>
@@ -4527,9 +4525,6 @@
                 </a:spcAft>
                 <a:buNone/>
               </a:pPr>
-              <a:r>
-                <a:t/>
-              </a:r>
               <a:endParaRPr/>
             </a:p>
           </p:txBody>
@@ -4547,7 +4542,7 @@
             </a:xfrm>
             <a:prstGeom prst="diagStripe">
               <a:avLst>
-                <a:gd fmla="val 50000" name="adj"/>
+                <a:gd name="adj" fmla="val 50000"/>
               </a:avLst>
             </a:prstGeom>
             <a:solidFill>
@@ -4560,12 +4555,12 @@
             </a:ln>
           </p:spPr>
           <p:txBody>
-            <a:bodyPr anchorCtr="0" anchor="ctr" bIns="91425" lIns="91425" spcFirstLastPara="1" rIns="91425" wrap="square" tIns="91425">
+            <a:bodyPr spcFirstLastPara="1" wrap="square" lIns="91425" tIns="91425" rIns="91425" bIns="91425" anchor="ctr" anchorCtr="0">
               <a:noAutofit/>
             </a:bodyPr>
             <a:lstStyle/>
             <a:p>
-              <a:pPr indent="0" lvl="0" marL="0" rtl="0" algn="l">
+              <a:pPr marL="0" lvl="0" indent="0" algn="l" rtl="0">
                 <a:spcBef>
                   <a:spcPts val="0"/>
                 </a:spcBef>
@@ -4574,9 +4569,6 @@
                 </a:spcAft>
                 <a:buNone/>
               </a:pPr>
-              <a:r>
-                <a:t/>
-              </a:r>
               <a:endParaRPr/>
             </a:p>
           </p:txBody>
@@ -4594,7 +4586,7 @@
             </a:xfrm>
             <a:prstGeom prst="diagStripe">
               <a:avLst>
-                <a:gd fmla="val 50000" name="adj"/>
+                <a:gd name="adj" fmla="val 50000"/>
               </a:avLst>
             </a:prstGeom>
             <a:solidFill>
@@ -4605,12 +4597,12 @@
             </a:ln>
           </p:spPr>
           <p:txBody>
-            <a:bodyPr anchorCtr="0" anchor="ctr" bIns="91425" lIns="91425" spcFirstLastPara="1" rIns="91425" wrap="square" tIns="91425">
+            <a:bodyPr spcFirstLastPara="1" wrap="square" lIns="91425" tIns="91425" rIns="91425" bIns="91425" anchor="ctr" anchorCtr="0">
               <a:noAutofit/>
             </a:bodyPr>
             <a:lstStyle/>
             <a:p>
-              <a:pPr indent="0" lvl="0" marL="0" rtl="0" algn="l">
+              <a:pPr marL="0" lvl="0" indent="0" algn="l" rtl="0">
                 <a:spcBef>
                   <a:spcPts val="0"/>
                 </a:spcBef>
@@ -4619,9 +4611,6 @@
                 </a:spcAft>
                 <a:buNone/>
               </a:pPr>
-              <a:r>
-                <a:t/>
-              </a:r>
               <a:endParaRPr/>
             </a:p>
           </p:txBody>
@@ -4639,7 +4628,7 @@
             </a:xfrm>
             <a:prstGeom prst="diagStripe">
               <a:avLst>
-                <a:gd fmla="val 50000" name="adj"/>
+                <a:gd name="adj" fmla="val 50000"/>
               </a:avLst>
             </a:prstGeom>
             <a:solidFill>
@@ -4652,12 +4641,12 @@
             </a:ln>
           </p:spPr>
           <p:txBody>
-            <a:bodyPr anchorCtr="0" anchor="ctr" bIns="91425" lIns="91425" spcFirstLastPara="1" rIns="91425" wrap="square" tIns="91425">
+            <a:bodyPr spcFirstLastPara="1" wrap="square" lIns="91425" tIns="91425" rIns="91425" bIns="91425" anchor="ctr" anchorCtr="0">
               <a:noAutofit/>
             </a:bodyPr>
             <a:lstStyle/>
             <a:p>
-              <a:pPr indent="0" lvl="0" marL="0" rtl="0" algn="l">
+              <a:pPr marL="0" lvl="0" indent="0" algn="l" rtl="0">
                 <a:spcBef>
                   <a:spcPts val="0"/>
                 </a:spcBef>
@@ -4666,9 +4655,6 @@
                 </a:spcAft>
                 <a:buNone/>
               </a:pPr>
-              <a:r>
-                <a:t/>
-              </a:r>
               <a:endParaRPr/>
             </a:p>
           </p:txBody>
@@ -4686,7 +4672,7 @@
             </a:xfrm>
             <a:prstGeom prst="diagStripe">
               <a:avLst>
-                <a:gd fmla="val 50000" name="adj"/>
+                <a:gd name="adj" fmla="val 50000"/>
               </a:avLst>
             </a:prstGeom>
             <a:solidFill>
@@ -4699,12 +4685,12 @@
             </a:ln>
           </p:spPr>
           <p:txBody>
-            <a:bodyPr anchorCtr="0" anchor="ctr" bIns="91425" lIns="91425" spcFirstLastPara="1" rIns="91425" wrap="square" tIns="91425">
+            <a:bodyPr spcFirstLastPara="1" wrap="square" lIns="91425" tIns="91425" rIns="91425" bIns="91425" anchor="ctr" anchorCtr="0">
               <a:noAutofit/>
             </a:bodyPr>
             <a:lstStyle/>
             <a:p>
-              <a:pPr indent="0" lvl="0" marL="0" rtl="0" algn="l">
+              <a:pPr marL="0" lvl="0" indent="0" algn="l" rtl="0">
                 <a:spcBef>
                   <a:spcPts val="0"/>
                 </a:spcBef>
@@ -4713,9 +4699,6 @@
                 </a:spcAft>
                 <a:buNone/>
               </a:pPr>
-              <a:r>
-                <a:t/>
-              </a:r>
               <a:endParaRPr/>
             </a:p>
           </p:txBody>
@@ -4733,7 +4716,7 @@
             </a:xfrm>
             <a:prstGeom prst="diagStripe">
               <a:avLst>
-                <a:gd fmla="val 50000" name="adj"/>
+                <a:gd name="adj" fmla="val 50000"/>
               </a:avLst>
             </a:prstGeom>
             <a:solidFill>
@@ -4746,12 +4729,12 @@
             </a:ln>
           </p:spPr>
           <p:txBody>
-            <a:bodyPr anchorCtr="0" anchor="ctr" bIns="91425" lIns="91425" spcFirstLastPara="1" rIns="91425" wrap="square" tIns="91425">
+            <a:bodyPr spcFirstLastPara="1" wrap="square" lIns="91425" tIns="91425" rIns="91425" bIns="91425" anchor="ctr" anchorCtr="0">
               <a:noAutofit/>
             </a:bodyPr>
             <a:lstStyle/>
             <a:p>
-              <a:pPr indent="0" lvl="0" marL="0" rtl="0" algn="l">
+              <a:pPr marL="0" lvl="0" indent="0" algn="l" rtl="0">
                 <a:spcBef>
                   <a:spcPts val="0"/>
                 </a:spcBef>
@@ -4760,9 +4743,6 @@
                 </a:spcAft>
                 <a:buNone/>
               </a:pPr>
-              <a:r>
-                <a:t/>
-              </a:r>
               <a:endParaRPr/>
             </a:p>
           </p:txBody>
@@ -4780,7 +4760,7 @@
             </a:xfrm>
             <a:prstGeom prst="diagStripe">
               <a:avLst>
-                <a:gd fmla="val 50000" name="adj"/>
+                <a:gd name="adj" fmla="val 50000"/>
               </a:avLst>
             </a:prstGeom>
             <a:solidFill>
@@ -4793,12 +4773,12 @@
             </a:ln>
           </p:spPr>
           <p:txBody>
-            <a:bodyPr anchorCtr="0" anchor="ctr" bIns="91425" lIns="91425" spcFirstLastPara="1" rIns="91425" wrap="square" tIns="91425">
+            <a:bodyPr spcFirstLastPara="1" wrap="square" lIns="91425" tIns="91425" rIns="91425" bIns="91425" anchor="ctr" anchorCtr="0">
               <a:noAutofit/>
             </a:bodyPr>
             <a:lstStyle/>
             <a:p>
-              <a:pPr indent="0" lvl="0" marL="0" rtl="0" algn="l">
+              <a:pPr marL="0" lvl="0" indent="0" algn="l" rtl="0">
                 <a:spcBef>
                   <a:spcPts val="0"/>
                 </a:spcBef>
@@ -4807,9 +4787,6 @@
                 </a:spcAft>
                 <a:buNone/>
               </a:pPr>
-              <a:r>
-                <a:t/>
-              </a:r>
               <a:endParaRPr/>
             </a:p>
           </p:txBody>
@@ -4818,7 +4795,9 @@
       <p:sp>
         <p:nvSpPr>
           <p:cNvPr id="39" name="Google Shape;39;p3"/>
-          <p:cNvSpPr txBox="1"/>
+          <p:cNvSpPr txBox="1">
+            <a:spLocks noGrp="1"/>
+          </p:cNvSpPr>
           <p:nvPr>
             <p:ph type="title"/>
           </p:nvPr>
@@ -4833,7 +4812,7 @@
           </a:prstGeom>
         </p:spPr>
         <p:txBody>
-          <a:bodyPr anchorCtr="0" anchor="ctr" bIns="91425" lIns="91425" spcFirstLastPara="1" rIns="91425" wrap="square" tIns="91425">
+          <a:bodyPr spcFirstLastPara="1" wrap="square" lIns="91425" tIns="91425" rIns="91425" bIns="91425" anchor="ctr" anchorCtr="0">
             <a:normAutofit/>
           </a:bodyPr>
           <a:lstStyle>
@@ -4937,15 +4916,19 @@
               <a:defRPr/>
             </a:lvl9pPr>
           </a:lstStyle>
-          <a:p/>
+          <a:p>
+            <a:endParaRPr/>
+          </a:p>
         </p:txBody>
       </p:sp>
       <p:sp>
         <p:nvSpPr>
           <p:cNvPr id="40" name="Google Shape;40;p3"/>
-          <p:cNvSpPr txBox="1"/>
+          <p:cNvSpPr txBox="1">
+            <a:spLocks noGrp="1"/>
+          </p:cNvSpPr>
           <p:nvPr>
-            <p:ph idx="12" type="sldNum"/>
+            <p:ph type="sldNum" idx="12"/>
           </p:nvPr>
         </p:nvSpPr>
         <p:spPr>
@@ -4958,7 +4941,7 @@
           </a:prstGeom>
         </p:spPr>
         <p:txBody>
-          <a:bodyPr anchorCtr="0" anchor="ctr" bIns="91425" lIns="91425" spcFirstLastPara="1" rIns="91425" wrap="square" tIns="91425">
+          <a:bodyPr spcFirstLastPara="1" wrap="square" lIns="91425" tIns="91425" rIns="91425" bIns="91425" anchor="ctr" anchorCtr="0">
             <a:normAutofit/>
           </a:bodyPr>
           <a:lstStyle>
@@ -5000,7 +4983,7 @@
             </a:lvl9pPr>
           </a:lstStyle>
           <a:p>
-            <a:pPr indent="0" lvl="0" marL="0" rtl="0" algn="r">
+            <a:pPr marL="0" lvl="0" indent="0" algn="r" rtl="0">
               <a:spcBef>
                 <a:spcPts val="0"/>
               </a:spcBef>
@@ -5026,11 +5009,11 @@
 </file>
 
 <file path=ppt/slideLayouts/slideLayout3.xml><?xml version="1.0" encoding="utf-8"?>
-<p:sldLayout xmlns:a="http://schemas.openxmlformats.org/drawingml/2006/main" xmlns:r="http://schemas.openxmlformats.org/officeDocument/2006/relationships" xmlns:mc="http://schemas.openxmlformats.org/markup-compatibility/2006" xmlns:mv="urn:schemas-microsoft-com:mac:vml" xmlns:p="http://schemas.openxmlformats.org/presentationml/2006/main" xmlns:c="http://schemas.openxmlformats.org/drawingml/2006/chart" xmlns:dgm="http://schemas.openxmlformats.org/drawingml/2006/diagram" xmlns:o="urn:schemas-microsoft-com:office:office" xmlns:v="urn:schemas-microsoft-com:vml" xmlns:pvml="urn:schemas-microsoft-com:office:powerpoint" xmlns:com="http://schemas.openxmlformats.org/drawingml/2006/compatibility" xmlns:p14="http://schemas.microsoft.com/office/powerpoint/2010/main" xmlns:p15="http://schemas.microsoft.com/office/powerpoint/2012/main" xmlns:ahyp="http://schemas.microsoft.com/office/drawing/2018/hyperlinkcolor" matchingName="Title and body" type="tx">
+<p:sldLayout xmlns:a="http://schemas.openxmlformats.org/drawingml/2006/main" xmlns:r="http://schemas.openxmlformats.org/officeDocument/2006/relationships" xmlns:p="http://schemas.openxmlformats.org/presentationml/2006/main" matchingName="Title and body" type="tx">
   <p:cSld name="TITLE_AND_BODY">
     <p:spTree>
       <p:nvGrpSpPr>
-        <p:cNvPr id="41" name="Shape 41"/>
+        <p:cNvPr id="1" name="Shape 41"/>
         <p:cNvGrpSpPr/>
         <p:nvPr/>
       </p:nvGrpSpPr>
@@ -5069,7 +5052,7 @@
             </a:xfrm>
             <a:prstGeom prst="diagStripe">
               <a:avLst>
-                <a:gd fmla="val 50000" name="adj"/>
+                <a:gd name="adj" fmla="val 50000"/>
               </a:avLst>
             </a:prstGeom>
             <a:solidFill>
@@ -5080,12 +5063,12 @@
             </a:ln>
           </p:spPr>
           <p:txBody>
-            <a:bodyPr anchorCtr="0" anchor="ctr" bIns="91425" lIns="91425" spcFirstLastPara="1" rIns="91425" wrap="square" tIns="91425">
+            <a:bodyPr spcFirstLastPara="1" wrap="square" lIns="91425" tIns="91425" rIns="91425" bIns="91425" anchor="ctr" anchorCtr="0">
               <a:noAutofit/>
             </a:bodyPr>
             <a:lstStyle/>
             <a:p>
-              <a:pPr indent="0" lvl="0" marL="0" rtl="0" algn="l">
+              <a:pPr marL="0" lvl="0" indent="0" algn="l" rtl="0">
                 <a:spcBef>
                   <a:spcPts val="0"/>
                 </a:spcBef>
@@ -5094,9 +5077,6 @@
                 </a:spcAft>
                 <a:buNone/>
               </a:pPr>
-              <a:r>
-                <a:t/>
-              </a:r>
               <a:endParaRPr/>
             </a:p>
           </p:txBody>
@@ -5114,7 +5094,7 @@
             </a:xfrm>
             <a:prstGeom prst="diagStripe">
               <a:avLst>
-                <a:gd fmla="val 50000" name="adj"/>
+                <a:gd name="adj" fmla="val 50000"/>
               </a:avLst>
             </a:prstGeom>
             <a:solidFill>
@@ -5125,12 +5105,12 @@
             </a:ln>
           </p:spPr>
           <p:txBody>
-            <a:bodyPr anchorCtr="0" anchor="ctr" bIns="91425" lIns="91425" spcFirstLastPara="1" rIns="91425" wrap="square" tIns="91425">
+            <a:bodyPr spcFirstLastPara="1" wrap="square" lIns="91425" tIns="91425" rIns="91425" bIns="91425" anchor="ctr" anchorCtr="0">
               <a:noAutofit/>
             </a:bodyPr>
             <a:lstStyle/>
             <a:p>
-              <a:pPr indent="0" lvl="0" marL="0" rtl="0" algn="l">
+              <a:pPr marL="0" lvl="0" indent="0" algn="l" rtl="0">
                 <a:spcBef>
                   <a:spcPts val="0"/>
                 </a:spcBef>
@@ -5139,9 +5119,6 @@
                 </a:spcAft>
                 <a:buNone/>
               </a:pPr>
-              <a:r>
-                <a:t/>
-              </a:r>
               <a:endParaRPr/>
             </a:p>
           </p:txBody>
@@ -5150,7 +5127,9 @@
       <p:sp>
         <p:nvSpPr>
           <p:cNvPr id="45" name="Google Shape;45;p4"/>
-          <p:cNvSpPr txBox="1"/>
+          <p:cNvSpPr txBox="1">
+            <a:spLocks noGrp="1"/>
+          </p:cNvSpPr>
           <p:nvPr>
             <p:ph type="title"/>
           </p:nvPr>
@@ -5165,7 +5144,7 @@
           </a:prstGeom>
         </p:spPr>
         <p:txBody>
-          <a:bodyPr anchorCtr="0" anchor="t" bIns="91425" lIns="91425" spcFirstLastPara="1" rIns="91425" wrap="square" tIns="91425">
+          <a:bodyPr spcFirstLastPara="1" wrap="square" lIns="91425" tIns="91425" rIns="91425" bIns="91425" anchor="t" anchorCtr="0">
             <a:normAutofit/>
           </a:bodyPr>
           <a:lstStyle>
@@ -5269,15 +5248,19 @@
               <a:defRPr sz="2400"/>
             </a:lvl9pPr>
           </a:lstStyle>
-          <a:p/>
+          <a:p>
+            <a:endParaRPr/>
+          </a:p>
         </p:txBody>
       </p:sp>
       <p:sp>
         <p:nvSpPr>
           <p:cNvPr id="46" name="Google Shape;46;p4"/>
-          <p:cNvSpPr txBox="1"/>
+          <p:cNvSpPr txBox="1">
+            <a:spLocks noGrp="1"/>
+          </p:cNvSpPr>
           <p:nvPr>
-            <p:ph idx="1" type="body"/>
+            <p:ph type="body" idx="1"/>
           </p:nvPr>
         </p:nvSpPr>
         <p:spPr>
@@ -5290,11 +5273,11 @@
           </a:prstGeom>
         </p:spPr>
         <p:txBody>
-          <a:bodyPr anchorCtr="0" anchor="t" bIns="91425" lIns="91425" spcFirstLastPara="1" rIns="91425" wrap="square" tIns="91425">
+          <a:bodyPr spcFirstLastPara="1" wrap="square" lIns="91425" tIns="91425" rIns="91425" bIns="91425" anchor="t" anchorCtr="0">
             <a:normAutofit/>
           </a:bodyPr>
           <a:lstStyle>
-            <a:lvl1pPr indent="-311150" lvl="0" marL="457200">
+            <a:lvl1pPr marL="457200" lvl="0" indent="-311150">
               <a:spcBef>
                 <a:spcPts val="0"/>
               </a:spcBef>
@@ -5305,7 +5288,7 @@
               <a:buChar char="●"/>
               <a:defRPr/>
             </a:lvl1pPr>
-            <a:lvl2pPr indent="-298450" lvl="1" marL="914400">
+            <a:lvl2pPr marL="914400" lvl="1" indent="-298450">
               <a:spcBef>
                 <a:spcPts val="0"/>
               </a:spcBef>
@@ -5316,7 +5299,7 @@
               <a:buChar char="○"/>
               <a:defRPr/>
             </a:lvl2pPr>
-            <a:lvl3pPr indent="-298450" lvl="2" marL="1371600">
+            <a:lvl3pPr marL="1371600" lvl="2" indent="-298450">
               <a:spcBef>
                 <a:spcPts val="0"/>
               </a:spcBef>
@@ -5327,7 +5310,7 @@
               <a:buChar char="■"/>
               <a:defRPr/>
             </a:lvl3pPr>
-            <a:lvl4pPr indent="-298450" lvl="3" marL="1828800">
+            <a:lvl4pPr marL="1828800" lvl="3" indent="-298450">
               <a:spcBef>
                 <a:spcPts val="0"/>
               </a:spcBef>
@@ -5338,7 +5321,7 @@
               <a:buChar char="●"/>
               <a:defRPr/>
             </a:lvl4pPr>
-            <a:lvl5pPr indent="-298450" lvl="4" marL="2286000">
+            <a:lvl5pPr marL="2286000" lvl="4" indent="-298450">
               <a:spcBef>
                 <a:spcPts val="0"/>
               </a:spcBef>
@@ -5349,7 +5332,7 @@
               <a:buChar char="○"/>
               <a:defRPr/>
             </a:lvl5pPr>
-            <a:lvl6pPr indent="-298450" lvl="5" marL="2743200">
+            <a:lvl6pPr marL="2743200" lvl="5" indent="-298450">
               <a:spcBef>
                 <a:spcPts val="0"/>
               </a:spcBef>
@@ -5360,7 +5343,7 @@
               <a:buChar char="■"/>
               <a:defRPr/>
             </a:lvl6pPr>
-            <a:lvl7pPr indent="-298450" lvl="6" marL="3200400">
+            <a:lvl7pPr marL="3200400" lvl="6" indent="-298450">
               <a:spcBef>
                 <a:spcPts val="0"/>
               </a:spcBef>
@@ -5371,7 +5354,7 @@
               <a:buChar char="●"/>
               <a:defRPr/>
             </a:lvl7pPr>
-            <a:lvl8pPr indent="-298450" lvl="7" marL="3657600">
+            <a:lvl8pPr marL="3657600" lvl="7" indent="-298450">
               <a:spcBef>
                 <a:spcPts val="0"/>
               </a:spcBef>
@@ -5382,7 +5365,7 @@
               <a:buChar char="○"/>
               <a:defRPr/>
             </a:lvl8pPr>
-            <a:lvl9pPr indent="-298450" lvl="8" marL="4114800">
+            <a:lvl9pPr marL="4114800" lvl="8" indent="-298450">
               <a:spcBef>
                 <a:spcPts val="0"/>
               </a:spcBef>
@@ -5394,15 +5377,19 @@
               <a:defRPr/>
             </a:lvl9pPr>
           </a:lstStyle>
-          <a:p/>
+          <a:p>
+            <a:endParaRPr/>
+          </a:p>
         </p:txBody>
       </p:sp>
       <p:sp>
         <p:nvSpPr>
           <p:cNvPr id="47" name="Google Shape;47;p4"/>
-          <p:cNvSpPr txBox="1"/>
+          <p:cNvSpPr txBox="1">
+            <a:spLocks noGrp="1"/>
+          </p:cNvSpPr>
           <p:nvPr>
-            <p:ph idx="12" type="sldNum"/>
+            <p:ph type="sldNum" idx="12"/>
           </p:nvPr>
         </p:nvSpPr>
         <p:spPr>
@@ -5415,7 +5402,7 @@
           </a:prstGeom>
         </p:spPr>
         <p:txBody>
-          <a:bodyPr anchorCtr="0" anchor="ctr" bIns="91425" lIns="91425" spcFirstLastPara="1" rIns="91425" wrap="square" tIns="91425">
+          <a:bodyPr spcFirstLastPara="1" wrap="square" lIns="91425" tIns="91425" rIns="91425" bIns="91425" anchor="ctr" anchorCtr="0">
             <a:normAutofit/>
           </a:bodyPr>
           <a:lstStyle>
@@ -5457,7 +5444,7 @@
             </a:lvl9pPr>
           </a:lstStyle>
           <a:p>
-            <a:pPr indent="0" lvl="0" marL="0" rtl="0" algn="r">
+            <a:pPr marL="0" lvl="0" indent="0" algn="r" rtl="0">
               <a:spcBef>
                 <a:spcPts val="0"/>
               </a:spcBef>
@@ -5483,11 +5470,11 @@
 </file>
 
 <file path=ppt/slideLayouts/slideLayout4.xml><?xml version="1.0" encoding="utf-8"?>
-<p:sldLayout xmlns:a="http://schemas.openxmlformats.org/drawingml/2006/main" xmlns:r="http://schemas.openxmlformats.org/officeDocument/2006/relationships" xmlns:mc="http://schemas.openxmlformats.org/markup-compatibility/2006" xmlns:mv="urn:schemas-microsoft-com:mac:vml" xmlns:p="http://schemas.openxmlformats.org/presentationml/2006/main" xmlns:c="http://schemas.openxmlformats.org/drawingml/2006/chart" xmlns:dgm="http://schemas.openxmlformats.org/drawingml/2006/diagram" xmlns:o="urn:schemas-microsoft-com:office:office" xmlns:v="urn:schemas-microsoft-com:vml" xmlns:pvml="urn:schemas-microsoft-com:office:powerpoint" xmlns:com="http://schemas.openxmlformats.org/drawingml/2006/compatibility" xmlns:p14="http://schemas.microsoft.com/office/powerpoint/2010/main" xmlns:p15="http://schemas.microsoft.com/office/powerpoint/2012/main" xmlns:ahyp="http://schemas.microsoft.com/office/drawing/2018/hyperlinkcolor" matchingName="Title and two columns" type="twoColTx">
+<p:sldLayout xmlns:a="http://schemas.openxmlformats.org/drawingml/2006/main" xmlns:r="http://schemas.openxmlformats.org/officeDocument/2006/relationships" xmlns:p="http://schemas.openxmlformats.org/presentationml/2006/main" matchingName="Title and two columns" type="twoColTx">
   <p:cSld name="TITLE_AND_TWO_COLUMNS">
     <p:spTree>
       <p:nvGrpSpPr>
-        <p:cNvPr id="48" name="Shape 48"/>
+        <p:cNvPr id="1" name="Shape 48"/>
         <p:cNvGrpSpPr/>
         <p:nvPr/>
       </p:nvGrpSpPr>
@@ -5526,7 +5513,7 @@
             </a:xfrm>
             <a:prstGeom prst="diagStripe">
               <a:avLst>
-                <a:gd fmla="val 50000" name="adj"/>
+                <a:gd name="adj" fmla="val 50000"/>
               </a:avLst>
             </a:prstGeom>
             <a:solidFill>
@@ -5537,12 +5524,12 @@
             </a:ln>
           </p:spPr>
           <p:txBody>
-            <a:bodyPr anchorCtr="0" anchor="ctr" bIns="91425" lIns="91425" spcFirstLastPara="1" rIns="91425" wrap="square" tIns="91425">
+            <a:bodyPr spcFirstLastPara="1" wrap="square" lIns="91425" tIns="91425" rIns="91425" bIns="91425" anchor="ctr" anchorCtr="0">
               <a:noAutofit/>
             </a:bodyPr>
             <a:lstStyle/>
             <a:p>
-              <a:pPr indent="0" lvl="0" marL="0" rtl="0" algn="l">
+              <a:pPr marL="0" lvl="0" indent="0" algn="l" rtl="0">
                 <a:spcBef>
                   <a:spcPts val="0"/>
                 </a:spcBef>
@@ -5551,9 +5538,6 @@
                 </a:spcAft>
                 <a:buNone/>
               </a:pPr>
-              <a:r>
-                <a:t/>
-              </a:r>
               <a:endParaRPr/>
             </a:p>
           </p:txBody>
@@ -5571,7 +5555,7 @@
             </a:xfrm>
             <a:prstGeom prst="diagStripe">
               <a:avLst>
-                <a:gd fmla="val 50000" name="adj"/>
+                <a:gd name="adj" fmla="val 50000"/>
               </a:avLst>
             </a:prstGeom>
             <a:solidFill>
@@ -5582,12 +5566,12 @@
             </a:ln>
           </p:spPr>
           <p:txBody>
-            <a:bodyPr anchorCtr="0" anchor="ctr" bIns="91425" lIns="91425" spcFirstLastPara="1" rIns="91425" wrap="square" tIns="91425">
+            <a:bodyPr spcFirstLastPara="1" wrap="square" lIns="91425" tIns="91425" rIns="91425" bIns="91425" anchor="ctr" anchorCtr="0">
               <a:noAutofit/>
             </a:bodyPr>
             <a:lstStyle/>
             <a:p>
-              <a:pPr indent="0" lvl="0" marL="0" rtl="0" algn="l">
+              <a:pPr marL="0" lvl="0" indent="0" algn="l" rtl="0">
                 <a:spcBef>
                   <a:spcPts val="0"/>
                 </a:spcBef>
@@ -5596,9 +5580,6 @@
                 </a:spcAft>
                 <a:buNone/>
               </a:pPr>
-              <a:r>
-                <a:t/>
-              </a:r>
               <a:endParaRPr/>
             </a:p>
           </p:txBody>
@@ -5607,7 +5588,9 @@
       <p:sp>
         <p:nvSpPr>
           <p:cNvPr id="52" name="Google Shape;52;p5"/>
-          <p:cNvSpPr txBox="1"/>
+          <p:cNvSpPr txBox="1">
+            <a:spLocks noGrp="1"/>
+          </p:cNvSpPr>
           <p:nvPr>
             <p:ph type="title"/>
           </p:nvPr>
@@ -5622,7 +5605,7 @@
           </a:prstGeom>
         </p:spPr>
         <p:txBody>
-          <a:bodyPr anchorCtr="0" anchor="t" bIns="91425" lIns="91425" spcFirstLastPara="1" rIns="91425" wrap="square" tIns="91425">
+          <a:bodyPr spcFirstLastPara="1" wrap="square" lIns="91425" tIns="91425" rIns="91425" bIns="91425" anchor="t" anchorCtr="0">
             <a:normAutofit/>
           </a:bodyPr>
           <a:lstStyle>
@@ -5726,15 +5709,19 @@
               <a:defRPr sz="2400"/>
             </a:lvl9pPr>
           </a:lstStyle>
-          <a:p/>
+          <a:p>
+            <a:endParaRPr/>
+          </a:p>
         </p:txBody>
       </p:sp>
       <p:sp>
         <p:nvSpPr>
           <p:cNvPr id="53" name="Google Shape;53;p5"/>
-          <p:cNvSpPr txBox="1"/>
+          <p:cNvSpPr txBox="1">
+            <a:spLocks noGrp="1"/>
+          </p:cNvSpPr>
           <p:nvPr>
-            <p:ph idx="1" type="body"/>
+            <p:ph type="body" idx="1"/>
           </p:nvPr>
         </p:nvSpPr>
         <p:spPr>
@@ -5747,11 +5734,11 @@
           </a:prstGeom>
         </p:spPr>
         <p:txBody>
-          <a:bodyPr anchorCtr="0" anchor="t" bIns="91425" lIns="91425" spcFirstLastPara="1" rIns="91425" wrap="square" tIns="91425">
+          <a:bodyPr spcFirstLastPara="1" wrap="square" lIns="91425" tIns="91425" rIns="91425" bIns="91425" anchor="t" anchorCtr="0">
             <a:normAutofit/>
           </a:bodyPr>
           <a:lstStyle>
-            <a:lvl1pPr indent="-311150" lvl="0" marL="457200">
+            <a:lvl1pPr marL="457200" lvl="0" indent="-311150">
               <a:spcBef>
                 <a:spcPts val="0"/>
               </a:spcBef>
@@ -5762,7 +5749,7 @@
               <a:buChar char="●"/>
               <a:defRPr/>
             </a:lvl1pPr>
-            <a:lvl2pPr indent="-298450" lvl="1" marL="914400">
+            <a:lvl2pPr marL="914400" lvl="1" indent="-298450">
               <a:spcBef>
                 <a:spcPts val="0"/>
               </a:spcBef>
@@ -5773,7 +5760,7 @@
               <a:buChar char="○"/>
               <a:defRPr/>
             </a:lvl2pPr>
-            <a:lvl3pPr indent="-298450" lvl="2" marL="1371600">
+            <a:lvl3pPr marL="1371600" lvl="2" indent="-298450">
               <a:spcBef>
                 <a:spcPts val="0"/>
               </a:spcBef>
@@ -5784,7 +5771,7 @@
               <a:buChar char="■"/>
               <a:defRPr/>
             </a:lvl3pPr>
-            <a:lvl4pPr indent="-298450" lvl="3" marL="1828800">
+            <a:lvl4pPr marL="1828800" lvl="3" indent="-298450">
               <a:spcBef>
                 <a:spcPts val="0"/>
               </a:spcBef>
@@ -5795,7 +5782,7 @@
               <a:buChar char="●"/>
               <a:defRPr/>
             </a:lvl4pPr>
-            <a:lvl5pPr indent="-298450" lvl="4" marL="2286000">
+            <a:lvl5pPr marL="2286000" lvl="4" indent="-298450">
               <a:spcBef>
                 <a:spcPts val="0"/>
               </a:spcBef>
@@ -5806,7 +5793,7 @@
               <a:buChar char="○"/>
               <a:defRPr/>
             </a:lvl5pPr>
-            <a:lvl6pPr indent="-298450" lvl="5" marL="2743200">
+            <a:lvl6pPr marL="2743200" lvl="5" indent="-298450">
               <a:spcBef>
                 <a:spcPts val="0"/>
               </a:spcBef>
@@ -5817,7 +5804,7 @@
               <a:buChar char="■"/>
               <a:defRPr/>
             </a:lvl6pPr>
-            <a:lvl7pPr indent="-298450" lvl="6" marL="3200400">
+            <a:lvl7pPr marL="3200400" lvl="6" indent="-298450">
               <a:spcBef>
                 <a:spcPts val="0"/>
               </a:spcBef>
@@ -5828,7 +5815,7 @@
               <a:buChar char="●"/>
               <a:defRPr/>
             </a:lvl7pPr>
-            <a:lvl8pPr indent="-298450" lvl="7" marL="3657600">
+            <a:lvl8pPr marL="3657600" lvl="7" indent="-298450">
               <a:spcBef>
                 <a:spcPts val="0"/>
               </a:spcBef>
@@ -5839,7 +5826,7 @@
               <a:buChar char="○"/>
               <a:defRPr/>
             </a:lvl8pPr>
-            <a:lvl9pPr indent="-298450" lvl="8" marL="4114800">
+            <a:lvl9pPr marL="4114800" lvl="8" indent="-298450">
               <a:spcBef>
                 <a:spcPts val="0"/>
               </a:spcBef>
@@ -5851,15 +5838,19 @@
               <a:defRPr/>
             </a:lvl9pPr>
           </a:lstStyle>
-          <a:p/>
+          <a:p>
+            <a:endParaRPr/>
+          </a:p>
         </p:txBody>
       </p:sp>
       <p:sp>
         <p:nvSpPr>
           <p:cNvPr id="54" name="Google Shape;54;p5"/>
-          <p:cNvSpPr txBox="1"/>
+          <p:cNvSpPr txBox="1">
+            <a:spLocks noGrp="1"/>
+          </p:cNvSpPr>
           <p:nvPr>
-            <p:ph idx="2" type="body"/>
+            <p:ph type="body" idx="2"/>
           </p:nvPr>
         </p:nvSpPr>
         <p:spPr>
@@ -5872,11 +5863,11 @@
           </a:prstGeom>
         </p:spPr>
         <p:txBody>
-          <a:bodyPr anchorCtr="0" anchor="t" bIns="91425" lIns="91425" spcFirstLastPara="1" rIns="91425" wrap="square" tIns="91425">
+          <a:bodyPr spcFirstLastPara="1" wrap="square" lIns="91425" tIns="91425" rIns="91425" bIns="91425" anchor="t" anchorCtr="0">
             <a:normAutofit/>
           </a:bodyPr>
           <a:lstStyle>
-            <a:lvl1pPr indent="-311150" lvl="0" marL="457200">
+            <a:lvl1pPr marL="457200" lvl="0" indent="-311150">
               <a:spcBef>
                 <a:spcPts val="0"/>
               </a:spcBef>
@@ -5887,7 +5878,7 @@
               <a:buChar char="●"/>
               <a:defRPr/>
             </a:lvl1pPr>
-            <a:lvl2pPr indent="-298450" lvl="1" marL="914400">
+            <a:lvl2pPr marL="914400" lvl="1" indent="-298450">
               <a:spcBef>
                 <a:spcPts val="0"/>
               </a:spcBef>
@@ -5898,7 +5889,7 @@
               <a:buChar char="○"/>
               <a:defRPr/>
             </a:lvl2pPr>
-            <a:lvl3pPr indent="-298450" lvl="2" marL="1371600">
+            <a:lvl3pPr marL="1371600" lvl="2" indent="-298450">
               <a:spcBef>
                 <a:spcPts val="0"/>
               </a:spcBef>
@@ -5909,7 +5900,7 @@
               <a:buChar char="■"/>
               <a:defRPr/>
             </a:lvl3pPr>
-            <a:lvl4pPr indent="-298450" lvl="3" marL="1828800">
+            <a:lvl4pPr marL="1828800" lvl="3" indent="-298450">
               <a:spcBef>
                 <a:spcPts val="0"/>
               </a:spcBef>
@@ -5920,7 +5911,7 @@
               <a:buChar char="●"/>
               <a:defRPr/>
             </a:lvl4pPr>
-            <a:lvl5pPr indent="-298450" lvl="4" marL="2286000">
+            <a:lvl5pPr marL="2286000" lvl="4" indent="-298450">
               <a:spcBef>
                 <a:spcPts val="0"/>
               </a:spcBef>
@@ -5931,7 +5922,7 @@
               <a:buChar char="○"/>
               <a:defRPr/>
             </a:lvl5pPr>
-            <a:lvl6pPr indent="-298450" lvl="5" marL="2743200">
+            <a:lvl6pPr marL="2743200" lvl="5" indent="-298450">
               <a:spcBef>
                 <a:spcPts val="0"/>
               </a:spcBef>
@@ -5942,7 +5933,7 @@
               <a:buChar char="■"/>
               <a:defRPr/>
             </a:lvl6pPr>
-            <a:lvl7pPr indent="-298450" lvl="6" marL="3200400">
+            <a:lvl7pPr marL="3200400" lvl="6" indent="-298450">
               <a:spcBef>
                 <a:spcPts val="0"/>
               </a:spcBef>
@@ -5953,7 +5944,7 @@
               <a:buChar char="●"/>
               <a:defRPr/>
             </a:lvl7pPr>
-            <a:lvl8pPr indent="-298450" lvl="7" marL="3657600">
+            <a:lvl8pPr marL="3657600" lvl="7" indent="-298450">
               <a:spcBef>
                 <a:spcPts val="0"/>
               </a:spcBef>
@@ -5964,7 +5955,7 @@
               <a:buChar char="○"/>
               <a:defRPr/>
             </a:lvl8pPr>
-            <a:lvl9pPr indent="-298450" lvl="8" marL="4114800">
+            <a:lvl9pPr marL="4114800" lvl="8" indent="-298450">
               <a:spcBef>
                 <a:spcPts val="0"/>
               </a:spcBef>
@@ -5976,15 +5967,19 @@
               <a:defRPr/>
             </a:lvl9pPr>
           </a:lstStyle>
-          <a:p/>
+          <a:p>
+            <a:endParaRPr/>
+          </a:p>
         </p:txBody>
       </p:sp>
       <p:sp>
         <p:nvSpPr>
           <p:cNvPr id="55" name="Google Shape;55;p5"/>
-          <p:cNvSpPr txBox="1"/>
+          <p:cNvSpPr txBox="1">
+            <a:spLocks noGrp="1"/>
+          </p:cNvSpPr>
           <p:nvPr>
-            <p:ph idx="12" type="sldNum"/>
+            <p:ph type="sldNum" idx="12"/>
           </p:nvPr>
         </p:nvSpPr>
         <p:spPr>
@@ -5997,7 +5992,7 @@
           </a:prstGeom>
         </p:spPr>
         <p:txBody>
-          <a:bodyPr anchorCtr="0" anchor="ctr" bIns="91425" lIns="91425" spcFirstLastPara="1" rIns="91425" wrap="square" tIns="91425">
+          <a:bodyPr spcFirstLastPara="1" wrap="square" lIns="91425" tIns="91425" rIns="91425" bIns="91425" anchor="ctr" anchorCtr="0">
             <a:normAutofit/>
           </a:bodyPr>
           <a:lstStyle>
@@ -6039,7 +6034,7 @@
             </a:lvl9pPr>
           </a:lstStyle>
           <a:p>
-            <a:pPr indent="0" lvl="0" marL="0" rtl="0" algn="r">
+            <a:pPr marL="0" lvl="0" indent="0" algn="r" rtl="0">
               <a:spcBef>
                 <a:spcPts val="0"/>
               </a:spcBef>
@@ -6065,11 +6060,11 @@
 </file>
 
 <file path=ppt/slideLayouts/slideLayout5.xml><?xml version="1.0" encoding="utf-8"?>
-<p:sldLayout xmlns:a="http://schemas.openxmlformats.org/drawingml/2006/main" xmlns:r="http://schemas.openxmlformats.org/officeDocument/2006/relationships" xmlns:mc="http://schemas.openxmlformats.org/markup-compatibility/2006" xmlns:mv="urn:schemas-microsoft-com:mac:vml" xmlns:p="http://schemas.openxmlformats.org/presentationml/2006/main" xmlns:c="http://schemas.openxmlformats.org/drawingml/2006/chart" xmlns:dgm="http://schemas.openxmlformats.org/drawingml/2006/diagram" xmlns:o="urn:schemas-microsoft-com:office:office" xmlns:v="urn:schemas-microsoft-com:vml" xmlns:pvml="urn:schemas-microsoft-com:office:powerpoint" xmlns:com="http://schemas.openxmlformats.org/drawingml/2006/compatibility" xmlns:p14="http://schemas.microsoft.com/office/powerpoint/2010/main" xmlns:p15="http://schemas.microsoft.com/office/powerpoint/2012/main" xmlns:ahyp="http://schemas.microsoft.com/office/drawing/2018/hyperlinkcolor" matchingName="Title only" type="titleOnly">
+<p:sldLayout xmlns:a="http://schemas.openxmlformats.org/drawingml/2006/main" xmlns:r="http://schemas.openxmlformats.org/officeDocument/2006/relationships" xmlns:p="http://schemas.openxmlformats.org/presentationml/2006/main" matchingName="Title only" type="titleOnly">
   <p:cSld name="TITLE_ONLY">
     <p:spTree>
       <p:nvGrpSpPr>
-        <p:cNvPr id="56" name="Shape 56"/>
+        <p:cNvPr id="1" name="Shape 56"/>
         <p:cNvGrpSpPr/>
         <p:nvPr/>
       </p:nvGrpSpPr>
@@ -6108,7 +6103,7 @@
             </a:xfrm>
             <a:prstGeom prst="diagStripe">
               <a:avLst>
-                <a:gd fmla="val 50000" name="adj"/>
+                <a:gd name="adj" fmla="val 50000"/>
               </a:avLst>
             </a:prstGeom>
             <a:solidFill>
@@ -6119,12 +6114,12 @@
             </a:ln>
           </p:spPr>
           <p:txBody>
-            <a:bodyPr anchorCtr="0" anchor="ctr" bIns="91425" lIns="91425" spcFirstLastPara="1" rIns="91425" wrap="square" tIns="91425">
+            <a:bodyPr spcFirstLastPara="1" wrap="square" lIns="91425" tIns="91425" rIns="91425" bIns="91425" anchor="ctr" anchorCtr="0">
               <a:noAutofit/>
             </a:bodyPr>
             <a:lstStyle/>
             <a:p>
-              <a:pPr indent="0" lvl="0" marL="0" rtl="0" algn="l">
+              <a:pPr marL="0" lvl="0" indent="0" algn="l" rtl="0">
                 <a:spcBef>
                   <a:spcPts val="0"/>
                 </a:spcBef>
@@ -6133,9 +6128,6 @@
                 </a:spcAft>
                 <a:buNone/>
               </a:pPr>
-              <a:r>
-                <a:t/>
-              </a:r>
               <a:endParaRPr/>
             </a:p>
           </p:txBody>
@@ -6153,7 +6145,7 @@
             </a:xfrm>
             <a:prstGeom prst="diagStripe">
               <a:avLst>
-                <a:gd fmla="val 50000" name="adj"/>
+                <a:gd name="adj" fmla="val 50000"/>
               </a:avLst>
             </a:prstGeom>
             <a:solidFill>
@@ -6164,12 +6156,12 @@
             </a:ln>
           </p:spPr>
           <p:txBody>
-            <a:bodyPr anchorCtr="0" anchor="ctr" bIns="91425" lIns="91425" spcFirstLastPara="1" rIns="91425" wrap="square" tIns="91425">
+            <a:bodyPr spcFirstLastPara="1" wrap="square" lIns="91425" tIns="91425" rIns="91425" bIns="91425" anchor="ctr" anchorCtr="0">
               <a:noAutofit/>
             </a:bodyPr>
             <a:lstStyle/>
             <a:p>
-              <a:pPr indent="0" lvl="0" marL="0" rtl="0" algn="l">
+              <a:pPr marL="0" lvl="0" indent="0" algn="l" rtl="0">
                 <a:spcBef>
                   <a:spcPts val="0"/>
                 </a:spcBef>
@@ -6178,9 +6170,6 @@
                 </a:spcAft>
                 <a:buNone/>
               </a:pPr>
-              <a:r>
-                <a:t/>
-              </a:r>
               <a:endParaRPr/>
             </a:p>
           </p:txBody>
@@ -6189,7 +6178,9 @@
       <p:sp>
         <p:nvSpPr>
           <p:cNvPr id="60" name="Google Shape;60;p6"/>
-          <p:cNvSpPr txBox="1"/>
+          <p:cNvSpPr txBox="1">
+            <a:spLocks noGrp="1"/>
+          </p:cNvSpPr>
           <p:nvPr>
             <p:ph type="title"/>
           </p:nvPr>
@@ -6204,7 +6195,7 @@
           </a:prstGeom>
         </p:spPr>
         <p:txBody>
-          <a:bodyPr anchorCtr="0" anchor="t" bIns="91425" lIns="91425" spcFirstLastPara="1" rIns="91425" wrap="square" tIns="91425">
+          <a:bodyPr spcFirstLastPara="1" wrap="square" lIns="91425" tIns="91425" rIns="91425" bIns="91425" anchor="t" anchorCtr="0">
             <a:normAutofit/>
           </a:bodyPr>
           <a:lstStyle>
@@ -6308,15 +6299,19 @@
               <a:defRPr sz="2400"/>
             </a:lvl9pPr>
           </a:lstStyle>
-          <a:p/>
+          <a:p>
+            <a:endParaRPr/>
+          </a:p>
         </p:txBody>
       </p:sp>
       <p:sp>
         <p:nvSpPr>
           <p:cNvPr id="61" name="Google Shape;61;p6"/>
-          <p:cNvSpPr txBox="1"/>
+          <p:cNvSpPr txBox="1">
+            <a:spLocks noGrp="1"/>
+          </p:cNvSpPr>
           <p:nvPr>
-            <p:ph idx="12" type="sldNum"/>
+            <p:ph type="sldNum" idx="12"/>
           </p:nvPr>
         </p:nvSpPr>
         <p:spPr>
@@ -6329,7 +6324,7 @@
           </a:prstGeom>
         </p:spPr>
         <p:txBody>
-          <a:bodyPr anchorCtr="0" anchor="ctr" bIns="91425" lIns="91425" spcFirstLastPara="1" rIns="91425" wrap="square" tIns="91425">
+          <a:bodyPr spcFirstLastPara="1" wrap="square" lIns="91425" tIns="91425" rIns="91425" bIns="91425" anchor="ctr" anchorCtr="0">
             <a:normAutofit/>
           </a:bodyPr>
           <a:lstStyle>
@@ -6371,7 +6366,7 @@
             </a:lvl9pPr>
           </a:lstStyle>
           <a:p>
-            <a:pPr indent="0" lvl="0" marL="0" rtl="0" algn="r">
+            <a:pPr marL="0" lvl="0" indent="0" algn="r" rtl="0">
               <a:spcBef>
                 <a:spcPts val="0"/>
               </a:spcBef>
@@ -6397,11 +6392,11 @@
 </file>
 
 <file path=ppt/slideLayouts/slideLayout6.xml><?xml version="1.0" encoding="utf-8"?>
-<p:sldLayout xmlns:a="http://schemas.openxmlformats.org/drawingml/2006/main" xmlns:r="http://schemas.openxmlformats.org/officeDocument/2006/relationships" xmlns:mc="http://schemas.openxmlformats.org/markup-compatibility/2006" xmlns:mv="urn:schemas-microsoft-com:mac:vml" xmlns:p="http://schemas.openxmlformats.org/presentationml/2006/main" xmlns:c="http://schemas.openxmlformats.org/drawingml/2006/chart" xmlns:dgm="http://schemas.openxmlformats.org/drawingml/2006/diagram" xmlns:o="urn:schemas-microsoft-com:office:office" xmlns:v="urn:schemas-microsoft-com:vml" xmlns:pvml="urn:schemas-microsoft-com:office:powerpoint" xmlns:com="http://schemas.openxmlformats.org/drawingml/2006/compatibility" xmlns:p14="http://schemas.microsoft.com/office/powerpoint/2010/main" xmlns:p15="http://schemas.microsoft.com/office/powerpoint/2012/main" xmlns:ahyp="http://schemas.microsoft.com/office/drawing/2018/hyperlinkcolor" matchingName="One column text">
+<p:sldLayout xmlns:a="http://schemas.openxmlformats.org/drawingml/2006/main" xmlns:r="http://schemas.openxmlformats.org/officeDocument/2006/relationships" xmlns:p="http://schemas.openxmlformats.org/presentationml/2006/main" matchingName="One column text">
   <p:cSld name="ONE_COLUMN_TEXT">
     <p:spTree>
       <p:nvGrpSpPr>
-        <p:cNvPr id="62" name="Shape 62"/>
+        <p:cNvPr id="1" name="Shape 62"/>
         <p:cNvGrpSpPr/>
         <p:nvPr/>
       </p:nvGrpSpPr>
@@ -6440,7 +6435,7 @@
             </a:xfrm>
             <a:prstGeom prst="diagStripe">
               <a:avLst>
-                <a:gd fmla="val 50000" name="adj"/>
+                <a:gd name="adj" fmla="val 50000"/>
               </a:avLst>
             </a:prstGeom>
             <a:solidFill>
@@ -6451,12 +6446,12 @@
             </a:ln>
           </p:spPr>
           <p:txBody>
-            <a:bodyPr anchorCtr="0" anchor="ctr" bIns="91425" lIns="91425" spcFirstLastPara="1" rIns="91425" wrap="square" tIns="91425">
+            <a:bodyPr spcFirstLastPara="1" wrap="square" lIns="91425" tIns="91425" rIns="91425" bIns="91425" anchor="ctr" anchorCtr="0">
               <a:noAutofit/>
             </a:bodyPr>
             <a:lstStyle/>
             <a:p>
-              <a:pPr indent="0" lvl="0" marL="0" rtl="0" algn="l">
+              <a:pPr marL="0" lvl="0" indent="0" algn="l" rtl="0">
                 <a:spcBef>
                   <a:spcPts val="0"/>
                 </a:spcBef>
@@ -6465,9 +6460,6 @@
                 </a:spcAft>
                 <a:buNone/>
               </a:pPr>
-              <a:r>
-                <a:t/>
-              </a:r>
               <a:endParaRPr/>
             </a:p>
           </p:txBody>
@@ -6485,7 +6477,7 @@
             </a:xfrm>
             <a:prstGeom prst="diagStripe">
               <a:avLst>
-                <a:gd fmla="val 50000" name="adj"/>
+                <a:gd name="adj" fmla="val 50000"/>
               </a:avLst>
             </a:prstGeom>
             <a:solidFill>
@@ -6496,12 +6488,12 @@
             </a:ln>
           </p:spPr>
           <p:txBody>
-            <a:bodyPr anchorCtr="0" anchor="ctr" bIns="91425" lIns="91425" spcFirstLastPara="1" rIns="91425" wrap="square" tIns="91425">
+            <a:bodyPr spcFirstLastPara="1" wrap="square" lIns="91425" tIns="91425" rIns="91425" bIns="91425" anchor="ctr" anchorCtr="0">
               <a:noAutofit/>
             </a:bodyPr>
             <a:lstStyle/>
             <a:p>
-              <a:pPr indent="0" lvl="0" marL="0" rtl="0" algn="l">
+              <a:pPr marL="0" lvl="0" indent="0" algn="l" rtl="0">
                 <a:spcBef>
                   <a:spcPts val="0"/>
                 </a:spcBef>
@@ -6510,9 +6502,6 @@
                 </a:spcAft>
                 <a:buNone/>
               </a:pPr>
-              <a:r>
-                <a:t/>
-              </a:r>
               <a:endParaRPr/>
             </a:p>
           </p:txBody>
@@ -6521,7 +6510,9 @@
       <p:sp>
         <p:nvSpPr>
           <p:cNvPr id="66" name="Google Shape;66;p7"/>
-          <p:cNvSpPr txBox="1"/>
+          <p:cNvSpPr txBox="1">
+            <a:spLocks noGrp="1"/>
+          </p:cNvSpPr>
           <p:nvPr>
             <p:ph type="title"/>
           </p:nvPr>
@@ -6536,7 +6527,7 @@
           </a:prstGeom>
         </p:spPr>
         <p:txBody>
-          <a:bodyPr anchorCtr="0" anchor="t" bIns="91425" lIns="91425" spcFirstLastPara="1" rIns="91425" wrap="square" tIns="91425">
+          <a:bodyPr spcFirstLastPara="1" wrap="square" lIns="91425" tIns="91425" rIns="91425" bIns="91425" anchor="t" anchorCtr="0">
             <a:normAutofit/>
           </a:bodyPr>
           <a:lstStyle>
@@ -6640,15 +6631,19 @@
               <a:defRPr sz="2400"/>
             </a:lvl9pPr>
           </a:lstStyle>
-          <a:p/>
+          <a:p>
+            <a:endParaRPr/>
+          </a:p>
         </p:txBody>
       </p:sp>
       <p:sp>
         <p:nvSpPr>
           <p:cNvPr id="67" name="Google Shape;67;p7"/>
-          <p:cNvSpPr txBox="1"/>
+          <p:cNvSpPr txBox="1">
+            <a:spLocks noGrp="1"/>
+          </p:cNvSpPr>
           <p:nvPr>
-            <p:ph idx="1" type="body"/>
+            <p:ph type="body" idx="1"/>
           </p:nvPr>
         </p:nvSpPr>
         <p:spPr>
@@ -6661,11 +6656,11 @@
           </a:prstGeom>
         </p:spPr>
         <p:txBody>
-          <a:bodyPr anchorCtr="0" anchor="t" bIns="91425" lIns="91425" spcFirstLastPara="1" rIns="91425" wrap="square" tIns="91425">
+          <a:bodyPr spcFirstLastPara="1" wrap="square" lIns="91425" tIns="91425" rIns="91425" bIns="91425" anchor="t" anchorCtr="0">
             <a:normAutofit/>
           </a:bodyPr>
           <a:lstStyle>
-            <a:lvl1pPr indent="-311150" lvl="0" marL="457200">
+            <a:lvl1pPr marL="457200" lvl="0" indent="-311150">
               <a:spcBef>
                 <a:spcPts val="0"/>
               </a:spcBef>
@@ -6676,7 +6671,7 @@
               <a:buChar char="●"/>
               <a:defRPr/>
             </a:lvl1pPr>
-            <a:lvl2pPr indent="-298450" lvl="1" marL="914400">
+            <a:lvl2pPr marL="914400" lvl="1" indent="-298450">
               <a:spcBef>
                 <a:spcPts val="0"/>
               </a:spcBef>
@@ -6687,7 +6682,7 @@
               <a:buChar char="○"/>
               <a:defRPr/>
             </a:lvl2pPr>
-            <a:lvl3pPr indent="-298450" lvl="2" marL="1371600">
+            <a:lvl3pPr marL="1371600" lvl="2" indent="-298450">
               <a:spcBef>
                 <a:spcPts val="0"/>
               </a:spcBef>
@@ -6698,7 +6693,7 @@
               <a:buChar char="■"/>
               <a:defRPr/>
             </a:lvl3pPr>
-            <a:lvl4pPr indent="-298450" lvl="3" marL="1828800">
+            <a:lvl4pPr marL="1828800" lvl="3" indent="-298450">
               <a:spcBef>
                 <a:spcPts val="0"/>
               </a:spcBef>
@@ -6709,7 +6704,7 @@
               <a:buChar char="●"/>
               <a:defRPr/>
             </a:lvl4pPr>
-            <a:lvl5pPr indent="-298450" lvl="4" marL="2286000">
+            <a:lvl5pPr marL="2286000" lvl="4" indent="-298450">
               <a:spcBef>
                 <a:spcPts val="0"/>
               </a:spcBef>
@@ -6720,7 +6715,7 @@
               <a:buChar char="○"/>
               <a:defRPr/>
             </a:lvl5pPr>
-            <a:lvl6pPr indent="-298450" lvl="5" marL="2743200">
+            <a:lvl6pPr marL="2743200" lvl="5" indent="-298450">
               <a:spcBef>
                 <a:spcPts val="0"/>
               </a:spcBef>
@@ -6731,7 +6726,7 @@
               <a:buChar char="■"/>
               <a:defRPr/>
             </a:lvl6pPr>
-            <a:lvl7pPr indent="-298450" lvl="6" marL="3200400">
+            <a:lvl7pPr marL="3200400" lvl="6" indent="-298450">
               <a:spcBef>
                 <a:spcPts val="0"/>
               </a:spcBef>
@@ -6742,7 +6737,7 @@
               <a:buChar char="●"/>
               <a:defRPr/>
             </a:lvl7pPr>
-            <a:lvl8pPr indent="-298450" lvl="7" marL="3657600">
+            <a:lvl8pPr marL="3657600" lvl="7" indent="-298450">
               <a:spcBef>
                 <a:spcPts val="0"/>
               </a:spcBef>
@@ -6753,7 +6748,7 @@
               <a:buChar char="○"/>
               <a:defRPr/>
             </a:lvl8pPr>
-            <a:lvl9pPr indent="-298450" lvl="8" marL="4114800">
+            <a:lvl9pPr marL="4114800" lvl="8" indent="-298450">
               <a:spcBef>
                 <a:spcPts val="0"/>
               </a:spcBef>
@@ -6765,15 +6760,19 @@
               <a:defRPr/>
             </a:lvl9pPr>
           </a:lstStyle>
-          <a:p/>
+          <a:p>
+            <a:endParaRPr/>
+          </a:p>
         </p:txBody>
       </p:sp>
       <p:sp>
         <p:nvSpPr>
           <p:cNvPr id="68" name="Google Shape;68;p7"/>
-          <p:cNvSpPr txBox="1"/>
+          <p:cNvSpPr txBox="1">
+            <a:spLocks noGrp="1"/>
+          </p:cNvSpPr>
           <p:nvPr>
-            <p:ph idx="12" type="sldNum"/>
+            <p:ph type="sldNum" idx="12"/>
           </p:nvPr>
         </p:nvSpPr>
         <p:spPr>
@@ -6786,7 +6785,7 @@
           </a:prstGeom>
         </p:spPr>
         <p:txBody>
-          <a:bodyPr anchorCtr="0" anchor="ctr" bIns="91425" lIns="91425" spcFirstLastPara="1" rIns="91425" wrap="square" tIns="91425">
+          <a:bodyPr spcFirstLastPara="1" wrap="square" lIns="91425" tIns="91425" rIns="91425" bIns="91425" anchor="ctr" anchorCtr="0">
             <a:normAutofit/>
           </a:bodyPr>
           <a:lstStyle>
@@ -6828,7 +6827,7 @@
             </a:lvl9pPr>
           </a:lstStyle>
           <a:p>
-            <a:pPr indent="0" lvl="0" marL="0" rtl="0" algn="r">
+            <a:pPr marL="0" lvl="0" indent="0" algn="r" rtl="0">
               <a:spcBef>
                 <a:spcPts val="0"/>
               </a:spcBef>
@@ -6854,11 +6853,11 @@
 </file>
 
 <file path=ppt/slideLayouts/slideLayout7.xml><?xml version="1.0" encoding="utf-8"?>
-<p:sldLayout xmlns:a="http://schemas.openxmlformats.org/drawingml/2006/main" xmlns:r="http://schemas.openxmlformats.org/officeDocument/2006/relationships" xmlns:mc="http://schemas.openxmlformats.org/markup-compatibility/2006" xmlns:mv="urn:schemas-microsoft-com:mac:vml" xmlns:p="http://schemas.openxmlformats.org/presentationml/2006/main" xmlns:c="http://schemas.openxmlformats.org/drawingml/2006/chart" xmlns:dgm="http://schemas.openxmlformats.org/drawingml/2006/diagram" xmlns:o="urn:schemas-microsoft-com:office:office" xmlns:v="urn:schemas-microsoft-com:vml" xmlns:pvml="urn:schemas-microsoft-com:office:powerpoint" xmlns:com="http://schemas.openxmlformats.org/drawingml/2006/compatibility" xmlns:p14="http://schemas.microsoft.com/office/powerpoint/2010/main" xmlns:p15="http://schemas.microsoft.com/office/powerpoint/2012/main" xmlns:ahyp="http://schemas.microsoft.com/office/drawing/2018/hyperlinkcolor" matchingName="Main point">
+<p:sldLayout xmlns:a="http://schemas.openxmlformats.org/drawingml/2006/main" xmlns:r="http://schemas.openxmlformats.org/officeDocument/2006/relationships" xmlns:p="http://schemas.openxmlformats.org/presentationml/2006/main" matchingName="Main point">
   <p:cSld name="MAIN_POINT">
     <p:spTree>
       <p:nvGrpSpPr>
-        <p:cNvPr id="69" name="Shape 69"/>
+        <p:cNvPr id="1" name="Shape 69"/>
         <p:cNvGrpSpPr/>
         <p:nvPr/>
       </p:nvGrpSpPr>
@@ -6897,7 +6896,7 @@
             </a:xfrm>
             <a:prstGeom prst="diagStripe">
               <a:avLst>
-                <a:gd fmla="val 49469" name="adj"/>
+                <a:gd name="adj" fmla="val 49469"/>
               </a:avLst>
             </a:prstGeom>
             <a:solidFill>
@@ -6910,12 +6909,12 @@
             </a:ln>
           </p:spPr>
           <p:txBody>
-            <a:bodyPr anchorCtr="0" anchor="ctr" bIns="91425" lIns="91425" spcFirstLastPara="1" rIns="91425" wrap="square" tIns="91425">
+            <a:bodyPr spcFirstLastPara="1" wrap="square" lIns="91425" tIns="91425" rIns="91425" bIns="91425" anchor="ctr" anchorCtr="0">
               <a:noAutofit/>
             </a:bodyPr>
             <a:lstStyle/>
             <a:p>
-              <a:pPr indent="0" lvl="0" marL="0" rtl="0" algn="l">
+              <a:pPr marL="0" lvl="0" indent="0" algn="l" rtl="0">
                 <a:spcBef>
                   <a:spcPts val="0"/>
                 </a:spcBef>
@@ -6924,9 +6923,6 @@
                 </a:spcAft>
                 <a:buNone/>
               </a:pPr>
-              <a:r>
-                <a:t/>
-              </a:r>
               <a:endParaRPr/>
             </a:p>
           </p:txBody>
@@ -6944,7 +6940,7 @@
             </a:xfrm>
             <a:prstGeom prst="diagStripe">
               <a:avLst>
-                <a:gd fmla="val 0" name="adj"/>
+                <a:gd name="adj" fmla="val 0"/>
               </a:avLst>
             </a:prstGeom>
             <a:solidFill>
@@ -6957,12 +6953,12 @@
             </a:ln>
           </p:spPr>
           <p:txBody>
-            <a:bodyPr anchorCtr="0" anchor="ctr" bIns="91425" lIns="91425" spcFirstLastPara="1" rIns="91425" wrap="square" tIns="91425">
+            <a:bodyPr spcFirstLastPara="1" wrap="square" lIns="91425" tIns="91425" rIns="91425" bIns="91425" anchor="ctr" anchorCtr="0">
               <a:noAutofit/>
             </a:bodyPr>
             <a:lstStyle/>
             <a:p>
-              <a:pPr indent="0" lvl="0" marL="0" rtl="0" algn="l">
+              <a:pPr marL="0" lvl="0" indent="0" algn="l" rtl="0">
                 <a:spcBef>
                   <a:spcPts val="0"/>
                 </a:spcBef>
@@ -6971,9 +6967,6 @@
                 </a:spcAft>
                 <a:buNone/>
               </a:pPr>
-              <a:r>
-                <a:t/>
-              </a:r>
               <a:endParaRPr/>
             </a:p>
           </p:txBody>
@@ -6991,7 +6984,7 @@
             </a:xfrm>
             <a:prstGeom prst="diagStripe">
               <a:avLst>
-                <a:gd fmla="val 50000" name="adj"/>
+                <a:gd name="adj" fmla="val 50000"/>
               </a:avLst>
             </a:prstGeom>
             <a:solidFill>
@@ -7004,12 +6997,12 @@
             </a:ln>
           </p:spPr>
           <p:txBody>
-            <a:bodyPr anchorCtr="0" anchor="ctr" bIns="91425" lIns="91425" spcFirstLastPara="1" rIns="91425" wrap="square" tIns="91425">
+            <a:bodyPr spcFirstLastPara="1" wrap="square" lIns="91425" tIns="91425" rIns="91425" bIns="91425" anchor="ctr" anchorCtr="0">
               <a:noAutofit/>
             </a:bodyPr>
             <a:lstStyle/>
             <a:p>
-              <a:pPr indent="0" lvl="0" marL="0" rtl="0" algn="l">
+              <a:pPr marL="0" lvl="0" indent="0" algn="l" rtl="0">
                 <a:spcBef>
                   <a:spcPts val="0"/>
                 </a:spcBef>
@@ -7018,9 +7011,6 @@
                 </a:spcAft>
                 <a:buNone/>
               </a:pPr>
-              <a:r>
-                <a:t/>
-              </a:r>
               <a:endParaRPr/>
             </a:p>
           </p:txBody>
@@ -7038,7 +7028,7 @@
             </a:xfrm>
             <a:prstGeom prst="diagStripe">
               <a:avLst>
-                <a:gd fmla="val 50000" name="adj"/>
+                <a:gd name="adj" fmla="val 50000"/>
               </a:avLst>
             </a:prstGeom>
             <a:solidFill>
@@ -7051,12 +7041,12 @@
             </a:ln>
           </p:spPr>
           <p:txBody>
-            <a:bodyPr anchorCtr="0" anchor="ctr" bIns="91425" lIns="91425" spcFirstLastPara="1" rIns="91425" wrap="square" tIns="91425">
+            <a:bodyPr spcFirstLastPara="1" wrap="square" lIns="91425" tIns="91425" rIns="91425" bIns="91425" anchor="ctr" anchorCtr="0">
               <a:noAutofit/>
             </a:bodyPr>
             <a:lstStyle/>
             <a:p>
-              <a:pPr indent="0" lvl="0" marL="0" rtl="0" algn="l">
+              <a:pPr marL="0" lvl="0" indent="0" algn="l" rtl="0">
                 <a:spcBef>
                   <a:spcPts val="0"/>
                 </a:spcBef>
@@ -7065,9 +7055,6 @@
                 </a:spcAft>
                 <a:buNone/>
               </a:pPr>
-              <a:r>
-                <a:t/>
-              </a:r>
               <a:endParaRPr/>
             </a:p>
           </p:txBody>
@@ -7085,7 +7072,7 @@
             </a:xfrm>
             <a:prstGeom prst="diagStripe">
               <a:avLst>
-                <a:gd fmla="val 50000" name="adj"/>
+                <a:gd name="adj" fmla="val 50000"/>
               </a:avLst>
             </a:prstGeom>
             <a:solidFill>
@@ -7098,12 +7085,12 @@
             </a:ln>
           </p:spPr>
           <p:txBody>
-            <a:bodyPr anchorCtr="0" anchor="ctr" bIns="91425" lIns="91425" spcFirstLastPara="1" rIns="91425" wrap="square" tIns="91425">
+            <a:bodyPr spcFirstLastPara="1" wrap="square" lIns="91425" tIns="91425" rIns="91425" bIns="91425" anchor="ctr" anchorCtr="0">
               <a:noAutofit/>
             </a:bodyPr>
             <a:lstStyle/>
             <a:p>
-              <a:pPr indent="0" lvl="0" marL="0" rtl="0" algn="l">
+              <a:pPr marL="0" lvl="0" indent="0" algn="l" rtl="0">
                 <a:spcBef>
                   <a:spcPts val="0"/>
                 </a:spcBef>
@@ -7112,9 +7099,6 @@
                 </a:spcAft>
                 <a:buNone/>
               </a:pPr>
-              <a:r>
-                <a:t/>
-              </a:r>
               <a:endParaRPr/>
             </a:p>
           </p:txBody>
@@ -7132,7 +7116,7 @@
             </a:xfrm>
             <a:prstGeom prst="diagStripe">
               <a:avLst>
-                <a:gd fmla="val 50000" name="adj"/>
+                <a:gd name="adj" fmla="val 50000"/>
               </a:avLst>
             </a:prstGeom>
             <a:solidFill>
@@ -7145,12 +7129,12 @@
             </a:ln>
           </p:spPr>
           <p:txBody>
-            <a:bodyPr anchorCtr="0" anchor="ctr" bIns="91425" lIns="91425" spcFirstLastPara="1" rIns="91425" wrap="square" tIns="91425">
+            <a:bodyPr spcFirstLastPara="1" wrap="square" lIns="91425" tIns="91425" rIns="91425" bIns="91425" anchor="ctr" anchorCtr="0">
               <a:noAutofit/>
             </a:bodyPr>
             <a:lstStyle/>
             <a:p>
-              <a:pPr indent="0" lvl="0" marL="0" rtl="0" algn="l">
+              <a:pPr marL="0" lvl="0" indent="0" algn="l" rtl="0">
                 <a:spcBef>
                   <a:spcPts val="0"/>
                 </a:spcBef>
@@ -7159,9 +7143,6 @@
                 </a:spcAft>
                 <a:buNone/>
               </a:pPr>
-              <a:r>
-                <a:t/>
-              </a:r>
               <a:endParaRPr/>
             </a:p>
           </p:txBody>
@@ -7179,7 +7160,7 @@
             </a:xfrm>
             <a:prstGeom prst="diagStripe">
               <a:avLst>
-                <a:gd fmla="val 50000" name="adj"/>
+                <a:gd name="adj" fmla="val 50000"/>
               </a:avLst>
             </a:prstGeom>
             <a:solidFill>
@@ -7192,12 +7173,12 @@
             </a:ln>
           </p:spPr>
           <p:txBody>
-            <a:bodyPr anchorCtr="0" anchor="ctr" bIns="91425" lIns="91425" spcFirstLastPara="1" rIns="91425" wrap="square" tIns="91425">
+            <a:bodyPr spcFirstLastPara="1" wrap="square" lIns="91425" tIns="91425" rIns="91425" bIns="91425" anchor="ctr" anchorCtr="0">
               <a:noAutofit/>
             </a:bodyPr>
             <a:lstStyle/>
             <a:p>
-              <a:pPr indent="0" lvl="0" marL="0" rtl="0" algn="l">
+              <a:pPr marL="0" lvl="0" indent="0" algn="l" rtl="0">
                 <a:spcBef>
                   <a:spcPts val="0"/>
                 </a:spcBef>
@@ -7206,9 +7187,6 @@
                 </a:spcAft>
                 <a:buNone/>
               </a:pPr>
-              <a:r>
-                <a:t/>
-              </a:r>
               <a:endParaRPr/>
             </a:p>
           </p:txBody>
@@ -7226,7 +7204,7 @@
             </a:xfrm>
             <a:prstGeom prst="diagStripe">
               <a:avLst>
-                <a:gd fmla="val 50000" name="adj"/>
+                <a:gd name="adj" fmla="val 50000"/>
               </a:avLst>
             </a:prstGeom>
             <a:solidFill>
@@ -7237,12 +7215,12 @@
             </a:ln>
           </p:spPr>
           <p:txBody>
-            <a:bodyPr anchorCtr="0" anchor="ctr" bIns="91425" lIns="91425" spcFirstLastPara="1" rIns="91425" wrap="square" tIns="91425">
+            <a:bodyPr spcFirstLastPara="1" wrap="square" lIns="91425" tIns="91425" rIns="91425" bIns="91425" anchor="ctr" anchorCtr="0">
               <a:noAutofit/>
             </a:bodyPr>
             <a:lstStyle/>
             <a:p>
-              <a:pPr indent="0" lvl="0" marL="0" rtl="0" algn="l">
+              <a:pPr marL="0" lvl="0" indent="0" algn="l" rtl="0">
                 <a:spcBef>
                   <a:spcPts val="0"/>
                 </a:spcBef>
@@ -7251,9 +7229,6 @@
                 </a:spcAft>
                 <a:buNone/>
               </a:pPr>
-              <a:r>
-                <a:t/>
-              </a:r>
               <a:endParaRPr/>
             </a:p>
           </p:txBody>
@@ -7271,7 +7246,7 @@
             </a:xfrm>
             <a:prstGeom prst="diagStripe">
               <a:avLst>
-                <a:gd fmla="val 50000" name="adj"/>
+                <a:gd name="adj" fmla="val 50000"/>
               </a:avLst>
             </a:prstGeom>
             <a:solidFill>
@@ -7284,12 +7259,12 @@
             </a:ln>
           </p:spPr>
           <p:txBody>
-            <a:bodyPr anchorCtr="0" anchor="ctr" bIns="91425" lIns="91425" spcFirstLastPara="1" rIns="91425" wrap="square" tIns="91425">
+            <a:bodyPr spcFirstLastPara="1" wrap="square" lIns="91425" tIns="91425" rIns="91425" bIns="91425" anchor="ctr" anchorCtr="0">
               <a:noAutofit/>
             </a:bodyPr>
             <a:lstStyle/>
             <a:p>
-              <a:pPr indent="0" lvl="0" marL="0" rtl="0" algn="l">
+              <a:pPr marL="0" lvl="0" indent="0" algn="l" rtl="0">
                 <a:spcBef>
                   <a:spcPts val="0"/>
                 </a:spcBef>
@@ -7298,9 +7273,6 @@
                 </a:spcAft>
                 <a:buNone/>
               </a:pPr>
-              <a:r>
-                <a:t/>
-              </a:r>
               <a:endParaRPr/>
             </a:p>
           </p:txBody>
@@ -7318,7 +7290,7 @@
             </a:xfrm>
             <a:prstGeom prst="diagStripe">
               <a:avLst>
-                <a:gd fmla="val 50000" name="adj"/>
+                <a:gd name="adj" fmla="val 50000"/>
               </a:avLst>
             </a:prstGeom>
             <a:solidFill>
@@ -7331,12 +7303,12 @@
             </a:ln>
           </p:spPr>
           <p:txBody>
-            <a:bodyPr anchorCtr="0" anchor="ctr" bIns="91425" lIns="91425" spcFirstLastPara="1" rIns="91425" wrap="square" tIns="91425">
+            <a:bodyPr spcFirstLastPara="1" wrap="square" lIns="91425" tIns="91425" rIns="91425" bIns="91425" anchor="ctr" anchorCtr="0">
               <a:noAutofit/>
             </a:bodyPr>
             <a:lstStyle/>
             <a:p>
-              <a:pPr indent="0" lvl="0" marL="0" rtl="0" algn="l">
+              <a:pPr marL="0" lvl="0" indent="0" algn="l" rtl="0">
                 <a:spcBef>
                   <a:spcPts val="0"/>
                 </a:spcBef>
@@ -7345,9 +7317,6 @@
                 </a:spcAft>
                 <a:buNone/>
               </a:pPr>
-              <a:r>
-                <a:t/>
-              </a:r>
               <a:endParaRPr/>
             </a:p>
           </p:txBody>
@@ -7365,7 +7334,7 @@
             </a:xfrm>
             <a:prstGeom prst="diagStripe">
               <a:avLst>
-                <a:gd fmla="val 50000" name="adj"/>
+                <a:gd name="adj" fmla="val 50000"/>
               </a:avLst>
             </a:prstGeom>
             <a:solidFill>
@@ -7378,12 +7347,12 @@
             </a:ln>
           </p:spPr>
           <p:txBody>
-            <a:bodyPr anchorCtr="0" anchor="ctr" bIns="91425" lIns="91425" spcFirstLastPara="1" rIns="91425" wrap="square" tIns="91425">
+            <a:bodyPr spcFirstLastPara="1" wrap="square" lIns="91425" tIns="91425" rIns="91425" bIns="91425" anchor="ctr" anchorCtr="0">
               <a:noAutofit/>
             </a:bodyPr>
             <a:lstStyle/>
             <a:p>
-              <a:pPr indent="0" lvl="0" marL="0" rtl="0" algn="l">
+              <a:pPr marL="0" lvl="0" indent="0" algn="l" rtl="0">
                 <a:spcBef>
                   <a:spcPts val="0"/>
                 </a:spcBef>
@@ -7392,9 +7361,6 @@
                 </a:spcAft>
                 <a:buNone/>
               </a:pPr>
-              <a:r>
-                <a:t/>
-              </a:r>
               <a:endParaRPr/>
             </a:p>
           </p:txBody>
@@ -7412,7 +7378,7 @@
             </a:xfrm>
             <a:prstGeom prst="diagStripe">
               <a:avLst>
-                <a:gd fmla="val 50000" name="adj"/>
+                <a:gd name="adj" fmla="val 50000"/>
               </a:avLst>
             </a:prstGeom>
             <a:solidFill>
@@ -7425,12 +7391,12 @@
             </a:ln>
           </p:spPr>
           <p:txBody>
-            <a:bodyPr anchorCtr="0" anchor="ctr" bIns="91425" lIns="91425" spcFirstLastPara="1" rIns="91425" wrap="square" tIns="91425">
+            <a:bodyPr spcFirstLastPara="1" wrap="square" lIns="91425" tIns="91425" rIns="91425" bIns="91425" anchor="ctr" anchorCtr="0">
               <a:noAutofit/>
             </a:bodyPr>
             <a:lstStyle/>
             <a:p>
-              <a:pPr indent="0" lvl="0" marL="0" rtl="0" algn="l">
+              <a:pPr marL="0" lvl="0" indent="0" algn="l" rtl="0">
                 <a:spcBef>
                   <a:spcPts val="0"/>
                 </a:spcBef>
@@ -7439,9 +7405,6 @@
                 </a:spcAft>
                 <a:buNone/>
               </a:pPr>
-              <a:r>
-                <a:t/>
-              </a:r>
               <a:endParaRPr/>
             </a:p>
           </p:txBody>
@@ -7459,7 +7422,7 @@
             </a:xfrm>
             <a:prstGeom prst="diagStripe">
               <a:avLst>
-                <a:gd fmla="val 50000" name="adj"/>
+                <a:gd name="adj" fmla="val 50000"/>
               </a:avLst>
             </a:prstGeom>
             <a:solidFill>
@@ -7472,12 +7435,12 @@
             </a:ln>
           </p:spPr>
           <p:txBody>
-            <a:bodyPr anchorCtr="0" anchor="ctr" bIns="91425" lIns="91425" spcFirstLastPara="1" rIns="91425" wrap="square" tIns="91425">
+            <a:bodyPr spcFirstLastPara="1" wrap="square" lIns="91425" tIns="91425" rIns="91425" bIns="91425" anchor="ctr" anchorCtr="0">
               <a:noAutofit/>
             </a:bodyPr>
             <a:lstStyle/>
             <a:p>
-              <a:pPr indent="0" lvl="0" marL="0" rtl="0" algn="l">
+              <a:pPr marL="0" lvl="0" indent="0" algn="l" rtl="0">
                 <a:spcBef>
                   <a:spcPts val="0"/>
                 </a:spcBef>
@@ -7486,9 +7449,6 @@
                 </a:spcAft>
                 <a:buNone/>
               </a:pPr>
-              <a:r>
-                <a:t/>
-              </a:r>
               <a:endParaRPr/>
             </a:p>
           </p:txBody>
@@ -7506,7 +7466,7 @@
             </a:xfrm>
             <a:prstGeom prst="diagStripe">
               <a:avLst>
-                <a:gd fmla="val 50000" name="adj"/>
+                <a:gd name="adj" fmla="val 50000"/>
               </a:avLst>
             </a:prstGeom>
             <a:solidFill>
@@ -7517,12 +7477,12 @@
             </a:ln>
           </p:spPr>
           <p:txBody>
-            <a:bodyPr anchorCtr="0" anchor="ctr" bIns="91425" lIns="91425" spcFirstLastPara="1" rIns="91425" wrap="square" tIns="91425">
+            <a:bodyPr spcFirstLastPara="1" wrap="square" lIns="91425" tIns="91425" rIns="91425" bIns="91425" anchor="ctr" anchorCtr="0">
               <a:noAutofit/>
             </a:bodyPr>
             <a:lstStyle/>
             <a:p>
-              <a:pPr indent="0" lvl="0" marL="0" rtl="0" algn="l">
+              <a:pPr marL="0" lvl="0" indent="0" algn="l" rtl="0">
                 <a:spcBef>
                   <a:spcPts val="0"/>
                 </a:spcBef>
@@ -7531,9 +7491,6 @@
                 </a:spcAft>
                 <a:buNone/>
               </a:pPr>
-              <a:r>
-                <a:t/>
-              </a:r>
               <a:endParaRPr/>
             </a:p>
           </p:txBody>
@@ -7551,7 +7508,7 @@
             </a:xfrm>
             <a:prstGeom prst="diagStripe">
               <a:avLst>
-                <a:gd fmla="val 50000" name="adj"/>
+                <a:gd name="adj" fmla="val 50000"/>
               </a:avLst>
             </a:prstGeom>
             <a:solidFill>
@@ -7564,12 +7521,12 @@
             </a:ln>
           </p:spPr>
           <p:txBody>
-            <a:bodyPr anchorCtr="0" anchor="ctr" bIns="91425" lIns="91425" spcFirstLastPara="1" rIns="91425" wrap="square" tIns="91425">
+            <a:bodyPr spcFirstLastPara="1" wrap="square" lIns="91425" tIns="91425" rIns="91425" bIns="91425" anchor="ctr" anchorCtr="0">
               <a:noAutofit/>
             </a:bodyPr>
             <a:lstStyle/>
             <a:p>
-              <a:pPr indent="0" lvl="0" marL="0" rtl="0" algn="l">
+              <a:pPr marL="0" lvl="0" indent="0" algn="l" rtl="0">
                 <a:spcBef>
                   <a:spcPts val="0"/>
                 </a:spcBef>
@@ -7578,9 +7535,6 @@
                 </a:spcAft>
                 <a:buNone/>
               </a:pPr>
-              <a:r>
-                <a:t/>
-              </a:r>
               <a:endParaRPr/>
             </a:p>
           </p:txBody>
@@ -7598,7 +7552,7 @@
             </a:xfrm>
             <a:prstGeom prst="diagStripe">
               <a:avLst>
-                <a:gd fmla="val 50000" name="adj"/>
+                <a:gd name="adj" fmla="val 50000"/>
               </a:avLst>
             </a:prstGeom>
             <a:solidFill>
@@ -7611,12 +7565,12 @@
             </a:ln>
           </p:spPr>
           <p:txBody>
-            <a:bodyPr anchorCtr="0" anchor="ctr" bIns="91425" lIns="91425" spcFirstLastPara="1" rIns="91425" wrap="square" tIns="91425">
+            <a:bodyPr spcFirstLastPara="1" wrap="square" lIns="91425" tIns="91425" rIns="91425" bIns="91425" anchor="ctr" anchorCtr="0">
               <a:noAutofit/>
             </a:bodyPr>
             <a:lstStyle/>
             <a:p>
-              <a:pPr indent="0" lvl="0" marL="0" rtl="0" algn="l">
+              <a:pPr marL="0" lvl="0" indent="0" algn="l" rtl="0">
                 <a:spcBef>
                   <a:spcPts val="0"/>
                 </a:spcBef>
@@ -7625,9 +7579,6 @@
                 </a:spcAft>
                 <a:buNone/>
               </a:pPr>
-              <a:r>
-                <a:t/>
-              </a:r>
               <a:endParaRPr/>
             </a:p>
           </p:txBody>
@@ -7645,7 +7596,7 @@
             </a:xfrm>
             <a:prstGeom prst="diagStripe">
               <a:avLst>
-                <a:gd fmla="val 50000" name="adj"/>
+                <a:gd name="adj" fmla="val 50000"/>
               </a:avLst>
             </a:prstGeom>
             <a:solidFill>
@@ -7658,12 +7609,12 @@
             </a:ln>
           </p:spPr>
           <p:txBody>
-            <a:bodyPr anchorCtr="0" anchor="ctr" bIns="91425" lIns="91425" spcFirstLastPara="1" rIns="91425" wrap="square" tIns="91425">
+            <a:bodyPr spcFirstLastPara="1" wrap="square" lIns="91425" tIns="91425" rIns="91425" bIns="91425" anchor="ctr" anchorCtr="0">
               <a:noAutofit/>
             </a:bodyPr>
             <a:lstStyle/>
             <a:p>
-              <a:pPr indent="0" lvl="0" marL="0" rtl="0" algn="l">
+              <a:pPr marL="0" lvl="0" indent="0" algn="l" rtl="0">
                 <a:spcBef>
                   <a:spcPts val="0"/>
                 </a:spcBef>
@@ -7672,9 +7623,6 @@
                 </a:spcAft>
                 <a:buNone/>
               </a:pPr>
-              <a:r>
-                <a:t/>
-              </a:r>
               <a:endParaRPr/>
             </a:p>
           </p:txBody>
@@ -7692,7 +7640,7 @@
             </a:xfrm>
             <a:prstGeom prst="diagStripe">
               <a:avLst>
-                <a:gd fmla="val 50000" name="adj"/>
+                <a:gd name="adj" fmla="val 50000"/>
               </a:avLst>
             </a:prstGeom>
             <a:solidFill>
@@ -7705,12 +7653,12 @@
             </a:ln>
           </p:spPr>
           <p:txBody>
-            <a:bodyPr anchorCtr="0" anchor="ctr" bIns="91425" lIns="91425" spcFirstLastPara="1" rIns="91425" wrap="square" tIns="91425">
+            <a:bodyPr spcFirstLastPara="1" wrap="square" lIns="91425" tIns="91425" rIns="91425" bIns="91425" anchor="ctr" anchorCtr="0">
               <a:noAutofit/>
             </a:bodyPr>
             <a:lstStyle/>
             <a:p>
-              <a:pPr indent="0" lvl="0" marL="0" rtl="0" algn="l">
+              <a:pPr marL="0" lvl="0" indent="0" algn="l" rtl="0">
                 <a:spcBef>
                   <a:spcPts val="0"/>
                 </a:spcBef>
@@ -7719,9 +7667,6 @@
                 </a:spcAft>
                 <a:buNone/>
               </a:pPr>
-              <a:r>
-                <a:t/>
-              </a:r>
               <a:endParaRPr/>
             </a:p>
           </p:txBody>
@@ -7730,7 +7675,9 @@
       <p:sp>
         <p:nvSpPr>
           <p:cNvPr id="89" name="Google Shape;89;p8"/>
-          <p:cNvSpPr txBox="1"/>
+          <p:cNvSpPr txBox="1">
+            <a:spLocks noGrp="1"/>
+          </p:cNvSpPr>
           <p:nvPr>
             <p:ph type="title"/>
           </p:nvPr>
@@ -7745,7 +7692,7 @@
           </a:prstGeom>
         </p:spPr>
         <p:txBody>
-          <a:bodyPr anchorCtr="0" anchor="ctr" bIns="91425" lIns="91425" spcFirstLastPara="1" rIns="91425" wrap="square" tIns="91425">
+          <a:bodyPr spcFirstLastPara="1" wrap="square" lIns="91425" tIns="91425" rIns="91425" bIns="91425" anchor="ctr" anchorCtr="0">
             <a:normAutofit/>
           </a:bodyPr>
           <a:lstStyle>
@@ -7849,15 +7796,19 @@
               <a:defRPr/>
             </a:lvl9pPr>
           </a:lstStyle>
-          <a:p/>
+          <a:p>
+            <a:endParaRPr/>
+          </a:p>
         </p:txBody>
       </p:sp>
       <p:sp>
         <p:nvSpPr>
           <p:cNvPr id="90" name="Google Shape;90;p8"/>
-          <p:cNvSpPr txBox="1"/>
+          <p:cNvSpPr txBox="1">
+            <a:spLocks noGrp="1"/>
+          </p:cNvSpPr>
           <p:nvPr>
-            <p:ph idx="12" type="sldNum"/>
+            <p:ph type="sldNum" idx="12"/>
           </p:nvPr>
         </p:nvSpPr>
         <p:spPr>
@@ -7870,7 +7821,7 @@
           </a:prstGeom>
         </p:spPr>
         <p:txBody>
-          <a:bodyPr anchorCtr="0" anchor="ctr" bIns="91425" lIns="91425" spcFirstLastPara="1" rIns="91425" wrap="square" tIns="91425">
+          <a:bodyPr spcFirstLastPara="1" wrap="square" lIns="91425" tIns="91425" rIns="91425" bIns="91425" anchor="ctr" anchorCtr="0">
             <a:normAutofit/>
           </a:bodyPr>
           <a:lstStyle>
@@ -7912,7 +7863,7 @@
             </a:lvl9pPr>
           </a:lstStyle>
           <a:p>
-            <a:pPr indent="0" lvl="0" marL="0" rtl="0" algn="r">
+            <a:pPr marL="0" lvl="0" indent="0" algn="r" rtl="0">
               <a:spcBef>
                 <a:spcPts val="0"/>
               </a:spcBef>
@@ -7938,11 +7889,11 @@
 </file>
 
 <file path=ppt/slideLayouts/slideLayout8.xml><?xml version="1.0" encoding="utf-8"?>
-<p:sldLayout xmlns:a="http://schemas.openxmlformats.org/drawingml/2006/main" xmlns:r="http://schemas.openxmlformats.org/officeDocument/2006/relationships" xmlns:mc="http://schemas.openxmlformats.org/markup-compatibility/2006" xmlns:mv="urn:schemas-microsoft-com:mac:vml" xmlns:p="http://schemas.openxmlformats.org/presentationml/2006/main" xmlns:c="http://schemas.openxmlformats.org/drawingml/2006/chart" xmlns:dgm="http://schemas.openxmlformats.org/drawingml/2006/diagram" xmlns:o="urn:schemas-microsoft-com:office:office" xmlns:v="urn:schemas-microsoft-com:vml" xmlns:pvml="urn:schemas-microsoft-com:office:powerpoint" xmlns:com="http://schemas.openxmlformats.org/drawingml/2006/compatibility" xmlns:p14="http://schemas.microsoft.com/office/powerpoint/2010/main" xmlns:p15="http://schemas.microsoft.com/office/powerpoint/2012/main" xmlns:ahyp="http://schemas.microsoft.com/office/drawing/2018/hyperlinkcolor" matchingName="Section title and description">
+<p:sldLayout xmlns:a="http://schemas.openxmlformats.org/drawingml/2006/main" xmlns:r="http://schemas.openxmlformats.org/officeDocument/2006/relationships" xmlns:p="http://schemas.openxmlformats.org/presentationml/2006/main" matchingName="Section title and description">
   <p:cSld name="SECTION_TITLE_AND_DESCRIPTION">
     <p:spTree>
       <p:nvGrpSpPr>
-        <p:cNvPr id="91" name="Shape 91"/>
+        <p:cNvPr id="1" name="Shape 91"/>
         <p:cNvGrpSpPr/>
         <p:nvPr/>
       </p:nvGrpSpPr>
@@ -7981,7 +7932,7 @@
             </a:xfrm>
             <a:prstGeom prst="diagStripe">
               <a:avLst>
-                <a:gd fmla="val 50000" name="adj"/>
+                <a:gd name="adj" fmla="val 50000"/>
               </a:avLst>
             </a:prstGeom>
             <a:solidFill>
@@ -7992,12 +7943,12 @@
             </a:ln>
           </p:spPr>
           <p:txBody>
-            <a:bodyPr anchorCtr="0" anchor="ctr" bIns="91425" lIns="91425" spcFirstLastPara="1" rIns="91425" wrap="square" tIns="91425">
+            <a:bodyPr spcFirstLastPara="1" wrap="square" lIns="91425" tIns="91425" rIns="91425" bIns="91425" anchor="ctr" anchorCtr="0">
               <a:noAutofit/>
             </a:bodyPr>
             <a:lstStyle/>
             <a:p>
-              <a:pPr indent="0" lvl="0" marL="0" rtl="0" algn="l">
+              <a:pPr marL="0" lvl="0" indent="0" algn="l" rtl="0">
                 <a:spcBef>
                   <a:spcPts val="0"/>
                 </a:spcBef>
@@ -8006,9 +7957,6 @@
                 </a:spcAft>
                 <a:buNone/>
               </a:pPr>
-              <a:r>
-                <a:t/>
-              </a:r>
               <a:endParaRPr/>
             </a:p>
           </p:txBody>
@@ -8026,7 +7974,7 @@
             </a:xfrm>
             <a:prstGeom prst="diagStripe">
               <a:avLst>
-                <a:gd fmla="val 50000" name="adj"/>
+                <a:gd name="adj" fmla="val 50000"/>
               </a:avLst>
             </a:prstGeom>
             <a:solidFill>
@@ -8037,12 +7985,12 @@
             </a:ln>
           </p:spPr>
           <p:txBody>
-            <a:bodyPr anchorCtr="0" anchor="ctr" bIns="91425" lIns="91425" spcFirstLastPara="1" rIns="91425" wrap="square" tIns="91425">
+            <a:bodyPr spcFirstLastPara="1" wrap="square" lIns="91425" tIns="91425" rIns="91425" bIns="91425" anchor="ctr" anchorCtr="0">
               <a:noAutofit/>
             </a:bodyPr>
             <a:lstStyle/>
             <a:p>
-              <a:pPr indent="0" lvl="0" marL="0" rtl="0" algn="l">
+              <a:pPr marL="0" lvl="0" indent="0" algn="l" rtl="0">
                 <a:spcBef>
                   <a:spcPts val="0"/>
                 </a:spcBef>
@@ -8051,9 +7999,6 @@
                 </a:spcAft>
                 <a:buNone/>
               </a:pPr>
-              <a:r>
-                <a:t/>
-              </a:r>
               <a:endParaRPr/>
             </a:p>
           </p:txBody>
@@ -8062,7 +8007,9 @@
       <p:sp>
         <p:nvSpPr>
           <p:cNvPr id="95" name="Google Shape;95;p9"/>
-          <p:cNvSpPr txBox="1"/>
+          <p:cNvSpPr txBox="1">
+            <a:spLocks noGrp="1"/>
+          </p:cNvSpPr>
           <p:nvPr>
             <p:ph type="title"/>
           </p:nvPr>
@@ -8077,7 +8024,7 @@
           </a:prstGeom>
         </p:spPr>
         <p:txBody>
-          <a:bodyPr anchorCtr="0" anchor="t" bIns="91425" lIns="91425" spcFirstLastPara="1" rIns="91425" wrap="square" tIns="91425">
+          <a:bodyPr spcFirstLastPara="1" wrap="square" lIns="91425" tIns="91425" rIns="91425" bIns="91425" anchor="t" anchorCtr="0">
             <a:normAutofit/>
           </a:bodyPr>
           <a:lstStyle>
@@ -8181,15 +8128,19 @@
               <a:defRPr sz="2400"/>
             </a:lvl9pPr>
           </a:lstStyle>
-          <a:p/>
+          <a:p>
+            <a:endParaRPr/>
+          </a:p>
         </p:txBody>
       </p:sp>
       <p:sp>
         <p:nvSpPr>
           <p:cNvPr id="96" name="Google Shape;96;p9"/>
-          <p:cNvSpPr txBox="1"/>
+          <p:cNvSpPr txBox="1">
+            <a:spLocks noGrp="1"/>
+          </p:cNvSpPr>
           <p:nvPr>
-            <p:ph idx="1" type="subTitle"/>
+            <p:ph type="subTitle" idx="1"/>
           </p:nvPr>
         </p:nvSpPr>
         <p:spPr>
@@ -8202,7 +8153,7 @@
           </a:prstGeom>
         </p:spPr>
         <p:txBody>
-          <a:bodyPr anchorCtr="0" anchor="t" bIns="91425" lIns="91425" spcFirstLastPara="1" rIns="91425" wrap="square" tIns="91425">
+          <a:bodyPr spcFirstLastPara="1" wrap="square" lIns="91425" tIns="91425" rIns="91425" bIns="91425" anchor="t" anchorCtr="0">
             <a:normAutofit/>
           </a:bodyPr>
           <a:lstStyle>
@@ -8333,15 +8284,19 @@
               <a:defRPr sz="1300"/>
             </a:lvl9pPr>
           </a:lstStyle>
-          <a:p/>
+          <a:p>
+            <a:endParaRPr/>
+          </a:p>
         </p:txBody>
       </p:sp>
       <p:sp>
         <p:nvSpPr>
           <p:cNvPr id="97" name="Google Shape;97;p9"/>
-          <p:cNvSpPr txBox="1"/>
+          <p:cNvSpPr txBox="1">
+            <a:spLocks noGrp="1"/>
+          </p:cNvSpPr>
           <p:nvPr>
-            <p:ph idx="2" type="body"/>
+            <p:ph type="body" idx="2"/>
           </p:nvPr>
         </p:nvSpPr>
         <p:spPr>
@@ -8354,11 +8309,11 @@
           </a:prstGeom>
         </p:spPr>
         <p:txBody>
-          <a:bodyPr anchorCtr="0" anchor="t" bIns="91425" lIns="91425" spcFirstLastPara="1" rIns="91425" wrap="square" tIns="91425">
+          <a:bodyPr spcFirstLastPara="1" wrap="square" lIns="91425" tIns="91425" rIns="91425" bIns="91425" anchor="t" anchorCtr="0">
             <a:normAutofit/>
           </a:bodyPr>
           <a:lstStyle>
-            <a:lvl1pPr indent="-311150" lvl="0" marL="457200">
+            <a:lvl1pPr marL="457200" lvl="0" indent="-311150">
               <a:spcBef>
                 <a:spcPts val="0"/>
               </a:spcBef>
@@ -8369,7 +8324,7 @@
               <a:buChar char="●"/>
               <a:defRPr/>
             </a:lvl1pPr>
-            <a:lvl2pPr indent="-298450" lvl="1" marL="914400">
+            <a:lvl2pPr marL="914400" lvl="1" indent="-298450">
               <a:spcBef>
                 <a:spcPts val="0"/>
               </a:spcBef>
@@ -8380,7 +8335,7 @@
               <a:buChar char="○"/>
               <a:defRPr/>
             </a:lvl2pPr>
-            <a:lvl3pPr indent="-298450" lvl="2" marL="1371600">
+            <a:lvl3pPr marL="1371600" lvl="2" indent="-298450">
               <a:spcBef>
                 <a:spcPts val="0"/>
               </a:spcBef>
@@ -8391,7 +8346,7 @@
               <a:buChar char="■"/>
               <a:defRPr/>
             </a:lvl3pPr>
-            <a:lvl4pPr indent="-298450" lvl="3" marL="1828800">
+            <a:lvl4pPr marL="1828800" lvl="3" indent="-298450">
               <a:spcBef>
                 <a:spcPts val="0"/>
               </a:spcBef>
@@ -8402,7 +8357,7 @@
               <a:buChar char="●"/>
               <a:defRPr/>
             </a:lvl4pPr>
-            <a:lvl5pPr indent="-298450" lvl="4" marL="2286000">
+            <a:lvl5pPr marL="2286000" lvl="4" indent="-298450">
               <a:spcBef>
                 <a:spcPts val="0"/>
               </a:spcBef>
@@ -8413,7 +8368,7 @@
               <a:buChar char="○"/>
               <a:defRPr/>
             </a:lvl5pPr>
-            <a:lvl6pPr indent="-298450" lvl="5" marL="2743200">
+            <a:lvl6pPr marL="2743200" lvl="5" indent="-298450">
               <a:spcBef>
                 <a:spcPts val="0"/>
               </a:spcBef>
@@ -8424,7 +8379,7 @@
               <a:buChar char="■"/>
               <a:defRPr/>
             </a:lvl6pPr>
-            <a:lvl7pPr indent="-298450" lvl="6" marL="3200400">
+            <a:lvl7pPr marL="3200400" lvl="6" indent="-298450">
               <a:spcBef>
                 <a:spcPts val="0"/>
               </a:spcBef>
@@ -8435,7 +8390,7 @@
               <a:buChar char="●"/>
               <a:defRPr/>
             </a:lvl7pPr>
-            <a:lvl8pPr indent="-298450" lvl="7" marL="3657600">
+            <a:lvl8pPr marL="3657600" lvl="7" indent="-298450">
               <a:spcBef>
                 <a:spcPts val="0"/>
               </a:spcBef>
@@ -8446,7 +8401,7 @@
               <a:buChar char="○"/>
               <a:defRPr/>
             </a:lvl8pPr>
-            <a:lvl9pPr indent="-298450" lvl="8" marL="4114800">
+            <a:lvl9pPr marL="4114800" lvl="8" indent="-298450">
               <a:spcBef>
                 <a:spcPts val="0"/>
               </a:spcBef>
@@ -8458,15 +8413,19 @@
               <a:defRPr/>
             </a:lvl9pPr>
           </a:lstStyle>
-          <a:p/>
+          <a:p>
+            <a:endParaRPr/>
+          </a:p>
         </p:txBody>
       </p:sp>
       <p:sp>
         <p:nvSpPr>
           <p:cNvPr id="98" name="Google Shape;98;p9"/>
-          <p:cNvSpPr txBox="1"/>
+          <p:cNvSpPr txBox="1">
+            <a:spLocks noGrp="1"/>
+          </p:cNvSpPr>
           <p:nvPr>
-            <p:ph idx="12" type="sldNum"/>
+            <p:ph type="sldNum" idx="12"/>
           </p:nvPr>
         </p:nvSpPr>
         <p:spPr>
@@ -8479,7 +8438,7 @@
           </a:prstGeom>
         </p:spPr>
         <p:txBody>
-          <a:bodyPr anchorCtr="0" anchor="ctr" bIns="91425" lIns="91425" spcFirstLastPara="1" rIns="91425" wrap="square" tIns="91425">
+          <a:bodyPr spcFirstLastPara="1" wrap="square" lIns="91425" tIns="91425" rIns="91425" bIns="91425" anchor="ctr" anchorCtr="0">
             <a:normAutofit/>
           </a:bodyPr>
           <a:lstStyle>
@@ -8521,7 +8480,7 @@
             </a:lvl9pPr>
           </a:lstStyle>
           <a:p>
-            <a:pPr indent="0" lvl="0" marL="0" rtl="0" algn="r">
+            <a:pPr marL="0" lvl="0" indent="0" algn="r" rtl="0">
               <a:spcBef>
                 <a:spcPts val="0"/>
               </a:spcBef>
@@ -8547,11 +8506,11 @@
 </file>
 
 <file path=ppt/slideLayouts/slideLayout9.xml><?xml version="1.0" encoding="utf-8"?>
-<p:sldLayout xmlns:a="http://schemas.openxmlformats.org/drawingml/2006/main" xmlns:r="http://schemas.openxmlformats.org/officeDocument/2006/relationships" xmlns:mc="http://schemas.openxmlformats.org/markup-compatibility/2006" xmlns:mv="urn:schemas-microsoft-com:mac:vml" xmlns:p="http://schemas.openxmlformats.org/presentationml/2006/main" xmlns:c="http://schemas.openxmlformats.org/drawingml/2006/chart" xmlns:dgm="http://schemas.openxmlformats.org/drawingml/2006/diagram" xmlns:o="urn:schemas-microsoft-com:office:office" xmlns:v="urn:schemas-microsoft-com:vml" xmlns:pvml="urn:schemas-microsoft-com:office:powerpoint" xmlns:com="http://schemas.openxmlformats.org/drawingml/2006/compatibility" xmlns:p14="http://schemas.microsoft.com/office/powerpoint/2010/main" xmlns:p15="http://schemas.microsoft.com/office/powerpoint/2012/main" xmlns:ahyp="http://schemas.microsoft.com/office/drawing/2018/hyperlinkcolor" matchingName="Caption">
+<p:sldLayout xmlns:a="http://schemas.openxmlformats.org/drawingml/2006/main" xmlns:r="http://schemas.openxmlformats.org/officeDocument/2006/relationships" xmlns:p="http://schemas.openxmlformats.org/presentationml/2006/main" matchingName="Caption">
   <p:cSld name="CAPTION_ONLY">
     <p:spTree>
       <p:nvGrpSpPr>
-        <p:cNvPr id="99" name="Shape 99"/>
+        <p:cNvPr id="1" name="Shape 99"/>
         <p:cNvGrpSpPr/>
         <p:nvPr/>
       </p:nvGrpSpPr>
@@ -8590,7 +8549,7 @@
             </a:xfrm>
             <a:prstGeom prst="diagStripe">
               <a:avLst>
-                <a:gd fmla="val 50000" name="adj"/>
+                <a:gd name="adj" fmla="val 50000"/>
               </a:avLst>
             </a:prstGeom>
             <a:solidFill>
@@ -8603,12 +8562,12 @@
             </a:ln>
           </p:spPr>
           <p:txBody>
-            <a:bodyPr anchorCtr="0" anchor="ctr" bIns="91425" lIns="91425" spcFirstLastPara="1" rIns="91425" wrap="square" tIns="91425">
+            <a:bodyPr spcFirstLastPara="1" wrap="square" lIns="91425" tIns="91425" rIns="91425" bIns="91425" anchor="ctr" anchorCtr="0">
               <a:noAutofit/>
             </a:bodyPr>
             <a:lstStyle/>
             <a:p>
-              <a:pPr indent="0" lvl="0" marL="0" rtl="0" algn="l">
+              <a:pPr marL="0" lvl="0" indent="0" algn="l" rtl="0">
                 <a:spcBef>
                   <a:spcPts val="0"/>
                 </a:spcBef>
@@ -8617,9 +8576,6 @@
                 </a:spcAft>
                 <a:buNone/>
               </a:pPr>
-              <a:r>
-                <a:t/>
-              </a:r>
               <a:endParaRPr/>
             </a:p>
           </p:txBody>
@@ -8637,7 +8593,7 @@
             </a:xfrm>
             <a:prstGeom prst="diagStripe">
               <a:avLst>
-                <a:gd fmla="val 50000" name="adj"/>
+                <a:gd name="adj" fmla="val 50000"/>
               </a:avLst>
             </a:prstGeom>
             <a:solidFill>
@@ -8650,12 +8606,12 @@
             </a:ln>
           </p:spPr>
           <p:txBody>
-            <a:bodyPr anchorCtr="0" anchor="ctr" bIns="91425" lIns="91425" spcFirstLastPara="1" rIns="91425" wrap="square" tIns="91425">
+            <a:bodyPr spcFirstLastPara="1" wrap="square" lIns="91425" tIns="91425" rIns="91425" bIns="91425" anchor="ctr" anchorCtr="0">
               <a:noAutofit/>
             </a:bodyPr>
             <a:lstStyle/>
             <a:p>
-              <a:pPr indent="0" lvl="0" marL="0" rtl="0" algn="l">
+              <a:pPr marL="0" lvl="0" indent="0" algn="l" rtl="0">
                 <a:spcBef>
                   <a:spcPts val="0"/>
                 </a:spcBef>
@@ -8664,9 +8620,6 @@
                 </a:spcAft>
                 <a:buNone/>
               </a:pPr>
-              <a:r>
-                <a:t/>
-              </a:r>
               <a:endParaRPr/>
             </a:p>
           </p:txBody>
@@ -8675,9 +8628,11 @@
       <p:sp>
         <p:nvSpPr>
           <p:cNvPr id="103" name="Google Shape;103;p10"/>
-          <p:cNvSpPr txBox="1"/>
+          <p:cNvSpPr txBox="1">
+            <a:spLocks noGrp="1"/>
+          </p:cNvSpPr>
           <p:nvPr>
-            <p:ph idx="1" type="body"/>
+            <p:ph type="body" idx="1"/>
           </p:nvPr>
         </p:nvSpPr>
         <p:spPr>
@@ -8690,11 +8645,11 @@
           </a:prstGeom>
         </p:spPr>
         <p:txBody>
-          <a:bodyPr anchorCtr="0" anchor="ctr" bIns="91425" lIns="91425" spcFirstLastPara="1" rIns="91425" wrap="square" tIns="91425">
+          <a:bodyPr spcFirstLastPara="1" wrap="square" lIns="91425" tIns="91425" rIns="91425" bIns="91425" anchor="ctr" anchorCtr="0">
             <a:normAutofit/>
           </a:bodyPr>
           <a:lstStyle>
-            <a:lvl1pPr indent="-228600" lvl="0" marL="457200">
+            <a:lvl1pPr marL="457200" lvl="0" indent="-228600">
               <a:lnSpc>
                 <a:spcPct val="100000"/>
               </a:lnSpc>
@@ -8709,15 +8664,19 @@
               <a:defRPr/>
             </a:lvl1pPr>
           </a:lstStyle>
-          <a:p/>
+          <a:p>
+            <a:endParaRPr/>
+          </a:p>
         </p:txBody>
       </p:sp>
       <p:sp>
         <p:nvSpPr>
           <p:cNvPr id="104" name="Google Shape;104;p10"/>
-          <p:cNvSpPr txBox="1"/>
+          <p:cNvSpPr txBox="1">
+            <a:spLocks noGrp="1"/>
+          </p:cNvSpPr>
           <p:nvPr>
-            <p:ph idx="12" type="sldNum"/>
+            <p:ph type="sldNum" idx="12"/>
           </p:nvPr>
         </p:nvSpPr>
         <p:spPr>
@@ -8730,7 +8689,7 @@
           </a:prstGeom>
         </p:spPr>
         <p:txBody>
-          <a:bodyPr anchorCtr="0" anchor="ctr" bIns="91425" lIns="91425" spcFirstLastPara="1" rIns="91425" wrap="square" tIns="91425">
+          <a:bodyPr spcFirstLastPara="1" wrap="square" lIns="91425" tIns="91425" rIns="91425" bIns="91425" anchor="ctr" anchorCtr="0">
             <a:normAutofit/>
           </a:bodyPr>
           <a:lstStyle>
@@ -8772,7 +8731,7 @@
             </a:lvl9pPr>
           </a:lstStyle>
           <a:p>
-            <a:pPr indent="0" lvl="0" marL="0" rtl="0" algn="r">
+            <a:pPr marL="0" lvl="0" indent="0" algn="r" rtl="0">
               <a:spcBef>
                 <a:spcPts val="0"/>
               </a:spcBef>
@@ -8798,18 +8757,19 @@
 </file>
 
 <file path=ppt/slideMasters/slideMaster1.xml><?xml version="1.0" encoding="utf-8"?>
-<p:sldMaster xmlns:a="http://schemas.openxmlformats.org/drawingml/2006/main" xmlns:r="http://schemas.openxmlformats.org/officeDocument/2006/relationships" xmlns:mc="http://schemas.openxmlformats.org/markup-compatibility/2006" xmlns:mv="urn:schemas-microsoft-com:mac:vml" xmlns:p="http://schemas.openxmlformats.org/presentationml/2006/main" xmlns:c="http://schemas.openxmlformats.org/drawingml/2006/chart" xmlns:dgm="http://schemas.openxmlformats.org/drawingml/2006/diagram" xmlns:o="urn:schemas-microsoft-com:office:office" xmlns:v="urn:schemas-microsoft-com:vml" xmlns:pvml="urn:schemas-microsoft-com:office:powerpoint" xmlns:com="http://schemas.openxmlformats.org/drawingml/2006/compatibility" xmlns:p14="http://schemas.microsoft.com/office/powerpoint/2010/main" xmlns:p15="http://schemas.microsoft.com/office/powerpoint/2012/main" xmlns:ahyp="http://schemas.microsoft.com/office/drawing/2018/hyperlinkcolor">
+<p:sldMaster xmlns:a="http://schemas.openxmlformats.org/drawingml/2006/main" xmlns:r="http://schemas.openxmlformats.org/officeDocument/2006/relationships" xmlns:p="http://schemas.openxmlformats.org/presentationml/2006/main">
   <p:cSld name="focus">
     <p:bg>
       <p:bgPr>
         <a:solidFill>
           <a:schemeClr val="dk1"/>
         </a:solidFill>
+        <a:effectLst/>
       </p:bgPr>
     </p:bg>
     <p:spTree>
       <p:nvGrpSpPr>
-        <p:cNvPr id="5" name="Shape 5"/>
+        <p:cNvPr id="1" name="Shape 5"/>
         <p:cNvGrpSpPr/>
         <p:nvPr/>
       </p:nvGrpSpPr>
@@ -8824,7 +8784,9 @@
       <p:sp>
         <p:nvSpPr>
           <p:cNvPr id="6" name="Google Shape;6;p1"/>
-          <p:cNvSpPr txBox="1"/>
+          <p:cNvSpPr txBox="1">
+            <a:spLocks noGrp="1"/>
+          </p:cNvSpPr>
           <p:nvPr>
             <p:ph type="title"/>
           </p:nvPr>
@@ -8843,7 +8805,7 @@
           </a:ln>
         </p:spPr>
         <p:txBody>
-          <a:bodyPr anchorCtr="0" anchor="t" bIns="91425" lIns="91425" spcFirstLastPara="1" rIns="91425" wrap="square" tIns="91425">
+          <a:bodyPr spcFirstLastPara="1" wrap="square" lIns="91425" tIns="91425" rIns="91425" bIns="91425" anchor="t" anchorCtr="0">
             <a:normAutofit/>
           </a:bodyPr>
           <a:lstStyle>
@@ -9055,15 +9017,19 @@
               </a:defRPr>
             </a:lvl9pPr>
           </a:lstStyle>
-          <a:p/>
+          <a:p>
+            <a:endParaRPr/>
+          </a:p>
         </p:txBody>
       </p:sp>
       <p:sp>
         <p:nvSpPr>
           <p:cNvPr id="7" name="Google Shape;7;p1"/>
-          <p:cNvSpPr txBox="1"/>
+          <p:cNvSpPr txBox="1">
+            <a:spLocks noGrp="1"/>
+          </p:cNvSpPr>
           <p:nvPr>
-            <p:ph idx="1" type="body"/>
+            <p:ph type="body" idx="1"/>
           </p:nvPr>
         </p:nvSpPr>
         <p:spPr>
@@ -9080,11 +9046,11 @@
           </a:ln>
         </p:spPr>
         <p:txBody>
-          <a:bodyPr anchorCtr="0" anchor="t" bIns="91425" lIns="91425" spcFirstLastPara="1" rIns="91425" wrap="square" tIns="91425">
+          <a:bodyPr spcFirstLastPara="1" wrap="square" lIns="91425" tIns="91425" rIns="91425" bIns="91425" anchor="t" anchorCtr="0">
             <a:normAutofit/>
           </a:bodyPr>
           <a:lstStyle>
-            <a:lvl1pPr indent="-311150" lvl="0" marL="457200">
+            <a:lvl1pPr marL="457200" lvl="0" indent="-311150">
               <a:lnSpc>
                 <a:spcPct val="115000"/>
               </a:lnSpc>
@@ -9110,7 +9076,7 @@
                 <a:sym typeface="Lato"/>
               </a:defRPr>
             </a:lvl1pPr>
-            <a:lvl2pPr indent="-298450" lvl="1" marL="914400">
+            <a:lvl2pPr marL="914400" lvl="1" indent="-298450">
               <a:lnSpc>
                 <a:spcPct val="115000"/>
               </a:lnSpc>
@@ -9136,7 +9102,7 @@
                 <a:sym typeface="Lato"/>
               </a:defRPr>
             </a:lvl2pPr>
-            <a:lvl3pPr indent="-298450" lvl="2" marL="1371600">
+            <a:lvl3pPr marL="1371600" lvl="2" indent="-298450">
               <a:lnSpc>
                 <a:spcPct val="115000"/>
               </a:lnSpc>
@@ -9162,7 +9128,7 @@
                 <a:sym typeface="Lato"/>
               </a:defRPr>
             </a:lvl3pPr>
-            <a:lvl4pPr indent="-298450" lvl="3" marL="1828800">
+            <a:lvl4pPr marL="1828800" lvl="3" indent="-298450">
               <a:lnSpc>
                 <a:spcPct val="115000"/>
               </a:lnSpc>
@@ -9188,7 +9154,7 @@
                 <a:sym typeface="Lato"/>
               </a:defRPr>
             </a:lvl4pPr>
-            <a:lvl5pPr indent="-298450" lvl="4" marL="2286000">
+            <a:lvl5pPr marL="2286000" lvl="4" indent="-298450">
               <a:lnSpc>
                 <a:spcPct val="115000"/>
               </a:lnSpc>
@@ -9214,7 +9180,7 @@
                 <a:sym typeface="Lato"/>
               </a:defRPr>
             </a:lvl5pPr>
-            <a:lvl6pPr indent="-298450" lvl="5" marL="2743200">
+            <a:lvl6pPr marL="2743200" lvl="5" indent="-298450">
               <a:lnSpc>
                 <a:spcPct val="115000"/>
               </a:lnSpc>
@@ -9240,7 +9206,7 @@
                 <a:sym typeface="Lato"/>
               </a:defRPr>
             </a:lvl6pPr>
-            <a:lvl7pPr indent="-298450" lvl="6" marL="3200400">
+            <a:lvl7pPr marL="3200400" lvl="6" indent="-298450">
               <a:lnSpc>
                 <a:spcPct val="115000"/>
               </a:lnSpc>
@@ -9266,7 +9232,7 @@
                 <a:sym typeface="Lato"/>
               </a:defRPr>
             </a:lvl7pPr>
-            <a:lvl8pPr indent="-298450" lvl="7" marL="3657600">
+            <a:lvl8pPr marL="3657600" lvl="7" indent="-298450">
               <a:lnSpc>
                 <a:spcPct val="115000"/>
               </a:lnSpc>
@@ -9292,7 +9258,7 @@
                 <a:sym typeface="Lato"/>
               </a:defRPr>
             </a:lvl8pPr>
-            <a:lvl9pPr indent="-298450" lvl="8" marL="4114800">
+            <a:lvl9pPr marL="4114800" lvl="8" indent="-298450">
               <a:lnSpc>
                 <a:spcPct val="115000"/>
               </a:lnSpc>
@@ -9319,15 +9285,19 @@
               </a:defRPr>
             </a:lvl9pPr>
           </a:lstStyle>
-          <a:p/>
+          <a:p>
+            <a:endParaRPr/>
+          </a:p>
         </p:txBody>
       </p:sp>
       <p:sp>
         <p:nvSpPr>
           <p:cNvPr id="8" name="Google Shape;8;p1"/>
-          <p:cNvSpPr txBox="1"/>
+          <p:cNvSpPr txBox="1">
+            <a:spLocks noGrp="1"/>
+          </p:cNvSpPr>
           <p:nvPr>
-            <p:ph idx="12" type="sldNum"/>
+            <p:ph type="sldNum" idx="12"/>
           </p:nvPr>
         </p:nvSpPr>
         <p:spPr>
@@ -9344,7 +9314,7 @@
           </a:ln>
         </p:spPr>
         <p:txBody>
-          <a:bodyPr anchorCtr="0" anchor="ctr" bIns="91425" lIns="91425" spcFirstLastPara="1" rIns="91425" wrap="square" tIns="91425">
+          <a:bodyPr spcFirstLastPara="1" wrap="square" lIns="91425" tIns="91425" rIns="91425" bIns="91425" anchor="ctr" anchorCtr="0">
             <a:normAutofit/>
           </a:bodyPr>
           <a:lstStyle>
@@ -9458,7 +9428,7 @@
             </a:lvl9pPr>
           </a:lstStyle>
           <a:p>
-            <a:pPr indent="0" lvl="0" marL="0" rtl="0" algn="r">
+            <a:pPr marL="0" lvl="0" indent="0" algn="r" rtl="0">
               <a:spcBef>
                 <a:spcPts val="0"/>
               </a:spcBef>
@@ -9477,7 +9447,7 @@
       </p:sp>
     </p:spTree>
   </p:cSld>
-  <p:clrMap accent1="accent1" accent2="accent2" accent3="accent3" accent4="accent4" accent5="accent5" accent6="accent6" bg1="lt1" bg2="dk2" tx1="dk1" tx2="lt2" folHlink="folHlink" hlink="hlink"/>
+  <p:clrMap bg1="lt1" tx1="dk1" bg2="dk2" tx2="lt2" accent1="accent1" accent2="accent2" accent3="accent3" accent4="accent4" accent5="accent5" accent6="accent6" hlink="hlink" folHlink="folHlink"/>
   <p:sldLayoutIdLst>
     <p:sldLayoutId id="2147483648" r:id="rId1"/>
     <p:sldLayoutId id="2147483649" r:id="rId2"/>
@@ -9491,10 +9461,10 @@
     <p:sldLayoutId id="2147483657" r:id="rId10"/>
     <p:sldLayoutId id="2147483658" r:id="rId11"/>
   </p:sldLayoutIdLst>
-  <p:hf dt="0" ftr="0" hdr="0" sldNum="0"/>
+  <p:hf sldNum="0" hdr="0" ftr="0" dt="0"/>
   <p:txStyles>
     <p:titleStyle>
-      <a:defPPr lvl="0" marR="0" rtl="0" algn="l">
+      <a:defPPr marR="0" lvl="0" algn="l" rtl="0">
         <a:lnSpc>
           <a:spcPct val="100000"/>
         </a:lnSpc>
@@ -9505,7 +9475,7 @@
           <a:spcPts val="0"/>
         </a:spcAft>
       </a:defPPr>
-      <a:lvl1pPr lvl="0" marR="0" rtl="0" algn="l">
+      <a:lvl1pPr marR="0" lvl="0" algn="l" rtl="0">
         <a:lnSpc>
           <a:spcPct val="100000"/>
         </a:lnSpc>
@@ -9519,7 +9489,7 @@
           <a:srgbClr val="000000"/>
         </a:buClr>
         <a:buFont typeface="Arial"/>
-        <a:defRPr b="0" i="0" sz="1400" u="none" cap="none" strike="noStrike">
+        <a:defRPr sz="1400" b="0" i="0" u="none" strike="noStrike" cap="none">
           <a:solidFill>
             <a:srgbClr val="000000"/>
           </a:solidFill>
@@ -9529,7 +9499,7 @@
           <a:sym typeface="Arial"/>
         </a:defRPr>
       </a:lvl1pPr>
-      <a:lvl2pPr lvl="1" marR="0" rtl="0" algn="l">
+      <a:lvl2pPr marR="0" lvl="1" algn="l" rtl="0">
         <a:lnSpc>
           <a:spcPct val="100000"/>
         </a:lnSpc>
@@ -9543,7 +9513,7 @@
           <a:srgbClr val="000000"/>
         </a:buClr>
         <a:buFont typeface="Arial"/>
-        <a:defRPr b="0" i="0" sz="1400" u="none" cap="none" strike="noStrike">
+        <a:defRPr sz="1400" b="0" i="0" u="none" strike="noStrike" cap="none">
           <a:solidFill>
             <a:srgbClr val="000000"/>
           </a:solidFill>
@@ -9553,7 +9523,7 @@
           <a:sym typeface="Arial"/>
         </a:defRPr>
       </a:lvl2pPr>
-      <a:lvl3pPr lvl="2" marR="0" rtl="0" algn="l">
+      <a:lvl3pPr marR="0" lvl="2" algn="l" rtl="0">
         <a:lnSpc>
           <a:spcPct val="100000"/>
         </a:lnSpc>
@@ -9567,7 +9537,7 @@
           <a:srgbClr val="000000"/>
         </a:buClr>
         <a:buFont typeface="Arial"/>
-        <a:defRPr b="0" i="0" sz="1400" u="none" cap="none" strike="noStrike">
+        <a:defRPr sz="1400" b="0" i="0" u="none" strike="noStrike" cap="none">
           <a:solidFill>
             <a:srgbClr val="000000"/>
           </a:solidFill>
@@ -9577,7 +9547,7 @@
           <a:sym typeface="Arial"/>
         </a:defRPr>
       </a:lvl3pPr>
-      <a:lvl4pPr lvl="3" marR="0" rtl="0" algn="l">
+      <a:lvl4pPr marR="0" lvl="3" algn="l" rtl="0">
         <a:lnSpc>
           <a:spcPct val="100000"/>
         </a:lnSpc>
@@ -9591,7 +9561,7 @@
           <a:srgbClr val="000000"/>
         </a:buClr>
         <a:buFont typeface="Arial"/>
-        <a:defRPr b="0" i="0" sz="1400" u="none" cap="none" strike="noStrike">
+        <a:defRPr sz="1400" b="0" i="0" u="none" strike="noStrike" cap="none">
           <a:solidFill>
             <a:srgbClr val="000000"/>
           </a:solidFill>
@@ -9601,7 +9571,7 @@
           <a:sym typeface="Arial"/>
         </a:defRPr>
       </a:lvl4pPr>
-      <a:lvl5pPr lvl="4" marR="0" rtl="0" algn="l">
+      <a:lvl5pPr marR="0" lvl="4" algn="l" rtl="0">
         <a:lnSpc>
           <a:spcPct val="100000"/>
         </a:lnSpc>
@@ -9615,7 +9585,7 @@
           <a:srgbClr val="000000"/>
         </a:buClr>
         <a:buFont typeface="Arial"/>
-        <a:defRPr b="0" i="0" sz="1400" u="none" cap="none" strike="noStrike">
+        <a:defRPr sz="1400" b="0" i="0" u="none" strike="noStrike" cap="none">
           <a:solidFill>
             <a:srgbClr val="000000"/>
           </a:solidFill>
@@ -9625,7 +9595,7 @@
           <a:sym typeface="Arial"/>
         </a:defRPr>
       </a:lvl5pPr>
-      <a:lvl6pPr lvl="5" marR="0" rtl="0" algn="l">
+      <a:lvl6pPr marR="0" lvl="5" algn="l" rtl="0">
         <a:lnSpc>
           <a:spcPct val="100000"/>
         </a:lnSpc>
@@ -9639,7 +9609,7 @@
           <a:srgbClr val="000000"/>
         </a:buClr>
         <a:buFont typeface="Arial"/>
-        <a:defRPr b="0" i="0" sz="1400" u="none" cap="none" strike="noStrike">
+        <a:defRPr sz="1400" b="0" i="0" u="none" strike="noStrike" cap="none">
           <a:solidFill>
             <a:srgbClr val="000000"/>
           </a:solidFill>
@@ -9649,7 +9619,7 @@
           <a:sym typeface="Arial"/>
         </a:defRPr>
       </a:lvl6pPr>
-      <a:lvl7pPr lvl="6" marR="0" rtl="0" algn="l">
+      <a:lvl7pPr marR="0" lvl="6" algn="l" rtl="0">
         <a:lnSpc>
           <a:spcPct val="100000"/>
         </a:lnSpc>
@@ -9663,7 +9633,7 @@
           <a:srgbClr val="000000"/>
         </a:buClr>
         <a:buFont typeface="Arial"/>
-        <a:defRPr b="0" i="0" sz="1400" u="none" cap="none" strike="noStrike">
+        <a:defRPr sz="1400" b="0" i="0" u="none" strike="noStrike" cap="none">
           <a:solidFill>
             <a:srgbClr val="000000"/>
           </a:solidFill>
@@ -9673,7 +9643,7 @@
           <a:sym typeface="Arial"/>
         </a:defRPr>
       </a:lvl7pPr>
-      <a:lvl8pPr lvl="7" marR="0" rtl="0" algn="l">
+      <a:lvl8pPr marR="0" lvl="7" algn="l" rtl="0">
         <a:lnSpc>
           <a:spcPct val="100000"/>
         </a:lnSpc>
@@ -9687,7 +9657,7 @@
           <a:srgbClr val="000000"/>
         </a:buClr>
         <a:buFont typeface="Arial"/>
-        <a:defRPr b="0" i="0" sz="1400" u="none" cap="none" strike="noStrike">
+        <a:defRPr sz="1400" b="0" i="0" u="none" strike="noStrike" cap="none">
           <a:solidFill>
             <a:srgbClr val="000000"/>
           </a:solidFill>
@@ -9697,7 +9667,7 @@
           <a:sym typeface="Arial"/>
         </a:defRPr>
       </a:lvl8pPr>
-      <a:lvl9pPr lvl="8" marR="0" rtl="0" algn="l">
+      <a:lvl9pPr marR="0" lvl="8" algn="l" rtl="0">
         <a:lnSpc>
           <a:spcPct val="100000"/>
         </a:lnSpc>
@@ -9711,7 +9681,7 @@
           <a:srgbClr val="000000"/>
         </a:buClr>
         <a:buFont typeface="Arial"/>
-        <a:defRPr b="0" i="0" sz="1400" u="none" cap="none" strike="noStrike">
+        <a:defRPr sz="1400" b="0" i="0" u="none" strike="noStrike" cap="none">
           <a:solidFill>
             <a:srgbClr val="000000"/>
           </a:solidFill>
@@ -9723,7 +9693,7 @@
       </a:lvl9pPr>
     </p:titleStyle>
     <p:bodyStyle>
-      <a:defPPr lvl="0" marR="0" rtl="0" algn="l">
+      <a:defPPr marR="0" lvl="0" algn="l" rtl="0">
         <a:lnSpc>
           <a:spcPct val="100000"/>
         </a:lnSpc>
@@ -9734,7 +9704,7 @@
           <a:spcPts val="0"/>
         </a:spcAft>
       </a:defPPr>
-      <a:lvl1pPr lvl="0" marR="0" rtl="0" algn="l">
+      <a:lvl1pPr marR="0" lvl="0" algn="l" rtl="0">
         <a:lnSpc>
           <a:spcPct val="100000"/>
         </a:lnSpc>
@@ -9748,7 +9718,7 @@
           <a:srgbClr val="000000"/>
         </a:buClr>
         <a:buFont typeface="Arial"/>
-        <a:defRPr b="0" i="0" sz="1400" u="none" cap="none" strike="noStrike">
+        <a:defRPr sz="1400" b="0" i="0" u="none" strike="noStrike" cap="none">
           <a:solidFill>
             <a:srgbClr val="000000"/>
           </a:solidFill>
@@ -9758,7 +9728,7 @@
           <a:sym typeface="Arial"/>
         </a:defRPr>
       </a:lvl1pPr>
-      <a:lvl2pPr lvl="1" marR="0" rtl="0" algn="l">
+      <a:lvl2pPr marR="0" lvl="1" algn="l" rtl="0">
         <a:lnSpc>
           <a:spcPct val="100000"/>
         </a:lnSpc>
@@ -9772,7 +9742,7 @@
           <a:srgbClr val="000000"/>
         </a:buClr>
         <a:buFont typeface="Arial"/>
-        <a:defRPr b="0" i="0" sz="1400" u="none" cap="none" strike="noStrike">
+        <a:defRPr sz="1400" b="0" i="0" u="none" strike="noStrike" cap="none">
           <a:solidFill>
             <a:srgbClr val="000000"/>
           </a:solidFill>
@@ -9782,7 +9752,7 @@
           <a:sym typeface="Arial"/>
         </a:defRPr>
       </a:lvl2pPr>
-      <a:lvl3pPr lvl="2" marR="0" rtl="0" algn="l">
+      <a:lvl3pPr marR="0" lvl="2" algn="l" rtl="0">
         <a:lnSpc>
           <a:spcPct val="100000"/>
         </a:lnSpc>
@@ -9796,7 +9766,7 @@
           <a:srgbClr val="000000"/>
         </a:buClr>
         <a:buFont typeface="Arial"/>
-        <a:defRPr b="0" i="0" sz="1400" u="none" cap="none" strike="noStrike">
+        <a:defRPr sz="1400" b="0" i="0" u="none" strike="noStrike" cap="none">
           <a:solidFill>
             <a:srgbClr val="000000"/>
           </a:solidFill>
@@ -9806,7 +9776,7 @@
           <a:sym typeface="Arial"/>
         </a:defRPr>
       </a:lvl3pPr>
-      <a:lvl4pPr lvl="3" marR="0" rtl="0" algn="l">
+      <a:lvl4pPr marR="0" lvl="3" algn="l" rtl="0">
         <a:lnSpc>
           <a:spcPct val="100000"/>
         </a:lnSpc>
@@ -9820,7 +9790,7 @@
           <a:srgbClr val="000000"/>
         </a:buClr>
         <a:buFont typeface="Arial"/>
-        <a:defRPr b="0" i="0" sz="1400" u="none" cap="none" strike="noStrike">
+        <a:defRPr sz="1400" b="0" i="0" u="none" strike="noStrike" cap="none">
           <a:solidFill>
             <a:srgbClr val="000000"/>
           </a:solidFill>
@@ -9830,7 +9800,7 @@
           <a:sym typeface="Arial"/>
         </a:defRPr>
       </a:lvl4pPr>
-      <a:lvl5pPr lvl="4" marR="0" rtl="0" algn="l">
+      <a:lvl5pPr marR="0" lvl="4" algn="l" rtl="0">
         <a:lnSpc>
           <a:spcPct val="100000"/>
         </a:lnSpc>
@@ -9844,7 +9814,7 @@
           <a:srgbClr val="000000"/>
         </a:buClr>
         <a:buFont typeface="Arial"/>
-        <a:defRPr b="0" i="0" sz="1400" u="none" cap="none" strike="noStrike">
+        <a:defRPr sz="1400" b="0" i="0" u="none" strike="noStrike" cap="none">
           <a:solidFill>
             <a:srgbClr val="000000"/>
           </a:solidFill>
@@ -9854,7 +9824,7 @@
           <a:sym typeface="Arial"/>
         </a:defRPr>
       </a:lvl5pPr>
-      <a:lvl6pPr lvl="5" marR="0" rtl="0" algn="l">
+      <a:lvl6pPr marR="0" lvl="5" algn="l" rtl="0">
         <a:lnSpc>
           <a:spcPct val="100000"/>
         </a:lnSpc>
@@ -9868,7 +9838,7 @@
           <a:srgbClr val="000000"/>
         </a:buClr>
         <a:buFont typeface="Arial"/>
-        <a:defRPr b="0" i="0" sz="1400" u="none" cap="none" strike="noStrike">
+        <a:defRPr sz="1400" b="0" i="0" u="none" strike="noStrike" cap="none">
           <a:solidFill>
             <a:srgbClr val="000000"/>
           </a:solidFill>
@@ -9878,7 +9848,7 @@
           <a:sym typeface="Arial"/>
         </a:defRPr>
       </a:lvl6pPr>
-      <a:lvl7pPr lvl="6" marR="0" rtl="0" algn="l">
+      <a:lvl7pPr marR="0" lvl="6" algn="l" rtl="0">
         <a:lnSpc>
           <a:spcPct val="100000"/>
         </a:lnSpc>
@@ -9892,7 +9862,7 @@
           <a:srgbClr val="000000"/>
         </a:buClr>
         <a:buFont typeface="Arial"/>
-        <a:defRPr b="0" i="0" sz="1400" u="none" cap="none" strike="noStrike">
+        <a:defRPr sz="1400" b="0" i="0" u="none" strike="noStrike" cap="none">
           <a:solidFill>
             <a:srgbClr val="000000"/>
           </a:solidFill>
@@ -9902,7 +9872,7 @@
           <a:sym typeface="Arial"/>
         </a:defRPr>
       </a:lvl7pPr>
-      <a:lvl8pPr lvl="7" marR="0" rtl="0" algn="l">
+      <a:lvl8pPr marR="0" lvl="7" algn="l" rtl="0">
         <a:lnSpc>
           <a:spcPct val="100000"/>
         </a:lnSpc>
@@ -9916,7 +9886,7 @@
           <a:srgbClr val="000000"/>
         </a:buClr>
         <a:buFont typeface="Arial"/>
-        <a:defRPr b="0" i="0" sz="1400" u="none" cap="none" strike="noStrike">
+        <a:defRPr sz="1400" b="0" i="0" u="none" strike="noStrike" cap="none">
           <a:solidFill>
             <a:srgbClr val="000000"/>
           </a:solidFill>
@@ -9926,7 +9896,7 @@
           <a:sym typeface="Arial"/>
         </a:defRPr>
       </a:lvl8pPr>
-      <a:lvl9pPr lvl="8" marR="0" rtl="0" algn="l">
+      <a:lvl9pPr marR="0" lvl="8" algn="l" rtl="0">
         <a:lnSpc>
           <a:spcPct val="100000"/>
         </a:lnSpc>
@@ -9940,7 +9910,7 @@
           <a:srgbClr val="000000"/>
         </a:buClr>
         <a:buFont typeface="Arial"/>
-        <a:defRPr b="0" i="0" sz="1400" u="none" cap="none" strike="noStrike">
+        <a:defRPr sz="1400" b="0" i="0" u="none" strike="noStrike" cap="none">
           <a:solidFill>
             <a:srgbClr val="000000"/>
           </a:solidFill>
@@ -9952,7 +9922,7 @@
       </a:lvl9pPr>
     </p:bodyStyle>
     <p:otherStyle>
-      <a:defPPr lvl="0" marR="0" rtl="0" algn="l">
+      <a:defPPr marR="0" lvl="0" algn="l" rtl="0">
         <a:lnSpc>
           <a:spcPct val="100000"/>
         </a:lnSpc>
@@ -9963,7 +9933,7 @@
           <a:spcPts val="0"/>
         </a:spcAft>
       </a:defPPr>
-      <a:lvl1pPr lvl="0" marR="0" rtl="0" algn="l">
+      <a:lvl1pPr marR="0" lvl="0" algn="l" rtl="0">
         <a:lnSpc>
           <a:spcPct val="100000"/>
         </a:lnSpc>
@@ -9977,7 +9947,7 @@
           <a:srgbClr val="000000"/>
         </a:buClr>
         <a:buFont typeface="Arial"/>
-        <a:defRPr b="0" i="0" sz="1400" u="none" cap="none" strike="noStrike">
+        <a:defRPr sz="1400" b="0" i="0" u="none" strike="noStrike" cap="none">
           <a:solidFill>
             <a:srgbClr val="000000"/>
           </a:solidFill>
@@ -9987,7 +9957,7 @@
           <a:sym typeface="Arial"/>
         </a:defRPr>
       </a:lvl1pPr>
-      <a:lvl2pPr lvl="1" marR="0" rtl="0" algn="l">
+      <a:lvl2pPr marR="0" lvl="1" algn="l" rtl="0">
         <a:lnSpc>
           <a:spcPct val="100000"/>
         </a:lnSpc>
@@ -10001,7 +9971,7 @@
           <a:srgbClr val="000000"/>
         </a:buClr>
         <a:buFont typeface="Arial"/>
-        <a:defRPr b="0" i="0" sz="1400" u="none" cap="none" strike="noStrike">
+        <a:defRPr sz="1400" b="0" i="0" u="none" strike="noStrike" cap="none">
           <a:solidFill>
             <a:srgbClr val="000000"/>
           </a:solidFill>
@@ -10011,7 +9981,7 @@
           <a:sym typeface="Arial"/>
         </a:defRPr>
       </a:lvl2pPr>
-      <a:lvl3pPr lvl="2" marR="0" rtl="0" algn="l">
+      <a:lvl3pPr marR="0" lvl="2" algn="l" rtl="0">
         <a:lnSpc>
           <a:spcPct val="100000"/>
         </a:lnSpc>
@@ -10025,7 +9995,7 @@
           <a:srgbClr val="000000"/>
         </a:buClr>
         <a:buFont typeface="Arial"/>
-        <a:defRPr b="0" i="0" sz="1400" u="none" cap="none" strike="noStrike">
+        <a:defRPr sz="1400" b="0" i="0" u="none" strike="noStrike" cap="none">
           <a:solidFill>
             <a:srgbClr val="000000"/>
           </a:solidFill>
@@ -10035,7 +10005,7 @@
           <a:sym typeface="Arial"/>
         </a:defRPr>
       </a:lvl3pPr>
-      <a:lvl4pPr lvl="3" marR="0" rtl="0" algn="l">
+      <a:lvl4pPr marR="0" lvl="3" algn="l" rtl="0">
         <a:lnSpc>
           <a:spcPct val="100000"/>
         </a:lnSpc>
@@ -10049,7 +10019,7 @@
           <a:srgbClr val="000000"/>
         </a:buClr>
         <a:buFont typeface="Arial"/>
-        <a:defRPr b="0" i="0" sz="1400" u="none" cap="none" strike="noStrike">
+        <a:defRPr sz="1400" b="0" i="0" u="none" strike="noStrike" cap="none">
           <a:solidFill>
             <a:srgbClr val="000000"/>
           </a:solidFill>
@@ -10059,7 +10029,7 @@
           <a:sym typeface="Arial"/>
         </a:defRPr>
       </a:lvl4pPr>
-      <a:lvl5pPr lvl="4" marR="0" rtl="0" algn="l">
+      <a:lvl5pPr marR="0" lvl="4" algn="l" rtl="0">
         <a:lnSpc>
           <a:spcPct val="100000"/>
         </a:lnSpc>
@@ -10073,7 +10043,7 @@
           <a:srgbClr val="000000"/>
         </a:buClr>
         <a:buFont typeface="Arial"/>
-        <a:defRPr b="0" i="0" sz="1400" u="none" cap="none" strike="noStrike">
+        <a:defRPr sz="1400" b="0" i="0" u="none" strike="noStrike" cap="none">
           <a:solidFill>
             <a:srgbClr val="000000"/>
           </a:solidFill>
@@ -10083,7 +10053,7 @@
           <a:sym typeface="Arial"/>
         </a:defRPr>
       </a:lvl5pPr>
-      <a:lvl6pPr lvl="5" marR="0" rtl="0" algn="l">
+      <a:lvl6pPr marR="0" lvl="5" algn="l" rtl="0">
         <a:lnSpc>
           <a:spcPct val="100000"/>
         </a:lnSpc>
@@ -10097,7 +10067,7 @@
           <a:srgbClr val="000000"/>
         </a:buClr>
         <a:buFont typeface="Arial"/>
-        <a:defRPr b="0" i="0" sz="1400" u="none" cap="none" strike="noStrike">
+        <a:defRPr sz="1400" b="0" i="0" u="none" strike="noStrike" cap="none">
           <a:solidFill>
             <a:srgbClr val="000000"/>
           </a:solidFill>
@@ -10107,7 +10077,7 @@
           <a:sym typeface="Arial"/>
         </a:defRPr>
       </a:lvl6pPr>
-      <a:lvl7pPr lvl="6" marR="0" rtl="0" algn="l">
+      <a:lvl7pPr marR="0" lvl="6" algn="l" rtl="0">
         <a:lnSpc>
           <a:spcPct val="100000"/>
         </a:lnSpc>
@@ -10121,7 +10091,7 @@
           <a:srgbClr val="000000"/>
         </a:buClr>
         <a:buFont typeface="Arial"/>
-        <a:defRPr b="0" i="0" sz="1400" u="none" cap="none" strike="noStrike">
+        <a:defRPr sz="1400" b="0" i="0" u="none" strike="noStrike" cap="none">
           <a:solidFill>
             <a:srgbClr val="000000"/>
           </a:solidFill>
@@ -10131,7 +10101,7 @@
           <a:sym typeface="Arial"/>
         </a:defRPr>
       </a:lvl7pPr>
-      <a:lvl8pPr lvl="7" marR="0" rtl="0" algn="l">
+      <a:lvl8pPr marR="0" lvl="7" algn="l" rtl="0">
         <a:lnSpc>
           <a:spcPct val="100000"/>
         </a:lnSpc>
@@ -10145,7 +10115,7 @@
           <a:srgbClr val="000000"/>
         </a:buClr>
         <a:buFont typeface="Arial"/>
-        <a:defRPr b="0" i="0" sz="1400" u="none" cap="none" strike="noStrike">
+        <a:defRPr sz="1400" b="0" i="0" u="none" strike="noStrike" cap="none">
           <a:solidFill>
             <a:srgbClr val="000000"/>
           </a:solidFill>
@@ -10155,7 +10125,7 @@
           <a:sym typeface="Arial"/>
         </a:defRPr>
       </a:lvl8pPr>
-      <a:lvl9pPr lvl="8" marR="0" rtl="0" algn="l">
+      <a:lvl9pPr marR="0" lvl="8" algn="l" rtl="0">
         <a:lnSpc>
           <a:spcPct val="100000"/>
         </a:lnSpc>
@@ -10169,7 +10139,7 @@
           <a:srgbClr val="000000"/>
         </a:buClr>
         <a:buFont typeface="Arial"/>
-        <a:defRPr b="0" i="0" sz="1400" u="none" cap="none" strike="noStrike">
+        <a:defRPr sz="1400" b="0" i="0" u="none" strike="noStrike" cap="none">
           <a:solidFill>
             <a:srgbClr val="000000"/>
           </a:solidFill>
@@ -10185,11 +10155,11 @@
 </file>
 
 <file path=ppt/slides/slide1.xml><?xml version="1.0" encoding="utf-8"?>
-<p:sld xmlns:a="http://schemas.openxmlformats.org/drawingml/2006/main" xmlns:r="http://schemas.openxmlformats.org/officeDocument/2006/relationships" xmlns:mc="http://schemas.openxmlformats.org/markup-compatibility/2006" xmlns:mv="urn:schemas-microsoft-com:mac:vml" xmlns:p="http://schemas.openxmlformats.org/presentationml/2006/main" xmlns:c="http://schemas.openxmlformats.org/drawingml/2006/chart" xmlns:dgm="http://schemas.openxmlformats.org/drawingml/2006/diagram" xmlns:o="urn:schemas-microsoft-com:office:office" xmlns:v="urn:schemas-microsoft-com:vml" xmlns:pvml="urn:schemas-microsoft-com:office:powerpoint" xmlns:com="http://schemas.openxmlformats.org/drawingml/2006/compatibility" xmlns:p14="http://schemas.microsoft.com/office/powerpoint/2010/main" xmlns:p15="http://schemas.microsoft.com/office/powerpoint/2012/main" xmlns:ahyp="http://schemas.microsoft.com/office/drawing/2018/hyperlinkcolor">
+<p:sld xmlns:a="http://schemas.openxmlformats.org/drawingml/2006/main" xmlns:r="http://schemas.openxmlformats.org/officeDocument/2006/relationships" xmlns:p="http://schemas.openxmlformats.org/presentationml/2006/main">
   <p:cSld>
     <p:spTree>
       <p:nvGrpSpPr>
-        <p:cNvPr id="133" name="Shape 133"/>
+        <p:cNvPr id="1" name="Shape 133"/>
         <p:cNvGrpSpPr/>
         <p:nvPr/>
       </p:nvGrpSpPr>
@@ -10204,7 +10174,9 @@
       <p:sp>
         <p:nvSpPr>
           <p:cNvPr id="134" name="Google Shape;134;p13"/>
-          <p:cNvSpPr txBox="1"/>
+          <p:cNvSpPr txBox="1">
+            <a:spLocks noGrp="1"/>
+          </p:cNvSpPr>
           <p:nvPr>
             <p:ph type="ctrTitle"/>
           </p:nvPr>
@@ -10219,12 +10191,12 @@
           </a:prstGeom>
         </p:spPr>
         <p:txBody>
-          <a:bodyPr anchorCtr="0" anchor="t" bIns="91425" lIns="91425" spcFirstLastPara="1" rIns="91425" wrap="square" tIns="91425">
+          <a:bodyPr spcFirstLastPara="1" wrap="square" lIns="91425" tIns="91425" rIns="91425" bIns="91425" anchor="t" anchorCtr="0">
             <a:normAutofit/>
           </a:bodyPr>
           <a:lstStyle/>
           <a:p>
-            <a:pPr indent="0" lvl="0" marL="0" rtl="0" algn="ctr">
+            <a:pPr marL="0" lvl="0" indent="0" algn="ctr" rtl="0">
               <a:spcBef>
                 <a:spcPts val="0"/>
               </a:spcBef>
@@ -10244,9 +10216,11 @@
       <p:sp>
         <p:nvSpPr>
           <p:cNvPr id="135" name="Google Shape;135;p13"/>
-          <p:cNvSpPr txBox="1"/>
+          <p:cNvSpPr txBox="1">
+            <a:spLocks noGrp="1"/>
+          </p:cNvSpPr>
           <p:nvPr>
-            <p:ph idx="1" type="subTitle"/>
+            <p:ph type="subTitle" idx="1"/>
           </p:nvPr>
         </p:nvSpPr>
         <p:spPr>
@@ -10259,12 +10233,12 @@
           </a:prstGeom>
         </p:spPr>
         <p:txBody>
-          <a:bodyPr anchorCtr="0" anchor="t" bIns="91425" lIns="91425" spcFirstLastPara="1" rIns="91425" wrap="square" tIns="91425">
+          <a:bodyPr spcFirstLastPara="1" wrap="square" lIns="91425" tIns="91425" rIns="91425" bIns="91425" anchor="t" anchorCtr="0">
             <a:normAutofit/>
           </a:bodyPr>
           <a:lstStyle/>
           <a:p>
-            <a:pPr indent="0" lvl="0" marL="0" rtl="0" algn="ctr">
+            <a:pPr marL="0" lvl="0" indent="0" algn="ctr" rtl="0">
               <a:spcBef>
                 <a:spcPts val="0"/>
               </a:spcBef>
@@ -10289,15 +10263,7 @@
             </a:br>
             <a:r>
               <a:rPr lang="en" sz="2300"/>
-              <a:t>Shaan Kumar (19074015</a:t>
-            </a:r>
-            <a:r>
-              <a:rPr lang="en" sz="2300"/>
-              <a:t>, CSE - IDD Part-4</a:t>
-            </a:r>
-            <a:r>
-              <a:rPr lang="en" sz="2300"/>
-              <a:t>)</a:t>
+              <a:t>Shaan Kumar (19074015, CSE - IDD Part-4)</a:t>
             </a:r>
             <a:endParaRPr sz="2300"/>
           </a:p>
@@ -10312,11 +10278,11 @@
 </file>
 
 <file path=ppt/slides/slide10.xml><?xml version="1.0" encoding="utf-8"?>
-<p:sld xmlns:a="http://schemas.openxmlformats.org/drawingml/2006/main" xmlns:r="http://schemas.openxmlformats.org/officeDocument/2006/relationships" xmlns:mc="http://schemas.openxmlformats.org/markup-compatibility/2006" xmlns:mv="urn:schemas-microsoft-com:mac:vml" xmlns:p="http://schemas.openxmlformats.org/presentationml/2006/main" xmlns:c="http://schemas.openxmlformats.org/drawingml/2006/chart" xmlns:dgm="http://schemas.openxmlformats.org/drawingml/2006/diagram" xmlns:o="urn:schemas-microsoft-com:office:office" xmlns:v="urn:schemas-microsoft-com:vml" xmlns:pvml="urn:schemas-microsoft-com:office:powerpoint" xmlns:com="http://schemas.openxmlformats.org/drawingml/2006/compatibility" xmlns:p14="http://schemas.microsoft.com/office/powerpoint/2010/main" xmlns:p15="http://schemas.microsoft.com/office/powerpoint/2012/main" xmlns:ahyp="http://schemas.microsoft.com/office/drawing/2018/hyperlinkcolor">
+<p:sld xmlns:a="http://schemas.openxmlformats.org/drawingml/2006/main" xmlns:r="http://schemas.openxmlformats.org/officeDocument/2006/relationships" xmlns:p="http://schemas.openxmlformats.org/presentationml/2006/main">
   <p:cSld>
     <p:spTree>
       <p:nvGrpSpPr>
-        <p:cNvPr id="187" name="Shape 187"/>
+        <p:cNvPr id="1" name="Shape 187"/>
         <p:cNvGrpSpPr/>
         <p:nvPr/>
       </p:nvGrpSpPr>
@@ -10331,7 +10297,9 @@
       <p:sp>
         <p:nvSpPr>
           <p:cNvPr id="188" name="Google Shape;188;p22"/>
-          <p:cNvSpPr txBox="1"/>
+          <p:cNvSpPr txBox="1">
+            <a:spLocks noGrp="1"/>
+          </p:cNvSpPr>
           <p:nvPr>
             <p:ph type="title"/>
           </p:nvPr>
@@ -10346,12 +10314,12 @@
           </a:prstGeom>
         </p:spPr>
         <p:txBody>
-          <a:bodyPr anchorCtr="0" anchor="t" bIns="91425" lIns="91425" spcFirstLastPara="1" rIns="91425" wrap="square" tIns="91425">
+          <a:bodyPr spcFirstLastPara="1" wrap="square" lIns="91425" tIns="91425" rIns="91425" bIns="91425" anchor="t" anchorCtr="0">
             <a:normAutofit/>
           </a:bodyPr>
           <a:lstStyle/>
           <a:p>
-            <a:pPr indent="0" lvl="0" marL="0" rtl="0" algn="l">
+            <a:pPr marL="0" lvl="0" indent="0" algn="l" rtl="0">
               <a:spcBef>
                 <a:spcPts val="0"/>
               </a:spcBef>
@@ -10371,9 +10339,11 @@
       <p:sp>
         <p:nvSpPr>
           <p:cNvPr id="189" name="Google Shape;189;p22"/>
-          <p:cNvSpPr txBox="1"/>
+          <p:cNvSpPr txBox="1">
+            <a:spLocks noGrp="1"/>
+          </p:cNvSpPr>
           <p:nvPr>
-            <p:ph idx="1" type="body"/>
+            <p:ph type="body" idx="1"/>
           </p:nvPr>
         </p:nvSpPr>
         <p:spPr>
@@ -10386,12 +10356,12 @@
           </a:prstGeom>
         </p:spPr>
         <p:txBody>
-          <a:bodyPr anchorCtr="0" anchor="t" bIns="91425" lIns="91425" spcFirstLastPara="1" rIns="91425" wrap="square" tIns="91425">
+          <a:bodyPr spcFirstLastPara="1" wrap="square" lIns="91425" tIns="91425" rIns="91425" bIns="91425" anchor="t" anchorCtr="0">
             <a:normAutofit lnSpcReduction="10000"/>
           </a:bodyPr>
           <a:lstStyle/>
           <a:p>
-            <a:pPr indent="0" lvl="0" marL="0" rtl="0" algn="l">
+            <a:pPr marL="0" lvl="0" indent="0" algn="l" rtl="0">
               <a:spcBef>
                 <a:spcPts val="0"/>
               </a:spcBef>
@@ -10400,13 +10370,10 @@
               </a:spcAft>
               <a:buNone/>
             </a:pPr>
-            <a:r>
-              <a:t/>
-            </a:r>
             <a:endParaRPr/>
           </a:p>
           <a:p>
-            <a:pPr indent="0" lvl="0" marL="0" rtl="0" algn="l">
+            <a:pPr marL="0" lvl="0" indent="0" algn="l" rtl="0">
               <a:spcBef>
                 <a:spcPts val="1200"/>
               </a:spcBef>
@@ -10415,13 +10382,10 @@
               </a:spcAft>
               <a:buNone/>
             </a:pPr>
-            <a:r>
-              <a:t/>
-            </a:r>
             <a:endParaRPr/>
           </a:p>
           <a:p>
-            <a:pPr indent="0" lvl="0" marL="0" rtl="0" algn="l">
+            <a:pPr marL="0" lvl="0" indent="0" algn="l" rtl="0">
               <a:spcBef>
                 <a:spcPts val="1200"/>
               </a:spcBef>
@@ -10430,13 +10394,10 @@
               </a:spcAft>
               <a:buNone/>
             </a:pPr>
-            <a:r>
-              <a:t/>
-            </a:r>
             <a:endParaRPr/>
           </a:p>
           <a:p>
-            <a:pPr indent="0" lvl="0" marL="0" rtl="0" algn="l">
+            <a:pPr marL="0" lvl="0" indent="0" algn="l" rtl="0">
               <a:spcBef>
                 <a:spcPts val="1200"/>
               </a:spcBef>
@@ -10445,13 +10406,10 @@
               </a:spcAft>
               <a:buNone/>
             </a:pPr>
-            <a:r>
-              <a:t/>
-            </a:r>
             <a:endParaRPr/>
           </a:p>
           <a:p>
-            <a:pPr indent="0" lvl="0" marL="0" rtl="0" algn="l">
+            <a:pPr marL="0" lvl="0" indent="0" algn="l" rtl="0">
               <a:spcBef>
                 <a:spcPts val="1200"/>
               </a:spcBef>
@@ -10460,13 +10418,10 @@
               </a:spcAft>
               <a:buNone/>
             </a:pPr>
-            <a:r>
-              <a:t/>
-            </a:r>
             <a:endParaRPr/>
           </a:p>
           <a:p>
-            <a:pPr indent="0" lvl="0" marL="0" rtl="0" algn="l">
+            <a:pPr marL="0" lvl="0" indent="0" algn="l" rtl="0">
               <a:spcBef>
                 <a:spcPts val="1200"/>
               </a:spcBef>
@@ -10475,13 +10430,10 @@
               </a:spcAft>
               <a:buNone/>
             </a:pPr>
-            <a:r>
-              <a:t/>
-            </a:r>
             <a:endParaRPr/>
           </a:p>
           <a:p>
-            <a:pPr indent="0" lvl="0" marL="0" rtl="0" algn="l">
+            <a:pPr marL="0" lvl="0" indent="0" algn="l" rtl="0">
               <a:spcBef>
                 <a:spcPts val="1200"/>
               </a:spcBef>
@@ -10490,13 +10442,10 @@
               </a:spcAft>
               <a:buNone/>
             </a:pPr>
-            <a:r>
-              <a:t/>
-            </a:r>
             <a:endParaRPr/>
           </a:p>
           <a:p>
-            <a:pPr indent="457200" lvl="0" marL="1371600" rtl="0" algn="l">
+            <a:pPr marL="1371600" lvl="0" indent="457200" algn="l" rtl="0">
               <a:spcBef>
                 <a:spcPts val="1200"/>
               </a:spcBef>
@@ -10550,11 +10499,11 @@
 </file>
 
 <file path=ppt/slides/slide11.xml><?xml version="1.0" encoding="utf-8"?>
-<p:sld xmlns:a="http://schemas.openxmlformats.org/drawingml/2006/main" xmlns:r="http://schemas.openxmlformats.org/officeDocument/2006/relationships" xmlns:mc="http://schemas.openxmlformats.org/markup-compatibility/2006" xmlns:mv="urn:schemas-microsoft-com:mac:vml" xmlns:p="http://schemas.openxmlformats.org/presentationml/2006/main" xmlns:c="http://schemas.openxmlformats.org/drawingml/2006/chart" xmlns:dgm="http://schemas.openxmlformats.org/drawingml/2006/diagram" xmlns:o="urn:schemas-microsoft-com:office:office" xmlns:v="urn:schemas-microsoft-com:vml" xmlns:pvml="urn:schemas-microsoft-com:office:powerpoint" xmlns:com="http://schemas.openxmlformats.org/drawingml/2006/compatibility" xmlns:p14="http://schemas.microsoft.com/office/powerpoint/2010/main" xmlns:p15="http://schemas.microsoft.com/office/powerpoint/2012/main" xmlns:ahyp="http://schemas.microsoft.com/office/drawing/2018/hyperlinkcolor">
+<p:sld xmlns:a="http://schemas.openxmlformats.org/drawingml/2006/main" xmlns:r="http://schemas.openxmlformats.org/officeDocument/2006/relationships" xmlns:p="http://schemas.openxmlformats.org/presentationml/2006/main">
   <p:cSld>
     <p:spTree>
       <p:nvGrpSpPr>
-        <p:cNvPr id="194" name="Shape 194"/>
+        <p:cNvPr id="1" name="Shape 194"/>
         <p:cNvGrpSpPr/>
         <p:nvPr/>
       </p:nvGrpSpPr>
@@ -10569,7 +10518,9 @@
       <p:sp>
         <p:nvSpPr>
           <p:cNvPr id="195" name="Google Shape;195;p23"/>
-          <p:cNvSpPr txBox="1"/>
+          <p:cNvSpPr txBox="1">
+            <a:spLocks noGrp="1"/>
+          </p:cNvSpPr>
           <p:nvPr>
             <p:ph type="title"/>
           </p:nvPr>
@@ -10584,12 +10535,12 @@
           </a:prstGeom>
         </p:spPr>
         <p:txBody>
-          <a:bodyPr anchorCtr="0" anchor="t" bIns="91425" lIns="91425" spcFirstLastPara="1" rIns="91425" wrap="square" tIns="91425">
+          <a:bodyPr spcFirstLastPara="1" wrap="square" lIns="91425" tIns="91425" rIns="91425" bIns="91425" anchor="t" anchorCtr="0">
             <a:normAutofit/>
           </a:bodyPr>
           <a:lstStyle/>
           <a:p>
-            <a:pPr indent="0" lvl="0" marL="0" rtl="0" algn="l">
+            <a:pPr marL="0" lvl="0" indent="0" algn="l" rtl="0">
               <a:spcBef>
                 <a:spcPts val="0"/>
               </a:spcBef>
@@ -10609,9 +10560,11 @@
       <p:sp>
         <p:nvSpPr>
           <p:cNvPr id="196" name="Google Shape;196;p23"/>
-          <p:cNvSpPr txBox="1"/>
+          <p:cNvSpPr txBox="1">
+            <a:spLocks noGrp="1"/>
+          </p:cNvSpPr>
           <p:nvPr>
-            <p:ph idx="1" type="body"/>
+            <p:ph type="body" idx="1"/>
           </p:nvPr>
         </p:nvSpPr>
         <p:spPr>
@@ -10624,12 +10577,12 @@
           </a:prstGeom>
         </p:spPr>
         <p:txBody>
-          <a:bodyPr anchorCtr="0" anchor="t" bIns="91425" lIns="91425" spcFirstLastPara="1" rIns="91425" wrap="square" tIns="91425">
+          <a:bodyPr spcFirstLastPara="1" wrap="square" lIns="91425" tIns="91425" rIns="91425" bIns="91425" anchor="t" anchorCtr="0">
             <a:normAutofit lnSpcReduction="10000"/>
           </a:bodyPr>
           <a:lstStyle/>
           <a:p>
-            <a:pPr indent="0" lvl="0" marL="0" rtl="0" algn="l">
+            <a:pPr marL="0" lvl="0" indent="0" algn="l" rtl="0">
               <a:spcBef>
                 <a:spcPts val="0"/>
               </a:spcBef>
@@ -10638,13 +10591,10 @@
               </a:spcAft>
               <a:buNone/>
             </a:pPr>
-            <a:r>
-              <a:t/>
-            </a:r>
             <a:endParaRPr/>
           </a:p>
           <a:p>
-            <a:pPr indent="0" lvl="0" marL="0" rtl="0" algn="l">
+            <a:pPr marL="0" lvl="0" indent="0" algn="l" rtl="0">
               <a:spcBef>
                 <a:spcPts val="1200"/>
               </a:spcBef>
@@ -10653,13 +10603,10 @@
               </a:spcAft>
               <a:buNone/>
             </a:pPr>
-            <a:r>
-              <a:t/>
-            </a:r>
             <a:endParaRPr/>
           </a:p>
           <a:p>
-            <a:pPr indent="0" lvl="0" marL="0" rtl="0" algn="l">
+            <a:pPr marL="0" lvl="0" indent="0" algn="l" rtl="0">
               <a:spcBef>
                 <a:spcPts val="1200"/>
               </a:spcBef>
@@ -10668,13 +10615,10 @@
               </a:spcAft>
               <a:buNone/>
             </a:pPr>
-            <a:r>
-              <a:t/>
-            </a:r>
             <a:endParaRPr/>
           </a:p>
           <a:p>
-            <a:pPr indent="0" lvl="0" marL="0" rtl="0" algn="l">
+            <a:pPr marL="0" lvl="0" indent="0" algn="l" rtl="0">
               <a:spcBef>
                 <a:spcPts val="1200"/>
               </a:spcBef>
@@ -10683,13 +10627,10 @@
               </a:spcAft>
               <a:buNone/>
             </a:pPr>
-            <a:r>
-              <a:t/>
-            </a:r>
             <a:endParaRPr/>
           </a:p>
           <a:p>
-            <a:pPr indent="0" lvl="0" marL="0" rtl="0" algn="l">
+            <a:pPr marL="0" lvl="0" indent="0" algn="l" rtl="0">
               <a:spcBef>
                 <a:spcPts val="1200"/>
               </a:spcBef>
@@ -10698,13 +10639,10 @@
               </a:spcAft>
               <a:buNone/>
             </a:pPr>
-            <a:r>
-              <a:t/>
-            </a:r>
             <a:endParaRPr/>
           </a:p>
           <a:p>
-            <a:pPr indent="0" lvl="0" marL="0" rtl="0" algn="l">
+            <a:pPr marL="0" lvl="0" indent="0" algn="l" rtl="0">
               <a:spcBef>
                 <a:spcPts val="1200"/>
               </a:spcBef>
@@ -10713,13 +10651,10 @@
               </a:spcAft>
               <a:buNone/>
             </a:pPr>
-            <a:r>
-              <a:t/>
-            </a:r>
             <a:endParaRPr/>
           </a:p>
           <a:p>
-            <a:pPr indent="0" lvl="0" marL="0" rtl="0" algn="l">
+            <a:pPr marL="0" lvl="0" indent="0" algn="l" rtl="0">
               <a:spcBef>
                 <a:spcPts val="1200"/>
               </a:spcBef>
@@ -10728,13 +10663,10 @@
               </a:spcAft>
               <a:buNone/>
             </a:pPr>
-            <a:r>
-              <a:t/>
-            </a:r>
             <a:endParaRPr/>
           </a:p>
           <a:p>
-            <a:pPr indent="0" lvl="0" marL="0" rtl="0" algn="ctr">
+            <a:pPr marL="0" lvl="0" indent="0" algn="ctr" rtl="0">
               <a:spcBef>
                 <a:spcPts val="1200"/>
               </a:spcBef>
@@ -10761,7 +10693,7 @@
           <a:blip r:embed="rId3">
             <a:alphaModFix/>
           </a:blip>
-          <a:srcRect b="-2649" l="0" r="0" t="2649"/>
+          <a:srcRect t="2649" b="-2649"/>
           <a:stretch/>
         </p:blipFill>
         <p:spPr>
@@ -10787,11 +10719,11 @@
 </file>
 
 <file path=ppt/slides/slide12.xml><?xml version="1.0" encoding="utf-8"?>
-<p:sld xmlns:a="http://schemas.openxmlformats.org/drawingml/2006/main" xmlns:r="http://schemas.openxmlformats.org/officeDocument/2006/relationships" xmlns:mc="http://schemas.openxmlformats.org/markup-compatibility/2006" xmlns:mv="urn:schemas-microsoft-com:mac:vml" xmlns:p="http://schemas.openxmlformats.org/presentationml/2006/main" xmlns:c="http://schemas.openxmlformats.org/drawingml/2006/chart" xmlns:dgm="http://schemas.openxmlformats.org/drawingml/2006/diagram" xmlns:o="urn:schemas-microsoft-com:office:office" xmlns:v="urn:schemas-microsoft-com:vml" xmlns:pvml="urn:schemas-microsoft-com:office:powerpoint" xmlns:com="http://schemas.openxmlformats.org/drawingml/2006/compatibility" xmlns:p14="http://schemas.microsoft.com/office/powerpoint/2010/main" xmlns:p15="http://schemas.microsoft.com/office/powerpoint/2012/main" xmlns:ahyp="http://schemas.microsoft.com/office/drawing/2018/hyperlinkcolor">
+<p:sld xmlns:a="http://schemas.openxmlformats.org/drawingml/2006/main" xmlns:r="http://schemas.openxmlformats.org/officeDocument/2006/relationships" xmlns:p="http://schemas.openxmlformats.org/presentationml/2006/main">
   <p:cSld>
     <p:spTree>
       <p:nvGrpSpPr>
-        <p:cNvPr id="201" name="Shape 201"/>
+        <p:cNvPr id="1" name="Shape 201"/>
         <p:cNvGrpSpPr/>
         <p:nvPr/>
       </p:nvGrpSpPr>
@@ -10806,7 +10738,9 @@
       <p:sp>
         <p:nvSpPr>
           <p:cNvPr id="202" name="Google Shape;202;p24"/>
-          <p:cNvSpPr txBox="1"/>
+          <p:cNvSpPr txBox="1">
+            <a:spLocks noGrp="1"/>
+          </p:cNvSpPr>
           <p:nvPr>
             <p:ph type="title"/>
           </p:nvPr>
@@ -10821,12 +10755,12 @@
           </a:prstGeom>
         </p:spPr>
         <p:txBody>
-          <a:bodyPr anchorCtr="0" anchor="t" bIns="91425" lIns="91425" spcFirstLastPara="1" rIns="91425" wrap="square" tIns="91425">
+          <a:bodyPr spcFirstLastPara="1" wrap="square" lIns="91425" tIns="91425" rIns="91425" bIns="91425" anchor="t" anchorCtr="0">
             <a:normAutofit/>
           </a:bodyPr>
           <a:lstStyle/>
           <a:p>
-            <a:pPr indent="0" lvl="0" marL="0" rtl="0" algn="l">
+            <a:pPr marL="0" lvl="0" indent="0" algn="l" rtl="0">
               <a:spcBef>
                 <a:spcPts val="0"/>
               </a:spcBef>
@@ -10846,9 +10780,11 @@
       <p:sp>
         <p:nvSpPr>
           <p:cNvPr id="203" name="Google Shape;203;p24"/>
-          <p:cNvSpPr txBox="1"/>
+          <p:cNvSpPr txBox="1">
+            <a:spLocks noGrp="1"/>
+          </p:cNvSpPr>
           <p:nvPr>
-            <p:ph idx="1" type="body"/>
+            <p:ph type="body" idx="1"/>
           </p:nvPr>
         </p:nvSpPr>
         <p:spPr>
@@ -10861,12 +10797,12 @@
           </a:prstGeom>
         </p:spPr>
         <p:txBody>
-          <a:bodyPr anchorCtr="0" anchor="t" bIns="91425" lIns="91425" spcFirstLastPara="1" rIns="91425" wrap="square" tIns="91425">
+          <a:bodyPr spcFirstLastPara="1" wrap="square" lIns="91425" tIns="91425" rIns="91425" bIns="91425" anchor="t" anchorCtr="0">
             <a:normAutofit/>
           </a:bodyPr>
           <a:lstStyle/>
           <a:p>
-            <a:pPr indent="-311150" lvl="0" marL="457200" rtl="0" algn="l">
+            <a:pPr marL="457200" lvl="0" indent="-311150" algn="l" rtl="0">
               <a:spcBef>
                 <a:spcPts val="0"/>
               </a:spcBef>
@@ -10883,7 +10819,7 @@
             <a:endParaRPr/>
           </a:p>
           <a:p>
-            <a:pPr indent="-311150" lvl="0" marL="457200" rtl="0" algn="l">
+            <a:pPr marL="457200" lvl="0" indent="-311150" algn="l" rtl="0">
               <a:spcBef>
                 <a:spcPts val="0"/>
               </a:spcBef>
@@ -10895,15 +10831,7 @@
             </a:pPr>
             <a:r>
               <a:rPr lang="en"/>
-              <a:t>We have </a:t>
-            </a:r>
-            <a:r>
-              <a:rPr lang="en"/>
-              <a:t>successfully</a:t>
-            </a:r>
-            <a:r>
-              <a:rPr lang="en"/>
-              <a:t> solved the Snake Game problem using our Hybrid System as with a greater number of generations, the accuracy will keep on increasing.</a:t>
+              <a:t>We have successfully solved the Snake Game problem using our Hybrid System as with a greater number of generations, the accuracy will keep on increasing.</a:t>
             </a:r>
             <a:endParaRPr/>
           </a:p>
@@ -10918,11 +10846,11 @@
 </file>
 
 <file path=ppt/slides/slide13.xml><?xml version="1.0" encoding="utf-8"?>
-<p:sld xmlns:a="http://schemas.openxmlformats.org/drawingml/2006/main" xmlns:r="http://schemas.openxmlformats.org/officeDocument/2006/relationships" xmlns:mc="http://schemas.openxmlformats.org/markup-compatibility/2006" xmlns:mv="urn:schemas-microsoft-com:mac:vml" xmlns:p="http://schemas.openxmlformats.org/presentationml/2006/main" xmlns:c="http://schemas.openxmlformats.org/drawingml/2006/chart" xmlns:dgm="http://schemas.openxmlformats.org/drawingml/2006/diagram" xmlns:o="urn:schemas-microsoft-com:office:office" xmlns:v="urn:schemas-microsoft-com:vml" xmlns:pvml="urn:schemas-microsoft-com:office:powerpoint" xmlns:com="http://schemas.openxmlformats.org/drawingml/2006/compatibility" xmlns:p14="http://schemas.microsoft.com/office/powerpoint/2010/main" xmlns:p15="http://schemas.microsoft.com/office/powerpoint/2012/main" xmlns:ahyp="http://schemas.microsoft.com/office/drawing/2018/hyperlinkcolor">
+<p:sld xmlns:a="http://schemas.openxmlformats.org/drawingml/2006/main" xmlns:r="http://schemas.openxmlformats.org/officeDocument/2006/relationships" xmlns:p="http://schemas.openxmlformats.org/presentationml/2006/main">
   <p:cSld>
     <p:spTree>
       <p:nvGrpSpPr>
-        <p:cNvPr id="207" name="Shape 207"/>
+        <p:cNvPr id="1" name="Shape 207"/>
         <p:cNvGrpSpPr/>
         <p:nvPr/>
       </p:nvGrpSpPr>
@@ -10937,7 +10865,9 @@
       <p:sp>
         <p:nvSpPr>
           <p:cNvPr id="208" name="Google Shape;208;p25"/>
-          <p:cNvSpPr txBox="1"/>
+          <p:cNvSpPr txBox="1">
+            <a:spLocks noGrp="1"/>
+          </p:cNvSpPr>
           <p:nvPr>
             <p:ph type="title"/>
           </p:nvPr>
@@ -10952,12 +10882,12 @@
           </a:prstGeom>
         </p:spPr>
         <p:txBody>
-          <a:bodyPr anchorCtr="0" anchor="ctr" bIns="91425" lIns="91425" spcFirstLastPara="1" rIns="91425" wrap="square" tIns="91425">
+          <a:bodyPr spcFirstLastPara="1" wrap="square" lIns="91425" tIns="91425" rIns="91425" bIns="91425" anchor="ctr" anchorCtr="0">
             <a:normAutofit/>
           </a:bodyPr>
           <a:lstStyle/>
           <a:p>
-            <a:pPr indent="0" lvl="0" marL="0" rtl="0" algn="ctr">
+            <a:pPr marL="0" lvl="0" indent="0" algn="ctr" rtl="0">
               <a:spcBef>
                 <a:spcPts val="0"/>
               </a:spcBef>
@@ -10983,11 +10913,11 @@
 </file>
 
 <file path=ppt/slides/slide2.xml><?xml version="1.0" encoding="utf-8"?>
-<p:sld xmlns:a="http://schemas.openxmlformats.org/drawingml/2006/main" xmlns:r="http://schemas.openxmlformats.org/officeDocument/2006/relationships" xmlns:mc="http://schemas.openxmlformats.org/markup-compatibility/2006" xmlns:mv="urn:schemas-microsoft-com:mac:vml" xmlns:p="http://schemas.openxmlformats.org/presentationml/2006/main" xmlns:c="http://schemas.openxmlformats.org/drawingml/2006/chart" xmlns:dgm="http://schemas.openxmlformats.org/drawingml/2006/diagram" xmlns:o="urn:schemas-microsoft-com:office:office" xmlns:v="urn:schemas-microsoft-com:vml" xmlns:pvml="urn:schemas-microsoft-com:office:powerpoint" xmlns:com="http://schemas.openxmlformats.org/drawingml/2006/compatibility" xmlns:p14="http://schemas.microsoft.com/office/powerpoint/2010/main" xmlns:p15="http://schemas.microsoft.com/office/powerpoint/2012/main" xmlns:ahyp="http://schemas.microsoft.com/office/drawing/2018/hyperlinkcolor">
+<p:sld xmlns:a="http://schemas.openxmlformats.org/drawingml/2006/main" xmlns:r="http://schemas.openxmlformats.org/officeDocument/2006/relationships" xmlns:p="http://schemas.openxmlformats.org/presentationml/2006/main">
   <p:cSld>
     <p:spTree>
       <p:nvGrpSpPr>
-        <p:cNvPr id="139" name="Shape 139"/>
+        <p:cNvPr id="1" name="Shape 139"/>
         <p:cNvGrpSpPr/>
         <p:nvPr/>
       </p:nvGrpSpPr>
@@ -11002,9 +10932,11 @@
       <p:sp>
         <p:nvSpPr>
           <p:cNvPr id="140" name="Google Shape;140;p14"/>
-          <p:cNvSpPr txBox="1"/>
+          <p:cNvSpPr txBox="1">
+            <a:spLocks noGrp="1"/>
+          </p:cNvSpPr>
           <p:nvPr>
-            <p:ph idx="1" type="body"/>
+            <p:ph type="body" idx="1"/>
           </p:nvPr>
         </p:nvSpPr>
         <p:spPr>
@@ -11017,12 +10949,12 @@
           </a:prstGeom>
         </p:spPr>
         <p:txBody>
-          <a:bodyPr anchorCtr="0" anchor="t" bIns="91425" lIns="91425" spcFirstLastPara="1" rIns="91425" wrap="square" tIns="91425">
+          <a:bodyPr spcFirstLastPara="1" wrap="square" lIns="91425" tIns="91425" rIns="91425" bIns="91425" anchor="t" anchorCtr="0">
             <a:noAutofit/>
           </a:bodyPr>
           <a:lstStyle/>
           <a:p>
-            <a:pPr indent="-330200" lvl="0" marL="457200" rtl="0" algn="l">
+            <a:pPr marL="457200" lvl="0" indent="-330200" algn="l" rtl="0">
               <a:lnSpc>
                 <a:spcPct val="105000"/>
               </a:lnSpc>
@@ -11042,7 +10974,7 @@
             <a:endParaRPr sz="1600"/>
           </a:p>
           <a:p>
-            <a:pPr indent="-330200" lvl="0" marL="457200" rtl="0" algn="l">
+            <a:pPr marL="457200" lvl="0" indent="-330200" algn="l" rtl="0">
               <a:lnSpc>
                 <a:spcPct val="105000"/>
               </a:lnSpc>
@@ -11062,7 +10994,7 @@
             <a:endParaRPr sz="1600"/>
           </a:p>
           <a:p>
-            <a:pPr indent="-330200" lvl="0" marL="457200" rtl="0" algn="l">
+            <a:pPr marL="457200" lvl="0" indent="-330200" algn="l" rtl="0">
               <a:lnSpc>
                 <a:spcPct val="105000"/>
               </a:lnSpc>
@@ -11082,7 +11014,7 @@
             <a:endParaRPr sz="1600"/>
           </a:p>
           <a:p>
-            <a:pPr indent="-317500" lvl="1" marL="914400" rtl="0" algn="l">
+            <a:pPr marL="914400" lvl="1" indent="-317500" algn="l" rtl="0">
               <a:lnSpc>
                 <a:spcPct val="105000"/>
               </a:lnSpc>
@@ -11097,16 +11029,12 @@
             </a:pPr>
             <a:r>
               <a:rPr lang="en" sz="1400"/>
-              <a:t>The </a:t>
-            </a:r>
-            <a:r>
-              <a:rPr lang="en" sz="1400"/>
-              <a:t>player loses when the snake runs into the screen border, a trail, another obstacle, or itself. </a:t>
+              <a:t>The player loses when the snake runs into the screen border, a trail, another obstacle, or itself. </a:t>
             </a:r>
             <a:endParaRPr sz="1400"/>
           </a:p>
           <a:p>
-            <a:pPr indent="-317500" lvl="1" marL="914400" rtl="0" algn="l">
+            <a:pPr marL="914400" lvl="1" indent="-317500" algn="l" rtl="0">
               <a:lnSpc>
                 <a:spcPct val="105000"/>
               </a:lnSpc>
@@ -11126,7 +11054,7 @@
             <a:endParaRPr sz="1400"/>
           </a:p>
           <a:p>
-            <a:pPr indent="-317500" lvl="1" marL="914400" rtl="0" algn="l">
+            <a:pPr marL="914400" lvl="1" indent="-317500" algn="l" rtl="0">
               <a:lnSpc>
                 <a:spcPct val="105000"/>
               </a:lnSpc>
@@ -11150,7 +11078,9 @@
       <p:sp>
         <p:nvSpPr>
           <p:cNvPr id="141" name="Google Shape;141;p14"/>
-          <p:cNvSpPr txBox="1"/>
+          <p:cNvSpPr txBox="1">
+            <a:spLocks noGrp="1"/>
+          </p:cNvSpPr>
           <p:nvPr>
             <p:ph type="title"/>
           </p:nvPr>
@@ -11165,12 +11095,12 @@
           </a:prstGeom>
         </p:spPr>
         <p:txBody>
-          <a:bodyPr anchorCtr="0" anchor="t" bIns="91425" lIns="91425" spcFirstLastPara="1" rIns="91425" wrap="square" tIns="91425">
+          <a:bodyPr spcFirstLastPara="1" wrap="square" lIns="91425" tIns="91425" rIns="91425" bIns="91425" anchor="t" anchorCtr="0">
             <a:normAutofit/>
           </a:bodyPr>
           <a:lstStyle/>
           <a:p>
-            <a:pPr indent="0" lvl="0" marL="0" rtl="0" algn="l">
+            <a:pPr marL="0" lvl="0" indent="0" algn="l" rtl="0">
               <a:spcBef>
                 <a:spcPts val="0"/>
               </a:spcBef>
@@ -11196,11 +11126,11 @@
 </file>
 
 <file path=ppt/slides/slide3.xml><?xml version="1.0" encoding="utf-8"?>
-<p:sld xmlns:a="http://schemas.openxmlformats.org/drawingml/2006/main" xmlns:r="http://schemas.openxmlformats.org/officeDocument/2006/relationships" xmlns:mc="http://schemas.openxmlformats.org/markup-compatibility/2006" xmlns:mv="urn:schemas-microsoft-com:mac:vml" xmlns:p="http://schemas.openxmlformats.org/presentationml/2006/main" xmlns:c="http://schemas.openxmlformats.org/drawingml/2006/chart" xmlns:dgm="http://schemas.openxmlformats.org/drawingml/2006/diagram" xmlns:o="urn:schemas-microsoft-com:office:office" xmlns:v="urn:schemas-microsoft-com:vml" xmlns:pvml="urn:schemas-microsoft-com:office:powerpoint" xmlns:com="http://schemas.openxmlformats.org/drawingml/2006/compatibility" xmlns:p14="http://schemas.microsoft.com/office/powerpoint/2010/main" xmlns:p15="http://schemas.microsoft.com/office/powerpoint/2012/main" xmlns:ahyp="http://schemas.microsoft.com/office/drawing/2018/hyperlinkcolor">
+<p:sld xmlns:a="http://schemas.openxmlformats.org/drawingml/2006/main" xmlns:r="http://schemas.openxmlformats.org/officeDocument/2006/relationships" xmlns:p="http://schemas.openxmlformats.org/presentationml/2006/main">
   <p:cSld>
     <p:spTree>
       <p:nvGrpSpPr>
-        <p:cNvPr id="145" name="Shape 145"/>
+        <p:cNvPr id="1" name="Shape 145"/>
         <p:cNvGrpSpPr/>
         <p:nvPr/>
       </p:nvGrpSpPr>
@@ -11215,7 +11145,9 @@
       <p:sp>
         <p:nvSpPr>
           <p:cNvPr id="146" name="Google Shape;146;p15"/>
-          <p:cNvSpPr txBox="1"/>
+          <p:cNvSpPr txBox="1">
+            <a:spLocks noGrp="1"/>
+          </p:cNvSpPr>
           <p:nvPr>
             <p:ph type="title"/>
           </p:nvPr>
@@ -11230,12 +11162,12 @@
           </a:prstGeom>
         </p:spPr>
         <p:txBody>
-          <a:bodyPr anchorCtr="0" anchor="t" bIns="91425" lIns="91425" spcFirstLastPara="1" rIns="91425" wrap="square" tIns="91425">
+          <a:bodyPr spcFirstLastPara="1" wrap="square" lIns="91425" tIns="91425" rIns="91425" bIns="91425" anchor="t" anchorCtr="0">
             <a:normAutofit/>
           </a:bodyPr>
           <a:lstStyle/>
           <a:p>
-            <a:pPr indent="0" lvl="0" marL="0" rtl="0" algn="l">
+            <a:pPr marL="0" lvl="0" indent="0" algn="l" rtl="0">
               <a:spcBef>
                 <a:spcPts val="0"/>
               </a:spcBef>
@@ -11255,9 +11187,11 @@
       <p:sp>
         <p:nvSpPr>
           <p:cNvPr id="147" name="Google Shape;147;p15"/>
-          <p:cNvSpPr txBox="1"/>
+          <p:cNvSpPr txBox="1">
+            <a:spLocks noGrp="1"/>
+          </p:cNvSpPr>
           <p:nvPr>
-            <p:ph idx="1" type="body"/>
+            <p:ph type="body" idx="1"/>
           </p:nvPr>
         </p:nvSpPr>
         <p:spPr>
@@ -11270,12 +11204,12 @@
           </a:prstGeom>
         </p:spPr>
         <p:txBody>
-          <a:bodyPr anchorCtr="0" anchor="t" bIns="91425" lIns="91425" spcFirstLastPara="1" rIns="91425" wrap="square" tIns="91425">
+          <a:bodyPr spcFirstLastPara="1" wrap="square" lIns="91425" tIns="91425" rIns="91425" bIns="91425" anchor="t" anchorCtr="0">
             <a:normAutofit/>
           </a:bodyPr>
           <a:lstStyle/>
           <a:p>
-            <a:pPr indent="-311150" lvl="0" marL="457200" rtl="0" algn="l">
+            <a:pPr marL="457200" lvl="0" indent="-311150" algn="l" rtl="0">
               <a:spcBef>
                 <a:spcPts val="0"/>
               </a:spcBef>
@@ -11287,16 +11221,12 @@
             </a:pPr>
             <a:r>
               <a:rPr lang="en" sz="1600"/>
-              <a:t>Making </a:t>
-            </a:r>
-            <a:r>
-              <a:rPr lang="en" sz="1600"/>
-              <a:t>a Neuro Genetic Hybrid System for creating a self learning snake game.</a:t>
+              <a:t>Making a Neuro Genetic Hybrid System for creating a self learning snake game.</a:t>
             </a:r>
             <a:endParaRPr sz="1600"/>
           </a:p>
           <a:p>
-            <a:pPr indent="-330200" lvl="0" marL="457200" rtl="0" algn="l">
+            <a:pPr marL="457200" lvl="0" indent="-330200" algn="l" rtl="0">
               <a:spcBef>
                 <a:spcPts val="0"/>
               </a:spcBef>
@@ -11311,7 +11241,7 @@
               <a:t>Using </a:t>
             </a:r>
             <a:r>
-              <a:rPr b="1" lang="en" sz="1600"/>
+              <a:rPr lang="en" sz="1600" b="1"/>
               <a:t>Genetic algorithm</a:t>
             </a:r>
             <a:r>
@@ -11321,7 +11251,7 @@
             <a:endParaRPr sz="1600"/>
           </a:p>
           <a:p>
-            <a:pPr indent="-330200" lvl="0" marL="457200" rtl="0" algn="l">
+            <a:pPr marL="457200" lvl="0" indent="-330200" algn="l" rtl="0">
               <a:spcBef>
                 <a:spcPts val="0"/>
               </a:spcBef>
@@ -11336,7 +11266,7 @@
               <a:t>Deciding the movement of the snake in the game using </a:t>
             </a:r>
             <a:r>
-              <a:rPr b="1" lang="en" sz="1600"/>
+              <a:rPr lang="en" sz="1600" b="1"/>
               <a:t>Feed-forward neural network</a:t>
             </a:r>
             <a:r>
@@ -11356,11 +11286,11 @@
 </file>
 
 <file path=ppt/slides/slide4.xml><?xml version="1.0" encoding="utf-8"?>
-<p:sld xmlns:a="http://schemas.openxmlformats.org/drawingml/2006/main" xmlns:r="http://schemas.openxmlformats.org/officeDocument/2006/relationships" xmlns:mc="http://schemas.openxmlformats.org/markup-compatibility/2006" xmlns:mv="urn:schemas-microsoft-com:mac:vml" xmlns:p="http://schemas.openxmlformats.org/presentationml/2006/main" xmlns:c="http://schemas.openxmlformats.org/drawingml/2006/chart" xmlns:dgm="http://schemas.openxmlformats.org/drawingml/2006/diagram" xmlns:o="urn:schemas-microsoft-com:office:office" xmlns:v="urn:schemas-microsoft-com:vml" xmlns:pvml="urn:schemas-microsoft-com:office:powerpoint" xmlns:com="http://schemas.openxmlformats.org/drawingml/2006/compatibility" xmlns:p14="http://schemas.microsoft.com/office/powerpoint/2010/main" xmlns:p15="http://schemas.microsoft.com/office/powerpoint/2012/main" xmlns:ahyp="http://schemas.microsoft.com/office/drawing/2018/hyperlinkcolor">
+<p:sld xmlns:a="http://schemas.openxmlformats.org/drawingml/2006/main" xmlns:r="http://schemas.openxmlformats.org/officeDocument/2006/relationships" xmlns:p="http://schemas.openxmlformats.org/presentationml/2006/main">
   <p:cSld>
     <p:spTree>
       <p:nvGrpSpPr>
-        <p:cNvPr id="151" name="Shape 151"/>
+        <p:cNvPr id="1" name="Shape 151"/>
         <p:cNvGrpSpPr/>
         <p:nvPr/>
       </p:nvGrpSpPr>
@@ -11375,7 +11305,9 @@
       <p:sp>
         <p:nvSpPr>
           <p:cNvPr id="152" name="Google Shape;152;p16"/>
-          <p:cNvSpPr txBox="1"/>
+          <p:cNvSpPr txBox="1">
+            <a:spLocks noGrp="1"/>
+          </p:cNvSpPr>
           <p:nvPr>
             <p:ph type="title"/>
           </p:nvPr>
@@ -11390,12 +11322,12 @@
           </a:prstGeom>
         </p:spPr>
         <p:txBody>
-          <a:bodyPr anchorCtr="0" anchor="t" bIns="91425" lIns="91425" spcFirstLastPara="1" rIns="91425" wrap="square" tIns="91425">
+          <a:bodyPr spcFirstLastPara="1" wrap="square" lIns="91425" tIns="91425" rIns="91425" bIns="91425" anchor="t" anchorCtr="0">
             <a:normAutofit/>
           </a:bodyPr>
           <a:lstStyle/>
           <a:p>
-            <a:pPr indent="0" lvl="0" marL="0" rtl="0" algn="l">
+            <a:pPr marL="0" lvl="0" indent="0" algn="l" rtl="0">
               <a:spcBef>
                 <a:spcPts val="0"/>
               </a:spcBef>
@@ -11415,9 +11347,11 @@
       <p:sp>
         <p:nvSpPr>
           <p:cNvPr id="153" name="Google Shape;153;p16"/>
-          <p:cNvSpPr txBox="1"/>
+          <p:cNvSpPr txBox="1">
+            <a:spLocks noGrp="1"/>
+          </p:cNvSpPr>
           <p:nvPr>
-            <p:ph idx="1" type="body"/>
+            <p:ph type="body" idx="1"/>
           </p:nvPr>
         </p:nvSpPr>
         <p:spPr>
@@ -11430,12 +11364,12 @@
           </a:prstGeom>
         </p:spPr>
         <p:txBody>
-          <a:bodyPr anchorCtr="0" anchor="t" bIns="91425" lIns="91425" spcFirstLastPara="1" rIns="91425" wrap="square" tIns="91425">
+          <a:bodyPr spcFirstLastPara="1" wrap="square" lIns="91425" tIns="91425" rIns="91425" bIns="91425" anchor="t" anchorCtr="0">
             <a:normAutofit/>
           </a:bodyPr>
           <a:lstStyle/>
           <a:p>
-            <a:pPr indent="-330200" lvl="0" marL="457200" rtl="0" algn="l">
+            <a:pPr marL="457200" lvl="0" indent="-330200" algn="l" rtl="0">
               <a:spcBef>
                 <a:spcPts val="0"/>
               </a:spcBef>
@@ -11452,7 +11386,7 @@
             <a:endParaRPr sz="1600"/>
           </a:p>
           <a:p>
-            <a:pPr indent="-330200" lvl="0" marL="457200" rtl="0" algn="l">
+            <a:pPr marL="457200" lvl="0" indent="-330200" algn="l" rtl="0">
               <a:spcBef>
                 <a:spcPts val="0"/>
               </a:spcBef>
@@ -11469,7 +11403,7 @@
             <a:endParaRPr sz="1600"/>
           </a:p>
           <a:p>
-            <a:pPr indent="-317500" lvl="1" marL="914400" rtl="0" algn="l">
+            <a:pPr marL="914400" lvl="1" indent="-317500" algn="l" rtl="0">
               <a:lnSpc>
                 <a:spcPct val="135714"/>
               </a:lnSpc>
@@ -11505,7 +11439,7 @@
             </a:endParaRPr>
           </a:p>
           <a:p>
-            <a:pPr indent="-317500" lvl="1" marL="914400" rtl="0" algn="l">
+            <a:pPr marL="914400" lvl="1" indent="-317500" algn="l" rtl="0">
               <a:lnSpc>
                 <a:spcPct val="135714"/>
               </a:lnSpc>
@@ -11528,31 +11462,7 @@
                 <a:cs typeface="Courier New"/>
                 <a:sym typeface="Courier New"/>
               </a:rPr>
-              <a:t>Random - used for generating random values (in </a:t>
-            </a:r>
-            <a:r>
-              <a:rPr lang="en" sz="1400">
-                <a:highlight>
-                  <a:schemeClr val="dk1"/>
-                </a:highlight>
-                <a:latin typeface="Courier New"/>
-                <a:ea typeface="Courier New"/>
-                <a:cs typeface="Courier New"/>
-                <a:sym typeface="Courier New"/>
-              </a:rPr>
-              <a:t>genetic</a:t>
-            </a:r>
-            <a:r>
-              <a:rPr lang="en" sz="1400">
-                <a:highlight>
-                  <a:schemeClr val="dk1"/>
-                </a:highlight>
-                <a:latin typeface="Courier New"/>
-                <a:ea typeface="Courier New"/>
-                <a:cs typeface="Courier New"/>
-                <a:sym typeface="Courier New"/>
-              </a:rPr>
-              <a:t> algorithm)</a:t>
+              <a:t>Random - used for generating random values (in genetic algorithm)</a:t>
             </a:r>
             <a:endParaRPr sz="1400">
               <a:highlight>
@@ -11565,7 +11475,7 @@
             </a:endParaRPr>
           </a:p>
           <a:p>
-            <a:pPr indent="-317500" lvl="1" marL="914400" rtl="0" algn="l">
+            <a:pPr marL="914400" lvl="1" indent="-317500" algn="l" rtl="0">
               <a:lnSpc>
                 <a:spcPct val="135714"/>
               </a:lnSpc>
@@ -11601,7 +11511,7 @@
             </a:endParaRPr>
           </a:p>
           <a:p>
-            <a:pPr indent="-317500" lvl="1" marL="914400" rtl="0" algn="l">
+            <a:pPr marL="914400" lvl="1" indent="-317500" algn="l" rtl="0">
               <a:lnSpc>
                 <a:spcPct val="135714"/>
               </a:lnSpc>
@@ -11637,7 +11547,7 @@
             </a:endParaRPr>
           </a:p>
           <a:p>
-            <a:pPr indent="-317500" lvl="1" marL="914400" rtl="0" algn="l">
+            <a:pPr marL="914400" lvl="1" indent="-317500" algn="l" rtl="0">
               <a:lnSpc>
                 <a:spcPct val="135714"/>
               </a:lnSpc>
@@ -11660,19 +11570,7 @@
                 <a:cs typeface="Courier New"/>
                 <a:sym typeface="Courier New"/>
               </a:rPr>
-              <a:t>m</a:t>
-            </a:r>
-            <a:r>
-              <a:rPr lang="en" sz="1400">
-                <a:highlight>
-                  <a:schemeClr val="dk1"/>
-                </a:highlight>
-                <a:latin typeface="Courier New"/>
-                <a:ea typeface="Courier New"/>
-                <a:cs typeface="Courier New"/>
-                <a:sym typeface="Courier New"/>
-              </a:rPr>
-              <a:t>atplotlib - used for plotting of graphs</a:t>
+              <a:t>matplotlib - used for plotting of graphs</a:t>
             </a:r>
             <a:endParaRPr sz="1400">
               <a:highlight>
@@ -11695,11 +11593,11 @@
 </file>
 
 <file path=ppt/slides/slide5.xml><?xml version="1.0" encoding="utf-8"?>
-<p:sld xmlns:a="http://schemas.openxmlformats.org/drawingml/2006/main" xmlns:r="http://schemas.openxmlformats.org/officeDocument/2006/relationships" xmlns:mc="http://schemas.openxmlformats.org/markup-compatibility/2006" xmlns:mv="urn:schemas-microsoft-com:mac:vml" xmlns:p="http://schemas.openxmlformats.org/presentationml/2006/main" xmlns:c="http://schemas.openxmlformats.org/drawingml/2006/chart" xmlns:dgm="http://schemas.openxmlformats.org/drawingml/2006/diagram" xmlns:o="urn:schemas-microsoft-com:office:office" xmlns:v="urn:schemas-microsoft-com:vml" xmlns:pvml="urn:schemas-microsoft-com:office:powerpoint" xmlns:com="http://schemas.openxmlformats.org/drawingml/2006/compatibility" xmlns:p14="http://schemas.microsoft.com/office/powerpoint/2010/main" xmlns:p15="http://schemas.microsoft.com/office/powerpoint/2012/main" xmlns:ahyp="http://schemas.microsoft.com/office/drawing/2018/hyperlinkcolor">
+<p:sld xmlns:a="http://schemas.openxmlformats.org/drawingml/2006/main" xmlns:r="http://schemas.openxmlformats.org/officeDocument/2006/relationships" xmlns:p="http://schemas.openxmlformats.org/presentationml/2006/main">
   <p:cSld>
     <p:spTree>
       <p:nvGrpSpPr>
-        <p:cNvPr id="157" name="Shape 157"/>
+        <p:cNvPr id="1" name="Shape 163"/>
         <p:cNvGrpSpPr/>
         <p:nvPr/>
       </p:nvGrpSpPr>
@@ -11713,8 +11611,10 @@
       </p:grpSpPr>
       <p:sp>
         <p:nvSpPr>
-          <p:cNvPr id="158" name="Google Shape;158;p17"/>
-          <p:cNvSpPr txBox="1"/>
+          <p:cNvPr id="164" name="Google Shape;164;p18"/>
+          <p:cNvSpPr txBox="1">
+            <a:spLocks noGrp="1"/>
+          </p:cNvSpPr>
           <p:nvPr>
             <p:ph type="title"/>
           </p:nvPr>
@@ -11729,12 +11629,12 @@
           </a:prstGeom>
         </p:spPr>
         <p:txBody>
-          <a:bodyPr anchorCtr="0" anchor="t" bIns="91425" lIns="91425" spcFirstLastPara="1" rIns="91425" wrap="square" tIns="91425">
+          <a:bodyPr spcFirstLastPara="1" wrap="square" lIns="91425" tIns="91425" rIns="91425" bIns="91425" anchor="t" anchorCtr="0">
             <a:normAutofit/>
           </a:bodyPr>
           <a:lstStyle/>
           <a:p>
-            <a:pPr indent="0" lvl="0" marL="0" rtl="0" algn="l">
+            <a:pPr marL="0" lvl="0" indent="0" algn="l" rtl="0">
               <a:spcBef>
                 <a:spcPts val="0"/>
               </a:spcBef>
@@ -11745,7 +11645,7 @@
             </a:pPr>
             <a:r>
               <a:rPr lang="en" sz="2700"/>
-              <a:t>Algorithms Used</a:t>
+              <a:t>Motivation</a:t>
             </a:r>
             <a:endParaRPr sz="2700"/>
           </a:p>
@@ -11753,10 +11653,12 @@
       </p:sp>
       <p:sp>
         <p:nvSpPr>
-          <p:cNvPr id="159" name="Google Shape;159;p17"/>
-          <p:cNvSpPr txBox="1"/>
+          <p:cNvPr id="165" name="Google Shape;165;p18"/>
+          <p:cNvSpPr txBox="1">
+            <a:spLocks noGrp="1"/>
+          </p:cNvSpPr>
           <p:nvPr>
-            <p:ph idx="1" type="body"/>
+            <p:ph type="body" idx="1"/>
           </p:nvPr>
         </p:nvSpPr>
         <p:spPr>
@@ -11769,160 +11671,12 @@
           </a:prstGeom>
         </p:spPr>
         <p:txBody>
-          <a:bodyPr anchorCtr="0" anchor="t" bIns="91425" lIns="91425" spcFirstLastPara="1" rIns="91425" wrap="square" tIns="91425">
+          <a:bodyPr spcFirstLastPara="1" wrap="square" lIns="91425" tIns="91425" rIns="91425" bIns="91425" anchor="t" anchorCtr="0">
             <a:normAutofit/>
           </a:bodyPr>
           <a:lstStyle/>
           <a:p>
-            <a:pPr indent="-330200" lvl="0" marL="457200" rtl="0" algn="l">
-              <a:spcBef>
-                <a:spcPts val="0"/>
-              </a:spcBef>
-              <a:spcAft>
-                <a:spcPts val="0"/>
-              </a:spcAft>
-              <a:buSzPts val="1600"/>
-              <a:buChar char="❖"/>
-            </a:pPr>
-            <a:r>
-              <a:rPr lang="en" sz="1600"/>
-              <a:t>We are using a </a:t>
-            </a:r>
-            <a:r>
-              <a:rPr b="1" lang="en" sz="1600"/>
-              <a:t>Neuro Genetic Hybrid System</a:t>
-            </a:r>
-            <a:r>
-              <a:rPr lang="en" sz="1600"/>
-              <a:t> and hence the systems used are:</a:t>
-            </a:r>
-            <a:endParaRPr sz="1600"/>
-          </a:p>
-          <a:p>
-            <a:pPr indent="-317500" lvl="1" marL="914400" rtl="0" algn="l">
-              <a:spcBef>
-                <a:spcPts val="0"/>
-              </a:spcBef>
-              <a:spcAft>
-                <a:spcPts val="0"/>
-              </a:spcAft>
-              <a:buSzPts val="1400"/>
-              <a:buChar char="➢"/>
-            </a:pPr>
-            <a:r>
-              <a:rPr b="1" lang="en" sz="1400"/>
-              <a:t>Genetic Algorithm</a:t>
-            </a:r>
-            <a:endParaRPr b="1" sz="1400"/>
-          </a:p>
-          <a:p>
-            <a:pPr indent="-317500" lvl="1" marL="914400" rtl="0" algn="l">
-              <a:spcBef>
-                <a:spcPts val="0"/>
-              </a:spcBef>
-              <a:spcAft>
-                <a:spcPts val="0"/>
-              </a:spcAft>
-              <a:buSzPts val="1400"/>
-              <a:buChar char="➢"/>
-            </a:pPr>
-            <a:r>
-              <a:rPr b="1" lang="en" sz="1400"/>
-              <a:t>Feed-Forward Neural Network</a:t>
-            </a:r>
-            <a:endParaRPr b="1" sz="1400"/>
-          </a:p>
-        </p:txBody>
-      </p:sp>
-    </p:spTree>
-  </p:cSld>
-  <p:clrMapOvr>
-    <a:masterClrMapping/>
-  </p:clrMapOvr>
-</p:sld>
-</file>
-
-<file path=ppt/slides/slide6.xml><?xml version="1.0" encoding="utf-8"?>
-<p:sld xmlns:a="http://schemas.openxmlformats.org/drawingml/2006/main" xmlns:r="http://schemas.openxmlformats.org/officeDocument/2006/relationships" xmlns:mc="http://schemas.openxmlformats.org/markup-compatibility/2006" xmlns:mv="urn:schemas-microsoft-com:mac:vml" xmlns:p="http://schemas.openxmlformats.org/presentationml/2006/main" xmlns:c="http://schemas.openxmlformats.org/drawingml/2006/chart" xmlns:dgm="http://schemas.openxmlformats.org/drawingml/2006/diagram" xmlns:o="urn:schemas-microsoft-com:office:office" xmlns:v="urn:schemas-microsoft-com:vml" xmlns:pvml="urn:schemas-microsoft-com:office:powerpoint" xmlns:com="http://schemas.openxmlformats.org/drawingml/2006/compatibility" xmlns:p14="http://schemas.microsoft.com/office/powerpoint/2010/main" xmlns:p15="http://schemas.microsoft.com/office/powerpoint/2012/main" xmlns:ahyp="http://schemas.microsoft.com/office/drawing/2018/hyperlinkcolor">
-  <p:cSld>
-    <p:spTree>
-      <p:nvGrpSpPr>
-        <p:cNvPr id="163" name="Shape 163"/>
-        <p:cNvGrpSpPr/>
-        <p:nvPr/>
-      </p:nvGrpSpPr>
-      <p:grpSpPr>
-        <a:xfrm>
-          <a:off x="0" y="0"/>
-          <a:ext cx="0" cy="0"/>
-          <a:chOff x="0" y="0"/>
-          <a:chExt cx="0" cy="0"/>
-        </a:xfrm>
-      </p:grpSpPr>
-      <p:sp>
-        <p:nvSpPr>
-          <p:cNvPr id="164" name="Google Shape;164;p18"/>
-          <p:cNvSpPr txBox="1"/>
-          <p:nvPr>
-            <p:ph type="title"/>
-          </p:nvPr>
-        </p:nvSpPr>
-        <p:spPr>
-          <a:xfrm>
-            <a:off x="1297500" y="393750"/>
-            <a:ext cx="7038900" cy="914100"/>
-          </a:xfrm>
-          <a:prstGeom prst="rect">
-            <a:avLst/>
-          </a:prstGeom>
-        </p:spPr>
-        <p:txBody>
-          <a:bodyPr anchorCtr="0" anchor="t" bIns="91425" lIns="91425" spcFirstLastPara="1" rIns="91425" wrap="square" tIns="91425">
-            <a:normAutofit/>
-          </a:bodyPr>
-          <a:lstStyle/>
-          <a:p>
-            <a:pPr indent="0" lvl="0" marL="0" rtl="0" algn="l">
-              <a:spcBef>
-                <a:spcPts val="0"/>
-              </a:spcBef>
-              <a:spcAft>
-                <a:spcPts val="0"/>
-              </a:spcAft>
-              <a:buNone/>
-            </a:pPr>
-            <a:r>
-              <a:rPr lang="en" sz="2700"/>
-              <a:t>Motivation</a:t>
-            </a:r>
-            <a:endParaRPr sz="2700"/>
-          </a:p>
-        </p:txBody>
-      </p:sp>
-      <p:sp>
-        <p:nvSpPr>
-          <p:cNvPr id="165" name="Google Shape;165;p18"/>
-          <p:cNvSpPr txBox="1"/>
-          <p:nvPr>
-            <p:ph idx="1" type="body"/>
-          </p:nvPr>
-        </p:nvSpPr>
-        <p:spPr>
-          <a:xfrm>
-            <a:off x="1297500" y="1567550"/>
-            <a:ext cx="7038900" cy="2911200"/>
-          </a:xfrm>
-          <a:prstGeom prst="rect">
-            <a:avLst/>
-          </a:prstGeom>
-        </p:spPr>
-        <p:txBody>
-          <a:bodyPr anchorCtr="0" anchor="t" bIns="91425" lIns="91425" spcFirstLastPara="1" rIns="91425" wrap="square" tIns="91425">
-            <a:normAutofit/>
-          </a:bodyPr>
-          <a:lstStyle/>
-          <a:p>
-            <a:pPr indent="-330200" lvl="0" marL="457200" rtl="0" algn="l">
+            <a:pPr marL="457200" lvl="0" indent="-330200" algn="l" rtl="0">
               <a:spcBef>
                 <a:spcPts val="0"/>
               </a:spcBef>
@@ -11939,7 +11693,7 @@
             <a:endParaRPr sz="1600"/>
           </a:p>
           <a:p>
-            <a:pPr indent="-330200" lvl="0" marL="457200" rtl="0" algn="l">
+            <a:pPr marL="457200" lvl="0" indent="-330200" algn="l" rtl="0">
               <a:spcBef>
                 <a:spcPts val="0"/>
               </a:spcBef>
@@ -11965,12 +11719,164 @@
 </p:sld>
 </file>
 
-<file path=ppt/slides/slide7.xml><?xml version="1.0" encoding="utf-8"?>
-<p:sld xmlns:a="http://schemas.openxmlformats.org/drawingml/2006/main" xmlns:r="http://schemas.openxmlformats.org/officeDocument/2006/relationships" xmlns:mc="http://schemas.openxmlformats.org/markup-compatibility/2006" xmlns:mv="urn:schemas-microsoft-com:mac:vml" xmlns:p="http://schemas.openxmlformats.org/presentationml/2006/main" xmlns:c="http://schemas.openxmlformats.org/drawingml/2006/chart" xmlns:dgm="http://schemas.openxmlformats.org/drawingml/2006/diagram" xmlns:o="urn:schemas-microsoft-com:office:office" xmlns:v="urn:schemas-microsoft-com:vml" xmlns:pvml="urn:schemas-microsoft-com:office:powerpoint" xmlns:com="http://schemas.openxmlformats.org/drawingml/2006/compatibility" xmlns:p14="http://schemas.microsoft.com/office/powerpoint/2010/main" xmlns:p15="http://schemas.microsoft.com/office/powerpoint/2012/main" xmlns:ahyp="http://schemas.microsoft.com/office/drawing/2018/hyperlinkcolor">
+<file path=ppt/slides/slide6.xml><?xml version="1.0" encoding="utf-8"?>
+<p:sld xmlns:a="http://schemas.openxmlformats.org/drawingml/2006/main" xmlns:r="http://schemas.openxmlformats.org/officeDocument/2006/relationships" xmlns:p="http://schemas.openxmlformats.org/presentationml/2006/main">
   <p:cSld>
     <p:spTree>
       <p:nvGrpSpPr>
-        <p:cNvPr id="169" name="Shape 169"/>
+        <p:cNvPr id="1" name="Shape 157"/>
+        <p:cNvGrpSpPr/>
+        <p:nvPr/>
+      </p:nvGrpSpPr>
+      <p:grpSpPr>
+        <a:xfrm>
+          <a:off x="0" y="0"/>
+          <a:ext cx="0" cy="0"/>
+          <a:chOff x="0" y="0"/>
+          <a:chExt cx="0" cy="0"/>
+        </a:xfrm>
+      </p:grpSpPr>
+      <p:sp>
+        <p:nvSpPr>
+          <p:cNvPr id="158" name="Google Shape;158;p17"/>
+          <p:cNvSpPr txBox="1">
+            <a:spLocks noGrp="1"/>
+          </p:cNvSpPr>
+          <p:nvPr>
+            <p:ph type="title"/>
+          </p:nvPr>
+        </p:nvSpPr>
+        <p:spPr>
+          <a:xfrm>
+            <a:off x="1297500" y="393750"/>
+            <a:ext cx="7038900" cy="914100"/>
+          </a:xfrm>
+          <a:prstGeom prst="rect">
+            <a:avLst/>
+          </a:prstGeom>
+        </p:spPr>
+        <p:txBody>
+          <a:bodyPr spcFirstLastPara="1" wrap="square" lIns="91425" tIns="91425" rIns="91425" bIns="91425" anchor="t" anchorCtr="0">
+            <a:normAutofit/>
+          </a:bodyPr>
+          <a:lstStyle/>
+          <a:p>
+            <a:pPr marL="0" lvl="0" indent="0" algn="l" rtl="0">
+              <a:spcBef>
+                <a:spcPts val="0"/>
+              </a:spcBef>
+              <a:spcAft>
+                <a:spcPts val="0"/>
+              </a:spcAft>
+              <a:buNone/>
+            </a:pPr>
+            <a:r>
+              <a:rPr lang="en" sz="2700"/>
+              <a:t>Algorithms Used</a:t>
+            </a:r>
+            <a:endParaRPr sz="2700"/>
+          </a:p>
+        </p:txBody>
+      </p:sp>
+      <p:sp>
+        <p:nvSpPr>
+          <p:cNvPr id="159" name="Google Shape;159;p17"/>
+          <p:cNvSpPr txBox="1">
+            <a:spLocks noGrp="1"/>
+          </p:cNvSpPr>
+          <p:nvPr>
+            <p:ph type="body" idx="1"/>
+          </p:nvPr>
+        </p:nvSpPr>
+        <p:spPr>
+          <a:xfrm>
+            <a:off x="1297500" y="1567550"/>
+            <a:ext cx="7038900" cy="2911200"/>
+          </a:xfrm>
+          <a:prstGeom prst="rect">
+            <a:avLst/>
+          </a:prstGeom>
+        </p:spPr>
+        <p:txBody>
+          <a:bodyPr spcFirstLastPara="1" wrap="square" lIns="91425" tIns="91425" rIns="91425" bIns="91425" anchor="t" anchorCtr="0">
+            <a:normAutofit/>
+          </a:bodyPr>
+          <a:lstStyle/>
+          <a:p>
+            <a:pPr marL="457200" lvl="0" indent="-330200" algn="l" rtl="0">
+              <a:spcBef>
+                <a:spcPts val="0"/>
+              </a:spcBef>
+              <a:spcAft>
+                <a:spcPts val="0"/>
+              </a:spcAft>
+              <a:buSzPts val="1600"/>
+              <a:buChar char="❖"/>
+            </a:pPr>
+            <a:r>
+              <a:rPr lang="en" sz="1600"/>
+              <a:t>We are using a </a:t>
+            </a:r>
+            <a:r>
+              <a:rPr lang="en" sz="1600" b="1"/>
+              <a:t>Neuro Genetic Hybrid System</a:t>
+            </a:r>
+            <a:r>
+              <a:rPr lang="en" sz="1600"/>
+              <a:t> and hence the systems used are:</a:t>
+            </a:r>
+            <a:endParaRPr sz="1600"/>
+          </a:p>
+          <a:p>
+            <a:pPr marL="914400" lvl="1" indent="-317500" algn="l" rtl="0">
+              <a:spcBef>
+                <a:spcPts val="0"/>
+              </a:spcBef>
+              <a:spcAft>
+                <a:spcPts val="0"/>
+              </a:spcAft>
+              <a:buSzPts val="1400"/>
+              <a:buChar char="➢"/>
+            </a:pPr>
+            <a:r>
+              <a:rPr lang="en" sz="1400" b="1"/>
+              <a:t>Genetic Algorithm</a:t>
+            </a:r>
+            <a:endParaRPr sz="1400" b="1"/>
+          </a:p>
+          <a:p>
+            <a:pPr marL="914400" lvl="1" indent="-317500" algn="l" rtl="0">
+              <a:spcBef>
+                <a:spcPts val="0"/>
+              </a:spcBef>
+              <a:spcAft>
+                <a:spcPts val="0"/>
+              </a:spcAft>
+              <a:buSzPts val="1400"/>
+              <a:buChar char="➢"/>
+            </a:pPr>
+            <a:r>
+              <a:rPr lang="en" sz="1400" b="1"/>
+              <a:t>Feed-Forward Neural Network</a:t>
+            </a:r>
+            <a:endParaRPr sz="1400" b="1"/>
+          </a:p>
+        </p:txBody>
+      </p:sp>
+    </p:spTree>
+  </p:cSld>
+  <p:clrMapOvr>
+    <a:masterClrMapping/>
+  </p:clrMapOvr>
+</p:sld>
+</file>
+
+<file path=ppt/slides/slide7.xml><?xml version="1.0" encoding="utf-8"?>
+<p:sld xmlns:a="http://schemas.openxmlformats.org/drawingml/2006/main" xmlns:r="http://schemas.openxmlformats.org/officeDocument/2006/relationships" xmlns:p="http://schemas.openxmlformats.org/presentationml/2006/main">
+  <p:cSld>
+    <p:spTree>
+      <p:nvGrpSpPr>
+        <p:cNvPr id="1" name="Shape 169"/>
         <p:cNvGrpSpPr/>
         <p:nvPr/>
       </p:nvGrpSpPr>
@@ -11985,7 +11891,9 @@
       <p:sp>
         <p:nvSpPr>
           <p:cNvPr id="170" name="Google Shape;170;p19"/>
-          <p:cNvSpPr txBox="1"/>
+          <p:cNvSpPr txBox="1">
+            <a:spLocks noGrp="1"/>
+          </p:cNvSpPr>
           <p:nvPr>
             <p:ph type="title"/>
           </p:nvPr>
@@ -12000,12 +11908,12 @@
           </a:prstGeom>
         </p:spPr>
         <p:txBody>
-          <a:bodyPr anchorCtr="0" anchor="t" bIns="91425" lIns="91425" spcFirstLastPara="1" rIns="91425" wrap="square" tIns="91425">
+          <a:bodyPr spcFirstLastPara="1" wrap="square" lIns="91425" tIns="91425" rIns="91425" bIns="91425" anchor="t" anchorCtr="0">
             <a:normAutofit/>
           </a:bodyPr>
           <a:lstStyle/>
           <a:p>
-            <a:pPr indent="0" lvl="0" marL="0" rtl="0" algn="l">
+            <a:pPr marL="0" lvl="0" indent="0" algn="l" rtl="0">
               <a:spcBef>
                 <a:spcPts val="0"/>
               </a:spcBef>
@@ -12025,9 +11933,11 @@
       <p:sp>
         <p:nvSpPr>
           <p:cNvPr id="171" name="Google Shape;171;p19"/>
-          <p:cNvSpPr txBox="1"/>
+          <p:cNvSpPr txBox="1">
+            <a:spLocks noGrp="1"/>
+          </p:cNvSpPr>
           <p:nvPr>
-            <p:ph idx="1" type="body"/>
+            <p:ph type="body" idx="1"/>
           </p:nvPr>
         </p:nvSpPr>
         <p:spPr>
@@ -12040,12 +11950,12 @@
           </a:prstGeom>
         </p:spPr>
         <p:txBody>
-          <a:bodyPr anchorCtr="0" anchor="t" bIns="91425" lIns="91425" spcFirstLastPara="1" rIns="91425" wrap="square" tIns="91425">
+          <a:bodyPr spcFirstLastPara="1" wrap="square" lIns="91425" tIns="91425" rIns="91425" bIns="91425" anchor="t" anchorCtr="0">
             <a:normAutofit/>
           </a:bodyPr>
           <a:lstStyle/>
           <a:p>
-            <a:pPr indent="-298450" lvl="0" marL="457200" rtl="0" algn="l">
+            <a:pPr marL="457200" lvl="0" indent="-298450" algn="l" rtl="0">
               <a:spcBef>
                 <a:spcPts val="0"/>
               </a:spcBef>
@@ -12062,7 +11972,7 @@
             <a:endParaRPr sz="1600"/>
           </a:p>
           <a:p>
-            <a:pPr indent="-311150" lvl="1" marL="914400" rtl="0" algn="l">
+            <a:pPr marL="914400" lvl="1" indent="-311150" algn="l" rtl="0">
               <a:spcBef>
                 <a:spcPts val="0"/>
               </a:spcBef>
@@ -12079,7 +11989,7 @@
             <a:endParaRPr sz="1400"/>
           </a:p>
           <a:p>
-            <a:pPr indent="-311150" lvl="1" marL="914400" rtl="0" algn="l">
+            <a:pPr marL="914400" lvl="1" indent="-311150" algn="l" rtl="0">
               <a:spcBef>
                 <a:spcPts val="0"/>
               </a:spcBef>
@@ -12106,11 +12016,11 @@
 </file>
 
 <file path=ppt/slides/slide8.xml><?xml version="1.0" encoding="utf-8"?>
-<p:sld xmlns:a="http://schemas.openxmlformats.org/drawingml/2006/main" xmlns:r="http://schemas.openxmlformats.org/officeDocument/2006/relationships" xmlns:mc="http://schemas.openxmlformats.org/markup-compatibility/2006" xmlns:mv="urn:schemas-microsoft-com:mac:vml" xmlns:p="http://schemas.openxmlformats.org/presentationml/2006/main" xmlns:c="http://schemas.openxmlformats.org/drawingml/2006/chart" xmlns:dgm="http://schemas.openxmlformats.org/drawingml/2006/diagram" xmlns:o="urn:schemas-microsoft-com:office:office" xmlns:v="urn:schemas-microsoft-com:vml" xmlns:pvml="urn:schemas-microsoft-com:office:powerpoint" xmlns:com="http://schemas.openxmlformats.org/drawingml/2006/compatibility" xmlns:p14="http://schemas.microsoft.com/office/powerpoint/2010/main" xmlns:p15="http://schemas.microsoft.com/office/powerpoint/2012/main" xmlns:ahyp="http://schemas.microsoft.com/office/drawing/2018/hyperlinkcolor">
+<p:sld xmlns:a="http://schemas.openxmlformats.org/drawingml/2006/main" xmlns:r="http://schemas.openxmlformats.org/officeDocument/2006/relationships" xmlns:p="http://schemas.openxmlformats.org/presentationml/2006/main">
   <p:cSld>
     <p:spTree>
       <p:nvGrpSpPr>
-        <p:cNvPr id="175" name="Shape 175"/>
+        <p:cNvPr id="1" name="Shape 175"/>
         <p:cNvGrpSpPr/>
         <p:nvPr/>
       </p:nvGrpSpPr>
@@ -12125,7 +12035,9 @@
       <p:sp>
         <p:nvSpPr>
           <p:cNvPr id="176" name="Google Shape;176;p20"/>
-          <p:cNvSpPr txBox="1"/>
+          <p:cNvSpPr txBox="1">
+            <a:spLocks noGrp="1"/>
+          </p:cNvSpPr>
           <p:nvPr>
             <p:ph type="title"/>
           </p:nvPr>
@@ -12140,12 +12052,12 @@
           </a:prstGeom>
         </p:spPr>
         <p:txBody>
-          <a:bodyPr anchorCtr="0" anchor="t" bIns="91425" lIns="91425" spcFirstLastPara="1" rIns="91425" wrap="square" tIns="91425">
+          <a:bodyPr spcFirstLastPara="1" wrap="square" lIns="91425" tIns="91425" rIns="91425" bIns="91425" anchor="t" anchorCtr="0">
             <a:normAutofit/>
           </a:bodyPr>
           <a:lstStyle/>
           <a:p>
-            <a:pPr indent="0" lvl="0" marL="0" rtl="0" algn="l">
+            <a:pPr marL="0" lvl="0" indent="0" algn="l" rtl="0">
               <a:spcBef>
                 <a:spcPts val="0"/>
               </a:spcBef>
@@ -12165,9 +12077,11 @@
       <p:sp>
         <p:nvSpPr>
           <p:cNvPr id="177" name="Google Shape;177;p20"/>
-          <p:cNvSpPr txBox="1"/>
+          <p:cNvSpPr txBox="1">
+            <a:spLocks noGrp="1"/>
+          </p:cNvSpPr>
           <p:nvPr>
-            <p:ph idx="1" type="body"/>
+            <p:ph type="body" idx="1"/>
           </p:nvPr>
         </p:nvSpPr>
         <p:spPr>
@@ -12180,12 +12094,12 @@
           </a:prstGeom>
         </p:spPr>
         <p:txBody>
-          <a:bodyPr anchorCtr="0" anchor="t" bIns="91425" lIns="91425" spcFirstLastPara="1" rIns="91425" wrap="square" tIns="91425">
+          <a:bodyPr spcFirstLastPara="1" wrap="square" lIns="91425" tIns="91425" rIns="91425" bIns="91425" anchor="t" anchorCtr="0">
             <a:noAutofit/>
           </a:bodyPr>
           <a:lstStyle/>
           <a:p>
-            <a:pPr indent="-323850" lvl="0" marL="457200" rtl="0" algn="l">
+            <a:pPr marL="457200" lvl="0" indent="-323850" algn="l" rtl="0">
               <a:lnSpc>
                 <a:spcPct val="95000"/>
               </a:lnSpc>
@@ -12199,13 +12113,13 @@
               <a:buChar char="❖"/>
             </a:pPr>
             <a:r>
-              <a:rPr b="1" lang="en" sz="1600"/>
+              <a:rPr lang="en" sz="1600" b="1" dirty="0"/>
               <a:t>Genetic Algorithm </a:t>
             </a:r>
-            <a:endParaRPr b="1" sz="1600"/>
+            <a:endParaRPr sz="1600" b="1" dirty="0"/>
           </a:p>
           <a:p>
-            <a:pPr indent="-330200" lvl="1" marL="914400" rtl="0" algn="l">
+            <a:pPr marL="914400" lvl="1" indent="-330200" algn="l" rtl="0">
               <a:lnSpc>
                 <a:spcPct val="95000"/>
               </a:lnSpc>
@@ -12219,13 +12133,13 @@
               <a:buChar char="➢"/>
             </a:pPr>
             <a:r>
-              <a:rPr lang="en" sz="1600"/>
+              <a:rPr lang="en" sz="1600" dirty="0"/>
               <a:t>Initialized a population of 50 snakes with randomized characteristics (weights of neural network) </a:t>
             </a:r>
-            <a:endParaRPr sz="1600"/>
+            <a:endParaRPr sz="1600" dirty="0"/>
           </a:p>
           <a:p>
-            <a:pPr indent="-330200" lvl="1" marL="914400" rtl="0" algn="l">
+            <a:pPr marL="914400" lvl="1" indent="-330200" algn="l" rtl="0">
               <a:lnSpc>
                 <a:spcPct val="95000"/>
               </a:lnSpc>
@@ -12239,13 +12153,13 @@
               <a:buChar char="➢"/>
             </a:pPr>
             <a:r>
-              <a:rPr lang="en" sz="1600"/>
+              <a:rPr lang="en" sz="1600" dirty="0"/>
               <a:t>We calculate fitness as follows</a:t>
             </a:r>
-            <a:endParaRPr sz="1600"/>
+            <a:endParaRPr sz="1600" dirty="0"/>
           </a:p>
           <a:p>
-            <a:pPr indent="-317500" lvl="2" marL="1371600" rtl="0" algn="l">
+            <a:pPr marL="1371600" lvl="2" indent="-317500" algn="l" rtl="0">
               <a:lnSpc>
                 <a:spcPct val="95000"/>
               </a:lnSpc>
@@ -12259,13 +12173,13 @@
               <a:buChar char="■"/>
             </a:pPr>
             <a:r>
-              <a:rPr lang="en" sz="1400"/>
+              <a:rPr lang="en" sz="1400" dirty="0"/>
               <a:t>If the snake eat an apple : 5000 x number of apples eaten by the snake</a:t>
             </a:r>
-            <a:endParaRPr sz="1400"/>
+            <a:endParaRPr sz="1400" dirty="0"/>
           </a:p>
           <a:p>
-            <a:pPr indent="-317500" lvl="2" marL="1371600" rtl="0" algn="l">
+            <a:pPr marL="1371600" lvl="2" indent="-317500" algn="l" rtl="0">
               <a:lnSpc>
                 <a:spcPct val="95000"/>
               </a:lnSpc>
@@ -12279,25 +12193,13 @@
               <a:buChar char="■"/>
             </a:pPr>
             <a:r>
-              <a:rPr lang="en" sz="1400"/>
-              <a:t>If  the snake eats itself : </a:t>
+              <a:rPr lang="en" sz="1400" dirty="0"/>
+              <a:t>If  the snake eats itself : (-1)</a:t>
             </a:r>
-            <a:r>
-              <a:rPr lang="en" sz="1400"/>
-              <a:t>(</a:t>
-            </a:r>
-            <a:r>
-              <a:rPr lang="en" sz="1400"/>
-              <a:t>-1</a:t>
-            </a:r>
-            <a:r>
-              <a:rPr lang="en" sz="1400"/>
-              <a:t>)</a:t>
-            </a:r>
-            <a:endParaRPr sz="1400"/>
+            <a:endParaRPr sz="1400" dirty="0"/>
           </a:p>
           <a:p>
-            <a:pPr indent="-317500" lvl="2" marL="1371600" rtl="0" algn="l">
+            <a:pPr marL="1371600" lvl="2" indent="-317500" algn="l" rtl="0">
               <a:lnSpc>
                 <a:spcPct val="95000"/>
               </a:lnSpc>
@@ -12311,25 +12213,13 @@
               <a:buChar char="■"/>
             </a:pPr>
             <a:r>
-              <a:rPr lang="en" sz="1400"/>
-              <a:t>If the snake hits a border : </a:t>
+              <a:rPr lang="en" sz="1400" dirty="0"/>
+              <a:t>If the snake hits a border : (-1)</a:t>
             </a:r>
-            <a:r>
-              <a:rPr lang="en" sz="1400"/>
-              <a:t>(</a:t>
-            </a:r>
-            <a:r>
-              <a:rPr lang="en" sz="1400"/>
-              <a:t>-1</a:t>
-            </a:r>
-            <a:r>
-              <a:rPr lang="en" sz="1400"/>
-              <a:t>)</a:t>
-            </a:r>
-            <a:endParaRPr sz="1400"/>
+            <a:endParaRPr sz="1400" dirty="0"/>
           </a:p>
           <a:p>
-            <a:pPr indent="-317500" lvl="2" marL="1371600" rtl="0" algn="l">
+            <a:pPr marL="1371600" lvl="2" indent="-317500" algn="l" rtl="0">
               <a:lnSpc>
                 <a:spcPct val="95000"/>
               </a:lnSpc>
@@ -12343,25 +12233,13 @@
               <a:buChar char="■"/>
             </a:pPr>
             <a:r>
-              <a:rPr lang="en" sz="1400"/>
-              <a:t>If the snake repeats itself for a long time : </a:t>
+              <a:rPr lang="en" sz="1400" dirty="0"/>
+              <a:t>If the snake repeats itself for a long time : (-1)</a:t>
             </a:r>
-            <a:r>
-              <a:rPr lang="en" sz="1400"/>
-              <a:t>(</a:t>
-            </a:r>
-            <a:r>
-              <a:rPr lang="en" sz="1400"/>
-              <a:t>-1</a:t>
-            </a:r>
-            <a:r>
-              <a:rPr lang="en" sz="1400"/>
-              <a:t>)</a:t>
-            </a:r>
-            <a:endParaRPr sz="1400"/>
+            <a:endParaRPr sz="1400" dirty="0"/>
           </a:p>
           <a:p>
-            <a:pPr indent="-330200" lvl="1" marL="914400" rtl="0" algn="l">
+            <a:pPr marL="914400" lvl="1" indent="-330200" algn="l" rtl="0">
               <a:lnSpc>
                 <a:spcPct val="95000"/>
               </a:lnSpc>
@@ -12375,13 +12253,12 @@
               <a:buChar char="➢"/>
             </a:pPr>
             <a:r>
-              <a:rPr lang="en" sz="1600"/>
+              <a:rPr lang="en" sz="1600" dirty="0"/>
               <a:t>According to the fitness, we crossover some number of parents everytime and mutate the children formed using crossover.</a:t>
             </a:r>
-            <a:endParaRPr sz="1600"/>
           </a:p>
           <a:p>
-            <a:pPr indent="-330200" lvl="1" marL="914400" rtl="0" algn="l">
+            <a:pPr marL="914400" lvl="1" indent="-330200" algn="l" rtl="0">
               <a:lnSpc>
                 <a:spcPct val="95000"/>
               </a:lnSpc>
@@ -12395,18 +12272,30 @@
               <a:buChar char="➢"/>
             </a:pPr>
             <a:r>
-              <a:rPr lang="en" sz="1600"/>
-              <a:t>We </a:t>
+              <a:rPr lang="en" sz="1600" dirty="0"/>
+              <a:t>We are using the uniform crossover method to do the crossover. </a:t>
             </a:r>
+            <a:endParaRPr sz="1600" dirty="0"/>
+          </a:p>
+          <a:p>
+            <a:pPr marL="914400" lvl="1" indent="-330200" algn="l" rtl="0">
+              <a:lnSpc>
+                <a:spcPct val="95000"/>
+              </a:lnSpc>
+              <a:spcBef>
+                <a:spcPts val="0"/>
+              </a:spcBef>
+              <a:spcAft>
+                <a:spcPts val="0"/>
+              </a:spcAft>
+              <a:buSzPts val="1600"/>
+              <a:buChar char="➢"/>
+            </a:pPr>
             <a:r>
-              <a:rPr lang="en" sz="1600"/>
-              <a:t>continue</a:t>
+              <a:rPr lang="en" sz="1600" dirty="0"/>
+              <a:t>We continue this unless we reach a fixed number of generations because we cannot determine the exact number of generations when the snake will be most optimal.</a:t>
             </a:r>
-            <a:r>
-              <a:rPr lang="en" sz="1600"/>
-              <a:t> this unless we reach a fixed number of generations because we cannot determine the exact number of generations when the snake will be most optimal.</a:t>
-            </a:r>
-            <a:endParaRPr sz="1600"/>
+            <a:endParaRPr sz="1600" dirty="0"/>
           </a:p>
         </p:txBody>
       </p:sp>
@@ -12419,11 +12308,11 @@
 </file>
 
 <file path=ppt/slides/slide9.xml><?xml version="1.0" encoding="utf-8"?>
-<p:sld xmlns:a="http://schemas.openxmlformats.org/drawingml/2006/main" xmlns:r="http://schemas.openxmlformats.org/officeDocument/2006/relationships" xmlns:mc="http://schemas.openxmlformats.org/markup-compatibility/2006" xmlns:mv="urn:schemas-microsoft-com:mac:vml" xmlns:p="http://schemas.openxmlformats.org/presentationml/2006/main" xmlns:c="http://schemas.openxmlformats.org/drawingml/2006/chart" xmlns:dgm="http://schemas.openxmlformats.org/drawingml/2006/diagram" xmlns:o="urn:schemas-microsoft-com:office:office" xmlns:v="urn:schemas-microsoft-com:vml" xmlns:pvml="urn:schemas-microsoft-com:office:powerpoint" xmlns:com="http://schemas.openxmlformats.org/drawingml/2006/compatibility" xmlns:p14="http://schemas.microsoft.com/office/powerpoint/2010/main" xmlns:p15="http://schemas.microsoft.com/office/powerpoint/2012/main" xmlns:ahyp="http://schemas.microsoft.com/office/drawing/2018/hyperlinkcolor">
+<p:sld xmlns:a="http://schemas.openxmlformats.org/drawingml/2006/main" xmlns:r="http://schemas.openxmlformats.org/officeDocument/2006/relationships" xmlns:p="http://schemas.openxmlformats.org/presentationml/2006/main">
   <p:cSld>
     <p:spTree>
       <p:nvGrpSpPr>
-        <p:cNvPr id="181" name="Shape 181"/>
+        <p:cNvPr id="1" name="Shape 181"/>
         <p:cNvGrpSpPr/>
         <p:nvPr/>
       </p:nvGrpSpPr>
@@ -12438,7 +12327,9 @@
       <p:sp>
         <p:nvSpPr>
           <p:cNvPr id="182" name="Google Shape;182;p21"/>
-          <p:cNvSpPr txBox="1"/>
+          <p:cNvSpPr txBox="1">
+            <a:spLocks noGrp="1"/>
+          </p:cNvSpPr>
           <p:nvPr>
             <p:ph type="title"/>
           </p:nvPr>
@@ -12453,12 +12344,12 @@
           </a:prstGeom>
         </p:spPr>
         <p:txBody>
-          <a:bodyPr anchorCtr="0" anchor="t" bIns="91425" lIns="91425" spcFirstLastPara="1" rIns="91425" wrap="square" tIns="91425">
+          <a:bodyPr spcFirstLastPara="1" wrap="square" lIns="91425" tIns="91425" rIns="91425" bIns="91425" anchor="t" anchorCtr="0">
             <a:normAutofit/>
           </a:bodyPr>
           <a:lstStyle/>
           <a:p>
-            <a:pPr indent="0" lvl="0" marL="0" rtl="0" algn="l">
+            <a:pPr marL="0" lvl="0" indent="0" algn="l" rtl="0">
               <a:spcBef>
                 <a:spcPts val="0"/>
               </a:spcBef>
@@ -12478,9 +12369,11 @@
       <p:sp>
         <p:nvSpPr>
           <p:cNvPr id="183" name="Google Shape;183;p21"/>
-          <p:cNvSpPr txBox="1"/>
+          <p:cNvSpPr txBox="1">
+            <a:spLocks noGrp="1"/>
+          </p:cNvSpPr>
           <p:nvPr>
-            <p:ph idx="1" type="body"/>
+            <p:ph type="body" idx="1"/>
           </p:nvPr>
         </p:nvSpPr>
         <p:spPr>
@@ -12493,12 +12386,12 @@
           </a:prstGeom>
         </p:spPr>
         <p:txBody>
-          <a:bodyPr anchorCtr="0" anchor="t" bIns="91425" lIns="91425" spcFirstLastPara="1" rIns="91425" wrap="square" tIns="91425">
+          <a:bodyPr spcFirstLastPara="1" wrap="square" lIns="91425" tIns="91425" rIns="91425" bIns="91425" anchor="t" anchorCtr="0">
             <a:normAutofit fontScale="85000" lnSpcReduction="20000"/>
           </a:bodyPr>
           <a:lstStyle/>
           <a:p>
-            <a:pPr indent="-309562" lvl="0" marL="457200" rtl="0" algn="l">
+            <a:pPr marL="457200" lvl="0" indent="-309562" algn="l" rtl="0">
               <a:spcBef>
                 <a:spcPts val="0"/>
               </a:spcBef>
@@ -12509,17 +12402,13 @@
               <a:buChar char="❖"/>
             </a:pPr>
             <a:r>
-              <a:rPr b="1" lang="en" sz="1600"/>
-              <a:t>Feed-Forward Neural Network</a:t>
+              <a:rPr lang="en" sz="1600" b="1" dirty="0"/>
+              <a:t>Feed-Forward Neural Network </a:t>
             </a:r>
-            <a:r>
-              <a:rPr b="1" lang="en" sz="1600"/>
-              <a:t> </a:t>
-            </a:r>
-            <a:endParaRPr b="1" sz="1600"/>
+            <a:endParaRPr sz="1600" b="1" dirty="0"/>
           </a:p>
           <a:p>
-            <a:pPr indent="-314960" lvl="1" marL="914400" rtl="0" algn="l">
+            <a:pPr marL="914400" lvl="1" indent="-314960" algn="l" rtl="0">
               <a:spcBef>
                 <a:spcPts val="0"/>
               </a:spcBef>
@@ -12530,13 +12419,13 @@
               <a:buChar char="➢"/>
             </a:pPr>
             <a:r>
-              <a:rPr lang="en" sz="1600"/>
+              <a:rPr lang="en" sz="1600" dirty="0"/>
               <a:t>Initialized all weights with random values. </a:t>
             </a:r>
-            <a:endParaRPr sz="1600"/>
+            <a:endParaRPr sz="1600" dirty="0"/>
           </a:p>
           <a:p>
-            <a:pPr indent="-314960" lvl="1" marL="914400" rtl="0" algn="l">
+            <a:pPr marL="914400" lvl="1" indent="-314960" algn="l" rtl="0">
               <a:spcBef>
                 <a:spcPts val="0"/>
               </a:spcBef>
@@ -12547,13 +12436,13 @@
               <a:buChar char="➢"/>
             </a:pPr>
             <a:r>
-              <a:rPr lang="en" sz="1600"/>
+              <a:rPr lang="en" sz="1600" dirty="0"/>
               <a:t>We have created two hidden layers in this neural network.</a:t>
             </a:r>
-            <a:endParaRPr sz="1600"/>
+            <a:endParaRPr sz="1600" dirty="0"/>
           </a:p>
           <a:p>
-            <a:pPr indent="-314960" lvl="1" marL="914400" rtl="0" algn="l">
+            <a:pPr marL="914400" lvl="1" indent="-314960" algn="l" rtl="0">
               <a:spcBef>
                 <a:spcPts val="0"/>
               </a:spcBef>
@@ -12564,13 +12453,13 @@
               <a:buChar char="➢"/>
             </a:pPr>
             <a:r>
-              <a:rPr lang="en" sz="1600"/>
-              <a:t>Input layer consists of 4 nodes and output layer consists of 3 nodes.</a:t>
+              <a:rPr lang="en" sz="1600" dirty="0"/>
+              <a:t>Input layer consists of 7 neurons and output layer consists of 3 nodes.</a:t>
             </a:r>
-            <a:endParaRPr sz="1600"/>
+            <a:endParaRPr sz="1600" dirty="0"/>
           </a:p>
           <a:p>
-            <a:pPr indent="-314960" lvl="1" marL="914400" rtl="0" algn="l">
+            <a:pPr marL="914400" lvl="1" indent="-314960" algn="l" rtl="0">
               <a:spcBef>
                 <a:spcPts val="0"/>
               </a:spcBef>
@@ -12581,13 +12470,13 @@
               <a:buChar char="➢"/>
             </a:pPr>
             <a:r>
-              <a:rPr lang="en" sz="1600"/>
+              <a:rPr lang="en" sz="1600" dirty="0"/>
               <a:t>Input Layer of the neural network consists of the following :</a:t>
             </a:r>
-            <a:endParaRPr sz="1600"/>
+            <a:endParaRPr sz="1600" dirty="0"/>
           </a:p>
           <a:p>
-            <a:pPr indent="-314960" lvl="2" marL="1371600" rtl="0" algn="l">
+            <a:pPr marL="1371600" lvl="2" indent="-314960" algn="l" rtl="0">
               <a:spcBef>
                 <a:spcPts val="0"/>
               </a:spcBef>
@@ -12598,13 +12487,13 @@
               <a:buChar char="■"/>
             </a:pPr>
             <a:r>
-              <a:rPr lang="en" sz="1400"/>
+              <a:rPr lang="en" sz="1400" dirty="0"/>
               <a:t>The direction of movement of the snake.</a:t>
             </a:r>
-            <a:endParaRPr sz="1400"/>
+            <a:endParaRPr sz="1400" dirty="0"/>
           </a:p>
           <a:p>
-            <a:pPr indent="-314960" lvl="2" marL="1371600" rtl="0" algn="l">
+            <a:pPr marL="1371600" lvl="2" indent="-314960" algn="l" rtl="0">
               <a:spcBef>
                 <a:spcPts val="0"/>
               </a:spcBef>
@@ -12615,13 +12504,13 @@
               <a:buChar char="■"/>
             </a:pPr>
             <a:r>
-              <a:rPr lang="en" sz="1400"/>
+              <a:rPr lang="en" sz="1400" dirty="0"/>
               <a:t>The position of the food.</a:t>
             </a:r>
-            <a:endParaRPr sz="1400"/>
+            <a:endParaRPr sz="1400" dirty="0"/>
           </a:p>
           <a:p>
-            <a:pPr indent="-314960" lvl="2" marL="1371600" rtl="0" algn="l">
+            <a:pPr marL="1371600" lvl="2" indent="-314960" algn="l" rtl="0">
               <a:spcBef>
                 <a:spcPts val="0"/>
               </a:spcBef>
@@ -12632,13 +12521,13 @@
               <a:buChar char="■"/>
             </a:pPr>
             <a:r>
-              <a:rPr lang="en" sz="1400"/>
+              <a:rPr lang="en" sz="1400" dirty="0"/>
               <a:t>The boundaries of the wall</a:t>
             </a:r>
-            <a:endParaRPr sz="1400"/>
+            <a:endParaRPr sz="1400" dirty="0"/>
           </a:p>
           <a:p>
-            <a:pPr indent="-314960" lvl="2" marL="1371600" rtl="0" algn="l">
+            <a:pPr marL="1371600" lvl="2" indent="-314960" algn="l" rtl="0">
               <a:spcBef>
                 <a:spcPts val="0"/>
               </a:spcBef>
@@ -12649,13 +12538,13 @@
               <a:buChar char="■"/>
             </a:pPr>
             <a:r>
-              <a:rPr lang="en" sz="1400"/>
+              <a:rPr lang="en" sz="1400" dirty="0"/>
               <a:t>The direction of food from the snake</a:t>
             </a:r>
-            <a:endParaRPr sz="1400"/>
+            <a:endParaRPr sz="1400" dirty="0"/>
           </a:p>
           <a:p>
-            <a:pPr indent="-304165" lvl="1" marL="914400" rtl="0" algn="l">
+            <a:pPr marL="914400" lvl="1" indent="-304165" algn="l" rtl="0">
               <a:spcBef>
                 <a:spcPts val="0"/>
               </a:spcBef>
@@ -12666,13 +12555,13 @@
               <a:buChar char="➢"/>
             </a:pPr>
             <a:r>
-              <a:rPr lang="en" sz="1400"/>
+              <a:rPr lang="en" sz="1400" dirty="0"/>
               <a:t>Output Layer of the neural network gives us the direction in which our snake should move in the next step :</a:t>
             </a:r>
-            <a:endParaRPr sz="1400"/>
+            <a:endParaRPr sz="1400" dirty="0"/>
           </a:p>
           <a:p>
-            <a:pPr indent="-304164" lvl="2" marL="1371600" rtl="0" algn="l">
+            <a:pPr marL="1371600" lvl="2" indent="-304164" algn="l" rtl="0">
               <a:spcBef>
                 <a:spcPts val="0"/>
               </a:spcBef>
@@ -12683,13 +12572,13 @@
               <a:buChar char="■"/>
             </a:pPr>
             <a:r>
-              <a:rPr lang="en" sz="1400"/>
+              <a:rPr lang="en" sz="1400" dirty="0"/>
               <a:t>Move left</a:t>
             </a:r>
-            <a:endParaRPr sz="1400"/>
+            <a:endParaRPr sz="1400" dirty="0"/>
           </a:p>
           <a:p>
-            <a:pPr indent="-304164" lvl="2" marL="1371600" rtl="0" algn="l">
+            <a:pPr marL="1371600" lvl="2" indent="-304164" algn="l" rtl="0">
               <a:spcBef>
                 <a:spcPts val="0"/>
               </a:spcBef>
@@ -12700,13 +12589,13 @@
               <a:buChar char="■"/>
             </a:pPr>
             <a:r>
-              <a:rPr lang="en" sz="1400"/>
+              <a:rPr lang="en" sz="1400" dirty="0"/>
               <a:t>Move right</a:t>
             </a:r>
-            <a:endParaRPr sz="1400"/>
+            <a:endParaRPr sz="1400" dirty="0"/>
           </a:p>
           <a:p>
-            <a:pPr indent="-304164" lvl="2" marL="1371600" rtl="0" algn="l">
+            <a:pPr marL="1371600" lvl="2" indent="-304164" algn="l" rtl="0">
               <a:spcBef>
                 <a:spcPts val="0"/>
               </a:spcBef>
@@ -12717,13 +12606,13 @@
               <a:buChar char="■"/>
             </a:pPr>
             <a:r>
-              <a:rPr lang="en" sz="1400"/>
+              <a:rPr lang="en" sz="1400" dirty="0"/>
               <a:t>Move in the same direction</a:t>
             </a:r>
-            <a:endParaRPr sz="1400"/>
+            <a:endParaRPr sz="1400" dirty="0"/>
           </a:p>
           <a:p>
-            <a:pPr indent="-304165" lvl="1" marL="914400" rtl="0" algn="l">
+            <a:pPr marL="914400" lvl="1" indent="-304165" algn="l" rtl="0">
               <a:spcBef>
                 <a:spcPts val="0"/>
               </a:spcBef>
@@ -12734,10 +12623,10 @@
               <a:buChar char="➢"/>
             </a:pPr>
             <a:r>
-              <a:rPr lang="en" sz="1400"/>
+              <a:rPr lang="en" sz="1400" dirty="0"/>
               <a:t>Each of the following will have some weights, and the one with maximum weight will be performed. </a:t>
             </a:r>
-            <a:endParaRPr sz="1400"/>
+            <a:endParaRPr sz="1400" dirty="0"/>
           </a:p>
         </p:txBody>
       </p:sp>
@@ -12750,7 +12639,7 @@
 </file>
 
 <file path=ppt/theme/theme1.xml><?xml version="1.0" encoding="utf-8"?>
-<a:theme xmlns:a="http://schemas.openxmlformats.org/drawingml/2006/main" xmlns:r="http://schemas.openxmlformats.org/officeDocument/2006/relationships" name="Focus">
+<a:theme xmlns:a="http://schemas.openxmlformats.org/drawingml/2006/main" name="Focus">
   <a:themeElements>
     <a:clrScheme name="Focus">
       <a:dk1>
@@ -13025,11 +12914,13 @@
       </a:bgFillStyleLst>
     </a:fmtScheme>
   </a:themeElements>
+  <a:objectDefaults/>
+  <a:extraClrSchemeLst/>
 </a:theme>
 </file>
 
 <file path=ppt/theme/theme2.xml><?xml version="1.0" encoding="utf-8"?>
-<a:theme xmlns:a="http://schemas.openxmlformats.org/drawingml/2006/main" xmlns:r="http://schemas.openxmlformats.org/officeDocument/2006/relationships">
+<a:theme xmlns:a="http://schemas.openxmlformats.org/drawingml/2006/main">
   <a:themeElements>
     <a:clrScheme name="Default">
       <a:dk1>
@@ -13304,5 +13195,7 @@
       </a:bgFillStyleLst>
     </a:fmtScheme>
   </a:themeElements>
+  <a:objectDefaults/>
+  <a:extraClrSchemeLst/>
 </a:theme>
 </file>